--- a/presentation.pptx
+++ b/presentation.pptx
@@ -6,12 +6,27 @@
   </p:sldMasterIdLst>
   <p:sldIdLst>
     <p:sldId id="256" r:id="rId2"/>
-    <p:sldId id="257" r:id="rId3"/>
-    <p:sldId id="258" r:id="rId4"/>
-    <p:sldId id="259" r:id="rId5"/>
-    <p:sldId id="262" r:id="rId6"/>
-    <p:sldId id="260" r:id="rId7"/>
-    <p:sldId id="261" r:id="rId8"/>
+    <p:sldId id="264" r:id="rId3"/>
+    <p:sldId id="257" r:id="rId4"/>
+    <p:sldId id="258" r:id="rId5"/>
+    <p:sldId id="259" r:id="rId6"/>
+    <p:sldId id="262" r:id="rId7"/>
+    <p:sldId id="271" r:id="rId8"/>
+    <p:sldId id="270" r:id="rId9"/>
+    <p:sldId id="272" r:id="rId10"/>
+    <p:sldId id="265" r:id="rId11"/>
+    <p:sldId id="260" r:id="rId12"/>
+    <p:sldId id="261" r:id="rId13"/>
+    <p:sldId id="266" r:id="rId14"/>
+    <p:sldId id="273" r:id="rId15"/>
+    <p:sldId id="274" r:id="rId16"/>
+    <p:sldId id="275" r:id="rId17"/>
+    <p:sldId id="276" r:id="rId18"/>
+    <p:sldId id="277" r:id="rId19"/>
+    <p:sldId id="267" r:id="rId20"/>
+    <p:sldId id="268" r:id="rId21"/>
+    <p:sldId id="269" r:id="rId22"/>
+    <p:sldId id="263" r:id="rId23"/>
   </p:sldIdLst>
   <p:sldSz cx="12192000" cy="6858000"/>
   <p:notesSz cx="6858000" cy="9144000"/>
@@ -306,7 +321,7 @@
           <a:p>
             <a:fld id="{87EEFCB5-38E7-45FC-A89E-52B1F9765DC8}" type="datetimeFigureOut">
               <a:rPr lang="fr-FR" smtClean="0"/>
-              <a:t>30/12/2015</a:t>
+              <a:t>01/01/2016</a:t>
             </a:fld>
             <a:endParaRPr lang="fr-FR"/>
           </a:p>
@@ -644,7 +659,7 @@
           <a:p>
             <a:fld id="{87EEFCB5-38E7-45FC-A89E-52B1F9765DC8}" type="datetimeFigureOut">
               <a:rPr lang="fr-FR" smtClean="0"/>
-              <a:t>30/12/2015</a:t>
+              <a:t>01/01/2016</a:t>
             </a:fld>
             <a:endParaRPr lang="fr-FR"/>
           </a:p>
@@ -1045,7 +1060,7 @@
           <a:p>
             <a:fld id="{87EEFCB5-38E7-45FC-A89E-52B1F9765DC8}" type="datetimeFigureOut">
               <a:rPr lang="fr-FR" smtClean="0"/>
-              <a:t>30/12/2015</a:t>
+              <a:t>01/01/2016</a:t>
             </a:fld>
             <a:endParaRPr lang="fr-FR"/>
           </a:p>
@@ -1381,7 +1396,7 @@
           <a:p>
             <a:fld id="{87EEFCB5-38E7-45FC-A89E-52B1F9765DC8}" type="datetimeFigureOut">
               <a:rPr lang="fr-FR" smtClean="0"/>
-              <a:t>30/12/2015</a:t>
+              <a:t>01/01/2016</a:t>
             </a:fld>
             <a:endParaRPr lang="fr-FR"/>
           </a:p>
@@ -1701,7 +1716,7 @@
           <a:p>
             <a:fld id="{87EEFCB5-38E7-45FC-A89E-52B1F9765DC8}" type="datetimeFigureOut">
               <a:rPr lang="fr-FR" smtClean="0"/>
-              <a:t>30/12/2015</a:t>
+              <a:t>01/01/2016</a:t>
             </a:fld>
             <a:endParaRPr lang="fr-FR"/>
           </a:p>
@@ -2097,7 +2112,7 @@
           <a:p>
             <a:fld id="{87EEFCB5-38E7-45FC-A89E-52B1F9765DC8}" type="datetimeFigureOut">
               <a:rPr lang="fr-FR" smtClean="0"/>
-              <a:t>30/12/2015</a:t>
+              <a:t>01/01/2016</a:t>
             </a:fld>
             <a:endParaRPr lang="fr-FR"/>
           </a:p>
@@ -2354,7 +2369,7 @@
           <a:p>
             <a:fld id="{87EEFCB5-38E7-45FC-A89E-52B1F9765DC8}" type="datetimeFigureOut">
               <a:rPr lang="fr-FR" smtClean="0"/>
-              <a:t>30/12/2015</a:t>
+              <a:t>01/01/2016</a:t>
             </a:fld>
             <a:endParaRPr lang="fr-FR"/>
           </a:p>
@@ -2616,7 +2631,7 @@
           <a:p>
             <a:fld id="{87EEFCB5-38E7-45FC-A89E-52B1F9765DC8}" type="datetimeFigureOut">
               <a:rPr lang="fr-FR" smtClean="0"/>
-              <a:t>30/12/2015</a:t>
+              <a:t>01/01/2016</a:t>
             </a:fld>
             <a:endParaRPr lang="fr-FR"/>
           </a:p>
@@ -2878,7 +2893,7 @@
           <a:p>
             <a:fld id="{87EEFCB5-38E7-45FC-A89E-52B1F9765DC8}" type="datetimeFigureOut">
               <a:rPr lang="fr-FR" smtClean="0"/>
-              <a:t>30/12/2015</a:t>
+              <a:t>01/01/2016</a:t>
             </a:fld>
             <a:endParaRPr lang="fr-FR"/>
           </a:p>
@@ -3207,7 +3222,7 @@
           <a:p>
             <a:fld id="{87EEFCB5-38E7-45FC-A89E-52B1F9765DC8}" type="datetimeFigureOut">
               <a:rPr lang="fr-FR" smtClean="0"/>
-              <a:t>30/12/2015</a:t>
+              <a:t>01/01/2016</a:t>
             </a:fld>
             <a:endParaRPr lang="fr-FR"/>
           </a:p>
@@ -3530,7 +3545,7 @@
           <a:p>
             <a:fld id="{87EEFCB5-38E7-45FC-A89E-52B1F9765DC8}" type="datetimeFigureOut">
               <a:rPr lang="fr-FR" smtClean="0"/>
-              <a:t>30/12/2015</a:t>
+              <a:t>01/01/2016</a:t>
             </a:fld>
             <a:endParaRPr lang="fr-FR"/>
           </a:p>
@@ -3987,7 +4002,7 @@
           <a:p>
             <a:fld id="{87EEFCB5-38E7-45FC-A89E-52B1F9765DC8}" type="datetimeFigureOut">
               <a:rPr lang="fr-FR" smtClean="0"/>
-              <a:t>30/12/2015</a:t>
+              <a:t>01/01/2016</a:t>
             </a:fld>
             <a:endParaRPr lang="fr-FR"/>
           </a:p>
@@ -4192,7 +4207,7 @@
           <a:p>
             <a:fld id="{87EEFCB5-38E7-45FC-A89E-52B1F9765DC8}" type="datetimeFigureOut">
               <a:rPr lang="fr-FR" smtClean="0"/>
-              <a:t>30/12/2015</a:t>
+              <a:t>01/01/2016</a:t>
             </a:fld>
             <a:endParaRPr lang="fr-FR"/>
           </a:p>
@@ -4369,7 +4384,7 @@
           <a:p>
             <a:fld id="{87EEFCB5-38E7-45FC-A89E-52B1F9765DC8}" type="datetimeFigureOut">
               <a:rPr lang="fr-FR" smtClean="0"/>
-              <a:t>30/12/2015</a:t>
+              <a:t>01/01/2016</a:t>
             </a:fld>
             <a:endParaRPr lang="fr-FR"/>
           </a:p>
@@ -4702,7 +4717,7 @@
           <a:p>
             <a:fld id="{87EEFCB5-38E7-45FC-A89E-52B1F9765DC8}" type="datetimeFigureOut">
               <a:rPr lang="fr-FR" smtClean="0"/>
-              <a:t>30/12/2015</a:t>
+              <a:t>01/01/2016</a:t>
             </a:fld>
             <a:endParaRPr lang="fr-FR"/>
           </a:p>
@@ -5047,7 +5062,7 @@
           <a:p>
             <a:fld id="{87EEFCB5-38E7-45FC-A89E-52B1F9765DC8}" type="datetimeFigureOut">
               <a:rPr lang="fr-FR" smtClean="0"/>
-              <a:t>30/12/2015</a:t>
+              <a:t>01/01/2016</a:t>
             </a:fld>
             <a:endParaRPr lang="fr-FR"/>
           </a:p>
@@ -7164,7 +7179,7 @@
           <a:p>
             <a:fld id="{87EEFCB5-38E7-45FC-A89E-52B1F9765DC8}" type="datetimeFigureOut">
               <a:rPr lang="fr-FR" smtClean="0"/>
-              <a:t>30/12/2015</a:t>
+              <a:t>01/01/2016</a:t>
             </a:fld>
             <a:endParaRPr lang="fr-FR"/>
           </a:p>
@@ -8035,6 +8050,2522 @@
 </p:sld>
 </file>
 
+<file path=ppt/slides/slide10.xml><?xml version="1.0" encoding="utf-8"?>
+<p:sld xmlns:a="http://schemas.openxmlformats.org/drawingml/2006/main" xmlns:r="http://schemas.openxmlformats.org/officeDocument/2006/relationships" xmlns:p="http://schemas.openxmlformats.org/presentationml/2006/main">
+  <p:cSld>
+    <p:spTree>
+      <p:nvGrpSpPr>
+        <p:cNvPr id="1" name=""/>
+        <p:cNvGrpSpPr/>
+        <p:nvPr/>
+      </p:nvGrpSpPr>
+      <p:grpSpPr>
+        <a:xfrm>
+          <a:off x="0" y="0"/>
+          <a:ext cx="0" cy="0"/>
+          <a:chOff x="0" y="0"/>
+          <a:chExt cx="0" cy="0"/>
+        </a:xfrm>
+      </p:grpSpPr>
+      <p:sp>
+        <p:nvSpPr>
+          <p:cNvPr id="2" name="Title 1"/>
+          <p:cNvSpPr>
+            <a:spLocks noGrp="1"/>
+          </p:cNvSpPr>
+          <p:nvPr>
+            <p:ph type="title"/>
+          </p:nvPr>
+        </p:nvSpPr>
+        <p:spPr/>
+        <p:txBody>
+          <a:bodyPr/>
+          <a:lstStyle/>
+          <a:p>
+            <a:r>
+              <a:rPr lang="fr-FR" dirty="0"/>
+              <a:t>Valeurs</a:t>
+            </a:r>
+          </a:p>
+        </p:txBody>
+      </p:sp>
+      <p:sp>
+        <p:nvSpPr>
+          <p:cNvPr id="3" name="Content Placeholder 2"/>
+          <p:cNvSpPr>
+            <a:spLocks noGrp="1"/>
+          </p:cNvSpPr>
+          <p:nvPr>
+            <p:ph idx="1"/>
+          </p:nvPr>
+        </p:nvSpPr>
+        <p:spPr>
+          <a:xfrm>
+            <a:off x="2592925" y="1798750"/>
+            <a:ext cx="8915400" cy="3777622"/>
+          </a:xfrm>
+        </p:spPr>
+        <p:txBody>
+          <a:bodyPr>
+            <a:normAutofit/>
+          </a:bodyPr>
+          <a:lstStyle/>
+          <a:p>
+            <a:r>
+              <a:rPr lang="fr-FR" sz="4400" dirty="0"/>
+              <a:t>être </a:t>
+            </a:r>
+            <a:r>
+              <a:rPr lang="fr-FR" sz="4400" dirty="0"/>
+              <a:t> </a:t>
+            </a:r>
+            <a:r>
+              <a:rPr lang="fr-FR" sz="4400" dirty="0" smtClean="0"/>
+              <a:t>petite</a:t>
+            </a:r>
+          </a:p>
+          <a:p>
+            <a:r>
+              <a:rPr lang="fr-FR" sz="4400" dirty="0"/>
+              <a:t>être </a:t>
+            </a:r>
+            <a:r>
+              <a:rPr lang="fr-FR" sz="4400" dirty="0" smtClean="0"/>
+              <a:t> </a:t>
+            </a:r>
+            <a:r>
+              <a:rPr lang="fr-FR" sz="4400" dirty="0" err="1" smtClean="0"/>
+              <a:t>Tomcat</a:t>
+            </a:r>
+            <a:endParaRPr lang="fr-FR" sz="4400" dirty="0" smtClean="0"/>
+          </a:p>
+          <a:p>
+            <a:r>
+              <a:rPr lang="fr-FR" sz="4400" dirty="0" smtClean="0"/>
+              <a:t>être </a:t>
+            </a:r>
+            <a:r>
+              <a:rPr lang="fr-FR" sz="4400" dirty="0"/>
+              <a:t>certifié</a:t>
+            </a:r>
+            <a:endParaRPr lang="fr-FR" sz="4400" dirty="0"/>
+          </a:p>
+        </p:txBody>
+      </p:sp>
+    </p:spTree>
+    <p:extLst>
+      <p:ext uri="{BB962C8B-B14F-4D97-AF65-F5344CB8AC3E}">
+        <p14:creationId xmlns:p14="http://schemas.microsoft.com/office/powerpoint/2010/main" val="566865411"/>
+      </p:ext>
+    </p:extLst>
+  </p:cSld>
+  <p:clrMapOvr>
+    <a:masterClrMapping/>
+  </p:clrMapOvr>
+  <p:timing>
+    <p:tnLst>
+      <p:par>
+        <p:cTn id="1" dur="indefinite" restart="never" nodeType="tmRoot">
+          <p:childTnLst>
+            <p:seq concurrent="1" nextAc="seek">
+              <p:cTn id="2" dur="indefinite" nodeType="mainSeq">
+                <p:childTnLst>
+                  <p:par>
+                    <p:cTn id="3" fill="hold">
+                      <p:stCondLst>
+                        <p:cond delay="indefinite"/>
+                      </p:stCondLst>
+                      <p:childTnLst>
+                        <p:par>
+                          <p:cTn id="4" fill="hold">
+                            <p:stCondLst>
+                              <p:cond delay="0"/>
+                            </p:stCondLst>
+                            <p:childTnLst>
+                              <p:par>
+                                <p:cTn id="5" presetID="1" presetClass="entr" presetSubtype="0" fill="hold" grpId="0" nodeType="clickEffect">
+                                  <p:stCondLst>
+                                    <p:cond delay="0"/>
+                                  </p:stCondLst>
+                                  <p:childTnLst>
+                                    <p:set>
+                                      <p:cBhvr>
+                                        <p:cTn id="6" dur="1" fill="hold">
+                                          <p:stCondLst>
+                                            <p:cond delay="0"/>
+                                          </p:stCondLst>
+                                        </p:cTn>
+                                        <p:tgtEl>
+                                          <p:spTgt spid="3">
+                                            <p:txEl>
+                                              <p:pRg st="0" end="0"/>
+                                            </p:txEl>
+                                          </p:spTgt>
+                                        </p:tgtEl>
+                                        <p:attrNameLst>
+                                          <p:attrName>style.visibility</p:attrName>
+                                        </p:attrNameLst>
+                                      </p:cBhvr>
+                                      <p:to>
+                                        <p:strVal val="visible"/>
+                                      </p:to>
+                                    </p:set>
+                                  </p:childTnLst>
+                                </p:cTn>
+                              </p:par>
+                            </p:childTnLst>
+                          </p:cTn>
+                        </p:par>
+                      </p:childTnLst>
+                    </p:cTn>
+                  </p:par>
+                  <p:par>
+                    <p:cTn id="7" fill="hold">
+                      <p:stCondLst>
+                        <p:cond delay="indefinite"/>
+                      </p:stCondLst>
+                      <p:childTnLst>
+                        <p:par>
+                          <p:cTn id="8" fill="hold">
+                            <p:stCondLst>
+                              <p:cond delay="0"/>
+                            </p:stCondLst>
+                            <p:childTnLst>
+                              <p:par>
+                                <p:cTn id="9" presetID="1" presetClass="entr" presetSubtype="0" fill="hold" grpId="0" nodeType="clickEffect">
+                                  <p:stCondLst>
+                                    <p:cond delay="0"/>
+                                  </p:stCondLst>
+                                  <p:childTnLst>
+                                    <p:set>
+                                      <p:cBhvr>
+                                        <p:cTn id="10" dur="1" fill="hold">
+                                          <p:stCondLst>
+                                            <p:cond delay="0"/>
+                                          </p:stCondLst>
+                                        </p:cTn>
+                                        <p:tgtEl>
+                                          <p:spTgt spid="3">
+                                            <p:txEl>
+                                              <p:pRg st="1" end="1"/>
+                                            </p:txEl>
+                                          </p:spTgt>
+                                        </p:tgtEl>
+                                        <p:attrNameLst>
+                                          <p:attrName>style.visibility</p:attrName>
+                                        </p:attrNameLst>
+                                      </p:cBhvr>
+                                      <p:to>
+                                        <p:strVal val="visible"/>
+                                      </p:to>
+                                    </p:set>
+                                  </p:childTnLst>
+                                </p:cTn>
+                              </p:par>
+                            </p:childTnLst>
+                          </p:cTn>
+                        </p:par>
+                      </p:childTnLst>
+                    </p:cTn>
+                  </p:par>
+                  <p:par>
+                    <p:cTn id="11" fill="hold">
+                      <p:stCondLst>
+                        <p:cond delay="indefinite"/>
+                      </p:stCondLst>
+                      <p:childTnLst>
+                        <p:par>
+                          <p:cTn id="12" fill="hold">
+                            <p:stCondLst>
+                              <p:cond delay="0"/>
+                            </p:stCondLst>
+                            <p:childTnLst>
+                              <p:par>
+                                <p:cTn id="13" presetID="1" presetClass="entr" presetSubtype="0" fill="hold" grpId="0" nodeType="clickEffect">
+                                  <p:stCondLst>
+                                    <p:cond delay="0"/>
+                                  </p:stCondLst>
+                                  <p:childTnLst>
+                                    <p:set>
+                                      <p:cBhvr>
+                                        <p:cTn id="14" dur="1" fill="hold">
+                                          <p:stCondLst>
+                                            <p:cond delay="0"/>
+                                          </p:stCondLst>
+                                        </p:cTn>
+                                        <p:tgtEl>
+                                          <p:spTgt spid="3">
+                                            <p:txEl>
+                                              <p:pRg st="2" end="2"/>
+                                            </p:txEl>
+                                          </p:spTgt>
+                                        </p:tgtEl>
+                                        <p:attrNameLst>
+                                          <p:attrName>style.visibility</p:attrName>
+                                        </p:attrNameLst>
+                                      </p:cBhvr>
+                                      <p:to>
+                                        <p:strVal val="visible"/>
+                                      </p:to>
+                                    </p:set>
+                                  </p:childTnLst>
+                                </p:cTn>
+                              </p:par>
+                            </p:childTnLst>
+                          </p:cTn>
+                        </p:par>
+                      </p:childTnLst>
+                    </p:cTn>
+                  </p:par>
+                </p:childTnLst>
+              </p:cTn>
+              <p:prevCondLst>
+                <p:cond evt="onPrev" delay="0">
+                  <p:tgtEl>
+                    <p:sldTgt/>
+                  </p:tgtEl>
+                </p:cond>
+              </p:prevCondLst>
+              <p:nextCondLst>
+                <p:cond evt="onNext" delay="0">
+                  <p:tgtEl>
+                    <p:sldTgt/>
+                  </p:tgtEl>
+                </p:cond>
+              </p:nextCondLst>
+            </p:seq>
+          </p:childTnLst>
+        </p:cTn>
+      </p:par>
+    </p:tnLst>
+    <p:bldLst>
+      <p:bldP spid="3" grpId="0" build="p"/>
+    </p:bldLst>
+  </p:timing>
+</p:sld>
+</file>
+
+<file path=ppt/slides/slide11.xml><?xml version="1.0" encoding="utf-8"?>
+<p:sld xmlns:a="http://schemas.openxmlformats.org/drawingml/2006/main" xmlns:r="http://schemas.openxmlformats.org/officeDocument/2006/relationships" xmlns:p="http://schemas.openxmlformats.org/presentationml/2006/main">
+  <p:cSld>
+    <p:spTree>
+      <p:nvGrpSpPr>
+        <p:cNvPr id="1" name=""/>
+        <p:cNvGrpSpPr/>
+        <p:nvPr/>
+      </p:nvGrpSpPr>
+      <p:grpSpPr>
+        <a:xfrm>
+          <a:off x="0" y="0"/>
+          <a:ext cx="0" cy="0"/>
+          <a:chOff x="0" y="0"/>
+          <a:chExt cx="0" cy="0"/>
+        </a:xfrm>
+      </p:grpSpPr>
+      <p:sp>
+        <p:nvSpPr>
+          <p:cNvPr id="2" name="Title 1"/>
+          <p:cNvSpPr>
+            <a:spLocks noGrp="1"/>
+          </p:cNvSpPr>
+          <p:nvPr>
+            <p:ph type="title"/>
+          </p:nvPr>
+        </p:nvSpPr>
+        <p:spPr>
+          <a:xfrm>
+            <a:off x="2592925" y="624110"/>
+            <a:ext cx="8911687" cy="818324"/>
+          </a:xfrm>
+        </p:spPr>
+        <p:txBody>
+          <a:bodyPr>
+            <a:normAutofit fontScale="90000"/>
+          </a:bodyPr>
+          <a:lstStyle/>
+          <a:p>
+            <a:r>
+              <a:rPr lang="en-US" dirty="0"/>
+              <a:t>La version de </a:t>
+            </a:r>
+            <a:r>
+              <a:rPr lang="en-US" dirty="0" err="1"/>
+              <a:t>Profil</a:t>
+            </a:r>
+            <a:r>
+              <a:rPr lang="en-US" dirty="0"/>
+              <a:t> Web de </a:t>
+            </a:r>
+            <a:r>
+              <a:rPr lang="en-US" dirty="0" err="1"/>
+              <a:t>Tomee</a:t>
+            </a:r>
+            <a:r>
+              <a:rPr lang="en-US" dirty="0"/>
+              <a:t> </a:t>
+            </a:r>
+            <a:r>
+              <a:rPr lang="en-US" dirty="0" err="1"/>
+              <a:t>contient</a:t>
+            </a:r>
+            <a:r>
+              <a:rPr lang="en-US" dirty="0"/>
+              <a:t/>
+            </a:r>
+            <a:br>
+              <a:rPr lang="en-US" dirty="0"/>
+            </a:br>
+            <a:endParaRPr lang="fr-FR" dirty="0"/>
+          </a:p>
+        </p:txBody>
+      </p:sp>
+      <p:sp>
+        <p:nvSpPr>
+          <p:cNvPr id="3" name="Content Placeholder 2"/>
+          <p:cNvSpPr>
+            <a:spLocks noGrp="1"/>
+          </p:cNvSpPr>
+          <p:nvPr>
+            <p:ph idx="1"/>
+          </p:nvPr>
+        </p:nvSpPr>
+        <p:spPr>
+          <a:xfrm>
+            <a:off x="2592925" y="1592687"/>
+            <a:ext cx="8915400" cy="3777622"/>
+          </a:xfrm>
+        </p:spPr>
+        <p:txBody>
+          <a:bodyPr>
+            <a:noAutofit/>
+          </a:bodyPr>
+          <a:lstStyle/>
+          <a:p>
+            <a:r>
+              <a:rPr lang="en-US" sz="2400" b="1" dirty="0" smtClean="0"/>
+              <a:t>CDI</a:t>
+            </a:r>
+            <a:r>
+              <a:rPr lang="en-US" sz="2400" dirty="0"/>
+              <a:t> - </a:t>
+            </a:r>
+            <a:r>
+              <a:rPr lang="en-US" sz="2400" dirty="0" err="1"/>
+              <a:t>OpenWebBeans</a:t>
+            </a:r>
+            <a:r>
+              <a:rPr lang="en-US" sz="2400" dirty="0"/>
+              <a:t> Apache</a:t>
+            </a:r>
+          </a:p>
+          <a:p>
+            <a:r>
+              <a:rPr lang="en-US" sz="2400" b="1" dirty="0"/>
+              <a:t>EJB</a:t>
+            </a:r>
+            <a:r>
+              <a:rPr lang="en-US" sz="2400" dirty="0"/>
+              <a:t> - Apache </a:t>
+            </a:r>
+            <a:r>
+              <a:rPr lang="en-US" sz="2400" dirty="0" err="1"/>
+              <a:t>OpenEJB</a:t>
+            </a:r>
+            <a:endParaRPr lang="en-US" sz="2400" dirty="0"/>
+          </a:p>
+          <a:p>
+            <a:r>
+              <a:rPr lang="en-US" sz="2400" b="1" dirty="0"/>
+              <a:t>JPA</a:t>
+            </a:r>
+            <a:r>
+              <a:rPr lang="en-US" sz="2400" dirty="0"/>
+              <a:t> - Apache </a:t>
+            </a:r>
+            <a:r>
+              <a:rPr lang="en-US" sz="2400" dirty="0" err="1"/>
+              <a:t>OpenJPA</a:t>
+            </a:r>
+            <a:endParaRPr lang="en-US" sz="2400" dirty="0"/>
+          </a:p>
+          <a:p>
+            <a:r>
+              <a:rPr lang="en-US" sz="2400" b="1" dirty="0"/>
+              <a:t>JSF</a:t>
+            </a:r>
+            <a:r>
+              <a:rPr lang="en-US" sz="2400" dirty="0"/>
+              <a:t> - Apache </a:t>
+            </a:r>
+            <a:r>
+              <a:rPr lang="en-US" sz="2400" dirty="0" err="1"/>
+              <a:t>MyFaces</a:t>
+            </a:r>
+            <a:endParaRPr lang="en-US" sz="2400" dirty="0"/>
+          </a:p>
+          <a:p>
+            <a:r>
+              <a:rPr lang="en-US" sz="2400" b="1" dirty="0"/>
+              <a:t>JSP</a:t>
+            </a:r>
+            <a:r>
+              <a:rPr lang="en-US" sz="2400" dirty="0"/>
+              <a:t> - Apache Tomcat</a:t>
+            </a:r>
+          </a:p>
+          <a:p>
+            <a:r>
+              <a:rPr lang="en-US" sz="2400" b="1" dirty="0"/>
+              <a:t>JSTL</a:t>
+            </a:r>
+            <a:r>
+              <a:rPr lang="en-US" sz="2400" dirty="0"/>
+              <a:t> - Apache Tomcat</a:t>
+            </a:r>
+          </a:p>
+          <a:p>
+            <a:r>
+              <a:rPr lang="en-US" sz="2400" b="1" dirty="0"/>
+              <a:t>JTA</a:t>
+            </a:r>
+            <a:r>
+              <a:rPr lang="en-US" sz="2400" dirty="0"/>
+              <a:t> - Apache Geronimo Transaction</a:t>
+            </a:r>
+          </a:p>
+          <a:p>
+            <a:r>
+              <a:rPr lang="en-US" sz="2400" b="1" dirty="0"/>
+              <a:t>Servlet</a:t>
+            </a:r>
+            <a:r>
+              <a:rPr lang="en-US" sz="2400" dirty="0"/>
+              <a:t> - Apache Tomcat</a:t>
+            </a:r>
+          </a:p>
+          <a:p>
+            <a:r>
+              <a:rPr lang="en-US" sz="2400" b="1" dirty="0" err="1"/>
+              <a:t>Javamail</a:t>
+            </a:r>
+            <a:r>
+              <a:rPr lang="en-US" sz="2400" dirty="0"/>
+              <a:t> - Apache Geronimo </a:t>
+            </a:r>
+            <a:r>
+              <a:rPr lang="en-US" sz="2400" dirty="0" err="1"/>
+              <a:t>JavaMail</a:t>
+            </a:r>
+            <a:endParaRPr lang="en-US" sz="2400" dirty="0"/>
+          </a:p>
+          <a:p>
+            <a:r>
+              <a:rPr lang="en-US" sz="2400" b="1" dirty="0"/>
+              <a:t>Bean Validation</a:t>
+            </a:r>
+            <a:r>
+              <a:rPr lang="en-US" sz="2400" dirty="0"/>
+              <a:t> - Apache </a:t>
+            </a:r>
+            <a:r>
+              <a:rPr lang="en-US" sz="2400" dirty="0" err="1"/>
+              <a:t>Bval</a:t>
+            </a:r>
+            <a:endParaRPr lang="en-US" sz="2400" dirty="0"/>
+          </a:p>
+          <a:p>
+            <a:endParaRPr lang="fr-FR" sz="1600" dirty="0"/>
+          </a:p>
+        </p:txBody>
+      </p:sp>
+    </p:spTree>
+    <p:extLst>
+      <p:ext uri="{BB962C8B-B14F-4D97-AF65-F5344CB8AC3E}">
+        <p14:creationId xmlns:p14="http://schemas.microsoft.com/office/powerpoint/2010/main" val="1618786461"/>
+      </p:ext>
+    </p:extLst>
+  </p:cSld>
+  <p:clrMapOvr>
+    <a:masterClrMapping/>
+  </p:clrMapOvr>
+  <p:timing>
+    <p:tnLst>
+      <p:par>
+        <p:cTn id="1" dur="indefinite" restart="never" nodeType="tmRoot"/>
+      </p:par>
+    </p:tnLst>
+  </p:timing>
+</p:sld>
+</file>
+
+<file path=ppt/slides/slide12.xml><?xml version="1.0" encoding="utf-8"?>
+<p:sld xmlns:a="http://schemas.openxmlformats.org/drawingml/2006/main" xmlns:r="http://schemas.openxmlformats.org/officeDocument/2006/relationships" xmlns:p="http://schemas.openxmlformats.org/presentationml/2006/main">
+  <p:cSld>
+    <p:spTree>
+      <p:nvGrpSpPr>
+        <p:cNvPr id="1" name=""/>
+        <p:cNvGrpSpPr/>
+        <p:nvPr/>
+      </p:nvGrpSpPr>
+      <p:grpSpPr>
+        <a:xfrm>
+          <a:off x="0" y="0"/>
+          <a:ext cx="0" cy="0"/>
+          <a:chOff x="0" y="0"/>
+          <a:chExt cx="0" cy="0"/>
+        </a:xfrm>
+      </p:grpSpPr>
+      <p:sp>
+        <p:nvSpPr>
+          <p:cNvPr id="2" name="Title 1"/>
+          <p:cNvSpPr>
+            <a:spLocks noGrp="1"/>
+          </p:cNvSpPr>
+          <p:nvPr>
+            <p:ph type="title"/>
+          </p:nvPr>
+        </p:nvSpPr>
+        <p:spPr/>
+        <p:txBody>
+          <a:bodyPr/>
+          <a:lstStyle/>
+          <a:p>
+            <a:endParaRPr lang="fr-FR"/>
+          </a:p>
+        </p:txBody>
+      </p:sp>
+      <p:sp>
+        <p:nvSpPr>
+          <p:cNvPr id="3" name="Content Placeholder 2"/>
+          <p:cNvSpPr>
+            <a:spLocks noGrp="1"/>
+          </p:cNvSpPr>
+          <p:nvPr>
+            <p:ph idx="1"/>
+          </p:nvPr>
+        </p:nvSpPr>
+        <p:spPr/>
+        <p:txBody>
+          <a:bodyPr>
+            <a:normAutofit fontScale="62500" lnSpcReduction="20000"/>
+          </a:bodyPr>
+          <a:lstStyle/>
+          <a:p>
+            <a:r>
+              <a:rPr lang="en-US" dirty="0"/>
+              <a:t>The question that was in our mind and the entire reason we created </a:t>
+            </a:r>
+            <a:r>
+              <a:rPr lang="en-US" dirty="0" err="1">
+                <a:hlinkClick r:id="rId2"/>
+              </a:rPr>
+              <a:t>TomEE</a:t>
+            </a:r>
+            <a:r>
+              <a:rPr lang="en-US" dirty="0"/>
+              <a:t> was, why should people have to choose?</a:t>
+            </a:r>
+          </a:p>
+          <a:p>
+            <a:r>
+              <a:rPr lang="en-US" dirty="0"/>
+              <a:t>The whole "Tomcat or </a:t>
+            </a:r>
+            <a:r>
+              <a:rPr lang="en-US" dirty="0" err="1"/>
+              <a:t>JavaEE</a:t>
+            </a:r>
+            <a:r>
+              <a:rPr lang="en-US" dirty="0"/>
+              <a:t>" thing is tired and old.</a:t>
+            </a:r>
+          </a:p>
+          <a:p>
+            <a:r>
+              <a:rPr lang="en-US" dirty="0"/>
+              <a:t>After 10 years it still comes up and people argue against each other as to which is better and why.</a:t>
+            </a:r>
+          </a:p>
+          <a:p>
+            <a:r>
+              <a:rPr lang="en-US" dirty="0"/>
+              <a:t>Here's the math in short form:</a:t>
+            </a:r>
+          </a:p>
+          <a:p>
+            <a:r>
+              <a:rPr lang="en-US" dirty="0"/>
+              <a:t>In Java EE 6, we (JCP) created the Web Profile to formally acknowledge the need for smaller runtimes with a focused set of technologies.</a:t>
+            </a:r>
+          </a:p>
+          <a:p>
+            <a:r>
+              <a:rPr lang="en-US" dirty="0"/>
+              <a:t>Great, we're half-way there, but people are still arguing "Tomcat </a:t>
+            </a:r>
+            <a:r>
+              <a:rPr lang="en-US" i="1" dirty="0"/>
+              <a:t>or</a:t>
+            </a:r>
+            <a:r>
+              <a:rPr lang="en-US" dirty="0"/>
+              <a:t> </a:t>
+            </a:r>
+            <a:r>
+              <a:rPr lang="en-US" dirty="0" err="1"/>
+              <a:t>JavaEE</a:t>
+            </a:r>
+            <a:r>
+              <a:rPr lang="en-US" dirty="0"/>
+              <a:t>". The solution was clear, Tomcat needed to be Java EE certified. The Web Profile was created to allow for </a:t>
+            </a:r>
+            <a:r>
+              <a:rPr lang="en-US" i="1" dirty="0"/>
+              <a:t>exactly that</a:t>
+            </a:r>
+            <a:r>
+              <a:rPr lang="en-US" dirty="0"/>
+              <a:t>.</a:t>
+            </a:r>
+          </a:p>
+          <a:p>
+            <a:r>
+              <a:rPr lang="en-US" dirty="0"/>
+              <a:t>In 2011 we (Apache) started doing the work to certify Apache Tomcat. Certification reached and announced at </a:t>
+            </a:r>
+            <a:r>
+              <a:rPr lang="en-US" dirty="0" err="1"/>
+              <a:t>JavaOne</a:t>
+            </a:r>
+            <a:r>
+              <a:rPr lang="en-US" dirty="0"/>
+              <a:t> 2011 as Apache </a:t>
+            </a:r>
+            <a:r>
+              <a:rPr lang="en-US" dirty="0" err="1"/>
+              <a:t>TomEE</a:t>
+            </a:r>
+            <a:r>
+              <a:rPr lang="en-US" dirty="0"/>
+              <a:t>. Final release announced in April.</a:t>
+            </a:r>
+          </a:p>
+          <a:p>
+            <a:r>
+              <a:rPr lang="en-US" dirty="0"/>
+              <a:t>Awesome, now we are there.</a:t>
+            </a:r>
+          </a:p>
+          <a:p>
+            <a:r>
+              <a:rPr lang="en-US" dirty="0"/>
+              <a:t>The new Status Quo</a:t>
+            </a:r>
+          </a:p>
+          <a:p>
+            <a:r>
+              <a:rPr lang="en-US" dirty="0"/>
+              <a:t>There is a lighter version of </a:t>
+            </a:r>
+            <a:r>
+              <a:rPr lang="en-US" dirty="0" err="1"/>
+              <a:t>JavaEE</a:t>
+            </a:r>
+            <a:endParaRPr lang="en-US" dirty="0"/>
+          </a:p>
+          <a:p>
+            <a:r>
+              <a:rPr lang="en-US" dirty="0"/>
+              <a:t>There is a </a:t>
+            </a:r>
+            <a:r>
+              <a:rPr lang="en-US" dirty="0" err="1"/>
+              <a:t>JavaEE</a:t>
+            </a:r>
+            <a:r>
+              <a:rPr lang="en-US" dirty="0"/>
+              <a:t> certified version of Tomcat</a:t>
+            </a:r>
+          </a:p>
+          <a:p>
+            <a:r>
+              <a:rPr lang="en-US" dirty="0"/>
+              <a:t>All this happened in the last 2 years. Things have changed.</a:t>
+            </a:r>
+          </a:p>
+          <a:p>
+            <a:r>
+              <a:rPr lang="en-US" dirty="0"/>
+              <a:t>If you want </a:t>
+            </a:r>
+            <a:r>
+              <a:rPr lang="en-US" b="1" dirty="0"/>
+              <a:t>Tomcat and </a:t>
+            </a:r>
+            <a:r>
+              <a:rPr lang="en-US" b="1" dirty="0" err="1"/>
+              <a:t>JavaEE</a:t>
+            </a:r>
+            <a:r>
+              <a:rPr lang="en-US" dirty="0"/>
+              <a:t>, you can have it.</a:t>
+            </a:r>
+          </a:p>
+          <a:p>
+            <a:endParaRPr lang="fr-FR" dirty="0"/>
+          </a:p>
+        </p:txBody>
+      </p:sp>
+    </p:spTree>
+    <p:extLst>
+      <p:ext uri="{BB962C8B-B14F-4D97-AF65-F5344CB8AC3E}">
+        <p14:creationId xmlns:p14="http://schemas.microsoft.com/office/powerpoint/2010/main" val="2558668024"/>
+      </p:ext>
+    </p:extLst>
+  </p:cSld>
+  <p:clrMapOvr>
+    <a:masterClrMapping/>
+  </p:clrMapOvr>
+  <p:timing>
+    <p:tnLst>
+      <p:par>
+        <p:cTn id="1" dur="indefinite" restart="never" nodeType="tmRoot"/>
+      </p:par>
+    </p:tnLst>
+  </p:timing>
+</p:sld>
+</file>
+
+<file path=ppt/slides/slide13.xml><?xml version="1.0" encoding="utf-8"?>
+<p:sld xmlns:a="http://schemas.openxmlformats.org/drawingml/2006/main" xmlns:r="http://schemas.openxmlformats.org/officeDocument/2006/relationships" xmlns:p="http://schemas.openxmlformats.org/presentationml/2006/main">
+  <p:cSld>
+    <p:spTree>
+      <p:nvGrpSpPr>
+        <p:cNvPr id="1" name=""/>
+        <p:cNvGrpSpPr/>
+        <p:nvPr/>
+      </p:nvGrpSpPr>
+      <p:grpSpPr>
+        <a:xfrm>
+          <a:off x="0" y="0"/>
+          <a:ext cx="0" cy="0"/>
+          <a:chOff x="0" y="0"/>
+          <a:chExt cx="0" cy="0"/>
+        </a:xfrm>
+      </p:grpSpPr>
+      <p:sp>
+        <p:nvSpPr>
+          <p:cNvPr id="2" name="Title 1"/>
+          <p:cNvSpPr>
+            <a:spLocks noGrp="1"/>
+          </p:cNvSpPr>
+          <p:nvPr>
+            <p:ph type="title"/>
+          </p:nvPr>
+        </p:nvSpPr>
+        <p:spPr>
+          <a:xfrm>
+            <a:off x="6278704" y="1870117"/>
+            <a:ext cx="7394604" cy="1062837"/>
+          </a:xfrm>
+        </p:spPr>
+        <p:txBody>
+          <a:bodyPr>
+            <a:normAutofit/>
+          </a:bodyPr>
+          <a:lstStyle/>
+          <a:p>
+            <a:pPr marL="342900" indent="-342900">
+              <a:spcBef>
+                <a:spcPts val="1000"/>
+              </a:spcBef>
+              <a:buClr>
+                <a:schemeClr val="accent1"/>
+              </a:buClr>
+              <a:buFont typeface="Wingdings 3" charset="2"/>
+              <a:buChar char=""/>
+            </a:pPr>
+            <a:r>
+              <a:rPr lang="fr-FR" sz="1800" dirty="0"/>
+              <a:t>Fichiers modifiés</a:t>
+            </a:r>
+            <a:endParaRPr lang="fr-FR" sz="1800" dirty="0">
+              <a:solidFill>
+                <a:schemeClr val="tx1">
+                  <a:lumMod val="75000"/>
+                  <a:lumOff val="25000"/>
+                </a:schemeClr>
+              </a:solidFill>
+              <a:latin typeface="+mn-lt"/>
+              <a:ea typeface="+mn-ea"/>
+              <a:cs typeface="+mn-cs"/>
+            </a:endParaRPr>
+          </a:p>
+        </p:txBody>
+      </p:sp>
+      <p:sp>
+        <p:nvSpPr>
+          <p:cNvPr id="3" name="Content Placeholder 2"/>
+          <p:cNvSpPr>
+            <a:spLocks noGrp="1"/>
+          </p:cNvSpPr>
+          <p:nvPr>
+            <p:ph idx="1"/>
+          </p:nvPr>
+        </p:nvSpPr>
+        <p:spPr>
+          <a:xfrm>
+            <a:off x="1266680" y="1958662"/>
+            <a:ext cx="2652489" cy="467932"/>
+          </a:xfrm>
+        </p:spPr>
+        <p:txBody>
+          <a:bodyPr/>
+          <a:lstStyle/>
+          <a:p>
+            <a:r>
+              <a:rPr lang="fr-FR" dirty="0"/>
+              <a:t>Fichiers </a:t>
+            </a:r>
+            <a:r>
+              <a:rPr lang="fr-FR" dirty="0" smtClean="0"/>
+              <a:t>ajoutés</a:t>
+            </a:r>
+          </a:p>
+          <a:p>
+            <a:endParaRPr lang="fr-FR" dirty="0"/>
+          </a:p>
+        </p:txBody>
+      </p:sp>
+      <p:pic>
+        <p:nvPicPr>
+          <p:cNvPr id="4" name="Picture 3"/>
+          <p:cNvPicPr>
+            <a:picLocks noChangeAspect="1" noChangeArrowheads="1"/>
+          </p:cNvPicPr>
+          <p:nvPr/>
+        </p:nvPicPr>
+        <p:blipFill>
+          <a:blip r:embed="rId2">
+            <a:extLst>
+              <a:ext uri="{28A0092B-C50C-407E-A947-70E740481C1C}">
+                <a14:useLocalDpi xmlns:a14="http://schemas.microsoft.com/office/drawing/2010/main" val="0"/>
+              </a:ext>
+            </a:extLst>
+          </a:blip>
+          <a:srcRect/>
+          <a:stretch>
+            <a:fillRect/>
+          </a:stretch>
+        </p:blipFill>
+        <p:spPr bwMode="auto">
+          <a:xfrm>
+            <a:off x="507580" y="2480256"/>
+            <a:ext cx="5083499" cy="4027868"/>
+          </a:xfrm>
+          <a:prstGeom prst="rect">
+            <a:avLst/>
+          </a:prstGeom>
+          <a:noFill/>
+          <a:ln>
+            <a:noFill/>
+          </a:ln>
+          <a:effectLst/>
+          <a:extLst>
+            <a:ext uri="{909E8E84-426E-40DD-AFC4-6F175D3DCCD1}">
+              <a14:hiddenFill xmlns:a14="http://schemas.microsoft.com/office/drawing/2010/main">
+                <a:solidFill>
+                  <a:schemeClr val="accent1"/>
+                </a:solidFill>
+              </a14:hiddenFill>
+            </a:ext>
+            <a:ext uri="{91240B29-F687-4F45-9708-019B960494DF}">
+              <a14:hiddenLine xmlns:a14="http://schemas.microsoft.com/office/drawing/2010/main" w="9525">
+                <a:solidFill>
+                  <a:schemeClr val="tx1"/>
+                </a:solidFill>
+                <a:miter lim="800000"/>
+                <a:headEnd/>
+                <a:tailEnd/>
+              </a14:hiddenLine>
+            </a:ext>
+            <a:ext uri="{AF507438-7753-43E0-B8FC-AC1667EBCBE1}">
+              <a14:hiddenEffects xmlns:a14="http://schemas.microsoft.com/office/drawing/2010/main">
+                <a:effectLst>
+                  <a:outerShdw dist="35921" dir="2700000" algn="ctr" rotWithShape="0">
+                    <a:schemeClr val="bg2"/>
+                  </a:outerShdw>
+                </a:effectLst>
+              </a14:hiddenEffects>
+            </a:ext>
+          </a:extLst>
+        </p:spPr>
+      </p:pic>
+      <p:sp>
+        <p:nvSpPr>
+          <p:cNvPr id="5" name="Titre 3"/>
+          <p:cNvSpPr txBox="1">
+            <a:spLocks/>
+          </p:cNvSpPr>
+          <p:nvPr/>
+        </p:nvSpPr>
+        <p:spPr>
+          <a:xfrm>
+            <a:off x="1670224" y="628357"/>
+            <a:ext cx="8627090" cy="1038337"/>
+          </a:xfrm>
+          <a:prstGeom prst="rect">
+            <a:avLst/>
+          </a:prstGeom>
+        </p:spPr>
+        <p:txBody>
+          <a:bodyPr vert="horz" lIns="91440" tIns="45720" rIns="91440" bIns="45720" rtlCol="0" anchor="t">
+            <a:normAutofit/>
+          </a:bodyPr>
+          <a:lstStyle>
+            <a:lvl1pPr algn="l" defTabSz="457200" rtl="0" eaLnBrk="1" latinLnBrk="0" hangingPunct="1">
+              <a:spcBef>
+                <a:spcPct val="0"/>
+              </a:spcBef>
+              <a:buNone/>
+              <a:defRPr sz="3600" kern="1200">
+                <a:solidFill>
+                  <a:schemeClr val="tx1">
+                    <a:lumMod val="85000"/>
+                    <a:lumOff val="15000"/>
+                  </a:schemeClr>
+                </a:solidFill>
+                <a:latin typeface="+mj-lt"/>
+                <a:ea typeface="+mj-ea"/>
+                <a:cs typeface="+mj-cs"/>
+              </a:defRPr>
+            </a:lvl1pPr>
+            <a:lvl2pPr eaLnBrk="1" hangingPunct="1">
+              <a:defRPr>
+                <a:solidFill>
+                  <a:schemeClr val="tx2"/>
+                </a:solidFill>
+              </a:defRPr>
+            </a:lvl2pPr>
+            <a:lvl3pPr eaLnBrk="1" hangingPunct="1">
+              <a:defRPr>
+                <a:solidFill>
+                  <a:schemeClr val="tx2"/>
+                </a:solidFill>
+              </a:defRPr>
+            </a:lvl3pPr>
+            <a:lvl4pPr eaLnBrk="1" hangingPunct="1">
+              <a:defRPr>
+                <a:solidFill>
+                  <a:schemeClr val="tx2"/>
+                </a:solidFill>
+              </a:defRPr>
+            </a:lvl4pPr>
+            <a:lvl5pPr eaLnBrk="1" hangingPunct="1">
+              <a:defRPr>
+                <a:solidFill>
+                  <a:schemeClr val="tx2"/>
+                </a:solidFill>
+              </a:defRPr>
+            </a:lvl5pPr>
+            <a:lvl6pPr eaLnBrk="1" hangingPunct="1">
+              <a:defRPr>
+                <a:solidFill>
+                  <a:schemeClr val="tx2"/>
+                </a:solidFill>
+              </a:defRPr>
+            </a:lvl6pPr>
+            <a:lvl7pPr eaLnBrk="1" hangingPunct="1">
+              <a:defRPr>
+                <a:solidFill>
+                  <a:schemeClr val="tx2"/>
+                </a:solidFill>
+              </a:defRPr>
+            </a:lvl7pPr>
+            <a:lvl8pPr eaLnBrk="1" hangingPunct="1">
+              <a:defRPr>
+                <a:solidFill>
+                  <a:schemeClr val="tx2"/>
+                </a:solidFill>
+              </a:defRPr>
+            </a:lvl8pPr>
+            <a:lvl9pPr eaLnBrk="1" hangingPunct="1">
+              <a:defRPr>
+                <a:solidFill>
+                  <a:schemeClr val="tx2"/>
+                </a:solidFill>
+              </a:defRPr>
+            </a:lvl9pPr>
+          </a:lstStyle>
+          <a:p>
+            <a:r>
+              <a:rPr lang="fr-FR" dirty="0">
+                <a:solidFill>
+                  <a:schemeClr val="tx1">
+                    <a:lumMod val="75000"/>
+                    <a:lumOff val="25000"/>
+                  </a:schemeClr>
+                </a:solidFill>
+              </a:rPr>
+              <a:t>Quel est son secret ?</a:t>
+            </a:r>
+            <a:endParaRPr lang="fr-FR" dirty="0"/>
+          </a:p>
+        </p:txBody>
+      </p:sp>
+      <p:sp>
+        <p:nvSpPr>
+          <p:cNvPr id="6" name="Espace réservé du contenu 4"/>
+          <p:cNvSpPr txBox="1">
+            <a:spLocks/>
+          </p:cNvSpPr>
+          <p:nvPr/>
+        </p:nvSpPr>
+        <p:spPr>
+          <a:xfrm>
+            <a:off x="6254489" y="2401536"/>
+            <a:ext cx="5083499" cy="2549002"/>
+          </a:xfrm>
+          <a:prstGeom prst="rect">
+            <a:avLst/>
+          </a:prstGeom>
+        </p:spPr>
+        <p:txBody>
+          <a:bodyPr vert="horz" lIns="91440" tIns="45720" rIns="91440" bIns="45720" rtlCol="0">
+            <a:normAutofit fontScale="77500" lnSpcReduction="20000"/>
+          </a:bodyPr>
+          <a:lstStyle>
+            <a:lvl1pPr marL="342900" indent="-342900" algn="l" defTabSz="457200" rtl="0" eaLnBrk="1" latinLnBrk="0" hangingPunct="1">
+              <a:spcBef>
+                <a:spcPts val="1000"/>
+              </a:spcBef>
+              <a:spcAft>
+                <a:spcPts val="0"/>
+              </a:spcAft>
+              <a:buClr>
+                <a:schemeClr val="accent1"/>
+              </a:buClr>
+              <a:buFont typeface="Wingdings 3" charset="2"/>
+              <a:buChar char=""/>
+              <a:defRPr sz="1800" kern="1200">
+                <a:solidFill>
+                  <a:schemeClr val="tx1">
+                    <a:lumMod val="75000"/>
+                    <a:lumOff val="25000"/>
+                  </a:schemeClr>
+                </a:solidFill>
+                <a:latin typeface="+mn-lt"/>
+                <a:ea typeface="+mn-ea"/>
+                <a:cs typeface="+mn-cs"/>
+              </a:defRPr>
+            </a:lvl1pPr>
+            <a:lvl2pPr marL="742950" indent="-285750" algn="l" defTabSz="457200" rtl="0" eaLnBrk="1" latinLnBrk="0" hangingPunct="1">
+              <a:spcBef>
+                <a:spcPts val="1000"/>
+              </a:spcBef>
+              <a:spcAft>
+                <a:spcPts val="0"/>
+              </a:spcAft>
+              <a:buClr>
+                <a:schemeClr val="accent1"/>
+              </a:buClr>
+              <a:buFont typeface="Wingdings 3" charset="2"/>
+              <a:buChar char=""/>
+              <a:defRPr sz="1600" kern="1200">
+                <a:solidFill>
+                  <a:schemeClr val="tx1">
+                    <a:lumMod val="75000"/>
+                    <a:lumOff val="25000"/>
+                  </a:schemeClr>
+                </a:solidFill>
+                <a:latin typeface="+mn-lt"/>
+                <a:ea typeface="+mn-ea"/>
+                <a:cs typeface="+mn-cs"/>
+              </a:defRPr>
+            </a:lvl2pPr>
+            <a:lvl3pPr marL="1143000" indent="-228600" algn="l" defTabSz="457200" rtl="0" eaLnBrk="1" latinLnBrk="0" hangingPunct="1">
+              <a:spcBef>
+                <a:spcPts val="1000"/>
+              </a:spcBef>
+              <a:spcAft>
+                <a:spcPts val="0"/>
+              </a:spcAft>
+              <a:buClr>
+                <a:schemeClr val="accent1"/>
+              </a:buClr>
+              <a:buFont typeface="Wingdings 3" charset="2"/>
+              <a:buChar char=""/>
+              <a:defRPr sz="1400" kern="1200">
+                <a:solidFill>
+                  <a:schemeClr val="tx1">
+                    <a:lumMod val="75000"/>
+                    <a:lumOff val="25000"/>
+                  </a:schemeClr>
+                </a:solidFill>
+                <a:latin typeface="+mn-lt"/>
+                <a:ea typeface="+mn-ea"/>
+                <a:cs typeface="+mn-cs"/>
+              </a:defRPr>
+            </a:lvl3pPr>
+            <a:lvl4pPr marL="1600200" indent="-228600" algn="l" defTabSz="457200" rtl="0" eaLnBrk="1" latinLnBrk="0" hangingPunct="1">
+              <a:spcBef>
+                <a:spcPts val="1000"/>
+              </a:spcBef>
+              <a:spcAft>
+                <a:spcPts val="0"/>
+              </a:spcAft>
+              <a:buClr>
+                <a:schemeClr val="accent1"/>
+              </a:buClr>
+              <a:buFont typeface="Wingdings 3" charset="2"/>
+              <a:buChar char=""/>
+              <a:defRPr sz="1200" kern="1200">
+                <a:solidFill>
+                  <a:schemeClr val="tx1">
+                    <a:lumMod val="75000"/>
+                    <a:lumOff val="25000"/>
+                  </a:schemeClr>
+                </a:solidFill>
+                <a:latin typeface="+mn-lt"/>
+                <a:ea typeface="+mn-ea"/>
+                <a:cs typeface="+mn-cs"/>
+              </a:defRPr>
+            </a:lvl4pPr>
+            <a:lvl5pPr marL="2057400" indent="-228600" algn="l" defTabSz="457200" rtl="0" eaLnBrk="1" latinLnBrk="0" hangingPunct="1">
+              <a:spcBef>
+                <a:spcPts val="1000"/>
+              </a:spcBef>
+              <a:spcAft>
+                <a:spcPts val="0"/>
+              </a:spcAft>
+              <a:buClr>
+                <a:schemeClr val="accent1"/>
+              </a:buClr>
+              <a:buFont typeface="Wingdings 3" charset="2"/>
+              <a:buChar char=""/>
+              <a:defRPr sz="1200" kern="1200">
+                <a:solidFill>
+                  <a:schemeClr val="tx1">
+                    <a:lumMod val="75000"/>
+                    <a:lumOff val="25000"/>
+                  </a:schemeClr>
+                </a:solidFill>
+                <a:latin typeface="+mn-lt"/>
+                <a:ea typeface="+mn-ea"/>
+                <a:cs typeface="+mn-cs"/>
+              </a:defRPr>
+            </a:lvl5pPr>
+            <a:lvl6pPr marL="2514600" indent="-228600" algn="l" defTabSz="457200" rtl="0" eaLnBrk="1" latinLnBrk="0" hangingPunct="1">
+              <a:spcBef>
+                <a:spcPts val="1000"/>
+              </a:spcBef>
+              <a:spcAft>
+                <a:spcPts val="0"/>
+              </a:spcAft>
+              <a:buClr>
+                <a:schemeClr val="accent1"/>
+              </a:buClr>
+              <a:buFont typeface="Wingdings 3" charset="2"/>
+              <a:buChar char=""/>
+              <a:defRPr sz="1200" kern="1200">
+                <a:solidFill>
+                  <a:schemeClr val="tx1">
+                    <a:lumMod val="75000"/>
+                    <a:lumOff val="25000"/>
+                  </a:schemeClr>
+                </a:solidFill>
+                <a:latin typeface="+mn-lt"/>
+                <a:ea typeface="+mn-ea"/>
+                <a:cs typeface="+mn-cs"/>
+              </a:defRPr>
+            </a:lvl6pPr>
+            <a:lvl7pPr marL="2971800" indent="-228600" algn="l" defTabSz="457200" rtl="0" eaLnBrk="1" latinLnBrk="0" hangingPunct="1">
+              <a:spcBef>
+                <a:spcPts val="1000"/>
+              </a:spcBef>
+              <a:spcAft>
+                <a:spcPts val="0"/>
+              </a:spcAft>
+              <a:buClr>
+                <a:schemeClr val="accent1"/>
+              </a:buClr>
+              <a:buFont typeface="Wingdings 3" charset="2"/>
+              <a:buChar char=""/>
+              <a:defRPr sz="1200" kern="1200">
+                <a:solidFill>
+                  <a:schemeClr val="tx1">
+                    <a:lumMod val="75000"/>
+                    <a:lumOff val="25000"/>
+                  </a:schemeClr>
+                </a:solidFill>
+                <a:latin typeface="+mn-lt"/>
+                <a:ea typeface="+mn-ea"/>
+                <a:cs typeface="+mn-cs"/>
+              </a:defRPr>
+            </a:lvl7pPr>
+            <a:lvl8pPr marL="3429000" indent="-228600" algn="l" defTabSz="457200" rtl="0" eaLnBrk="1" latinLnBrk="0" hangingPunct="1">
+              <a:spcBef>
+                <a:spcPts val="1000"/>
+              </a:spcBef>
+              <a:spcAft>
+                <a:spcPts val="0"/>
+              </a:spcAft>
+              <a:buClr>
+                <a:schemeClr val="accent1"/>
+              </a:buClr>
+              <a:buFont typeface="Wingdings 3" charset="2"/>
+              <a:buChar char=""/>
+              <a:defRPr sz="1200" kern="1200">
+                <a:solidFill>
+                  <a:schemeClr val="tx1">
+                    <a:lumMod val="75000"/>
+                    <a:lumOff val="25000"/>
+                  </a:schemeClr>
+                </a:solidFill>
+                <a:latin typeface="+mn-lt"/>
+                <a:ea typeface="+mn-ea"/>
+                <a:cs typeface="+mn-cs"/>
+              </a:defRPr>
+            </a:lvl8pPr>
+            <a:lvl9pPr marL="3886200" indent="-228600" algn="l" defTabSz="457200" rtl="0" eaLnBrk="1" latinLnBrk="0" hangingPunct="1">
+              <a:spcBef>
+                <a:spcPts val="1000"/>
+              </a:spcBef>
+              <a:spcAft>
+                <a:spcPts val="0"/>
+              </a:spcAft>
+              <a:buClr>
+                <a:schemeClr val="accent1"/>
+              </a:buClr>
+              <a:buFont typeface="Wingdings 3" charset="2"/>
+              <a:buChar char=""/>
+              <a:defRPr sz="1200" kern="1200">
+                <a:solidFill>
+                  <a:schemeClr val="tx1">
+                    <a:lumMod val="75000"/>
+                    <a:lumOff val="25000"/>
+                  </a:schemeClr>
+                </a:solidFill>
+                <a:latin typeface="+mn-lt"/>
+                <a:ea typeface="+mn-ea"/>
+                <a:cs typeface="+mn-cs"/>
+              </a:defRPr>
+            </a:lvl9pPr>
+          </a:lstStyle>
+          <a:p>
+            <a:pPr marL="457152" indent="-457152">
+              <a:buFont typeface="Arial" pitchFamily="34" charset="0"/>
+              <a:buChar char="•"/>
+            </a:pPr>
+            <a:r>
+              <a:rPr lang="fr-FR" dirty="0" err="1" smtClean="0"/>
+              <a:t>conf</a:t>
+            </a:r>
+            <a:r>
+              <a:rPr lang="fr-FR" dirty="0" smtClean="0"/>
+              <a:t>/server.xml</a:t>
+            </a:r>
+          </a:p>
+          <a:p>
+            <a:pPr marL="857161" lvl="1" indent="-457152">
+              <a:buFont typeface="Arial" pitchFamily="34" charset="0"/>
+              <a:buChar char="•"/>
+            </a:pPr>
+            <a:r>
+              <a:rPr lang="fr-FR" dirty="0" smtClean="0"/>
+              <a:t>Gestion du cycle de vie</a:t>
+            </a:r>
+          </a:p>
+          <a:p>
+            <a:pPr marL="457152" indent="-457152">
+              <a:buFont typeface="Arial" pitchFamily="34" charset="0"/>
+              <a:buChar char="•"/>
+            </a:pPr>
+            <a:r>
+              <a:rPr lang="fr-FR" dirty="0" err="1" smtClean="0"/>
+              <a:t>conf</a:t>
+            </a:r>
+            <a:r>
+              <a:rPr lang="fr-FR" dirty="0" smtClean="0"/>
+              <a:t>/tomcat-users.xml</a:t>
+            </a:r>
+          </a:p>
+          <a:p>
+            <a:pPr marL="857161" lvl="1" indent="-457152">
+              <a:buFont typeface="Arial" pitchFamily="34" charset="0"/>
+              <a:buChar char="•"/>
+            </a:pPr>
+            <a:r>
+              <a:rPr lang="en-US" dirty="0" err="1" smtClean="0"/>
+              <a:t>Optionnel</a:t>
+            </a:r>
+            <a:r>
+              <a:rPr lang="en-US" dirty="0" smtClean="0"/>
+              <a:t> – </a:t>
+            </a:r>
+            <a:r>
+              <a:rPr lang="en-US" dirty="0" err="1" smtClean="0"/>
+              <a:t>sécurisation</a:t>
+            </a:r>
+            <a:r>
+              <a:rPr lang="en-US" dirty="0" smtClean="0"/>
+              <a:t> de la GUI </a:t>
+            </a:r>
+            <a:r>
+              <a:rPr lang="en-US" dirty="0" err="1" smtClean="0"/>
+              <a:t>webapps</a:t>
+            </a:r>
+            <a:r>
+              <a:rPr lang="en-US" dirty="0" smtClean="0"/>
+              <a:t>/</a:t>
+            </a:r>
+            <a:r>
+              <a:rPr lang="en-US" dirty="0" err="1" smtClean="0"/>
+              <a:t>tomee</a:t>
+            </a:r>
+            <a:r>
+              <a:rPr lang="en-US" dirty="0" smtClean="0"/>
+              <a:t>/</a:t>
+            </a:r>
+            <a:endParaRPr lang="fr-FR" dirty="0" smtClean="0"/>
+          </a:p>
+          <a:p>
+            <a:pPr marL="457152" indent="-457152">
+              <a:buFont typeface="Arial" pitchFamily="34" charset="0"/>
+              <a:buChar char="•"/>
+            </a:pPr>
+            <a:r>
+              <a:rPr lang="fr-FR" dirty="0" smtClean="0"/>
+              <a:t>bin/catalina.sh</a:t>
+            </a:r>
+          </a:p>
+          <a:p>
+            <a:pPr marL="857161" lvl="1" indent="-457152">
+              <a:buFont typeface="Arial" pitchFamily="34" charset="0"/>
+              <a:buChar char="•"/>
+            </a:pPr>
+            <a:r>
+              <a:rPr lang="en-US" dirty="0" err="1" smtClean="0"/>
+              <a:t>Optionnel</a:t>
+            </a:r>
+            <a:r>
+              <a:rPr lang="en-US" dirty="0" smtClean="0"/>
+              <a:t> – </a:t>
+            </a:r>
+            <a:r>
+              <a:rPr lang="en-US" dirty="0" err="1" smtClean="0"/>
+              <a:t>OpenJPA</a:t>
+            </a:r>
+            <a:r>
+              <a:rPr lang="en-US" dirty="0" smtClean="0"/>
+              <a:t> </a:t>
+            </a:r>
+            <a:r>
+              <a:rPr lang="en-US" dirty="0" err="1" smtClean="0"/>
+              <a:t>ou</a:t>
+            </a:r>
+            <a:r>
+              <a:rPr lang="en-US" dirty="0" smtClean="0"/>
+              <a:t> </a:t>
+            </a:r>
+            <a:r>
+              <a:rPr lang="en-US" dirty="0" err="1" smtClean="0"/>
+              <a:t>EclipseLink</a:t>
+            </a:r>
+            <a:r>
+              <a:rPr lang="en-US" dirty="0" smtClean="0"/>
+              <a:t> load-time enhancement</a:t>
+            </a:r>
+            <a:endParaRPr lang="fr-FR" dirty="0" smtClean="0"/>
+          </a:p>
+          <a:p>
+            <a:pPr marL="457152" indent="-457152">
+              <a:buFont typeface="Arial" pitchFamily="34" charset="0"/>
+              <a:buChar char="•"/>
+            </a:pPr>
+            <a:r>
+              <a:rPr lang="fr-FR" dirty="0" smtClean="0"/>
+              <a:t>bin/setclasspath.sh</a:t>
+            </a:r>
+          </a:p>
+          <a:p>
+            <a:pPr marL="857161" lvl="1" indent="-457152">
+              <a:buFont typeface="Arial" pitchFamily="34" charset="0"/>
+              <a:buChar char="•"/>
+            </a:pPr>
+            <a:r>
+              <a:rPr lang="fr-FR" dirty="0" smtClean="0"/>
+              <a:t>Optionnel (java 7 </a:t>
+            </a:r>
+            <a:r>
+              <a:rPr lang="fr-FR" dirty="0" err="1" smtClean="0"/>
+              <a:t>endorsed</a:t>
+            </a:r>
+            <a:r>
+              <a:rPr lang="fr-FR" dirty="0" smtClean="0"/>
+              <a:t> </a:t>
+            </a:r>
+            <a:r>
+              <a:rPr lang="fr-FR" dirty="0" err="1" smtClean="0"/>
+              <a:t>dir</a:t>
+            </a:r>
+            <a:r>
+              <a:rPr lang="fr-FR" dirty="0" smtClean="0"/>
+              <a:t> supprimé)</a:t>
+            </a:r>
+            <a:endParaRPr lang="fr-FR" dirty="0"/>
+          </a:p>
+        </p:txBody>
+      </p:sp>
+      <p:sp>
+        <p:nvSpPr>
+          <p:cNvPr id="7" name="Rectangle 6"/>
+          <p:cNvSpPr/>
+          <p:nvPr/>
+        </p:nvSpPr>
+        <p:spPr>
+          <a:xfrm>
+            <a:off x="6279202" y="5112625"/>
+            <a:ext cx="2517036" cy="369332"/>
+          </a:xfrm>
+          <a:prstGeom prst="rect">
+            <a:avLst/>
+          </a:prstGeom>
+        </p:spPr>
+        <p:txBody>
+          <a:bodyPr wrap="none">
+            <a:spAutoFit/>
+          </a:bodyPr>
+          <a:lstStyle/>
+          <a:p>
+            <a:pPr marL="342900" indent="-342900" defTabSz="457200">
+              <a:spcBef>
+                <a:spcPts val="1000"/>
+              </a:spcBef>
+              <a:buClr>
+                <a:schemeClr val="accent1"/>
+              </a:buClr>
+              <a:buFont typeface="Wingdings 3" charset="2"/>
+              <a:buChar char=""/>
+            </a:pPr>
+            <a:r>
+              <a:rPr lang="fr-FR" dirty="0">
+                <a:solidFill>
+                  <a:schemeClr val="tx1">
+                    <a:lumMod val="85000"/>
+                    <a:lumOff val="15000"/>
+                  </a:schemeClr>
+                </a:solidFill>
+                <a:latin typeface="+mj-lt"/>
+                <a:ea typeface="+mj-ea"/>
+                <a:cs typeface="+mj-cs"/>
+              </a:rPr>
+              <a:t>Fichiers supprimés</a:t>
+            </a:r>
+          </a:p>
+        </p:txBody>
+      </p:sp>
+      <p:sp>
+        <p:nvSpPr>
+          <p:cNvPr id="8" name="Espace réservé du contenu 4"/>
+          <p:cNvSpPr txBox="1">
+            <a:spLocks/>
+          </p:cNvSpPr>
+          <p:nvPr/>
+        </p:nvSpPr>
+        <p:spPr>
+          <a:xfrm>
+            <a:off x="6493939" y="5596281"/>
+            <a:ext cx="3911660" cy="2317777"/>
+          </a:xfrm>
+          <a:prstGeom prst="rect">
+            <a:avLst/>
+          </a:prstGeom>
+        </p:spPr>
+        <p:txBody>
+          <a:bodyPr vert="horz" lIns="91440" tIns="45720" rIns="91440" bIns="45720" rtlCol="0">
+            <a:normAutofit/>
+          </a:bodyPr>
+          <a:lstStyle>
+            <a:lvl1pPr marL="342900" indent="-342900" algn="l" defTabSz="457200" rtl="0" eaLnBrk="1" latinLnBrk="0" hangingPunct="1">
+              <a:spcBef>
+                <a:spcPts val="1000"/>
+              </a:spcBef>
+              <a:spcAft>
+                <a:spcPts val="0"/>
+              </a:spcAft>
+              <a:buClr>
+                <a:schemeClr val="accent1"/>
+              </a:buClr>
+              <a:buFont typeface="Wingdings 3" charset="2"/>
+              <a:buChar char=""/>
+              <a:defRPr sz="1800" kern="1200">
+                <a:solidFill>
+                  <a:schemeClr val="tx1">
+                    <a:lumMod val="75000"/>
+                    <a:lumOff val="25000"/>
+                  </a:schemeClr>
+                </a:solidFill>
+                <a:latin typeface="+mn-lt"/>
+                <a:ea typeface="+mn-ea"/>
+                <a:cs typeface="+mn-cs"/>
+              </a:defRPr>
+            </a:lvl1pPr>
+            <a:lvl2pPr marL="742950" indent="-285750" algn="l" defTabSz="457200" rtl="0" eaLnBrk="1" latinLnBrk="0" hangingPunct="1">
+              <a:spcBef>
+                <a:spcPts val="1000"/>
+              </a:spcBef>
+              <a:spcAft>
+                <a:spcPts val="0"/>
+              </a:spcAft>
+              <a:buClr>
+                <a:schemeClr val="accent1"/>
+              </a:buClr>
+              <a:buFont typeface="Wingdings 3" charset="2"/>
+              <a:buChar char=""/>
+              <a:defRPr sz="1600" kern="1200">
+                <a:solidFill>
+                  <a:schemeClr val="tx1">
+                    <a:lumMod val="75000"/>
+                    <a:lumOff val="25000"/>
+                  </a:schemeClr>
+                </a:solidFill>
+                <a:latin typeface="+mn-lt"/>
+                <a:ea typeface="+mn-ea"/>
+                <a:cs typeface="+mn-cs"/>
+              </a:defRPr>
+            </a:lvl2pPr>
+            <a:lvl3pPr marL="1143000" indent="-228600" algn="l" defTabSz="457200" rtl="0" eaLnBrk="1" latinLnBrk="0" hangingPunct="1">
+              <a:spcBef>
+                <a:spcPts val="1000"/>
+              </a:spcBef>
+              <a:spcAft>
+                <a:spcPts val="0"/>
+              </a:spcAft>
+              <a:buClr>
+                <a:schemeClr val="accent1"/>
+              </a:buClr>
+              <a:buFont typeface="Wingdings 3" charset="2"/>
+              <a:buChar char=""/>
+              <a:defRPr sz="1400" kern="1200">
+                <a:solidFill>
+                  <a:schemeClr val="tx1">
+                    <a:lumMod val="75000"/>
+                    <a:lumOff val="25000"/>
+                  </a:schemeClr>
+                </a:solidFill>
+                <a:latin typeface="+mn-lt"/>
+                <a:ea typeface="+mn-ea"/>
+                <a:cs typeface="+mn-cs"/>
+              </a:defRPr>
+            </a:lvl3pPr>
+            <a:lvl4pPr marL="1600200" indent="-228600" algn="l" defTabSz="457200" rtl="0" eaLnBrk="1" latinLnBrk="0" hangingPunct="1">
+              <a:spcBef>
+                <a:spcPts val="1000"/>
+              </a:spcBef>
+              <a:spcAft>
+                <a:spcPts val="0"/>
+              </a:spcAft>
+              <a:buClr>
+                <a:schemeClr val="accent1"/>
+              </a:buClr>
+              <a:buFont typeface="Wingdings 3" charset="2"/>
+              <a:buChar char=""/>
+              <a:defRPr sz="1200" kern="1200">
+                <a:solidFill>
+                  <a:schemeClr val="tx1">
+                    <a:lumMod val="75000"/>
+                    <a:lumOff val="25000"/>
+                  </a:schemeClr>
+                </a:solidFill>
+                <a:latin typeface="+mn-lt"/>
+                <a:ea typeface="+mn-ea"/>
+                <a:cs typeface="+mn-cs"/>
+              </a:defRPr>
+            </a:lvl4pPr>
+            <a:lvl5pPr marL="2057400" indent="-228600" algn="l" defTabSz="457200" rtl="0" eaLnBrk="1" latinLnBrk="0" hangingPunct="1">
+              <a:spcBef>
+                <a:spcPts val="1000"/>
+              </a:spcBef>
+              <a:spcAft>
+                <a:spcPts val="0"/>
+              </a:spcAft>
+              <a:buClr>
+                <a:schemeClr val="accent1"/>
+              </a:buClr>
+              <a:buFont typeface="Wingdings 3" charset="2"/>
+              <a:buChar char=""/>
+              <a:defRPr sz="1200" kern="1200">
+                <a:solidFill>
+                  <a:schemeClr val="tx1">
+                    <a:lumMod val="75000"/>
+                    <a:lumOff val="25000"/>
+                  </a:schemeClr>
+                </a:solidFill>
+                <a:latin typeface="+mn-lt"/>
+                <a:ea typeface="+mn-ea"/>
+                <a:cs typeface="+mn-cs"/>
+              </a:defRPr>
+            </a:lvl5pPr>
+            <a:lvl6pPr marL="2514600" indent="-228600" algn="l" defTabSz="457200" rtl="0" eaLnBrk="1" latinLnBrk="0" hangingPunct="1">
+              <a:spcBef>
+                <a:spcPts val="1000"/>
+              </a:spcBef>
+              <a:spcAft>
+                <a:spcPts val="0"/>
+              </a:spcAft>
+              <a:buClr>
+                <a:schemeClr val="accent1"/>
+              </a:buClr>
+              <a:buFont typeface="Wingdings 3" charset="2"/>
+              <a:buChar char=""/>
+              <a:defRPr sz="1200" kern="1200">
+                <a:solidFill>
+                  <a:schemeClr val="tx1">
+                    <a:lumMod val="75000"/>
+                    <a:lumOff val="25000"/>
+                  </a:schemeClr>
+                </a:solidFill>
+                <a:latin typeface="+mn-lt"/>
+                <a:ea typeface="+mn-ea"/>
+                <a:cs typeface="+mn-cs"/>
+              </a:defRPr>
+            </a:lvl6pPr>
+            <a:lvl7pPr marL="2971800" indent="-228600" algn="l" defTabSz="457200" rtl="0" eaLnBrk="1" latinLnBrk="0" hangingPunct="1">
+              <a:spcBef>
+                <a:spcPts val="1000"/>
+              </a:spcBef>
+              <a:spcAft>
+                <a:spcPts val="0"/>
+              </a:spcAft>
+              <a:buClr>
+                <a:schemeClr val="accent1"/>
+              </a:buClr>
+              <a:buFont typeface="Wingdings 3" charset="2"/>
+              <a:buChar char=""/>
+              <a:defRPr sz="1200" kern="1200">
+                <a:solidFill>
+                  <a:schemeClr val="tx1">
+                    <a:lumMod val="75000"/>
+                    <a:lumOff val="25000"/>
+                  </a:schemeClr>
+                </a:solidFill>
+                <a:latin typeface="+mn-lt"/>
+                <a:ea typeface="+mn-ea"/>
+                <a:cs typeface="+mn-cs"/>
+              </a:defRPr>
+            </a:lvl7pPr>
+            <a:lvl8pPr marL="3429000" indent="-228600" algn="l" defTabSz="457200" rtl="0" eaLnBrk="1" latinLnBrk="0" hangingPunct="1">
+              <a:spcBef>
+                <a:spcPts val="1000"/>
+              </a:spcBef>
+              <a:spcAft>
+                <a:spcPts val="0"/>
+              </a:spcAft>
+              <a:buClr>
+                <a:schemeClr val="accent1"/>
+              </a:buClr>
+              <a:buFont typeface="Wingdings 3" charset="2"/>
+              <a:buChar char=""/>
+              <a:defRPr sz="1200" kern="1200">
+                <a:solidFill>
+                  <a:schemeClr val="tx1">
+                    <a:lumMod val="75000"/>
+                    <a:lumOff val="25000"/>
+                  </a:schemeClr>
+                </a:solidFill>
+                <a:latin typeface="+mn-lt"/>
+                <a:ea typeface="+mn-ea"/>
+                <a:cs typeface="+mn-cs"/>
+              </a:defRPr>
+            </a:lvl8pPr>
+            <a:lvl9pPr marL="3886200" indent="-228600" algn="l" defTabSz="457200" rtl="0" eaLnBrk="1" latinLnBrk="0" hangingPunct="1">
+              <a:spcBef>
+                <a:spcPts val="1000"/>
+              </a:spcBef>
+              <a:spcAft>
+                <a:spcPts val="0"/>
+              </a:spcAft>
+              <a:buClr>
+                <a:schemeClr val="accent1"/>
+              </a:buClr>
+              <a:buFont typeface="Wingdings 3" charset="2"/>
+              <a:buChar char=""/>
+              <a:defRPr sz="1200" kern="1200">
+                <a:solidFill>
+                  <a:schemeClr val="tx1">
+                    <a:lumMod val="75000"/>
+                    <a:lumOff val="25000"/>
+                  </a:schemeClr>
+                </a:solidFill>
+                <a:latin typeface="+mn-lt"/>
+                <a:ea typeface="+mn-ea"/>
+                <a:cs typeface="+mn-cs"/>
+              </a:defRPr>
+            </a:lvl9pPr>
+          </a:lstStyle>
+          <a:p>
+            <a:pPr marL="457152" indent="-457152">
+              <a:buFont typeface="Arial" pitchFamily="34" charset="0"/>
+              <a:buChar char="•"/>
+            </a:pPr>
+            <a:r>
+              <a:rPr lang="en-US" dirty="0" smtClean="0"/>
+              <a:t>lib/annotations-api.jar</a:t>
+            </a:r>
+          </a:p>
+          <a:p>
+            <a:pPr marL="457152" indent="-457152">
+              <a:buFont typeface="Arial" pitchFamily="34" charset="0"/>
+              <a:buChar char="•"/>
+            </a:pPr>
+            <a:r>
+              <a:rPr lang="en-US" dirty="0" smtClean="0"/>
+              <a:t>lib/el-api.jar</a:t>
+            </a:r>
+          </a:p>
+          <a:p>
+            <a:pPr marL="457152" indent="-457152">
+              <a:buFont typeface="Arial" pitchFamily="34" charset="0"/>
+              <a:buChar char="•"/>
+            </a:pPr>
+            <a:r>
+              <a:rPr lang="en-US" dirty="0" err="1" smtClean="0"/>
+              <a:t>webapps</a:t>
+            </a:r>
+            <a:r>
+              <a:rPr lang="en-US" dirty="0" smtClean="0"/>
+              <a:t>/examples/</a:t>
+            </a:r>
+          </a:p>
+        </p:txBody>
+      </p:sp>
+    </p:spTree>
+    <p:extLst>
+      <p:ext uri="{BB962C8B-B14F-4D97-AF65-F5344CB8AC3E}">
+        <p14:creationId xmlns:p14="http://schemas.microsoft.com/office/powerpoint/2010/main" val="274527325"/>
+      </p:ext>
+    </p:extLst>
+  </p:cSld>
+  <p:clrMapOvr>
+    <a:masterClrMapping/>
+  </p:clrMapOvr>
+  <p:timing>
+    <p:tnLst>
+      <p:par>
+        <p:cTn id="1" dur="indefinite" restart="never" nodeType="tmRoot"/>
+      </p:par>
+    </p:tnLst>
+  </p:timing>
+</p:sld>
+</file>
+
+<file path=ppt/slides/slide14.xml><?xml version="1.0" encoding="utf-8"?>
+<p:sld xmlns:a="http://schemas.openxmlformats.org/drawingml/2006/main" xmlns:r="http://schemas.openxmlformats.org/officeDocument/2006/relationships" xmlns:p="http://schemas.openxmlformats.org/presentationml/2006/main">
+  <p:cSld>
+    <p:spTree>
+      <p:nvGrpSpPr>
+        <p:cNvPr id="1" name=""/>
+        <p:cNvGrpSpPr/>
+        <p:nvPr/>
+      </p:nvGrpSpPr>
+      <p:grpSpPr>
+        <a:xfrm>
+          <a:off x="0" y="0"/>
+          <a:ext cx="0" cy="0"/>
+          <a:chOff x="0" y="0"/>
+          <a:chExt cx="0" cy="0"/>
+        </a:xfrm>
+      </p:grpSpPr>
+      <p:sp>
+        <p:nvSpPr>
+          <p:cNvPr id="2" name="Title 1"/>
+          <p:cNvSpPr>
+            <a:spLocks noGrp="1"/>
+          </p:cNvSpPr>
+          <p:nvPr>
+            <p:ph type="title"/>
+          </p:nvPr>
+        </p:nvSpPr>
+        <p:spPr>
+          <a:xfrm>
+            <a:off x="1892073" y="2278738"/>
+            <a:ext cx="10299927" cy="2104575"/>
+          </a:xfrm>
+        </p:spPr>
+        <p:txBody>
+          <a:bodyPr>
+            <a:noAutofit/>
+          </a:bodyPr>
+          <a:lstStyle/>
+          <a:p>
+            <a:pPr algn="ctr" fontAlgn="ctr"/>
+            <a:r>
+              <a:rPr lang="fr-FR" sz="1800" dirty="0"/>
+              <a:t/>
+            </a:r>
+            <a:br>
+              <a:rPr lang="fr-FR" sz="1800" dirty="0"/>
+            </a:br>
+            <a:r>
+              <a:rPr lang="fr-FR" sz="4800" dirty="0">
+                <a:solidFill>
+                  <a:srgbClr val="A53010"/>
+                </a:solidFill>
+                <a:latin typeface="Comic Sans MS" pitchFamily="66" charset="0"/>
+              </a:rPr>
+              <a:t>Avons-nous seulement </a:t>
+            </a:r>
+            <a:r>
+              <a:rPr lang="fr-FR" sz="4800" dirty="0" smtClean="0">
+                <a:solidFill>
+                  <a:srgbClr val="A53010"/>
+                </a:solidFill>
+                <a:latin typeface="Comic Sans MS" pitchFamily="66" charset="0"/>
+              </a:rPr>
+              <a:t/>
+            </a:r>
+            <a:br>
+              <a:rPr lang="fr-FR" sz="4800" dirty="0" smtClean="0">
+                <a:solidFill>
+                  <a:srgbClr val="A53010"/>
+                </a:solidFill>
+                <a:latin typeface="Comic Sans MS" pitchFamily="66" charset="0"/>
+              </a:rPr>
+            </a:br>
+            <a:r>
+              <a:rPr lang="fr-FR" sz="4800" dirty="0" smtClean="0">
+                <a:solidFill>
+                  <a:srgbClr val="A53010"/>
+                </a:solidFill>
+                <a:latin typeface="Comic Sans MS" pitchFamily="66" charset="0"/>
+              </a:rPr>
+              <a:t>ajouter </a:t>
+            </a:r>
+            <a:r>
+              <a:rPr lang="fr-FR" sz="4800" dirty="0">
+                <a:solidFill>
+                  <a:srgbClr val="A53010"/>
+                </a:solidFill>
+                <a:latin typeface="Comic Sans MS" pitchFamily="66" charset="0"/>
+              </a:rPr>
+              <a:t>/ supprimer des fichiers?</a:t>
+            </a:r>
+            <a:r>
+              <a:rPr lang="fr-FR" sz="1800" dirty="0"/>
+              <a:t/>
+            </a:r>
+            <a:br>
+              <a:rPr lang="fr-FR" sz="1800" dirty="0"/>
+            </a:br>
+            <a:endParaRPr lang="fr-FR" sz="1800" dirty="0"/>
+          </a:p>
+        </p:txBody>
+      </p:sp>
+    </p:spTree>
+    <p:extLst>
+      <p:ext uri="{BB962C8B-B14F-4D97-AF65-F5344CB8AC3E}">
+        <p14:creationId xmlns:p14="http://schemas.microsoft.com/office/powerpoint/2010/main" val="1699126891"/>
+      </p:ext>
+    </p:extLst>
+  </p:cSld>
+  <p:clrMapOvr>
+    <a:masterClrMapping/>
+  </p:clrMapOvr>
+  <p:timing>
+    <p:tnLst>
+      <p:par>
+        <p:cTn id="1" dur="indefinite" restart="never" nodeType="tmRoot"/>
+      </p:par>
+    </p:tnLst>
+  </p:timing>
+</p:sld>
+</file>
+
+<file path=ppt/slides/slide15.xml><?xml version="1.0" encoding="utf-8"?>
+<p:sld xmlns:a="http://schemas.openxmlformats.org/drawingml/2006/main" xmlns:r="http://schemas.openxmlformats.org/officeDocument/2006/relationships" xmlns:p="http://schemas.openxmlformats.org/presentationml/2006/main">
+  <p:cSld>
+    <p:spTree>
+      <p:nvGrpSpPr>
+        <p:cNvPr id="1" name=""/>
+        <p:cNvGrpSpPr/>
+        <p:nvPr/>
+      </p:nvGrpSpPr>
+      <p:grpSpPr>
+        <a:xfrm>
+          <a:off x="0" y="0"/>
+          <a:ext cx="0" cy="0"/>
+          <a:chOff x="0" y="0"/>
+          <a:chExt cx="0" cy="0"/>
+        </a:xfrm>
+      </p:grpSpPr>
+      <p:sp>
+        <p:nvSpPr>
+          <p:cNvPr id="2" name="Title 1"/>
+          <p:cNvSpPr>
+            <a:spLocks noGrp="1"/>
+          </p:cNvSpPr>
+          <p:nvPr>
+            <p:ph type="title"/>
+          </p:nvPr>
+        </p:nvSpPr>
+        <p:spPr>
+          <a:xfrm>
+            <a:off x="2418754" y="283668"/>
+            <a:ext cx="8911687" cy="1280890"/>
+          </a:xfrm>
+        </p:spPr>
+        <p:txBody>
+          <a:bodyPr>
+            <a:normAutofit/>
+          </a:bodyPr>
+          <a:lstStyle/>
+          <a:p>
+            <a:pPr algn="ctr"/>
+            <a:r>
+              <a:rPr lang="en-US" sz="6000" dirty="0">
+                <a:solidFill>
+                  <a:srgbClr val="FF0000"/>
+                </a:solidFill>
+                <a:latin typeface="Comic Sans MS" pitchFamily="66" charset="0"/>
+              </a:rPr>
+              <a:t>No .. </a:t>
+            </a:r>
+            <a:endParaRPr lang="fr-FR" sz="6000" dirty="0">
+              <a:solidFill>
+                <a:srgbClr val="FF0000"/>
+              </a:solidFill>
+              <a:latin typeface="Comic Sans MS" pitchFamily="66" charset="0"/>
+            </a:endParaRPr>
+          </a:p>
+        </p:txBody>
+      </p:sp>
+      <p:sp>
+        <p:nvSpPr>
+          <p:cNvPr id="3" name="Content Placeholder 2"/>
+          <p:cNvSpPr>
+            <a:spLocks noGrp="1"/>
+          </p:cNvSpPr>
+          <p:nvPr>
+            <p:ph idx="1"/>
+          </p:nvPr>
+        </p:nvSpPr>
+        <p:spPr>
+          <a:xfrm>
+            <a:off x="2589212" y="1253670"/>
+            <a:ext cx="8915400" cy="3777622"/>
+          </a:xfrm>
+        </p:spPr>
+        <p:txBody>
+          <a:bodyPr>
+            <a:normAutofit/>
+          </a:bodyPr>
+          <a:lstStyle/>
+          <a:p>
+            <a:pPr marL="0" indent="0" algn="ctr" fontAlgn="ctr">
+              <a:spcBef>
+                <a:spcPct val="0"/>
+              </a:spcBef>
+              <a:buNone/>
+            </a:pPr>
+            <a:r>
+              <a:rPr lang="en-US" sz="4800" dirty="0">
+                <a:solidFill>
+                  <a:srgbClr val="A53010"/>
+                </a:solidFill>
+                <a:latin typeface="Comic Sans MS" pitchFamily="66" charset="0"/>
+                <a:ea typeface="+mj-ea"/>
+                <a:cs typeface="+mj-cs"/>
+              </a:rPr>
+              <a:t>Les </a:t>
+            </a:r>
+            <a:r>
+              <a:rPr lang="en-US" sz="4800" b="1" dirty="0" smtClean="0">
+                <a:solidFill>
+                  <a:srgbClr val="A53010"/>
+                </a:solidFill>
+                <a:latin typeface="Comic Sans MS" pitchFamily="66" charset="0"/>
+                <a:ea typeface="+mj-ea"/>
+                <a:cs typeface="+mj-cs"/>
+              </a:rPr>
+              <a:t>jars</a:t>
+            </a:r>
+            <a:r>
+              <a:rPr lang="en-US" sz="4800" dirty="0" smtClean="0">
+                <a:solidFill>
+                  <a:srgbClr val="A53010"/>
+                </a:solidFill>
+                <a:latin typeface="Comic Sans MS" pitchFamily="66" charset="0"/>
+                <a:ea typeface="+mj-ea"/>
+                <a:cs typeface="+mj-cs"/>
+              </a:rPr>
+              <a:t> </a:t>
+            </a:r>
+            <a:r>
+              <a:rPr lang="en-US" sz="4800" dirty="0" err="1" smtClean="0">
+                <a:solidFill>
+                  <a:srgbClr val="A53010"/>
+                </a:solidFill>
+                <a:latin typeface="Comic Sans MS" pitchFamily="66" charset="0"/>
+                <a:ea typeface="+mj-ea"/>
+                <a:cs typeface="+mj-cs"/>
+              </a:rPr>
+              <a:t>sont</a:t>
+            </a:r>
+            <a:r>
+              <a:rPr lang="en-US" sz="4800" dirty="0" smtClean="0">
+                <a:solidFill>
+                  <a:srgbClr val="A53010"/>
+                </a:solidFill>
+                <a:latin typeface="Comic Sans MS" pitchFamily="66" charset="0"/>
+                <a:ea typeface="+mj-ea"/>
+                <a:cs typeface="+mj-cs"/>
+              </a:rPr>
+              <a:t> </a:t>
+            </a:r>
+            <a:r>
+              <a:rPr lang="en-US" sz="4800" dirty="0" err="1" smtClean="0">
+                <a:solidFill>
+                  <a:srgbClr val="A53010"/>
+                </a:solidFill>
+                <a:latin typeface="Comic Sans MS" pitchFamily="66" charset="0"/>
+                <a:ea typeface="+mj-ea"/>
+                <a:cs typeface="+mj-cs"/>
+              </a:rPr>
+              <a:t>là</a:t>
+            </a:r>
+            <a:r>
+              <a:rPr lang="en-US" sz="4800" dirty="0" smtClean="0">
+                <a:solidFill>
+                  <a:srgbClr val="A53010"/>
+                </a:solidFill>
+                <a:latin typeface="Comic Sans MS" pitchFamily="66" charset="0"/>
+                <a:ea typeface="+mj-ea"/>
+                <a:cs typeface="+mj-cs"/>
+              </a:rPr>
+              <a:t> !!!</a:t>
+            </a:r>
+            <a:endParaRPr lang="fr-FR" sz="4800" dirty="0">
+              <a:solidFill>
+                <a:srgbClr val="A53010"/>
+              </a:solidFill>
+              <a:latin typeface="Comic Sans MS" pitchFamily="66" charset="0"/>
+              <a:ea typeface="+mj-ea"/>
+              <a:cs typeface="+mj-cs"/>
+            </a:endParaRPr>
+          </a:p>
+        </p:txBody>
+      </p:sp>
+      <p:pic>
+        <p:nvPicPr>
+          <p:cNvPr id="4" name="Picture 3"/>
+          <p:cNvPicPr>
+            <a:picLocks noChangeAspect="1"/>
+          </p:cNvPicPr>
+          <p:nvPr/>
+        </p:nvPicPr>
+        <p:blipFill rotWithShape="1">
+          <a:blip r:embed="rId2">
+            <a:extLst>
+              <a:ext uri="{28A0092B-C50C-407E-A947-70E740481C1C}">
+                <a14:useLocalDpi xmlns:a14="http://schemas.microsoft.com/office/drawing/2010/main" val="0"/>
+              </a:ext>
+            </a:extLst>
+          </a:blip>
+          <a:srcRect l="17663" t="10981" r="18510" b="18882"/>
+          <a:stretch/>
+        </p:blipFill>
+        <p:spPr>
+          <a:xfrm>
+            <a:off x="2418754" y="2750821"/>
+            <a:ext cx="4978401" cy="4107179"/>
+          </a:xfrm>
+          <a:prstGeom prst="rect">
+            <a:avLst/>
+          </a:prstGeom>
+        </p:spPr>
+      </p:pic>
+      <p:pic>
+        <p:nvPicPr>
+          <p:cNvPr id="5" name="Picture 4"/>
+          <p:cNvPicPr>
+            <a:picLocks noChangeAspect="1"/>
+          </p:cNvPicPr>
+          <p:nvPr/>
+        </p:nvPicPr>
+        <p:blipFill rotWithShape="1">
+          <a:blip r:embed="rId3">
+            <a:extLst>
+              <a:ext uri="{28A0092B-C50C-407E-A947-70E740481C1C}">
+                <a14:useLocalDpi xmlns:a14="http://schemas.microsoft.com/office/drawing/2010/main" val="0"/>
+              </a:ext>
+            </a:extLst>
+          </a:blip>
+          <a:srcRect l="15130" t="17153" r="14174" b="10314"/>
+          <a:stretch/>
+        </p:blipFill>
+        <p:spPr>
+          <a:xfrm>
+            <a:off x="7315881" y="2706551"/>
+            <a:ext cx="4576989" cy="3525518"/>
+          </a:xfrm>
+          <a:prstGeom prst="rect">
+            <a:avLst/>
+          </a:prstGeom>
+        </p:spPr>
+      </p:pic>
+    </p:spTree>
+    <p:extLst>
+      <p:ext uri="{BB962C8B-B14F-4D97-AF65-F5344CB8AC3E}">
+        <p14:creationId xmlns:p14="http://schemas.microsoft.com/office/powerpoint/2010/main" val="46525113"/>
+      </p:ext>
+    </p:extLst>
+  </p:cSld>
+  <p:clrMapOvr>
+    <a:masterClrMapping/>
+  </p:clrMapOvr>
+  <p:timing>
+    <p:tnLst>
+      <p:par>
+        <p:cTn id="1" dur="indefinite" restart="never" nodeType="tmRoot"/>
+      </p:par>
+    </p:tnLst>
+  </p:timing>
+</p:sld>
+</file>
+
+<file path=ppt/slides/slide16.xml><?xml version="1.0" encoding="utf-8"?>
+<p:sld xmlns:a="http://schemas.openxmlformats.org/drawingml/2006/main" xmlns:r="http://schemas.openxmlformats.org/officeDocument/2006/relationships" xmlns:p="http://schemas.openxmlformats.org/presentationml/2006/main">
+  <p:cSld>
+    <p:spTree>
+      <p:nvGrpSpPr>
+        <p:cNvPr id="1" name=""/>
+        <p:cNvGrpSpPr/>
+        <p:nvPr/>
+      </p:nvGrpSpPr>
+      <p:grpSpPr>
+        <a:xfrm>
+          <a:off x="0" y="0"/>
+          <a:ext cx="0" cy="0"/>
+          <a:chOff x="0" y="0"/>
+          <a:chExt cx="0" cy="0"/>
+        </a:xfrm>
+      </p:grpSpPr>
+      <p:sp>
+        <p:nvSpPr>
+          <p:cNvPr id="2" name="Title 1"/>
+          <p:cNvSpPr>
+            <a:spLocks noGrp="1"/>
+          </p:cNvSpPr>
+          <p:nvPr>
+            <p:ph type="title"/>
+          </p:nvPr>
+        </p:nvSpPr>
+        <p:spPr/>
+        <p:txBody>
+          <a:bodyPr>
+            <a:normAutofit/>
+          </a:bodyPr>
+          <a:lstStyle/>
+          <a:p>
+            <a:pPr algn="ctr"/>
+            <a:r>
+              <a:rPr lang="fr-FR" sz="6000" dirty="0">
+                <a:solidFill>
+                  <a:srgbClr val="A53010"/>
+                </a:solidFill>
+              </a:rPr>
+              <a:t>ça ne arrête </a:t>
+            </a:r>
+            <a:r>
+              <a:rPr lang="fr-FR" sz="6000" dirty="0" smtClean="0">
+                <a:solidFill>
+                  <a:srgbClr val="A53010"/>
+                </a:solidFill>
+              </a:rPr>
+              <a:t>jamais!!</a:t>
+            </a:r>
+            <a:endParaRPr lang="fr-FR" sz="6000" dirty="0">
+              <a:solidFill>
+                <a:srgbClr val="A53010"/>
+              </a:solidFill>
+            </a:endParaRPr>
+          </a:p>
+        </p:txBody>
+      </p:sp>
+      <p:pic>
+        <p:nvPicPr>
+          <p:cNvPr id="4" name="Content Placeholder 3"/>
+          <p:cNvPicPr>
+            <a:picLocks noGrp="1" noChangeAspect="1"/>
+          </p:cNvPicPr>
+          <p:nvPr>
+            <p:ph idx="1"/>
+          </p:nvPr>
+        </p:nvPicPr>
+        <p:blipFill rotWithShape="1">
+          <a:blip r:embed="rId2">
+            <a:extLst>
+              <a:ext uri="{28A0092B-C50C-407E-A947-70E740481C1C}">
+                <a14:useLocalDpi xmlns:a14="http://schemas.microsoft.com/office/drawing/2010/main" val="0"/>
+              </a:ext>
+            </a:extLst>
+          </a:blip>
+          <a:srcRect l="14376" t="25738" r="15538" b="4346"/>
+          <a:stretch/>
+        </p:blipFill>
+        <p:spPr>
+          <a:xfrm>
+            <a:off x="4298310" y="2336799"/>
+            <a:ext cx="5847176" cy="4379367"/>
+          </a:xfrm>
+        </p:spPr>
+      </p:pic>
+    </p:spTree>
+    <p:extLst>
+      <p:ext uri="{BB962C8B-B14F-4D97-AF65-F5344CB8AC3E}">
+        <p14:creationId xmlns:p14="http://schemas.microsoft.com/office/powerpoint/2010/main" val="3548405563"/>
+      </p:ext>
+    </p:extLst>
+  </p:cSld>
+  <p:clrMapOvr>
+    <a:masterClrMapping/>
+  </p:clrMapOvr>
+  <p:timing>
+    <p:tnLst>
+      <p:par>
+        <p:cTn id="1" dur="indefinite" restart="never" nodeType="tmRoot"/>
+      </p:par>
+    </p:tnLst>
+  </p:timing>
+</p:sld>
+</file>
+
+<file path=ppt/slides/slide17.xml><?xml version="1.0" encoding="utf-8"?>
+<p:sld xmlns:a="http://schemas.openxmlformats.org/drawingml/2006/main" xmlns:r="http://schemas.openxmlformats.org/officeDocument/2006/relationships" xmlns:p="http://schemas.openxmlformats.org/presentationml/2006/main">
+  <p:cSld>
+    <p:spTree>
+      <p:nvGrpSpPr>
+        <p:cNvPr id="1" name=""/>
+        <p:cNvGrpSpPr/>
+        <p:nvPr/>
+      </p:nvGrpSpPr>
+      <p:grpSpPr>
+        <a:xfrm>
+          <a:off x="0" y="0"/>
+          <a:ext cx="0" cy="0"/>
+          <a:chOff x="0" y="0"/>
+          <a:chExt cx="0" cy="0"/>
+        </a:xfrm>
+      </p:grpSpPr>
+      <p:sp>
+        <p:nvSpPr>
+          <p:cNvPr id="2" name="Title 1"/>
+          <p:cNvSpPr>
+            <a:spLocks noGrp="1"/>
+          </p:cNvSpPr>
+          <p:nvPr>
+            <p:ph type="title"/>
+          </p:nvPr>
+        </p:nvSpPr>
+        <p:spPr>
+          <a:xfrm>
+            <a:off x="2589212" y="2133600"/>
+            <a:ext cx="8911687" cy="1280890"/>
+          </a:xfrm>
+        </p:spPr>
+        <p:txBody>
+          <a:bodyPr>
+            <a:noAutofit/>
+          </a:bodyPr>
+          <a:lstStyle/>
+          <a:p>
+            <a:pPr algn="ctr"/>
+            <a:r>
+              <a:rPr lang="fr-FR" sz="6000" dirty="0" smtClean="0">
+                <a:solidFill>
+                  <a:srgbClr val="A53010"/>
+                </a:solidFill>
+                <a:latin typeface="Comic Sans MS" pitchFamily="66" charset="0"/>
+              </a:rPr>
+              <a:t>Passez votre d’écriture d'applications ...…</a:t>
+            </a:r>
+            <a:endParaRPr lang="fr-FR" sz="6000" dirty="0">
+              <a:solidFill>
+                <a:srgbClr val="A53010"/>
+              </a:solidFill>
+              <a:latin typeface="Comic Sans MS" pitchFamily="66" charset="0"/>
+            </a:endParaRPr>
+          </a:p>
+        </p:txBody>
+      </p:sp>
+    </p:spTree>
+    <p:extLst>
+      <p:ext uri="{BB962C8B-B14F-4D97-AF65-F5344CB8AC3E}">
+        <p14:creationId xmlns:p14="http://schemas.microsoft.com/office/powerpoint/2010/main" val="4153846094"/>
+      </p:ext>
+    </p:extLst>
+  </p:cSld>
+  <p:clrMapOvr>
+    <a:masterClrMapping/>
+  </p:clrMapOvr>
+  <p:timing>
+    <p:tnLst>
+      <p:par>
+        <p:cTn id="1" dur="indefinite" restart="never" nodeType="tmRoot"/>
+      </p:par>
+    </p:tnLst>
+  </p:timing>
+</p:sld>
+</file>
+
+<file path=ppt/slides/slide18.xml><?xml version="1.0" encoding="utf-8"?>
+<p:sld xmlns:a="http://schemas.openxmlformats.org/drawingml/2006/main" xmlns:r="http://schemas.openxmlformats.org/officeDocument/2006/relationships" xmlns:p="http://schemas.openxmlformats.org/presentationml/2006/main">
+  <p:cSld>
+    <p:spTree>
+      <p:nvGrpSpPr>
+        <p:cNvPr id="1" name=""/>
+        <p:cNvGrpSpPr/>
+        <p:nvPr/>
+      </p:nvGrpSpPr>
+      <p:grpSpPr>
+        <a:xfrm>
+          <a:off x="0" y="0"/>
+          <a:ext cx="0" cy="0"/>
+          <a:chOff x="0" y="0"/>
+          <a:chExt cx="0" cy="0"/>
+        </a:xfrm>
+      </p:grpSpPr>
+      <p:sp>
+        <p:nvSpPr>
+          <p:cNvPr id="3" name="Content Placeholder 2"/>
+          <p:cNvSpPr>
+            <a:spLocks noGrp="1"/>
+          </p:cNvSpPr>
+          <p:nvPr>
+            <p:ph idx="1"/>
+          </p:nvPr>
+        </p:nvSpPr>
+        <p:spPr/>
+        <p:txBody>
+          <a:bodyPr>
+            <a:normAutofit/>
+          </a:bodyPr>
+          <a:lstStyle/>
+          <a:p>
+            <a:pPr marL="0" indent="0">
+              <a:buNone/>
+            </a:pPr>
+            <a:r>
+              <a:rPr lang="fr-FR" sz="6000" dirty="0">
+                <a:solidFill>
+                  <a:srgbClr val="A53010"/>
+                </a:solidFill>
+                <a:latin typeface="Comic Sans MS" pitchFamily="66" charset="0"/>
+                <a:ea typeface="+mj-ea"/>
+                <a:cs typeface="+mj-cs"/>
+              </a:rPr>
+              <a:t>Ne pas écrire serveurs d'applications ...</a:t>
+            </a:r>
+          </a:p>
+        </p:txBody>
+      </p:sp>
+    </p:spTree>
+    <p:extLst>
+      <p:ext uri="{BB962C8B-B14F-4D97-AF65-F5344CB8AC3E}">
+        <p14:creationId xmlns:p14="http://schemas.microsoft.com/office/powerpoint/2010/main" val="1339102562"/>
+      </p:ext>
+    </p:extLst>
+  </p:cSld>
+  <p:clrMapOvr>
+    <a:masterClrMapping/>
+  </p:clrMapOvr>
+  <p:timing>
+    <p:tnLst>
+      <p:par>
+        <p:cTn id="1" dur="indefinite" restart="never" nodeType="tmRoot"/>
+      </p:par>
+    </p:tnLst>
+  </p:timing>
+</p:sld>
+</file>
+
+<file path=ppt/slides/slide19.xml><?xml version="1.0" encoding="utf-8"?>
+<p:sld xmlns:a="http://schemas.openxmlformats.org/drawingml/2006/main" xmlns:r="http://schemas.openxmlformats.org/officeDocument/2006/relationships" xmlns:p="http://schemas.openxmlformats.org/presentationml/2006/main">
+  <p:cSld>
+    <p:spTree>
+      <p:nvGrpSpPr>
+        <p:cNvPr id="1" name=""/>
+        <p:cNvGrpSpPr/>
+        <p:nvPr/>
+      </p:nvGrpSpPr>
+      <p:grpSpPr>
+        <a:xfrm>
+          <a:off x="0" y="0"/>
+          <a:ext cx="0" cy="0"/>
+          <a:chOff x="0" y="0"/>
+          <a:chExt cx="0" cy="0"/>
+        </a:xfrm>
+      </p:grpSpPr>
+      <p:sp>
+        <p:nvSpPr>
+          <p:cNvPr id="2" name="Title 1"/>
+          <p:cNvSpPr>
+            <a:spLocks noGrp="1"/>
+          </p:cNvSpPr>
+          <p:nvPr>
+            <p:ph type="title"/>
+          </p:nvPr>
+        </p:nvSpPr>
+        <p:spPr>
+          <a:xfrm>
+            <a:off x="2621954" y="2539996"/>
+            <a:ext cx="8911687" cy="1280890"/>
+          </a:xfrm>
+        </p:spPr>
+        <p:txBody>
+          <a:bodyPr>
+            <a:normAutofit/>
+          </a:bodyPr>
+          <a:lstStyle/>
+          <a:p>
+            <a:r>
+              <a:rPr lang="fr-FR" sz="7200" dirty="0">
+                <a:solidFill>
+                  <a:srgbClr val="A53010"/>
+                </a:solidFill>
+                <a:latin typeface="Comic Sans MS" pitchFamily="66" charset="0"/>
+              </a:rPr>
+              <a:t>Et le résultat est …</a:t>
+            </a:r>
+            <a:endParaRPr lang="fr-FR" sz="7200" dirty="0">
+              <a:solidFill>
+                <a:srgbClr val="A53010"/>
+              </a:solidFill>
+            </a:endParaRPr>
+          </a:p>
+        </p:txBody>
+      </p:sp>
+    </p:spTree>
+    <p:extLst>
+      <p:ext uri="{BB962C8B-B14F-4D97-AF65-F5344CB8AC3E}">
+        <p14:creationId xmlns:p14="http://schemas.microsoft.com/office/powerpoint/2010/main" val="2786553311"/>
+      </p:ext>
+    </p:extLst>
+  </p:cSld>
+  <p:clrMapOvr>
+    <a:masterClrMapping/>
+  </p:clrMapOvr>
+  <p:timing>
+    <p:tnLst>
+      <p:par>
+        <p:cTn id="1" dur="indefinite" restart="never" nodeType="tmRoot"/>
+      </p:par>
+    </p:tnLst>
+  </p:timing>
+</p:sld>
+</file>
+
 <file path=ppt/slides/slide2.xml><?xml version="1.0" encoding="utf-8"?>
 <p:sld xmlns:a="http://schemas.openxmlformats.org/drawingml/2006/main" xmlns:r="http://schemas.openxmlformats.org/officeDocument/2006/relationships" xmlns:p="http://schemas.openxmlformats.org/presentationml/2006/main">
   <p:cSld>
@@ -8068,6 +10599,2707 @@
           <a:lstStyle/>
           <a:p>
             <a:r>
+              <a:rPr lang="fr-FR" dirty="0">
+                <a:latin typeface="Comic Sans MS" pitchFamily="66" charset="0"/>
+              </a:rPr>
+              <a:t>Objectifs</a:t>
+            </a:r>
+            <a:endParaRPr lang="fr-FR" dirty="0"/>
+          </a:p>
+        </p:txBody>
+      </p:sp>
+      <p:sp>
+        <p:nvSpPr>
+          <p:cNvPr id="8" name="ZoneTexte 3"/>
+          <p:cNvSpPr txBox="1"/>
+          <p:nvPr/>
+        </p:nvSpPr>
+        <p:spPr>
+          <a:xfrm>
+            <a:off x="3122047" y="1683125"/>
+            <a:ext cx="4397672" cy="443749"/>
+          </a:xfrm>
+          <a:prstGeom prst="rect">
+            <a:avLst/>
+          </a:prstGeom>
+          <a:noFill/>
+        </p:spPr>
+        <p:txBody>
+          <a:bodyPr wrap="none" lIns="91430" tIns="45716" rIns="91430" bIns="45716" rtlCol="0">
+            <a:spAutoFit/>
+          </a:bodyPr>
+          <a:lstStyle/>
+          <a:p>
+            <a:r>
+              <a:rPr lang="fr-FR" sz="2400" dirty="0">
+                <a:latin typeface="Comic Sans MS" pitchFamily="66" charset="0"/>
+              </a:rPr>
+              <a:t>Comprendre ce qu’est </a:t>
+            </a:r>
+            <a:r>
+              <a:rPr lang="fr-FR" sz="2400" dirty="0" err="1">
+                <a:latin typeface="Comic Sans MS" pitchFamily="66" charset="0"/>
+              </a:rPr>
+              <a:t>TomEE</a:t>
+            </a:r>
+            <a:endParaRPr lang="fr-FR" sz="2400" dirty="0">
+              <a:latin typeface="Comic Sans MS" pitchFamily="66" charset="0"/>
+            </a:endParaRPr>
+          </a:p>
+        </p:txBody>
+      </p:sp>
+      <p:sp>
+        <p:nvSpPr>
+          <p:cNvPr id="9" name="ZoneTexte 4"/>
+          <p:cNvSpPr txBox="1"/>
+          <p:nvPr/>
+        </p:nvSpPr>
+        <p:spPr>
+          <a:xfrm>
+            <a:off x="6430966" y="2249117"/>
+            <a:ext cx="3128410" cy="382148"/>
+          </a:xfrm>
+          <a:prstGeom prst="rect">
+            <a:avLst/>
+          </a:prstGeom>
+          <a:noFill/>
+        </p:spPr>
+        <p:txBody>
+          <a:bodyPr wrap="none" lIns="91430" tIns="45716" rIns="91430" bIns="45716" rtlCol="0">
+            <a:spAutoFit/>
+          </a:bodyPr>
+          <a:lstStyle/>
+          <a:p>
+            <a:r>
+              <a:rPr lang="fr-FR" sz="2000" dirty="0">
+                <a:latin typeface="Comic Sans MS" pitchFamily="66" charset="0"/>
+              </a:rPr>
+              <a:t>… et ce que ce n’est pas !</a:t>
+            </a:r>
+          </a:p>
+        </p:txBody>
+      </p:sp>
+    </p:spTree>
+    <p:extLst>
+      <p:ext uri="{BB962C8B-B14F-4D97-AF65-F5344CB8AC3E}">
+        <p14:creationId xmlns:p14="http://schemas.microsoft.com/office/powerpoint/2010/main" val="3054940733"/>
+      </p:ext>
+    </p:extLst>
+  </p:cSld>
+  <p:clrMapOvr>
+    <a:masterClrMapping/>
+  </p:clrMapOvr>
+  <p:timing>
+    <p:tnLst>
+      <p:par>
+        <p:cTn id="1" dur="indefinite" restart="never" nodeType="tmRoot"/>
+      </p:par>
+    </p:tnLst>
+  </p:timing>
+</p:sld>
+</file>
+
+<file path=ppt/slides/slide20.xml><?xml version="1.0" encoding="utf-8"?>
+<p:sld xmlns:a="http://schemas.openxmlformats.org/drawingml/2006/main" xmlns:r="http://schemas.openxmlformats.org/officeDocument/2006/relationships" xmlns:p="http://schemas.openxmlformats.org/presentationml/2006/main">
+  <p:cSld>
+    <p:spTree>
+      <p:nvGrpSpPr>
+        <p:cNvPr id="1" name=""/>
+        <p:cNvGrpSpPr/>
+        <p:nvPr/>
+      </p:nvGrpSpPr>
+      <p:grpSpPr>
+        <a:xfrm>
+          <a:off x="0" y="0"/>
+          <a:ext cx="0" cy="0"/>
+          <a:chOff x="0" y="0"/>
+          <a:chExt cx="0" cy="0"/>
+        </a:xfrm>
+      </p:grpSpPr>
+      <p:sp>
+        <p:nvSpPr>
+          <p:cNvPr id="5" name="Text Box 3"/>
+          <p:cNvSpPr txBox="1">
+            <a:spLocks noChangeArrowheads="1"/>
+          </p:cNvSpPr>
+          <p:nvPr/>
+        </p:nvSpPr>
+        <p:spPr bwMode="auto">
+          <a:xfrm>
+            <a:off x="2027808" y="1218118"/>
+            <a:ext cx="6840538" cy="893763"/>
+          </a:xfrm>
+          <a:prstGeom prst="rect">
+            <a:avLst/>
+          </a:prstGeom>
+          <a:noFill/>
+          <a:ln>
+            <a:noFill/>
+          </a:ln>
+          <a:effectLst/>
+          <a:extLst>
+            <a:ext uri="{909E8E84-426E-40DD-AFC4-6F175D3DCCD1}">
+              <a14:hiddenFill xmlns:a14="http://schemas.microsoft.com/office/drawing/2010/main">
+                <a:solidFill>
+                  <a:srgbClr val="FFFFFF"/>
+                </a:solidFill>
+              </a14:hiddenFill>
+            </a:ext>
+            <a:ext uri="{91240B29-F687-4F45-9708-019B960494DF}">
+              <a14:hiddenLine xmlns:a14="http://schemas.microsoft.com/office/drawing/2010/main" w="72000">
+                <a:solidFill>
+                  <a:srgbClr val="000000"/>
+                </a:solidFill>
+                <a:round/>
+                <a:headEnd/>
+                <a:tailEnd/>
+              </a14:hiddenLine>
+            </a:ext>
+            <a:ext uri="{AF507438-7753-43E0-B8FC-AC1667EBCBE1}">
+              <a14:hiddenEffects xmlns:a14="http://schemas.microsoft.com/office/drawing/2010/main">
+                <a:effectLst>
+                  <a:outerShdw dist="35921" dir="2700000" algn="ctr" rotWithShape="0">
+                    <a:srgbClr val="808080"/>
+                  </a:outerShdw>
+                </a:effectLst>
+              </a14:hiddenEffects>
+            </a:ext>
+          </a:extLst>
+        </p:spPr>
+        <p:txBody>
+          <a:bodyPr lIns="89991" tIns="84681" rIns="89991" bIns="44996"/>
+          <a:lstStyle>
+            <a:lvl1pPr eaLnBrk="0">
+              <a:tabLst>
+                <a:tab pos="723900" algn="l"/>
+                <a:tab pos="1447800" algn="l"/>
+                <a:tab pos="2171700" algn="l"/>
+                <a:tab pos="2895600" algn="l"/>
+                <a:tab pos="3619500" algn="l"/>
+                <a:tab pos="4343400" algn="l"/>
+                <a:tab pos="5067300" algn="l"/>
+                <a:tab pos="5791200" algn="l"/>
+                <a:tab pos="6515100" algn="l"/>
+              </a:tabLst>
+              <a:defRPr>
+                <a:solidFill>
+                  <a:schemeClr val="tx1"/>
+                </a:solidFill>
+                <a:latin typeface="Arial" charset="0"/>
+                <a:ea typeface="Droid Sans Fallback" charset="0"/>
+                <a:cs typeface="Droid Sans Fallback" charset="0"/>
+              </a:defRPr>
+            </a:lvl1pPr>
+            <a:lvl2pPr eaLnBrk="0">
+              <a:tabLst>
+                <a:tab pos="723900" algn="l"/>
+                <a:tab pos="1447800" algn="l"/>
+                <a:tab pos="2171700" algn="l"/>
+                <a:tab pos="2895600" algn="l"/>
+                <a:tab pos="3619500" algn="l"/>
+                <a:tab pos="4343400" algn="l"/>
+                <a:tab pos="5067300" algn="l"/>
+                <a:tab pos="5791200" algn="l"/>
+                <a:tab pos="6515100" algn="l"/>
+              </a:tabLst>
+              <a:defRPr>
+                <a:solidFill>
+                  <a:schemeClr val="tx1"/>
+                </a:solidFill>
+                <a:latin typeface="Arial" charset="0"/>
+                <a:ea typeface="Droid Sans Fallback" charset="0"/>
+                <a:cs typeface="Droid Sans Fallback" charset="0"/>
+              </a:defRPr>
+            </a:lvl2pPr>
+            <a:lvl3pPr eaLnBrk="0">
+              <a:tabLst>
+                <a:tab pos="723900" algn="l"/>
+                <a:tab pos="1447800" algn="l"/>
+                <a:tab pos="2171700" algn="l"/>
+                <a:tab pos="2895600" algn="l"/>
+                <a:tab pos="3619500" algn="l"/>
+                <a:tab pos="4343400" algn="l"/>
+                <a:tab pos="5067300" algn="l"/>
+                <a:tab pos="5791200" algn="l"/>
+                <a:tab pos="6515100" algn="l"/>
+              </a:tabLst>
+              <a:defRPr>
+                <a:solidFill>
+                  <a:schemeClr val="tx1"/>
+                </a:solidFill>
+                <a:latin typeface="Arial" charset="0"/>
+                <a:ea typeface="Droid Sans Fallback" charset="0"/>
+                <a:cs typeface="Droid Sans Fallback" charset="0"/>
+              </a:defRPr>
+            </a:lvl3pPr>
+            <a:lvl4pPr eaLnBrk="0">
+              <a:tabLst>
+                <a:tab pos="723900" algn="l"/>
+                <a:tab pos="1447800" algn="l"/>
+                <a:tab pos="2171700" algn="l"/>
+                <a:tab pos="2895600" algn="l"/>
+                <a:tab pos="3619500" algn="l"/>
+                <a:tab pos="4343400" algn="l"/>
+                <a:tab pos="5067300" algn="l"/>
+                <a:tab pos="5791200" algn="l"/>
+                <a:tab pos="6515100" algn="l"/>
+              </a:tabLst>
+              <a:defRPr>
+                <a:solidFill>
+                  <a:schemeClr val="tx1"/>
+                </a:solidFill>
+                <a:latin typeface="Arial" charset="0"/>
+                <a:ea typeface="Droid Sans Fallback" charset="0"/>
+                <a:cs typeface="Droid Sans Fallback" charset="0"/>
+              </a:defRPr>
+            </a:lvl4pPr>
+            <a:lvl5pPr eaLnBrk="0">
+              <a:tabLst>
+                <a:tab pos="723900" algn="l"/>
+                <a:tab pos="1447800" algn="l"/>
+                <a:tab pos="2171700" algn="l"/>
+                <a:tab pos="2895600" algn="l"/>
+                <a:tab pos="3619500" algn="l"/>
+                <a:tab pos="4343400" algn="l"/>
+                <a:tab pos="5067300" algn="l"/>
+                <a:tab pos="5791200" algn="l"/>
+                <a:tab pos="6515100" algn="l"/>
+              </a:tabLst>
+              <a:defRPr>
+                <a:solidFill>
+                  <a:schemeClr val="tx1"/>
+                </a:solidFill>
+                <a:latin typeface="Arial" charset="0"/>
+                <a:ea typeface="Droid Sans Fallback" charset="0"/>
+                <a:cs typeface="Droid Sans Fallback" charset="0"/>
+              </a:defRPr>
+            </a:lvl5pPr>
+            <a:lvl6pPr marL="2514600" indent="-228600" defTabSz="449263" eaLnBrk="0" fontAlgn="base" hangingPunct="0">
+              <a:lnSpc>
+                <a:spcPct val="93000"/>
+              </a:lnSpc>
+              <a:spcBef>
+                <a:spcPct val="0"/>
+              </a:spcBef>
+              <a:spcAft>
+                <a:spcPct val="0"/>
+              </a:spcAft>
+              <a:buClr>
+                <a:srgbClr val="000000"/>
+              </a:buClr>
+              <a:buSzPct val="100000"/>
+              <a:buFont typeface="Times New Roman" pitchFamily="16" charset="0"/>
+              <a:tabLst>
+                <a:tab pos="723900" algn="l"/>
+                <a:tab pos="1447800" algn="l"/>
+                <a:tab pos="2171700" algn="l"/>
+                <a:tab pos="2895600" algn="l"/>
+                <a:tab pos="3619500" algn="l"/>
+                <a:tab pos="4343400" algn="l"/>
+                <a:tab pos="5067300" algn="l"/>
+                <a:tab pos="5791200" algn="l"/>
+                <a:tab pos="6515100" algn="l"/>
+              </a:tabLst>
+              <a:defRPr>
+                <a:solidFill>
+                  <a:schemeClr val="tx1"/>
+                </a:solidFill>
+                <a:latin typeface="Arial" charset="0"/>
+                <a:ea typeface="Droid Sans Fallback" charset="0"/>
+                <a:cs typeface="Droid Sans Fallback" charset="0"/>
+              </a:defRPr>
+            </a:lvl6pPr>
+            <a:lvl7pPr marL="2971800" indent="-228600" defTabSz="449263" eaLnBrk="0" fontAlgn="base" hangingPunct="0">
+              <a:lnSpc>
+                <a:spcPct val="93000"/>
+              </a:lnSpc>
+              <a:spcBef>
+                <a:spcPct val="0"/>
+              </a:spcBef>
+              <a:spcAft>
+                <a:spcPct val="0"/>
+              </a:spcAft>
+              <a:buClr>
+                <a:srgbClr val="000000"/>
+              </a:buClr>
+              <a:buSzPct val="100000"/>
+              <a:buFont typeface="Times New Roman" pitchFamily="16" charset="0"/>
+              <a:tabLst>
+                <a:tab pos="723900" algn="l"/>
+                <a:tab pos="1447800" algn="l"/>
+                <a:tab pos="2171700" algn="l"/>
+                <a:tab pos="2895600" algn="l"/>
+                <a:tab pos="3619500" algn="l"/>
+                <a:tab pos="4343400" algn="l"/>
+                <a:tab pos="5067300" algn="l"/>
+                <a:tab pos="5791200" algn="l"/>
+                <a:tab pos="6515100" algn="l"/>
+              </a:tabLst>
+              <a:defRPr>
+                <a:solidFill>
+                  <a:schemeClr val="tx1"/>
+                </a:solidFill>
+                <a:latin typeface="Arial" charset="0"/>
+                <a:ea typeface="Droid Sans Fallback" charset="0"/>
+                <a:cs typeface="Droid Sans Fallback" charset="0"/>
+              </a:defRPr>
+            </a:lvl7pPr>
+            <a:lvl8pPr marL="3429000" indent="-228600" defTabSz="449263" eaLnBrk="0" fontAlgn="base" hangingPunct="0">
+              <a:lnSpc>
+                <a:spcPct val="93000"/>
+              </a:lnSpc>
+              <a:spcBef>
+                <a:spcPct val="0"/>
+              </a:spcBef>
+              <a:spcAft>
+                <a:spcPct val="0"/>
+              </a:spcAft>
+              <a:buClr>
+                <a:srgbClr val="000000"/>
+              </a:buClr>
+              <a:buSzPct val="100000"/>
+              <a:buFont typeface="Times New Roman" pitchFamily="16" charset="0"/>
+              <a:tabLst>
+                <a:tab pos="723900" algn="l"/>
+                <a:tab pos="1447800" algn="l"/>
+                <a:tab pos="2171700" algn="l"/>
+                <a:tab pos="2895600" algn="l"/>
+                <a:tab pos="3619500" algn="l"/>
+                <a:tab pos="4343400" algn="l"/>
+                <a:tab pos="5067300" algn="l"/>
+                <a:tab pos="5791200" algn="l"/>
+                <a:tab pos="6515100" algn="l"/>
+              </a:tabLst>
+              <a:defRPr>
+                <a:solidFill>
+                  <a:schemeClr val="tx1"/>
+                </a:solidFill>
+                <a:latin typeface="Arial" charset="0"/>
+                <a:ea typeface="Droid Sans Fallback" charset="0"/>
+                <a:cs typeface="Droid Sans Fallback" charset="0"/>
+              </a:defRPr>
+            </a:lvl8pPr>
+            <a:lvl9pPr marL="3886200" indent="-228600" defTabSz="449263" eaLnBrk="0" fontAlgn="base" hangingPunct="0">
+              <a:lnSpc>
+                <a:spcPct val="93000"/>
+              </a:lnSpc>
+              <a:spcBef>
+                <a:spcPct val="0"/>
+              </a:spcBef>
+              <a:spcAft>
+                <a:spcPct val="0"/>
+              </a:spcAft>
+              <a:buClr>
+                <a:srgbClr val="000000"/>
+              </a:buClr>
+              <a:buSzPct val="100000"/>
+              <a:buFont typeface="Times New Roman" pitchFamily="16" charset="0"/>
+              <a:tabLst>
+                <a:tab pos="723900" algn="l"/>
+                <a:tab pos="1447800" algn="l"/>
+                <a:tab pos="2171700" algn="l"/>
+                <a:tab pos="2895600" algn="l"/>
+                <a:tab pos="3619500" algn="l"/>
+                <a:tab pos="4343400" algn="l"/>
+                <a:tab pos="5067300" algn="l"/>
+                <a:tab pos="5791200" algn="l"/>
+                <a:tab pos="6515100" algn="l"/>
+              </a:tabLst>
+              <a:defRPr>
+                <a:solidFill>
+                  <a:schemeClr val="tx1"/>
+                </a:solidFill>
+                <a:latin typeface="Arial" charset="0"/>
+                <a:ea typeface="Droid Sans Fallback" charset="0"/>
+                <a:cs typeface="Droid Sans Fallback" charset="0"/>
+              </a:defRPr>
+            </a:lvl9pPr>
+          </a:lstStyle>
+          <a:p>
+            <a:pPr eaLnBrk="1"/>
+            <a:r>
+              <a:rPr lang="fr-FR" sz="4500" b="1" dirty="0">
+                <a:solidFill>
+                  <a:srgbClr val="000000"/>
+                </a:solidFill>
+                <a:latin typeface="Comic Sans MS" pitchFamily="66" charset="0"/>
+              </a:rPr>
+              <a:t>Boot time!</a:t>
+            </a:r>
+          </a:p>
+        </p:txBody>
+      </p:sp>
+      <p:sp>
+        <p:nvSpPr>
+          <p:cNvPr id="7" name="Text Box 5"/>
+          <p:cNvSpPr txBox="1">
+            <a:spLocks noChangeArrowheads="1"/>
+          </p:cNvSpPr>
+          <p:nvPr/>
+        </p:nvSpPr>
+        <p:spPr bwMode="auto">
+          <a:xfrm>
+            <a:off x="7068840" y="2923726"/>
+            <a:ext cx="2663825" cy="515937"/>
+          </a:xfrm>
+          <a:prstGeom prst="rect">
+            <a:avLst/>
+          </a:prstGeom>
+          <a:noFill/>
+          <a:ln>
+            <a:noFill/>
+          </a:ln>
+          <a:effectLst/>
+          <a:extLst>
+            <a:ext uri="{909E8E84-426E-40DD-AFC4-6F175D3DCCD1}">
+              <a14:hiddenFill xmlns:a14="http://schemas.microsoft.com/office/drawing/2010/main">
+                <a:solidFill>
+                  <a:srgbClr val="FFFFFF"/>
+                </a:solidFill>
+              </a14:hiddenFill>
+            </a:ext>
+            <a:ext uri="{91240B29-F687-4F45-9708-019B960494DF}">
+              <a14:hiddenLine xmlns:a14="http://schemas.microsoft.com/office/drawing/2010/main" w="72000">
+                <a:solidFill>
+                  <a:srgbClr val="000000"/>
+                </a:solidFill>
+                <a:round/>
+                <a:headEnd/>
+                <a:tailEnd/>
+              </a14:hiddenLine>
+            </a:ext>
+            <a:ext uri="{AF507438-7753-43E0-B8FC-AC1667EBCBE1}">
+              <a14:hiddenEffects xmlns:a14="http://schemas.microsoft.com/office/drawing/2010/main">
+                <a:effectLst>
+                  <a:outerShdw dist="35921" dir="2700000" algn="ctr" rotWithShape="0">
+                    <a:srgbClr val="808080"/>
+                  </a:outerShdw>
+                </a:effectLst>
+              </a14:hiddenEffects>
+            </a:ext>
+          </a:extLst>
+        </p:spPr>
+        <p:txBody>
+          <a:bodyPr lIns="89991" tIns="71452" rIns="89991" bIns="44996"/>
+          <a:lstStyle>
+            <a:lvl1pPr eaLnBrk="0">
+              <a:tabLst>
+                <a:tab pos="723900" algn="l"/>
+                <a:tab pos="1447800" algn="l"/>
+                <a:tab pos="2171700" algn="l"/>
+              </a:tabLst>
+              <a:defRPr>
+                <a:solidFill>
+                  <a:schemeClr val="tx1"/>
+                </a:solidFill>
+                <a:latin typeface="Arial" charset="0"/>
+                <a:ea typeface="Droid Sans Fallback" charset="0"/>
+                <a:cs typeface="Droid Sans Fallback" charset="0"/>
+              </a:defRPr>
+            </a:lvl1pPr>
+            <a:lvl2pPr eaLnBrk="0">
+              <a:tabLst>
+                <a:tab pos="723900" algn="l"/>
+                <a:tab pos="1447800" algn="l"/>
+                <a:tab pos="2171700" algn="l"/>
+              </a:tabLst>
+              <a:defRPr>
+                <a:solidFill>
+                  <a:schemeClr val="tx1"/>
+                </a:solidFill>
+                <a:latin typeface="Arial" charset="0"/>
+                <a:ea typeface="Droid Sans Fallback" charset="0"/>
+                <a:cs typeface="Droid Sans Fallback" charset="0"/>
+              </a:defRPr>
+            </a:lvl2pPr>
+            <a:lvl3pPr eaLnBrk="0">
+              <a:tabLst>
+                <a:tab pos="723900" algn="l"/>
+                <a:tab pos="1447800" algn="l"/>
+                <a:tab pos="2171700" algn="l"/>
+              </a:tabLst>
+              <a:defRPr>
+                <a:solidFill>
+                  <a:schemeClr val="tx1"/>
+                </a:solidFill>
+                <a:latin typeface="Arial" charset="0"/>
+                <a:ea typeface="Droid Sans Fallback" charset="0"/>
+                <a:cs typeface="Droid Sans Fallback" charset="0"/>
+              </a:defRPr>
+            </a:lvl3pPr>
+            <a:lvl4pPr eaLnBrk="0">
+              <a:tabLst>
+                <a:tab pos="723900" algn="l"/>
+                <a:tab pos="1447800" algn="l"/>
+                <a:tab pos="2171700" algn="l"/>
+              </a:tabLst>
+              <a:defRPr>
+                <a:solidFill>
+                  <a:schemeClr val="tx1"/>
+                </a:solidFill>
+                <a:latin typeface="Arial" charset="0"/>
+                <a:ea typeface="Droid Sans Fallback" charset="0"/>
+                <a:cs typeface="Droid Sans Fallback" charset="0"/>
+              </a:defRPr>
+            </a:lvl4pPr>
+            <a:lvl5pPr eaLnBrk="0">
+              <a:tabLst>
+                <a:tab pos="723900" algn="l"/>
+                <a:tab pos="1447800" algn="l"/>
+                <a:tab pos="2171700" algn="l"/>
+              </a:tabLst>
+              <a:defRPr>
+                <a:solidFill>
+                  <a:schemeClr val="tx1"/>
+                </a:solidFill>
+                <a:latin typeface="Arial" charset="0"/>
+                <a:ea typeface="Droid Sans Fallback" charset="0"/>
+                <a:cs typeface="Droid Sans Fallback" charset="0"/>
+              </a:defRPr>
+            </a:lvl5pPr>
+            <a:lvl6pPr marL="2514600" indent="-228600" defTabSz="449263" eaLnBrk="0" fontAlgn="base" hangingPunct="0">
+              <a:lnSpc>
+                <a:spcPct val="93000"/>
+              </a:lnSpc>
+              <a:spcBef>
+                <a:spcPct val="0"/>
+              </a:spcBef>
+              <a:spcAft>
+                <a:spcPct val="0"/>
+              </a:spcAft>
+              <a:buClr>
+                <a:srgbClr val="000000"/>
+              </a:buClr>
+              <a:buSzPct val="100000"/>
+              <a:buFont typeface="Times New Roman" pitchFamily="16" charset="0"/>
+              <a:tabLst>
+                <a:tab pos="723900" algn="l"/>
+                <a:tab pos="1447800" algn="l"/>
+                <a:tab pos="2171700" algn="l"/>
+              </a:tabLst>
+              <a:defRPr>
+                <a:solidFill>
+                  <a:schemeClr val="tx1"/>
+                </a:solidFill>
+                <a:latin typeface="Arial" charset="0"/>
+                <a:ea typeface="Droid Sans Fallback" charset="0"/>
+                <a:cs typeface="Droid Sans Fallback" charset="0"/>
+              </a:defRPr>
+            </a:lvl6pPr>
+            <a:lvl7pPr marL="2971800" indent="-228600" defTabSz="449263" eaLnBrk="0" fontAlgn="base" hangingPunct="0">
+              <a:lnSpc>
+                <a:spcPct val="93000"/>
+              </a:lnSpc>
+              <a:spcBef>
+                <a:spcPct val="0"/>
+              </a:spcBef>
+              <a:spcAft>
+                <a:spcPct val="0"/>
+              </a:spcAft>
+              <a:buClr>
+                <a:srgbClr val="000000"/>
+              </a:buClr>
+              <a:buSzPct val="100000"/>
+              <a:buFont typeface="Times New Roman" pitchFamily="16" charset="0"/>
+              <a:tabLst>
+                <a:tab pos="723900" algn="l"/>
+                <a:tab pos="1447800" algn="l"/>
+                <a:tab pos="2171700" algn="l"/>
+              </a:tabLst>
+              <a:defRPr>
+                <a:solidFill>
+                  <a:schemeClr val="tx1"/>
+                </a:solidFill>
+                <a:latin typeface="Arial" charset="0"/>
+                <a:ea typeface="Droid Sans Fallback" charset="0"/>
+                <a:cs typeface="Droid Sans Fallback" charset="0"/>
+              </a:defRPr>
+            </a:lvl7pPr>
+            <a:lvl8pPr marL="3429000" indent="-228600" defTabSz="449263" eaLnBrk="0" fontAlgn="base" hangingPunct="0">
+              <a:lnSpc>
+                <a:spcPct val="93000"/>
+              </a:lnSpc>
+              <a:spcBef>
+                <a:spcPct val="0"/>
+              </a:spcBef>
+              <a:spcAft>
+                <a:spcPct val="0"/>
+              </a:spcAft>
+              <a:buClr>
+                <a:srgbClr val="000000"/>
+              </a:buClr>
+              <a:buSzPct val="100000"/>
+              <a:buFont typeface="Times New Roman" pitchFamily="16" charset="0"/>
+              <a:tabLst>
+                <a:tab pos="723900" algn="l"/>
+                <a:tab pos="1447800" algn="l"/>
+                <a:tab pos="2171700" algn="l"/>
+              </a:tabLst>
+              <a:defRPr>
+                <a:solidFill>
+                  <a:schemeClr val="tx1"/>
+                </a:solidFill>
+                <a:latin typeface="Arial" charset="0"/>
+                <a:ea typeface="Droid Sans Fallback" charset="0"/>
+                <a:cs typeface="Droid Sans Fallback" charset="0"/>
+              </a:defRPr>
+            </a:lvl8pPr>
+            <a:lvl9pPr marL="3886200" indent="-228600" defTabSz="449263" eaLnBrk="0" fontAlgn="base" hangingPunct="0">
+              <a:lnSpc>
+                <a:spcPct val="93000"/>
+              </a:lnSpc>
+              <a:spcBef>
+                <a:spcPct val="0"/>
+              </a:spcBef>
+              <a:spcAft>
+                <a:spcPct val="0"/>
+              </a:spcAft>
+              <a:buClr>
+                <a:srgbClr val="000000"/>
+              </a:buClr>
+              <a:buSzPct val="100000"/>
+              <a:buFont typeface="Times New Roman" pitchFamily="16" charset="0"/>
+              <a:tabLst>
+                <a:tab pos="723900" algn="l"/>
+                <a:tab pos="1447800" algn="l"/>
+                <a:tab pos="2171700" algn="l"/>
+              </a:tabLst>
+              <a:defRPr>
+                <a:solidFill>
+                  <a:schemeClr val="tx1"/>
+                </a:solidFill>
+                <a:latin typeface="Arial" charset="0"/>
+                <a:ea typeface="Droid Sans Fallback" charset="0"/>
+                <a:cs typeface="Droid Sans Fallback" charset="0"/>
+              </a:defRPr>
+            </a:lvl9pPr>
+          </a:lstStyle>
+          <a:p>
+            <a:pPr eaLnBrk="1"/>
+            <a:r>
+              <a:rPr lang="fr-FR" sz="3000" dirty="0">
+                <a:solidFill>
+                  <a:srgbClr val="000000"/>
+                </a:solidFill>
+                <a:latin typeface="Comic Sans MS" pitchFamily="66" charset="0"/>
+              </a:rPr>
+              <a:t>IDE</a:t>
+            </a:r>
+          </a:p>
+        </p:txBody>
+      </p:sp>
+      <p:sp>
+        <p:nvSpPr>
+          <p:cNvPr id="8" name="Text Box 7"/>
+          <p:cNvSpPr txBox="1">
+            <a:spLocks noChangeArrowheads="1"/>
+          </p:cNvSpPr>
+          <p:nvPr/>
+        </p:nvSpPr>
+        <p:spPr bwMode="auto">
+          <a:xfrm>
+            <a:off x="8616303" y="1095247"/>
+            <a:ext cx="2663825" cy="373062"/>
+          </a:xfrm>
+          <a:prstGeom prst="rect">
+            <a:avLst/>
+          </a:prstGeom>
+          <a:noFill/>
+          <a:ln>
+            <a:noFill/>
+          </a:ln>
+          <a:effectLst/>
+          <a:extLst>
+            <a:ext uri="{909E8E84-426E-40DD-AFC4-6F175D3DCCD1}">
+              <a14:hiddenFill xmlns:a14="http://schemas.microsoft.com/office/drawing/2010/main">
+                <a:solidFill>
+                  <a:srgbClr val="FFFFFF"/>
+                </a:solidFill>
+              </a14:hiddenFill>
+            </a:ext>
+            <a:ext uri="{91240B29-F687-4F45-9708-019B960494DF}">
+              <a14:hiddenLine xmlns:a14="http://schemas.microsoft.com/office/drawing/2010/main" w="72000">
+                <a:solidFill>
+                  <a:srgbClr val="000000"/>
+                </a:solidFill>
+                <a:round/>
+                <a:headEnd/>
+                <a:tailEnd/>
+              </a14:hiddenLine>
+            </a:ext>
+            <a:ext uri="{AF507438-7753-43E0-B8FC-AC1667EBCBE1}">
+              <a14:hiddenEffects xmlns:a14="http://schemas.microsoft.com/office/drawing/2010/main">
+                <a:effectLst>
+                  <a:outerShdw dist="35921" dir="2700000" algn="ctr" rotWithShape="0">
+                    <a:srgbClr val="808080"/>
+                  </a:outerShdw>
+                </a:effectLst>
+              </a14:hiddenEffects>
+            </a:ext>
+          </a:extLst>
+        </p:spPr>
+        <p:txBody>
+          <a:bodyPr lIns="89991" tIns="62634" rIns="89991" bIns="44996"/>
+          <a:lstStyle>
+            <a:lvl1pPr eaLnBrk="0">
+              <a:tabLst>
+                <a:tab pos="723900" algn="l"/>
+                <a:tab pos="1447800" algn="l"/>
+                <a:tab pos="2171700" algn="l"/>
+              </a:tabLst>
+              <a:defRPr>
+                <a:solidFill>
+                  <a:schemeClr val="tx1"/>
+                </a:solidFill>
+                <a:latin typeface="Arial" charset="0"/>
+                <a:ea typeface="Droid Sans Fallback" charset="0"/>
+                <a:cs typeface="Droid Sans Fallback" charset="0"/>
+              </a:defRPr>
+            </a:lvl1pPr>
+            <a:lvl2pPr eaLnBrk="0">
+              <a:tabLst>
+                <a:tab pos="723900" algn="l"/>
+                <a:tab pos="1447800" algn="l"/>
+                <a:tab pos="2171700" algn="l"/>
+              </a:tabLst>
+              <a:defRPr>
+                <a:solidFill>
+                  <a:schemeClr val="tx1"/>
+                </a:solidFill>
+                <a:latin typeface="Arial" charset="0"/>
+                <a:ea typeface="Droid Sans Fallback" charset="0"/>
+                <a:cs typeface="Droid Sans Fallback" charset="0"/>
+              </a:defRPr>
+            </a:lvl2pPr>
+            <a:lvl3pPr eaLnBrk="0">
+              <a:tabLst>
+                <a:tab pos="723900" algn="l"/>
+                <a:tab pos="1447800" algn="l"/>
+                <a:tab pos="2171700" algn="l"/>
+              </a:tabLst>
+              <a:defRPr>
+                <a:solidFill>
+                  <a:schemeClr val="tx1"/>
+                </a:solidFill>
+                <a:latin typeface="Arial" charset="0"/>
+                <a:ea typeface="Droid Sans Fallback" charset="0"/>
+                <a:cs typeface="Droid Sans Fallback" charset="0"/>
+              </a:defRPr>
+            </a:lvl3pPr>
+            <a:lvl4pPr eaLnBrk="0">
+              <a:tabLst>
+                <a:tab pos="723900" algn="l"/>
+                <a:tab pos="1447800" algn="l"/>
+                <a:tab pos="2171700" algn="l"/>
+              </a:tabLst>
+              <a:defRPr>
+                <a:solidFill>
+                  <a:schemeClr val="tx1"/>
+                </a:solidFill>
+                <a:latin typeface="Arial" charset="0"/>
+                <a:ea typeface="Droid Sans Fallback" charset="0"/>
+                <a:cs typeface="Droid Sans Fallback" charset="0"/>
+              </a:defRPr>
+            </a:lvl4pPr>
+            <a:lvl5pPr eaLnBrk="0">
+              <a:tabLst>
+                <a:tab pos="723900" algn="l"/>
+                <a:tab pos="1447800" algn="l"/>
+                <a:tab pos="2171700" algn="l"/>
+              </a:tabLst>
+              <a:defRPr>
+                <a:solidFill>
+                  <a:schemeClr val="tx1"/>
+                </a:solidFill>
+                <a:latin typeface="Arial" charset="0"/>
+                <a:ea typeface="Droid Sans Fallback" charset="0"/>
+                <a:cs typeface="Droid Sans Fallback" charset="0"/>
+              </a:defRPr>
+            </a:lvl5pPr>
+            <a:lvl6pPr marL="2514600" indent="-228600" defTabSz="449263" eaLnBrk="0" fontAlgn="base" hangingPunct="0">
+              <a:lnSpc>
+                <a:spcPct val="93000"/>
+              </a:lnSpc>
+              <a:spcBef>
+                <a:spcPct val="0"/>
+              </a:spcBef>
+              <a:spcAft>
+                <a:spcPct val="0"/>
+              </a:spcAft>
+              <a:buClr>
+                <a:srgbClr val="000000"/>
+              </a:buClr>
+              <a:buSzPct val="100000"/>
+              <a:buFont typeface="Times New Roman" pitchFamily="16" charset="0"/>
+              <a:tabLst>
+                <a:tab pos="723900" algn="l"/>
+                <a:tab pos="1447800" algn="l"/>
+                <a:tab pos="2171700" algn="l"/>
+              </a:tabLst>
+              <a:defRPr>
+                <a:solidFill>
+                  <a:schemeClr val="tx1"/>
+                </a:solidFill>
+                <a:latin typeface="Arial" charset="0"/>
+                <a:ea typeface="Droid Sans Fallback" charset="0"/>
+                <a:cs typeface="Droid Sans Fallback" charset="0"/>
+              </a:defRPr>
+            </a:lvl6pPr>
+            <a:lvl7pPr marL="2971800" indent="-228600" defTabSz="449263" eaLnBrk="0" fontAlgn="base" hangingPunct="0">
+              <a:lnSpc>
+                <a:spcPct val="93000"/>
+              </a:lnSpc>
+              <a:spcBef>
+                <a:spcPct val="0"/>
+              </a:spcBef>
+              <a:spcAft>
+                <a:spcPct val="0"/>
+              </a:spcAft>
+              <a:buClr>
+                <a:srgbClr val="000000"/>
+              </a:buClr>
+              <a:buSzPct val="100000"/>
+              <a:buFont typeface="Times New Roman" pitchFamily="16" charset="0"/>
+              <a:tabLst>
+                <a:tab pos="723900" algn="l"/>
+                <a:tab pos="1447800" algn="l"/>
+                <a:tab pos="2171700" algn="l"/>
+              </a:tabLst>
+              <a:defRPr>
+                <a:solidFill>
+                  <a:schemeClr val="tx1"/>
+                </a:solidFill>
+                <a:latin typeface="Arial" charset="0"/>
+                <a:ea typeface="Droid Sans Fallback" charset="0"/>
+                <a:cs typeface="Droid Sans Fallback" charset="0"/>
+              </a:defRPr>
+            </a:lvl7pPr>
+            <a:lvl8pPr marL="3429000" indent="-228600" defTabSz="449263" eaLnBrk="0" fontAlgn="base" hangingPunct="0">
+              <a:lnSpc>
+                <a:spcPct val="93000"/>
+              </a:lnSpc>
+              <a:spcBef>
+                <a:spcPct val="0"/>
+              </a:spcBef>
+              <a:spcAft>
+                <a:spcPct val="0"/>
+              </a:spcAft>
+              <a:buClr>
+                <a:srgbClr val="000000"/>
+              </a:buClr>
+              <a:buSzPct val="100000"/>
+              <a:buFont typeface="Times New Roman" pitchFamily="16" charset="0"/>
+              <a:tabLst>
+                <a:tab pos="723900" algn="l"/>
+                <a:tab pos="1447800" algn="l"/>
+                <a:tab pos="2171700" algn="l"/>
+              </a:tabLst>
+              <a:defRPr>
+                <a:solidFill>
+                  <a:schemeClr val="tx1"/>
+                </a:solidFill>
+                <a:latin typeface="Arial" charset="0"/>
+                <a:ea typeface="Droid Sans Fallback" charset="0"/>
+                <a:cs typeface="Droid Sans Fallback" charset="0"/>
+              </a:defRPr>
+            </a:lvl8pPr>
+            <a:lvl9pPr marL="3886200" indent="-228600" defTabSz="449263" eaLnBrk="0" fontAlgn="base" hangingPunct="0">
+              <a:lnSpc>
+                <a:spcPct val="93000"/>
+              </a:lnSpc>
+              <a:spcBef>
+                <a:spcPct val="0"/>
+              </a:spcBef>
+              <a:spcAft>
+                <a:spcPct val="0"/>
+              </a:spcAft>
+              <a:buClr>
+                <a:srgbClr val="000000"/>
+              </a:buClr>
+              <a:buSzPct val="100000"/>
+              <a:buFont typeface="Times New Roman" pitchFamily="16" charset="0"/>
+              <a:tabLst>
+                <a:tab pos="723900" algn="l"/>
+                <a:tab pos="1447800" algn="l"/>
+                <a:tab pos="2171700" algn="l"/>
+              </a:tabLst>
+              <a:defRPr>
+                <a:solidFill>
+                  <a:schemeClr val="tx1"/>
+                </a:solidFill>
+                <a:latin typeface="Arial" charset="0"/>
+                <a:ea typeface="Droid Sans Fallback" charset="0"/>
+                <a:cs typeface="Droid Sans Fallback" charset="0"/>
+              </a:defRPr>
+            </a:lvl9pPr>
+          </a:lstStyle>
+          <a:p>
+            <a:pPr eaLnBrk="1"/>
+            <a:r>
+              <a:rPr lang="fr-FR" dirty="0">
+                <a:solidFill>
+                  <a:srgbClr val="000000"/>
+                </a:solidFill>
+                <a:latin typeface="Comic Sans MS" pitchFamily="66" charset="0"/>
+              </a:rPr>
+              <a:t>Léger</a:t>
+            </a:r>
+          </a:p>
+        </p:txBody>
+      </p:sp>
+      <p:sp>
+        <p:nvSpPr>
+          <p:cNvPr id="9" name="Text Box 8"/>
+          <p:cNvSpPr txBox="1">
+            <a:spLocks noChangeArrowheads="1"/>
+          </p:cNvSpPr>
+          <p:nvPr/>
+        </p:nvSpPr>
+        <p:spPr bwMode="auto">
+          <a:xfrm>
+            <a:off x="8436520" y="4995688"/>
+            <a:ext cx="2376488" cy="798514"/>
+          </a:xfrm>
+          <a:prstGeom prst="rect">
+            <a:avLst/>
+          </a:prstGeom>
+          <a:noFill/>
+          <a:ln>
+            <a:noFill/>
+          </a:ln>
+          <a:effectLst/>
+          <a:extLst>
+            <a:ext uri="{909E8E84-426E-40DD-AFC4-6F175D3DCCD1}">
+              <a14:hiddenFill xmlns:a14="http://schemas.microsoft.com/office/drawing/2010/main">
+                <a:solidFill>
+                  <a:srgbClr val="FFFFFF"/>
+                </a:solidFill>
+              </a14:hiddenFill>
+            </a:ext>
+            <a:ext uri="{91240B29-F687-4F45-9708-019B960494DF}">
+              <a14:hiddenLine xmlns:a14="http://schemas.microsoft.com/office/drawing/2010/main" w="72000">
+                <a:solidFill>
+                  <a:srgbClr val="000000"/>
+                </a:solidFill>
+                <a:round/>
+                <a:headEnd/>
+                <a:tailEnd/>
+              </a14:hiddenLine>
+            </a:ext>
+            <a:ext uri="{AF507438-7753-43E0-B8FC-AC1667EBCBE1}">
+              <a14:hiddenEffects xmlns:a14="http://schemas.microsoft.com/office/drawing/2010/main">
+                <a:effectLst>
+                  <a:outerShdw dist="35921" dir="2700000" algn="ctr" rotWithShape="0">
+                    <a:srgbClr val="808080"/>
+                  </a:outerShdw>
+                </a:effectLst>
+              </a14:hiddenEffects>
+            </a:ext>
+          </a:extLst>
+        </p:spPr>
+        <p:txBody>
+          <a:bodyPr lIns="89991" tIns="89091" rIns="89991" bIns="44996"/>
+          <a:lstStyle>
+            <a:lvl1pPr eaLnBrk="0">
+              <a:tabLst>
+                <a:tab pos="723900" algn="l"/>
+                <a:tab pos="1447800" algn="l"/>
+                <a:tab pos="2171700" algn="l"/>
+              </a:tabLst>
+              <a:defRPr>
+                <a:solidFill>
+                  <a:schemeClr val="tx1"/>
+                </a:solidFill>
+                <a:latin typeface="Arial" charset="0"/>
+                <a:ea typeface="Droid Sans Fallback" charset="0"/>
+                <a:cs typeface="Droid Sans Fallback" charset="0"/>
+              </a:defRPr>
+            </a:lvl1pPr>
+            <a:lvl2pPr eaLnBrk="0">
+              <a:tabLst>
+                <a:tab pos="723900" algn="l"/>
+                <a:tab pos="1447800" algn="l"/>
+                <a:tab pos="2171700" algn="l"/>
+              </a:tabLst>
+              <a:defRPr>
+                <a:solidFill>
+                  <a:schemeClr val="tx1"/>
+                </a:solidFill>
+                <a:latin typeface="Arial" charset="0"/>
+                <a:ea typeface="Droid Sans Fallback" charset="0"/>
+                <a:cs typeface="Droid Sans Fallback" charset="0"/>
+              </a:defRPr>
+            </a:lvl2pPr>
+            <a:lvl3pPr eaLnBrk="0">
+              <a:tabLst>
+                <a:tab pos="723900" algn="l"/>
+                <a:tab pos="1447800" algn="l"/>
+                <a:tab pos="2171700" algn="l"/>
+              </a:tabLst>
+              <a:defRPr>
+                <a:solidFill>
+                  <a:schemeClr val="tx1"/>
+                </a:solidFill>
+                <a:latin typeface="Arial" charset="0"/>
+                <a:ea typeface="Droid Sans Fallback" charset="0"/>
+                <a:cs typeface="Droid Sans Fallback" charset="0"/>
+              </a:defRPr>
+            </a:lvl3pPr>
+            <a:lvl4pPr eaLnBrk="0">
+              <a:tabLst>
+                <a:tab pos="723900" algn="l"/>
+                <a:tab pos="1447800" algn="l"/>
+                <a:tab pos="2171700" algn="l"/>
+              </a:tabLst>
+              <a:defRPr>
+                <a:solidFill>
+                  <a:schemeClr val="tx1"/>
+                </a:solidFill>
+                <a:latin typeface="Arial" charset="0"/>
+                <a:ea typeface="Droid Sans Fallback" charset="0"/>
+                <a:cs typeface="Droid Sans Fallback" charset="0"/>
+              </a:defRPr>
+            </a:lvl4pPr>
+            <a:lvl5pPr eaLnBrk="0">
+              <a:tabLst>
+                <a:tab pos="723900" algn="l"/>
+                <a:tab pos="1447800" algn="l"/>
+                <a:tab pos="2171700" algn="l"/>
+              </a:tabLst>
+              <a:defRPr>
+                <a:solidFill>
+                  <a:schemeClr val="tx1"/>
+                </a:solidFill>
+                <a:latin typeface="Arial" charset="0"/>
+                <a:ea typeface="Droid Sans Fallback" charset="0"/>
+                <a:cs typeface="Droid Sans Fallback" charset="0"/>
+              </a:defRPr>
+            </a:lvl5pPr>
+            <a:lvl6pPr marL="2514600" indent="-228600" defTabSz="449263" eaLnBrk="0" fontAlgn="base" hangingPunct="0">
+              <a:lnSpc>
+                <a:spcPct val="93000"/>
+              </a:lnSpc>
+              <a:spcBef>
+                <a:spcPct val="0"/>
+              </a:spcBef>
+              <a:spcAft>
+                <a:spcPct val="0"/>
+              </a:spcAft>
+              <a:buClr>
+                <a:srgbClr val="000000"/>
+              </a:buClr>
+              <a:buSzPct val="100000"/>
+              <a:buFont typeface="Times New Roman" pitchFamily="16" charset="0"/>
+              <a:tabLst>
+                <a:tab pos="723900" algn="l"/>
+                <a:tab pos="1447800" algn="l"/>
+                <a:tab pos="2171700" algn="l"/>
+              </a:tabLst>
+              <a:defRPr>
+                <a:solidFill>
+                  <a:schemeClr val="tx1"/>
+                </a:solidFill>
+                <a:latin typeface="Arial" charset="0"/>
+                <a:ea typeface="Droid Sans Fallback" charset="0"/>
+                <a:cs typeface="Droid Sans Fallback" charset="0"/>
+              </a:defRPr>
+            </a:lvl6pPr>
+            <a:lvl7pPr marL="2971800" indent="-228600" defTabSz="449263" eaLnBrk="0" fontAlgn="base" hangingPunct="0">
+              <a:lnSpc>
+                <a:spcPct val="93000"/>
+              </a:lnSpc>
+              <a:spcBef>
+                <a:spcPct val="0"/>
+              </a:spcBef>
+              <a:spcAft>
+                <a:spcPct val="0"/>
+              </a:spcAft>
+              <a:buClr>
+                <a:srgbClr val="000000"/>
+              </a:buClr>
+              <a:buSzPct val="100000"/>
+              <a:buFont typeface="Times New Roman" pitchFamily="16" charset="0"/>
+              <a:tabLst>
+                <a:tab pos="723900" algn="l"/>
+                <a:tab pos="1447800" algn="l"/>
+                <a:tab pos="2171700" algn="l"/>
+              </a:tabLst>
+              <a:defRPr>
+                <a:solidFill>
+                  <a:schemeClr val="tx1"/>
+                </a:solidFill>
+                <a:latin typeface="Arial" charset="0"/>
+                <a:ea typeface="Droid Sans Fallback" charset="0"/>
+                <a:cs typeface="Droid Sans Fallback" charset="0"/>
+              </a:defRPr>
+            </a:lvl7pPr>
+            <a:lvl8pPr marL="3429000" indent="-228600" defTabSz="449263" eaLnBrk="0" fontAlgn="base" hangingPunct="0">
+              <a:lnSpc>
+                <a:spcPct val="93000"/>
+              </a:lnSpc>
+              <a:spcBef>
+                <a:spcPct val="0"/>
+              </a:spcBef>
+              <a:spcAft>
+                <a:spcPct val="0"/>
+              </a:spcAft>
+              <a:buClr>
+                <a:srgbClr val="000000"/>
+              </a:buClr>
+              <a:buSzPct val="100000"/>
+              <a:buFont typeface="Times New Roman" pitchFamily="16" charset="0"/>
+              <a:tabLst>
+                <a:tab pos="723900" algn="l"/>
+                <a:tab pos="1447800" algn="l"/>
+                <a:tab pos="2171700" algn="l"/>
+              </a:tabLst>
+              <a:defRPr>
+                <a:solidFill>
+                  <a:schemeClr val="tx1"/>
+                </a:solidFill>
+                <a:latin typeface="Arial" charset="0"/>
+                <a:ea typeface="Droid Sans Fallback" charset="0"/>
+                <a:cs typeface="Droid Sans Fallback" charset="0"/>
+              </a:defRPr>
+            </a:lvl8pPr>
+            <a:lvl9pPr marL="3886200" indent="-228600" defTabSz="449263" eaLnBrk="0" fontAlgn="base" hangingPunct="0">
+              <a:lnSpc>
+                <a:spcPct val="93000"/>
+              </a:lnSpc>
+              <a:spcBef>
+                <a:spcPct val="0"/>
+              </a:spcBef>
+              <a:spcAft>
+                <a:spcPct val="0"/>
+              </a:spcAft>
+              <a:buClr>
+                <a:srgbClr val="000000"/>
+              </a:buClr>
+              <a:buSzPct val="100000"/>
+              <a:buFont typeface="Times New Roman" pitchFamily="16" charset="0"/>
+              <a:tabLst>
+                <a:tab pos="723900" algn="l"/>
+                <a:tab pos="1447800" algn="l"/>
+                <a:tab pos="2171700" algn="l"/>
+              </a:tabLst>
+              <a:defRPr>
+                <a:solidFill>
+                  <a:schemeClr val="tx1"/>
+                </a:solidFill>
+                <a:latin typeface="Arial" charset="0"/>
+                <a:ea typeface="Droid Sans Fallback" charset="0"/>
+                <a:cs typeface="Droid Sans Fallback" charset="0"/>
+              </a:defRPr>
+            </a:lvl9pPr>
+          </a:lstStyle>
+          <a:p>
+            <a:pPr eaLnBrk="1"/>
+            <a:r>
+              <a:rPr lang="fr-FR" sz="5000" b="1" dirty="0">
+                <a:solidFill>
+                  <a:srgbClr val="000000"/>
+                </a:solidFill>
+                <a:latin typeface="Comic Sans MS" pitchFamily="66" charset="0"/>
+              </a:rPr>
+              <a:t>Simple</a:t>
+            </a:r>
+          </a:p>
+        </p:txBody>
+      </p:sp>
+      <p:sp>
+        <p:nvSpPr>
+          <p:cNvPr id="10" name="Text Box 3"/>
+          <p:cNvSpPr txBox="1">
+            <a:spLocks noChangeArrowheads="1"/>
+          </p:cNvSpPr>
+          <p:nvPr/>
+        </p:nvSpPr>
+        <p:spPr bwMode="auto">
+          <a:xfrm>
+            <a:off x="2027808" y="5790753"/>
+            <a:ext cx="6840538" cy="893762"/>
+          </a:xfrm>
+          <a:prstGeom prst="rect">
+            <a:avLst/>
+          </a:prstGeom>
+          <a:noFill/>
+          <a:ln>
+            <a:noFill/>
+          </a:ln>
+          <a:effectLst/>
+          <a:extLst>
+            <a:ext uri="{909E8E84-426E-40DD-AFC4-6F175D3DCCD1}">
+              <a14:hiddenFill xmlns:a14="http://schemas.microsoft.com/office/drawing/2010/main">
+                <a:solidFill>
+                  <a:srgbClr val="FFFFFF"/>
+                </a:solidFill>
+              </a14:hiddenFill>
+            </a:ext>
+            <a:ext uri="{91240B29-F687-4F45-9708-019B960494DF}">
+              <a14:hiddenLine xmlns:a14="http://schemas.microsoft.com/office/drawing/2010/main" w="72000">
+                <a:solidFill>
+                  <a:srgbClr val="000000"/>
+                </a:solidFill>
+                <a:round/>
+                <a:headEnd/>
+                <a:tailEnd/>
+              </a14:hiddenLine>
+            </a:ext>
+            <a:ext uri="{AF507438-7753-43E0-B8FC-AC1667EBCBE1}">
+              <a14:hiddenEffects xmlns:a14="http://schemas.microsoft.com/office/drawing/2010/main">
+                <a:effectLst>
+                  <a:outerShdw dist="35921" dir="2700000" algn="ctr" rotWithShape="0">
+                    <a:srgbClr val="808080"/>
+                  </a:outerShdw>
+                </a:effectLst>
+              </a14:hiddenEffects>
+            </a:ext>
+          </a:extLst>
+        </p:spPr>
+        <p:txBody>
+          <a:bodyPr lIns="89991" tIns="84681" rIns="89991" bIns="44996"/>
+          <a:lstStyle>
+            <a:lvl1pPr eaLnBrk="0">
+              <a:tabLst>
+                <a:tab pos="723900" algn="l"/>
+                <a:tab pos="1447800" algn="l"/>
+                <a:tab pos="2171700" algn="l"/>
+                <a:tab pos="2895600" algn="l"/>
+                <a:tab pos="3619500" algn="l"/>
+                <a:tab pos="4343400" algn="l"/>
+                <a:tab pos="5067300" algn="l"/>
+                <a:tab pos="5791200" algn="l"/>
+                <a:tab pos="6515100" algn="l"/>
+              </a:tabLst>
+              <a:defRPr>
+                <a:solidFill>
+                  <a:schemeClr val="tx1"/>
+                </a:solidFill>
+                <a:latin typeface="Arial" charset="0"/>
+                <a:ea typeface="Droid Sans Fallback" charset="0"/>
+                <a:cs typeface="Droid Sans Fallback" charset="0"/>
+              </a:defRPr>
+            </a:lvl1pPr>
+            <a:lvl2pPr eaLnBrk="0">
+              <a:tabLst>
+                <a:tab pos="723900" algn="l"/>
+                <a:tab pos="1447800" algn="l"/>
+                <a:tab pos="2171700" algn="l"/>
+                <a:tab pos="2895600" algn="l"/>
+                <a:tab pos="3619500" algn="l"/>
+                <a:tab pos="4343400" algn="l"/>
+                <a:tab pos="5067300" algn="l"/>
+                <a:tab pos="5791200" algn="l"/>
+                <a:tab pos="6515100" algn="l"/>
+              </a:tabLst>
+              <a:defRPr>
+                <a:solidFill>
+                  <a:schemeClr val="tx1"/>
+                </a:solidFill>
+                <a:latin typeface="Arial" charset="0"/>
+                <a:ea typeface="Droid Sans Fallback" charset="0"/>
+                <a:cs typeface="Droid Sans Fallback" charset="0"/>
+              </a:defRPr>
+            </a:lvl2pPr>
+            <a:lvl3pPr eaLnBrk="0">
+              <a:tabLst>
+                <a:tab pos="723900" algn="l"/>
+                <a:tab pos="1447800" algn="l"/>
+                <a:tab pos="2171700" algn="l"/>
+                <a:tab pos="2895600" algn="l"/>
+                <a:tab pos="3619500" algn="l"/>
+                <a:tab pos="4343400" algn="l"/>
+                <a:tab pos="5067300" algn="l"/>
+                <a:tab pos="5791200" algn="l"/>
+                <a:tab pos="6515100" algn="l"/>
+              </a:tabLst>
+              <a:defRPr>
+                <a:solidFill>
+                  <a:schemeClr val="tx1"/>
+                </a:solidFill>
+                <a:latin typeface="Arial" charset="0"/>
+                <a:ea typeface="Droid Sans Fallback" charset="0"/>
+                <a:cs typeface="Droid Sans Fallback" charset="0"/>
+              </a:defRPr>
+            </a:lvl3pPr>
+            <a:lvl4pPr eaLnBrk="0">
+              <a:tabLst>
+                <a:tab pos="723900" algn="l"/>
+                <a:tab pos="1447800" algn="l"/>
+                <a:tab pos="2171700" algn="l"/>
+                <a:tab pos="2895600" algn="l"/>
+                <a:tab pos="3619500" algn="l"/>
+                <a:tab pos="4343400" algn="l"/>
+                <a:tab pos="5067300" algn="l"/>
+                <a:tab pos="5791200" algn="l"/>
+                <a:tab pos="6515100" algn="l"/>
+              </a:tabLst>
+              <a:defRPr>
+                <a:solidFill>
+                  <a:schemeClr val="tx1"/>
+                </a:solidFill>
+                <a:latin typeface="Arial" charset="0"/>
+                <a:ea typeface="Droid Sans Fallback" charset="0"/>
+                <a:cs typeface="Droid Sans Fallback" charset="0"/>
+              </a:defRPr>
+            </a:lvl4pPr>
+            <a:lvl5pPr eaLnBrk="0">
+              <a:tabLst>
+                <a:tab pos="723900" algn="l"/>
+                <a:tab pos="1447800" algn="l"/>
+                <a:tab pos="2171700" algn="l"/>
+                <a:tab pos="2895600" algn="l"/>
+                <a:tab pos="3619500" algn="l"/>
+                <a:tab pos="4343400" algn="l"/>
+                <a:tab pos="5067300" algn="l"/>
+                <a:tab pos="5791200" algn="l"/>
+                <a:tab pos="6515100" algn="l"/>
+              </a:tabLst>
+              <a:defRPr>
+                <a:solidFill>
+                  <a:schemeClr val="tx1"/>
+                </a:solidFill>
+                <a:latin typeface="Arial" charset="0"/>
+                <a:ea typeface="Droid Sans Fallback" charset="0"/>
+                <a:cs typeface="Droid Sans Fallback" charset="0"/>
+              </a:defRPr>
+            </a:lvl5pPr>
+            <a:lvl6pPr marL="2514600" indent="-228600" defTabSz="449263" eaLnBrk="0" fontAlgn="base" hangingPunct="0">
+              <a:lnSpc>
+                <a:spcPct val="93000"/>
+              </a:lnSpc>
+              <a:spcBef>
+                <a:spcPct val="0"/>
+              </a:spcBef>
+              <a:spcAft>
+                <a:spcPct val="0"/>
+              </a:spcAft>
+              <a:buClr>
+                <a:srgbClr val="000000"/>
+              </a:buClr>
+              <a:buSzPct val="100000"/>
+              <a:buFont typeface="Times New Roman" pitchFamily="16" charset="0"/>
+              <a:tabLst>
+                <a:tab pos="723900" algn="l"/>
+                <a:tab pos="1447800" algn="l"/>
+                <a:tab pos="2171700" algn="l"/>
+                <a:tab pos="2895600" algn="l"/>
+                <a:tab pos="3619500" algn="l"/>
+                <a:tab pos="4343400" algn="l"/>
+                <a:tab pos="5067300" algn="l"/>
+                <a:tab pos="5791200" algn="l"/>
+                <a:tab pos="6515100" algn="l"/>
+              </a:tabLst>
+              <a:defRPr>
+                <a:solidFill>
+                  <a:schemeClr val="tx1"/>
+                </a:solidFill>
+                <a:latin typeface="Arial" charset="0"/>
+                <a:ea typeface="Droid Sans Fallback" charset="0"/>
+                <a:cs typeface="Droid Sans Fallback" charset="0"/>
+              </a:defRPr>
+            </a:lvl6pPr>
+            <a:lvl7pPr marL="2971800" indent="-228600" defTabSz="449263" eaLnBrk="0" fontAlgn="base" hangingPunct="0">
+              <a:lnSpc>
+                <a:spcPct val="93000"/>
+              </a:lnSpc>
+              <a:spcBef>
+                <a:spcPct val="0"/>
+              </a:spcBef>
+              <a:spcAft>
+                <a:spcPct val="0"/>
+              </a:spcAft>
+              <a:buClr>
+                <a:srgbClr val="000000"/>
+              </a:buClr>
+              <a:buSzPct val="100000"/>
+              <a:buFont typeface="Times New Roman" pitchFamily="16" charset="0"/>
+              <a:tabLst>
+                <a:tab pos="723900" algn="l"/>
+                <a:tab pos="1447800" algn="l"/>
+                <a:tab pos="2171700" algn="l"/>
+                <a:tab pos="2895600" algn="l"/>
+                <a:tab pos="3619500" algn="l"/>
+                <a:tab pos="4343400" algn="l"/>
+                <a:tab pos="5067300" algn="l"/>
+                <a:tab pos="5791200" algn="l"/>
+                <a:tab pos="6515100" algn="l"/>
+              </a:tabLst>
+              <a:defRPr>
+                <a:solidFill>
+                  <a:schemeClr val="tx1"/>
+                </a:solidFill>
+                <a:latin typeface="Arial" charset="0"/>
+                <a:ea typeface="Droid Sans Fallback" charset="0"/>
+                <a:cs typeface="Droid Sans Fallback" charset="0"/>
+              </a:defRPr>
+            </a:lvl7pPr>
+            <a:lvl8pPr marL="3429000" indent="-228600" defTabSz="449263" eaLnBrk="0" fontAlgn="base" hangingPunct="0">
+              <a:lnSpc>
+                <a:spcPct val="93000"/>
+              </a:lnSpc>
+              <a:spcBef>
+                <a:spcPct val="0"/>
+              </a:spcBef>
+              <a:spcAft>
+                <a:spcPct val="0"/>
+              </a:spcAft>
+              <a:buClr>
+                <a:srgbClr val="000000"/>
+              </a:buClr>
+              <a:buSzPct val="100000"/>
+              <a:buFont typeface="Times New Roman" pitchFamily="16" charset="0"/>
+              <a:tabLst>
+                <a:tab pos="723900" algn="l"/>
+                <a:tab pos="1447800" algn="l"/>
+                <a:tab pos="2171700" algn="l"/>
+                <a:tab pos="2895600" algn="l"/>
+                <a:tab pos="3619500" algn="l"/>
+                <a:tab pos="4343400" algn="l"/>
+                <a:tab pos="5067300" algn="l"/>
+                <a:tab pos="5791200" algn="l"/>
+                <a:tab pos="6515100" algn="l"/>
+              </a:tabLst>
+              <a:defRPr>
+                <a:solidFill>
+                  <a:schemeClr val="tx1"/>
+                </a:solidFill>
+                <a:latin typeface="Arial" charset="0"/>
+                <a:ea typeface="Droid Sans Fallback" charset="0"/>
+                <a:cs typeface="Droid Sans Fallback" charset="0"/>
+              </a:defRPr>
+            </a:lvl8pPr>
+            <a:lvl9pPr marL="3886200" indent="-228600" defTabSz="449263" eaLnBrk="0" fontAlgn="base" hangingPunct="0">
+              <a:lnSpc>
+                <a:spcPct val="93000"/>
+              </a:lnSpc>
+              <a:spcBef>
+                <a:spcPct val="0"/>
+              </a:spcBef>
+              <a:spcAft>
+                <a:spcPct val="0"/>
+              </a:spcAft>
+              <a:buClr>
+                <a:srgbClr val="000000"/>
+              </a:buClr>
+              <a:buSzPct val="100000"/>
+              <a:buFont typeface="Times New Roman" pitchFamily="16" charset="0"/>
+              <a:tabLst>
+                <a:tab pos="723900" algn="l"/>
+                <a:tab pos="1447800" algn="l"/>
+                <a:tab pos="2171700" algn="l"/>
+                <a:tab pos="2895600" algn="l"/>
+                <a:tab pos="3619500" algn="l"/>
+                <a:tab pos="4343400" algn="l"/>
+                <a:tab pos="5067300" algn="l"/>
+                <a:tab pos="5791200" algn="l"/>
+                <a:tab pos="6515100" algn="l"/>
+              </a:tabLst>
+              <a:defRPr>
+                <a:solidFill>
+                  <a:schemeClr val="tx1"/>
+                </a:solidFill>
+                <a:latin typeface="Arial" charset="0"/>
+                <a:ea typeface="Droid Sans Fallback" charset="0"/>
+                <a:cs typeface="Droid Sans Fallback" charset="0"/>
+              </a:defRPr>
+            </a:lvl9pPr>
+          </a:lstStyle>
+          <a:p>
+            <a:pPr eaLnBrk="1"/>
+            <a:r>
+              <a:rPr lang="fr-FR" sz="3200" b="1" dirty="0">
+                <a:solidFill>
+                  <a:srgbClr val="000000"/>
+                </a:solidFill>
+                <a:latin typeface="Comic Sans MS" pitchFamily="66" charset="0"/>
+              </a:rPr>
+              <a:t>Emprunte mémoire maitrisée</a:t>
+            </a:r>
+          </a:p>
+        </p:txBody>
+      </p:sp>
+      <p:sp>
+        <p:nvSpPr>
+          <p:cNvPr id="11" name="Text Box 5"/>
+          <p:cNvSpPr txBox="1">
+            <a:spLocks noChangeArrowheads="1"/>
+          </p:cNvSpPr>
+          <p:nvPr/>
+        </p:nvSpPr>
+        <p:spPr bwMode="auto">
+          <a:xfrm>
+            <a:off x="1812477" y="0"/>
+            <a:ext cx="5831956" cy="515937"/>
+          </a:xfrm>
+          <a:prstGeom prst="rect">
+            <a:avLst/>
+          </a:prstGeom>
+          <a:noFill/>
+          <a:ln>
+            <a:noFill/>
+          </a:ln>
+          <a:effectLst/>
+          <a:extLst>
+            <a:ext uri="{909E8E84-426E-40DD-AFC4-6F175D3DCCD1}">
+              <a14:hiddenFill xmlns:a14="http://schemas.microsoft.com/office/drawing/2010/main">
+                <a:solidFill>
+                  <a:srgbClr val="FFFFFF"/>
+                </a:solidFill>
+              </a14:hiddenFill>
+            </a:ext>
+            <a:ext uri="{91240B29-F687-4F45-9708-019B960494DF}">
+              <a14:hiddenLine xmlns:a14="http://schemas.microsoft.com/office/drawing/2010/main" w="72000">
+                <a:solidFill>
+                  <a:srgbClr val="000000"/>
+                </a:solidFill>
+                <a:round/>
+                <a:headEnd/>
+                <a:tailEnd/>
+              </a14:hiddenLine>
+            </a:ext>
+            <a:ext uri="{AF507438-7753-43E0-B8FC-AC1667EBCBE1}">
+              <a14:hiddenEffects xmlns:a14="http://schemas.microsoft.com/office/drawing/2010/main">
+                <a:effectLst>
+                  <a:outerShdw dist="35921" dir="2700000" algn="ctr" rotWithShape="0">
+                    <a:srgbClr val="808080"/>
+                  </a:outerShdw>
+                </a:effectLst>
+              </a14:hiddenEffects>
+            </a:ext>
+          </a:extLst>
+        </p:spPr>
+        <p:txBody>
+          <a:bodyPr lIns="89991" tIns="71452" rIns="89991" bIns="44996"/>
+          <a:lstStyle>
+            <a:lvl1pPr eaLnBrk="0">
+              <a:tabLst>
+                <a:tab pos="723900" algn="l"/>
+                <a:tab pos="1447800" algn="l"/>
+                <a:tab pos="2171700" algn="l"/>
+              </a:tabLst>
+              <a:defRPr>
+                <a:solidFill>
+                  <a:schemeClr val="tx1"/>
+                </a:solidFill>
+                <a:latin typeface="Arial" charset="0"/>
+                <a:ea typeface="Droid Sans Fallback" charset="0"/>
+                <a:cs typeface="Droid Sans Fallback" charset="0"/>
+              </a:defRPr>
+            </a:lvl1pPr>
+            <a:lvl2pPr eaLnBrk="0">
+              <a:tabLst>
+                <a:tab pos="723900" algn="l"/>
+                <a:tab pos="1447800" algn="l"/>
+                <a:tab pos="2171700" algn="l"/>
+              </a:tabLst>
+              <a:defRPr>
+                <a:solidFill>
+                  <a:schemeClr val="tx1"/>
+                </a:solidFill>
+                <a:latin typeface="Arial" charset="0"/>
+                <a:ea typeface="Droid Sans Fallback" charset="0"/>
+                <a:cs typeface="Droid Sans Fallback" charset="0"/>
+              </a:defRPr>
+            </a:lvl2pPr>
+            <a:lvl3pPr eaLnBrk="0">
+              <a:tabLst>
+                <a:tab pos="723900" algn="l"/>
+                <a:tab pos="1447800" algn="l"/>
+                <a:tab pos="2171700" algn="l"/>
+              </a:tabLst>
+              <a:defRPr>
+                <a:solidFill>
+                  <a:schemeClr val="tx1"/>
+                </a:solidFill>
+                <a:latin typeface="Arial" charset="0"/>
+                <a:ea typeface="Droid Sans Fallback" charset="0"/>
+                <a:cs typeface="Droid Sans Fallback" charset="0"/>
+              </a:defRPr>
+            </a:lvl3pPr>
+            <a:lvl4pPr eaLnBrk="0">
+              <a:tabLst>
+                <a:tab pos="723900" algn="l"/>
+                <a:tab pos="1447800" algn="l"/>
+                <a:tab pos="2171700" algn="l"/>
+              </a:tabLst>
+              <a:defRPr>
+                <a:solidFill>
+                  <a:schemeClr val="tx1"/>
+                </a:solidFill>
+                <a:latin typeface="Arial" charset="0"/>
+                <a:ea typeface="Droid Sans Fallback" charset="0"/>
+                <a:cs typeface="Droid Sans Fallback" charset="0"/>
+              </a:defRPr>
+            </a:lvl4pPr>
+            <a:lvl5pPr eaLnBrk="0">
+              <a:tabLst>
+                <a:tab pos="723900" algn="l"/>
+                <a:tab pos="1447800" algn="l"/>
+                <a:tab pos="2171700" algn="l"/>
+              </a:tabLst>
+              <a:defRPr>
+                <a:solidFill>
+                  <a:schemeClr val="tx1"/>
+                </a:solidFill>
+                <a:latin typeface="Arial" charset="0"/>
+                <a:ea typeface="Droid Sans Fallback" charset="0"/>
+                <a:cs typeface="Droid Sans Fallback" charset="0"/>
+              </a:defRPr>
+            </a:lvl5pPr>
+            <a:lvl6pPr marL="2514600" indent="-228600" defTabSz="449263" eaLnBrk="0" fontAlgn="base" hangingPunct="0">
+              <a:lnSpc>
+                <a:spcPct val="93000"/>
+              </a:lnSpc>
+              <a:spcBef>
+                <a:spcPct val="0"/>
+              </a:spcBef>
+              <a:spcAft>
+                <a:spcPct val="0"/>
+              </a:spcAft>
+              <a:buClr>
+                <a:srgbClr val="000000"/>
+              </a:buClr>
+              <a:buSzPct val="100000"/>
+              <a:buFont typeface="Times New Roman" pitchFamily="16" charset="0"/>
+              <a:tabLst>
+                <a:tab pos="723900" algn="l"/>
+                <a:tab pos="1447800" algn="l"/>
+                <a:tab pos="2171700" algn="l"/>
+              </a:tabLst>
+              <a:defRPr>
+                <a:solidFill>
+                  <a:schemeClr val="tx1"/>
+                </a:solidFill>
+                <a:latin typeface="Arial" charset="0"/>
+                <a:ea typeface="Droid Sans Fallback" charset="0"/>
+                <a:cs typeface="Droid Sans Fallback" charset="0"/>
+              </a:defRPr>
+            </a:lvl6pPr>
+            <a:lvl7pPr marL="2971800" indent="-228600" defTabSz="449263" eaLnBrk="0" fontAlgn="base" hangingPunct="0">
+              <a:lnSpc>
+                <a:spcPct val="93000"/>
+              </a:lnSpc>
+              <a:spcBef>
+                <a:spcPct val="0"/>
+              </a:spcBef>
+              <a:spcAft>
+                <a:spcPct val="0"/>
+              </a:spcAft>
+              <a:buClr>
+                <a:srgbClr val="000000"/>
+              </a:buClr>
+              <a:buSzPct val="100000"/>
+              <a:buFont typeface="Times New Roman" pitchFamily="16" charset="0"/>
+              <a:tabLst>
+                <a:tab pos="723900" algn="l"/>
+                <a:tab pos="1447800" algn="l"/>
+                <a:tab pos="2171700" algn="l"/>
+              </a:tabLst>
+              <a:defRPr>
+                <a:solidFill>
+                  <a:schemeClr val="tx1"/>
+                </a:solidFill>
+                <a:latin typeface="Arial" charset="0"/>
+                <a:ea typeface="Droid Sans Fallback" charset="0"/>
+                <a:cs typeface="Droid Sans Fallback" charset="0"/>
+              </a:defRPr>
+            </a:lvl7pPr>
+            <a:lvl8pPr marL="3429000" indent="-228600" defTabSz="449263" eaLnBrk="0" fontAlgn="base" hangingPunct="0">
+              <a:lnSpc>
+                <a:spcPct val="93000"/>
+              </a:lnSpc>
+              <a:spcBef>
+                <a:spcPct val="0"/>
+              </a:spcBef>
+              <a:spcAft>
+                <a:spcPct val="0"/>
+              </a:spcAft>
+              <a:buClr>
+                <a:srgbClr val="000000"/>
+              </a:buClr>
+              <a:buSzPct val="100000"/>
+              <a:buFont typeface="Times New Roman" pitchFamily="16" charset="0"/>
+              <a:tabLst>
+                <a:tab pos="723900" algn="l"/>
+                <a:tab pos="1447800" algn="l"/>
+                <a:tab pos="2171700" algn="l"/>
+              </a:tabLst>
+              <a:defRPr>
+                <a:solidFill>
+                  <a:schemeClr val="tx1"/>
+                </a:solidFill>
+                <a:latin typeface="Arial" charset="0"/>
+                <a:ea typeface="Droid Sans Fallback" charset="0"/>
+                <a:cs typeface="Droid Sans Fallback" charset="0"/>
+              </a:defRPr>
+            </a:lvl8pPr>
+            <a:lvl9pPr marL="3886200" indent="-228600" defTabSz="449263" eaLnBrk="0" fontAlgn="base" hangingPunct="0">
+              <a:lnSpc>
+                <a:spcPct val="93000"/>
+              </a:lnSpc>
+              <a:spcBef>
+                <a:spcPct val="0"/>
+              </a:spcBef>
+              <a:spcAft>
+                <a:spcPct val="0"/>
+              </a:spcAft>
+              <a:buClr>
+                <a:srgbClr val="000000"/>
+              </a:buClr>
+              <a:buSzPct val="100000"/>
+              <a:buFont typeface="Times New Roman" pitchFamily="16" charset="0"/>
+              <a:tabLst>
+                <a:tab pos="723900" algn="l"/>
+                <a:tab pos="1447800" algn="l"/>
+                <a:tab pos="2171700" algn="l"/>
+              </a:tabLst>
+              <a:defRPr>
+                <a:solidFill>
+                  <a:schemeClr val="tx1"/>
+                </a:solidFill>
+                <a:latin typeface="Arial" charset="0"/>
+                <a:ea typeface="Droid Sans Fallback" charset="0"/>
+                <a:cs typeface="Droid Sans Fallback" charset="0"/>
+              </a:defRPr>
+            </a:lvl9pPr>
+          </a:lstStyle>
+          <a:p>
+            <a:pPr eaLnBrk="1"/>
+            <a:r>
+              <a:rPr lang="fr-FR" sz="3000" dirty="0">
+                <a:solidFill>
+                  <a:srgbClr val="000000"/>
+                </a:solidFill>
+                <a:latin typeface="Comic Sans MS" pitchFamily="66" charset="0"/>
+              </a:rPr>
+              <a:t>Finement assemblé et intégré</a:t>
+            </a:r>
+          </a:p>
+        </p:txBody>
+      </p:sp>
+      <p:sp>
+        <p:nvSpPr>
+          <p:cNvPr id="12" name="Text Box 4"/>
+          <p:cNvSpPr txBox="1">
+            <a:spLocks noChangeArrowheads="1"/>
+          </p:cNvSpPr>
+          <p:nvPr/>
+        </p:nvSpPr>
+        <p:spPr bwMode="auto">
+          <a:xfrm>
+            <a:off x="1816966" y="3888431"/>
+            <a:ext cx="8131250" cy="798512"/>
+          </a:xfrm>
+          <a:prstGeom prst="rect">
+            <a:avLst/>
+          </a:prstGeom>
+          <a:noFill/>
+          <a:ln>
+            <a:noFill/>
+          </a:ln>
+          <a:effectLst/>
+          <a:extLst>
+            <a:ext uri="{909E8E84-426E-40DD-AFC4-6F175D3DCCD1}">
+              <a14:hiddenFill xmlns:a14="http://schemas.microsoft.com/office/drawing/2010/main">
+                <a:solidFill>
+                  <a:srgbClr val="FFFFFF"/>
+                </a:solidFill>
+              </a14:hiddenFill>
+            </a:ext>
+            <a:ext uri="{91240B29-F687-4F45-9708-019B960494DF}">
+              <a14:hiddenLine xmlns:a14="http://schemas.microsoft.com/office/drawing/2010/main" w="72000">
+                <a:solidFill>
+                  <a:srgbClr val="000000"/>
+                </a:solidFill>
+                <a:round/>
+                <a:headEnd/>
+                <a:tailEnd/>
+              </a14:hiddenLine>
+            </a:ext>
+            <a:ext uri="{AF507438-7753-43E0-B8FC-AC1667EBCBE1}">
+              <a14:hiddenEffects xmlns:a14="http://schemas.microsoft.com/office/drawing/2010/main">
+                <a:effectLst>
+                  <a:outerShdw dist="35921" dir="2700000" algn="ctr" rotWithShape="0">
+                    <a:srgbClr val="808080"/>
+                  </a:outerShdw>
+                </a:effectLst>
+              </a14:hiddenEffects>
+            </a:ext>
+          </a:extLst>
+        </p:spPr>
+        <p:txBody>
+          <a:bodyPr lIns="89991" tIns="89091" rIns="89991" bIns="44996"/>
+          <a:lstStyle>
+            <a:lvl1pPr eaLnBrk="0">
+              <a:tabLst>
+                <a:tab pos="723900" algn="l"/>
+                <a:tab pos="1447800" algn="l"/>
+                <a:tab pos="2171700" algn="l"/>
+              </a:tabLst>
+              <a:defRPr>
+                <a:solidFill>
+                  <a:schemeClr val="tx1"/>
+                </a:solidFill>
+                <a:latin typeface="Arial" charset="0"/>
+                <a:ea typeface="Droid Sans Fallback" charset="0"/>
+                <a:cs typeface="Droid Sans Fallback" charset="0"/>
+              </a:defRPr>
+            </a:lvl1pPr>
+            <a:lvl2pPr eaLnBrk="0">
+              <a:tabLst>
+                <a:tab pos="723900" algn="l"/>
+                <a:tab pos="1447800" algn="l"/>
+                <a:tab pos="2171700" algn="l"/>
+              </a:tabLst>
+              <a:defRPr>
+                <a:solidFill>
+                  <a:schemeClr val="tx1"/>
+                </a:solidFill>
+                <a:latin typeface="Arial" charset="0"/>
+                <a:ea typeface="Droid Sans Fallback" charset="0"/>
+                <a:cs typeface="Droid Sans Fallback" charset="0"/>
+              </a:defRPr>
+            </a:lvl2pPr>
+            <a:lvl3pPr eaLnBrk="0">
+              <a:tabLst>
+                <a:tab pos="723900" algn="l"/>
+                <a:tab pos="1447800" algn="l"/>
+                <a:tab pos="2171700" algn="l"/>
+              </a:tabLst>
+              <a:defRPr>
+                <a:solidFill>
+                  <a:schemeClr val="tx1"/>
+                </a:solidFill>
+                <a:latin typeface="Arial" charset="0"/>
+                <a:ea typeface="Droid Sans Fallback" charset="0"/>
+                <a:cs typeface="Droid Sans Fallback" charset="0"/>
+              </a:defRPr>
+            </a:lvl3pPr>
+            <a:lvl4pPr eaLnBrk="0">
+              <a:tabLst>
+                <a:tab pos="723900" algn="l"/>
+                <a:tab pos="1447800" algn="l"/>
+                <a:tab pos="2171700" algn="l"/>
+              </a:tabLst>
+              <a:defRPr>
+                <a:solidFill>
+                  <a:schemeClr val="tx1"/>
+                </a:solidFill>
+                <a:latin typeface="Arial" charset="0"/>
+                <a:ea typeface="Droid Sans Fallback" charset="0"/>
+                <a:cs typeface="Droid Sans Fallback" charset="0"/>
+              </a:defRPr>
+            </a:lvl4pPr>
+            <a:lvl5pPr eaLnBrk="0">
+              <a:tabLst>
+                <a:tab pos="723900" algn="l"/>
+                <a:tab pos="1447800" algn="l"/>
+                <a:tab pos="2171700" algn="l"/>
+              </a:tabLst>
+              <a:defRPr>
+                <a:solidFill>
+                  <a:schemeClr val="tx1"/>
+                </a:solidFill>
+                <a:latin typeface="Arial" charset="0"/>
+                <a:ea typeface="Droid Sans Fallback" charset="0"/>
+                <a:cs typeface="Droid Sans Fallback" charset="0"/>
+              </a:defRPr>
+            </a:lvl5pPr>
+            <a:lvl6pPr marL="2514600" indent="-228600" defTabSz="449263" eaLnBrk="0" fontAlgn="base" hangingPunct="0">
+              <a:lnSpc>
+                <a:spcPct val="93000"/>
+              </a:lnSpc>
+              <a:spcBef>
+                <a:spcPct val="0"/>
+              </a:spcBef>
+              <a:spcAft>
+                <a:spcPct val="0"/>
+              </a:spcAft>
+              <a:buClr>
+                <a:srgbClr val="000000"/>
+              </a:buClr>
+              <a:buSzPct val="100000"/>
+              <a:buFont typeface="Times New Roman" pitchFamily="16" charset="0"/>
+              <a:tabLst>
+                <a:tab pos="723900" algn="l"/>
+                <a:tab pos="1447800" algn="l"/>
+                <a:tab pos="2171700" algn="l"/>
+              </a:tabLst>
+              <a:defRPr>
+                <a:solidFill>
+                  <a:schemeClr val="tx1"/>
+                </a:solidFill>
+                <a:latin typeface="Arial" charset="0"/>
+                <a:ea typeface="Droid Sans Fallback" charset="0"/>
+                <a:cs typeface="Droid Sans Fallback" charset="0"/>
+              </a:defRPr>
+            </a:lvl6pPr>
+            <a:lvl7pPr marL="2971800" indent="-228600" defTabSz="449263" eaLnBrk="0" fontAlgn="base" hangingPunct="0">
+              <a:lnSpc>
+                <a:spcPct val="93000"/>
+              </a:lnSpc>
+              <a:spcBef>
+                <a:spcPct val="0"/>
+              </a:spcBef>
+              <a:spcAft>
+                <a:spcPct val="0"/>
+              </a:spcAft>
+              <a:buClr>
+                <a:srgbClr val="000000"/>
+              </a:buClr>
+              <a:buSzPct val="100000"/>
+              <a:buFont typeface="Times New Roman" pitchFamily="16" charset="0"/>
+              <a:tabLst>
+                <a:tab pos="723900" algn="l"/>
+                <a:tab pos="1447800" algn="l"/>
+                <a:tab pos="2171700" algn="l"/>
+              </a:tabLst>
+              <a:defRPr>
+                <a:solidFill>
+                  <a:schemeClr val="tx1"/>
+                </a:solidFill>
+                <a:latin typeface="Arial" charset="0"/>
+                <a:ea typeface="Droid Sans Fallback" charset="0"/>
+                <a:cs typeface="Droid Sans Fallback" charset="0"/>
+              </a:defRPr>
+            </a:lvl7pPr>
+            <a:lvl8pPr marL="3429000" indent="-228600" defTabSz="449263" eaLnBrk="0" fontAlgn="base" hangingPunct="0">
+              <a:lnSpc>
+                <a:spcPct val="93000"/>
+              </a:lnSpc>
+              <a:spcBef>
+                <a:spcPct val="0"/>
+              </a:spcBef>
+              <a:spcAft>
+                <a:spcPct val="0"/>
+              </a:spcAft>
+              <a:buClr>
+                <a:srgbClr val="000000"/>
+              </a:buClr>
+              <a:buSzPct val="100000"/>
+              <a:buFont typeface="Times New Roman" pitchFamily="16" charset="0"/>
+              <a:tabLst>
+                <a:tab pos="723900" algn="l"/>
+                <a:tab pos="1447800" algn="l"/>
+                <a:tab pos="2171700" algn="l"/>
+              </a:tabLst>
+              <a:defRPr>
+                <a:solidFill>
+                  <a:schemeClr val="tx1"/>
+                </a:solidFill>
+                <a:latin typeface="Arial" charset="0"/>
+                <a:ea typeface="Droid Sans Fallback" charset="0"/>
+                <a:cs typeface="Droid Sans Fallback" charset="0"/>
+              </a:defRPr>
+            </a:lvl8pPr>
+            <a:lvl9pPr marL="3886200" indent="-228600" defTabSz="449263" eaLnBrk="0" fontAlgn="base" hangingPunct="0">
+              <a:lnSpc>
+                <a:spcPct val="93000"/>
+              </a:lnSpc>
+              <a:spcBef>
+                <a:spcPct val="0"/>
+              </a:spcBef>
+              <a:spcAft>
+                <a:spcPct val="0"/>
+              </a:spcAft>
+              <a:buClr>
+                <a:srgbClr val="000000"/>
+              </a:buClr>
+              <a:buSzPct val="100000"/>
+              <a:buFont typeface="Times New Roman" pitchFamily="16" charset="0"/>
+              <a:tabLst>
+                <a:tab pos="723900" algn="l"/>
+                <a:tab pos="1447800" algn="l"/>
+                <a:tab pos="2171700" algn="l"/>
+              </a:tabLst>
+              <a:defRPr>
+                <a:solidFill>
+                  <a:schemeClr val="tx1"/>
+                </a:solidFill>
+                <a:latin typeface="Arial" charset="0"/>
+                <a:ea typeface="Droid Sans Fallback" charset="0"/>
+                <a:cs typeface="Droid Sans Fallback" charset="0"/>
+              </a:defRPr>
+            </a:lvl9pPr>
+          </a:lstStyle>
+          <a:p>
+            <a:pPr eaLnBrk="1"/>
+            <a:r>
+              <a:rPr lang="fr-FR" sz="4900" dirty="0">
+                <a:solidFill>
+                  <a:srgbClr val="000000"/>
+                </a:solidFill>
+                <a:latin typeface="Comic Sans MS" pitchFamily="66" charset="0"/>
+              </a:rPr>
+              <a:t>Outillage </a:t>
+            </a:r>
+            <a:r>
+              <a:rPr lang="fr-FR" sz="4900" dirty="0" err="1">
+                <a:solidFill>
+                  <a:srgbClr val="000000"/>
+                </a:solidFill>
+                <a:latin typeface="Comic Sans MS" pitchFamily="66" charset="0"/>
+              </a:rPr>
+              <a:t>Tomcat</a:t>
+            </a:r>
+            <a:endParaRPr lang="fr-FR" sz="4900" dirty="0">
+              <a:solidFill>
+                <a:srgbClr val="000000"/>
+              </a:solidFill>
+              <a:latin typeface="Comic Sans MS" pitchFamily="66" charset="0"/>
+            </a:endParaRPr>
+          </a:p>
+        </p:txBody>
+      </p:sp>
+      <p:sp>
+        <p:nvSpPr>
+          <p:cNvPr id="13" name="ZoneTexte 10"/>
+          <p:cNvSpPr txBox="1"/>
+          <p:nvPr/>
+        </p:nvSpPr>
+        <p:spPr>
+          <a:xfrm rot="21119173">
+            <a:off x="3524568" y="2817896"/>
+            <a:ext cx="6071549" cy="961794"/>
+          </a:xfrm>
+          <a:prstGeom prst="rect">
+            <a:avLst/>
+          </a:prstGeom>
+        </p:spPr>
+        <p:style>
+          <a:lnRef idx="2">
+            <a:schemeClr val="dk1">
+              <a:shade val="50000"/>
+            </a:schemeClr>
+          </a:lnRef>
+          <a:fillRef idx="1">
+            <a:schemeClr val="dk1"/>
+          </a:fillRef>
+          <a:effectRef idx="0">
+            <a:schemeClr val="dk1"/>
+          </a:effectRef>
+          <a:fontRef idx="minor">
+            <a:schemeClr val="lt1"/>
+          </a:fontRef>
+        </p:style>
+        <p:txBody>
+          <a:bodyPr wrap="none" lIns="91430" tIns="45716" rIns="91430" bIns="45716" rtlCol="0">
+            <a:spAutoFit/>
+          </a:bodyPr>
+          <a:lstStyle/>
+          <a:p>
+            <a:r>
+              <a:rPr lang="fr-FR" sz="6000" dirty="0" smtClean="0"/>
+              <a:t>C’est ça </a:t>
+            </a:r>
+            <a:r>
+              <a:rPr lang="fr-FR" sz="6000" dirty="0" err="1" smtClean="0"/>
+              <a:t>TomEE</a:t>
+            </a:r>
+            <a:r>
+              <a:rPr lang="fr-FR" sz="6000" dirty="0" smtClean="0"/>
+              <a:t> !</a:t>
+            </a:r>
+            <a:endParaRPr lang="fr-FR" sz="6000" dirty="0"/>
+          </a:p>
+        </p:txBody>
+      </p:sp>
+    </p:spTree>
+    <p:extLst>
+      <p:ext uri="{BB962C8B-B14F-4D97-AF65-F5344CB8AC3E}">
+        <p14:creationId xmlns:p14="http://schemas.microsoft.com/office/powerpoint/2010/main" val="2305826549"/>
+      </p:ext>
+    </p:extLst>
+  </p:cSld>
+  <p:clrMapOvr>
+    <a:masterClrMapping/>
+  </p:clrMapOvr>
+  <p:timing>
+    <p:tnLst>
+      <p:par>
+        <p:cTn id="1" dur="indefinite" restart="never" nodeType="tmRoot">
+          <p:childTnLst>
+            <p:seq concurrent="1" nextAc="seek">
+              <p:cTn id="2" dur="indefinite" nodeType="mainSeq">
+                <p:childTnLst>
+                  <p:par>
+                    <p:cTn id="3" fill="hold">
+                      <p:stCondLst>
+                        <p:cond delay="indefinite"/>
+                      </p:stCondLst>
+                      <p:childTnLst>
+                        <p:par>
+                          <p:cTn id="4" fill="hold">
+                            <p:stCondLst>
+                              <p:cond delay="0"/>
+                            </p:stCondLst>
+                            <p:childTnLst>
+                              <p:par>
+                                <p:cTn id="5" presetID="2" presetClass="entr" presetSubtype="4" fill="hold" grpId="0" nodeType="clickEffect">
+                                  <p:stCondLst>
+                                    <p:cond delay="0"/>
+                                  </p:stCondLst>
+                                  <p:childTnLst>
+                                    <p:set>
+                                      <p:cBhvr>
+                                        <p:cTn id="6" dur="1" fill="hold">
+                                          <p:stCondLst>
+                                            <p:cond delay="0"/>
+                                          </p:stCondLst>
+                                        </p:cTn>
+                                        <p:tgtEl>
+                                          <p:spTgt spid="13"/>
+                                        </p:tgtEl>
+                                        <p:attrNameLst>
+                                          <p:attrName>style.visibility</p:attrName>
+                                        </p:attrNameLst>
+                                      </p:cBhvr>
+                                      <p:to>
+                                        <p:strVal val="visible"/>
+                                      </p:to>
+                                    </p:set>
+                                    <p:anim calcmode="lin" valueType="num">
+                                      <p:cBhvr additive="base">
+                                        <p:cTn id="7" dur="500" fill="hold"/>
+                                        <p:tgtEl>
+                                          <p:spTgt spid="13"/>
+                                        </p:tgtEl>
+                                        <p:attrNameLst>
+                                          <p:attrName>ppt_x</p:attrName>
+                                        </p:attrNameLst>
+                                      </p:cBhvr>
+                                      <p:tavLst>
+                                        <p:tav tm="0">
+                                          <p:val>
+                                            <p:strVal val="#ppt_x"/>
+                                          </p:val>
+                                        </p:tav>
+                                        <p:tav tm="100000">
+                                          <p:val>
+                                            <p:strVal val="#ppt_x"/>
+                                          </p:val>
+                                        </p:tav>
+                                      </p:tavLst>
+                                    </p:anim>
+                                    <p:anim calcmode="lin" valueType="num">
+                                      <p:cBhvr additive="base">
+                                        <p:cTn id="8" dur="500" fill="hold"/>
+                                        <p:tgtEl>
+                                          <p:spTgt spid="13"/>
+                                        </p:tgtEl>
+                                        <p:attrNameLst>
+                                          <p:attrName>ppt_y</p:attrName>
+                                        </p:attrNameLst>
+                                      </p:cBhvr>
+                                      <p:tavLst>
+                                        <p:tav tm="0">
+                                          <p:val>
+                                            <p:strVal val="1+#ppt_h/2"/>
+                                          </p:val>
+                                        </p:tav>
+                                        <p:tav tm="100000">
+                                          <p:val>
+                                            <p:strVal val="#ppt_y"/>
+                                          </p:val>
+                                        </p:tav>
+                                      </p:tavLst>
+                                    </p:anim>
+                                  </p:childTnLst>
+                                </p:cTn>
+                              </p:par>
+                            </p:childTnLst>
+                          </p:cTn>
+                        </p:par>
+                      </p:childTnLst>
+                    </p:cTn>
+                  </p:par>
+                </p:childTnLst>
+              </p:cTn>
+              <p:prevCondLst>
+                <p:cond evt="onPrev" delay="0">
+                  <p:tgtEl>
+                    <p:sldTgt/>
+                  </p:tgtEl>
+                </p:cond>
+              </p:prevCondLst>
+              <p:nextCondLst>
+                <p:cond evt="onNext" delay="0">
+                  <p:tgtEl>
+                    <p:sldTgt/>
+                  </p:tgtEl>
+                </p:cond>
+              </p:nextCondLst>
+            </p:seq>
+          </p:childTnLst>
+        </p:cTn>
+      </p:par>
+    </p:tnLst>
+    <p:bldLst>
+      <p:bldP spid="13" grpId="0" animBg="1"/>
+    </p:bldLst>
+  </p:timing>
+</p:sld>
+</file>
+
+<file path=ppt/slides/slide21.xml><?xml version="1.0" encoding="utf-8"?>
+<p:sld xmlns:a="http://schemas.openxmlformats.org/drawingml/2006/main" xmlns:r="http://schemas.openxmlformats.org/officeDocument/2006/relationships" xmlns:p="http://schemas.openxmlformats.org/presentationml/2006/main">
+  <p:cSld>
+    <p:spTree>
+      <p:nvGrpSpPr>
+        <p:cNvPr id="1" name=""/>
+        <p:cNvGrpSpPr/>
+        <p:nvPr/>
+      </p:nvGrpSpPr>
+      <p:grpSpPr>
+        <a:xfrm>
+          <a:off x="0" y="0"/>
+          <a:ext cx="0" cy="0"/>
+          <a:chOff x="0" y="0"/>
+          <a:chExt cx="0" cy="0"/>
+        </a:xfrm>
+      </p:grpSpPr>
+      <p:sp>
+        <p:nvSpPr>
+          <p:cNvPr id="6" name="Titre 2"/>
+          <p:cNvSpPr txBox="1">
+            <a:spLocks/>
+          </p:cNvSpPr>
+          <p:nvPr/>
+        </p:nvSpPr>
+        <p:spPr>
+          <a:xfrm>
+            <a:off x="2349328" y="1050860"/>
+            <a:ext cx="8568531" cy="2425396"/>
+          </a:xfrm>
+          <a:prstGeom prst="rect">
+            <a:avLst/>
+          </a:prstGeom>
+        </p:spPr>
+        <p:txBody>
+          <a:bodyPr vert="horz" lIns="100794" tIns="50397" rIns="100794" bIns="50397" rtlCol="0" anchor="b">
+            <a:normAutofit/>
+          </a:bodyPr>
+          <a:lstStyle>
+            <a:lvl1pPr algn="l" defTabSz="1007943" rtl="0" eaLnBrk="1" latinLnBrk="0" hangingPunct="1">
+              <a:spcBef>
+                <a:spcPct val="0"/>
+              </a:spcBef>
+              <a:buNone/>
+              <a:defRPr sz="5300" b="0" kern="1200" cap="none" spc="-110" baseline="0">
+                <a:solidFill>
+                  <a:schemeClr val="tx2"/>
+                </a:solidFill>
+                <a:latin typeface="Comic Sans MS"/>
+                <a:ea typeface="+mj-ea"/>
+                <a:cs typeface="Comic Sans MS"/>
+              </a:defRPr>
+            </a:lvl1pPr>
+          </a:lstStyle>
+          <a:p>
+            <a:r>
+              <a:rPr lang="fr-FR" dirty="0" smtClean="0">
+                <a:latin typeface="Comic Sans MS" pitchFamily="66" charset="0"/>
+              </a:rPr>
+              <a:t>Démo</a:t>
+            </a:r>
+            <a:br>
+              <a:rPr lang="fr-FR" dirty="0" smtClean="0">
+                <a:latin typeface="Comic Sans MS" pitchFamily="66" charset="0"/>
+              </a:rPr>
+            </a:br>
+            <a:r>
+              <a:rPr lang="fr-FR" dirty="0" smtClean="0">
+                <a:latin typeface="Comic Sans MS" pitchFamily="66" charset="0"/>
+              </a:rPr>
+              <a:t>(</a:t>
+            </a:r>
+            <a:r>
+              <a:rPr lang="fr-FR" i="1" dirty="0" smtClean="0">
+                <a:latin typeface="Comic Sans MS" pitchFamily="66" charset="0"/>
+              </a:rPr>
+              <a:t>toujours des mots …)</a:t>
+            </a:r>
+            <a:endParaRPr lang="fr-FR" i="1" dirty="0">
+              <a:latin typeface="Comic Sans MS" pitchFamily="66" charset="0"/>
+            </a:endParaRPr>
+          </a:p>
+        </p:txBody>
+      </p:sp>
+      <p:sp>
+        <p:nvSpPr>
+          <p:cNvPr id="7" name="Espace réservé du texte 1"/>
+          <p:cNvSpPr txBox="1">
+            <a:spLocks/>
+          </p:cNvSpPr>
+          <p:nvPr/>
+        </p:nvSpPr>
+        <p:spPr>
+          <a:xfrm>
+            <a:off x="2668642" y="3721404"/>
+            <a:ext cx="8568531" cy="1653678"/>
+          </a:xfrm>
+          <a:prstGeom prst="rect">
+            <a:avLst/>
+          </a:prstGeom>
+        </p:spPr>
+        <p:txBody>
+          <a:bodyPr vert="horz" lIns="100794" tIns="50397" rIns="100794" bIns="50397" rtlCol="0" anchor="t">
+            <a:normAutofit/>
+          </a:bodyPr>
+          <a:lstStyle>
+            <a:lvl1pPr marL="0" indent="0" algn="l" defTabSz="1007943" rtl="0" eaLnBrk="1" latinLnBrk="0" hangingPunct="1">
+              <a:spcBef>
+                <a:spcPct val="20000"/>
+              </a:spcBef>
+              <a:buClr>
+                <a:schemeClr val="accent1"/>
+              </a:buClr>
+              <a:buSzPct val="85000"/>
+              <a:buFont typeface="Arial" pitchFamily="34" charset="0"/>
+              <a:buNone/>
+              <a:defRPr sz="2600" kern="1200">
+                <a:solidFill>
+                  <a:schemeClr val="tx2"/>
+                </a:solidFill>
+                <a:latin typeface="Comic Sans MS"/>
+                <a:ea typeface="+mn-ea"/>
+                <a:cs typeface="Comic Sans MS"/>
+              </a:defRPr>
+            </a:lvl1pPr>
+            <a:lvl2pPr marL="503972" indent="0" algn="l" defTabSz="1007943" rtl="0" eaLnBrk="1" latinLnBrk="0" hangingPunct="1">
+              <a:spcBef>
+                <a:spcPct val="20000"/>
+              </a:spcBef>
+              <a:buClr>
+                <a:schemeClr val="accent1"/>
+              </a:buClr>
+              <a:buSzPct val="85000"/>
+              <a:buFont typeface="Arial" pitchFamily="34" charset="0"/>
+              <a:buNone/>
+              <a:defRPr sz="2000" kern="1200">
+                <a:solidFill>
+                  <a:schemeClr val="tx1">
+                    <a:tint val="75000"/>
+                  </a:schemeClr>
+                </a:solidFill>
+                <a:latin typeface="Comic Sans MS"/>
+                <a:ea typeface="+mn-ea"/>
+                <a:cs typeface="Comic Sans MS"/>
+              </a:defRPr>
+            </a:lvl2pPr>
+            <a:lvl3pPr marL="1007943" indent="0" algn="l" defTabSz="1007943" rtl="0" eaLnBrk="1" latinLnBrk="0" hangingPunct="1">
+              <a:spcBef>
+                <a:spcPct val="20000"/>
+              </a:spcBef>
+              <a:buClr>
+                <a:schemeClr val="accent1"/>
+              </a:buClr>
+              <a:buSzPct val="90000"/>
+              <a:buFont typeface="Arial" pitchFamily="34" charset="0"/>
+              <a:buNone/>
+              <a:defRPr sz="1800" kern="1200">
+                <a:solidFill>
+                  <a:schemeClr val="tx1">
+                    <a:tint val="75000"/>
+                  </a:schemeClr>
+                </a:solidFill>
+                <a:latin typeface="Comic Sans MS"/>
+                <a:ea typeface="+mn-ea"/>
+                <a:cs typeface="Comic Sans MS"/>
+              </a:defRPr>
+            </a:lvl3pPr>
+            <a:lvl4pPr marL="1511915" indent="0" algn="l" defTabSz="1007943" rtl="0" eaLnBrk="1" latinLnBrk="0" hangingPunct="1">
+              <a:spcBef>
+                <a:spcPct val="20000"/>
+              </a:spcBef>
+              <a:buClr>
+                <a:schemeClr val="accent1"/>
+              </a:buClr>
+              <a:buFont typeface="Arial" pitchFamily="34" charset="0"/>
+              <a:buNone/>
+              <a:defRPr sz="1500" kern="1200">
+                <a:solidFill>
+                  <a:schemeClr val="tx1">
+                    <a:tint val="75000"/>
+                  </a:schemeClr>
+                </a:solidFill>
+                <a:latin typeface="Comic Sans MS"/>
+                <a:ea typeface="+mn-ea"/>
+                <a:cs typeface="Comic Sans MS"/>
+              </a:defRPr>
+            </a:lvl4pPr>
+            <a:lvl5pPr marL="2015886" indent="0" algn="l" defTabSz="1007943" rtl="0" eaLnBrk="1" latinLnBrk="0" hangingPunct="1">
+              <a:spcBef>
+                <a:spcPct val="20000"/>
+              </a:spcBef>
+              <a:buClr>
+                <a:schemeClr val="accent1"/>
+              </a:buClr>
+              <a:buSzPct val="100000"/>
+              <a:buFont typeface="Arial" pitchFamily="34" charset="0"/>
+              <a:buNone/>
+              <a:defRPr sz="1500" kern="1200" baseline="0">
+                <a:solidFill>
+                  <a:schemeClr val="tx1">
+                    <a:tint val="75000"/>
+                  </a:schemeClr>
+                </a:solidFill>
+                <a:latin typeface="Comic Sans MS"/>
+                <a:ea typeface="+mn-ea"/>
+                <a:cs typeface="Comic Sans MS"/>
+              </a:defRPr>
+            </a:lvl5pPr>
+            <a:lvl6pPr marL="2519858" indent="0" algn="l" defTabSz="1007943" rtl="0" eaLnBrk="1" latinLnBrk="0" hangingPunct="1">
+              <a:spcBef>
+                <a:spcPct val="20000"/>
+              </a:spcBef>
+              <a:buClr>
+                <a:schemeClr val="accent1"/>
+              </a:buClr>
+              <a:buFont typeface="Arial" pitchFamily="34" charset="0"/>
+              <a:buNone/>
+              <a:defRPr sz="1500" kern="1200">
+                <a:solidFill>
+                  <a:schemeClr val="tx1">
+                    <a:tint val="75000"/>
+                  </a:schemeClr>
+                </a:solidFill>
+                <a:latin typeface="+mn-lt"/>
+                <a:ea typeface="+mn-ea"/>
+                <a:cs typeface="+mn-cs"/>
+              </a:defRPr>
+            </a:lvl6pPr>
+            <a:lvl7pPr marL="3023829" indent="0" algn="l" defTabSz="1007943" rtl="0" eaLnBrk="1" latinLnBrk="0" hangingPunct="1">
+              <a:spcBef>
+                <a:spcPct val="20000"/>
+              </a:spcBef>
+              <a:buClr>
+                <a:schemeClr val="accent1"/>
+              </a:buClr>
+              <a:buFont typeface="Arial" pitchFamily="34" charset="0"/>
+              <a:buNone/>
+              <a:defRPr sz="1500" kern="1200">
+                <a:solidFill>
+                  <a:schemeClr val="tx1">
+                    <a:tint val="75000"/>
+                  </a:schemeClr>
+                </a:solidFill>
+                <a:latin typeface="+mn-lt"/>
+                <a:ea typeface="+mn-ea"/>
+                <a:cs typeface="+mn-cs"/>
+              </a:defRPr>
+            </a:lvl7pPr>
+            <a:lvl8pPr marL="3527801" indent="0" algn="l" defTabSz="1007943" rtl="0" eaLnBrk="1" latinLnBrk="0" hangingPunct="1">
+              <a:spcBef>
+                <a:spcPct val="20000"/>
+              </a:spcBef>
+              <a:buClr>
+                <a:schemeClr val="accent1"/>
+              </a:buClr>
+              <a:buFont typeface="Arial" pitchFamily="34" charset="0"/>
+              <a:buNone/>
+              <a:defRPr sz="1500" kern="1200">
+                <a:solidFill>
+                  <a:schemeClr val="tx1">
+                    <a:tint val="75000"/>
+                  </a:schemeClr>
+                </a:solidFill>
+                <a:latin typeface="+mn-lt"/>
+                <a:ea typeface="+mn-ea"/>
+                <a:cs typeface="+mn-cs"/>
+              </a:defRPr>
+            </a:lvl8pPr>
+            <a:lvl9pPr marL="4031772" indent="0" algn="l" defTabSz="1007943" rtl="0" eaLnBrk="1" latinLnBrk="0" hangingPunct="1">
+              <a:spcBef>
+                <a:spcPct val="20000"/>
+              </a:spcBef>
+              <a:buClr>
+                <a:schemeClr val="accent1"/>
+              </a:buClr>
+              <a:buFont typeface="Arial" pitchFamily="34" charset="0"/>
+              <a:buNone/>
+              <a:defRPr sz="1500" kern="1200">
+                <a:solidFill>
+                  <a:schemeClr val="tx1">
+                    <a:tint val="75000"/>
+                  </a:schemeClr>
+                </a:solidFill>
+                <a:latin typeface="+mn-lt"/>
+                <a:ea typeface="+mn-ea"/>
+                <a:cs typeface="+mn-cs"/>
+              </a:defRPr>
+            </a:lvl9pPr>
+          </a:lstStyle>
+          <a:p>
+            <a:pPr marL="0" marR="0" lvl="0" indent="0" algn="l" defTabSz="1007943" rtl="0" eaLnBrk="1" fontAlgn="auto" latinLnBrk="0" hangingPunct="1">
+              <a:lnSpc>
+                <a:spcPct val="100000"/>
+              </a:lnSpc>
+              <a:spcBef>
+                <a:spcPct val="20000"/>
+              </a:spcBef>
+              <a:spcAft>
+                <a:spcPts val="0"/>
+              </a:spcAft>
+              <a:buClr>
+                <a:srgbClr val="93A299"/>
+              </a:buClr>
+              <a:buSzPct val="85000"/>
+              <a:buFont typeface="Arial" pitchFamily="34" charset="0"/>
+              <a:buNone/>
+              <a:tabLst/>
+              <a:defRPr/>
+            </a:pPr>
+            <a:r>
+              <a:rPr kumimoji="0" lang="fr-FR" sz="2600" b="0" i="0" u="none" strike="noStrike" kern="1200" cap="none" spc="0" normalizeH="0" baseline="0" noProof="0" dirty="0" smtClean="0">
+                <a:ln>
+                  <a:noFill/>
+                </a:ln>
+                <a:solidFill>
+                  <a:srgbClr val="A53010"/>
+                </a:solidFill>
+                <a:effectLst/>
+                <a:uLnTx/>
+                <a:uFillTx/>
+                <a:latin typeface="Comic Sans MS"/>
+              </a:rPr>
+              <a:t>Le classique « hello world »</a:t>
+            </a:r>
+            <a:endParaRPr kumimoji="0" lang="fr-FR" sz="2600" b="0" i="0" u="none" strike="noStrike" kern="1200" cap="none" spc="0" normalizeH="0" baseline="0" noProof="0" dirty="0">
+              <a:ln>
+                <a:noFill/>
+              </a:ln>
+              <a:solidFill>
+                <a:srgbClr val="A53010"/>
+              </a:solidFill>
+              <a:effectLst/>
+              <a:uLnTx/>
+              <a:uFillTx/>
+              <a:latin typeface="Comic Sans MS"/>
+            </a:endParaRPr>
+          </a:p>
+        </p:txBody>
+      </p:sp>
+    </p:spTree>
+    <p:extLst>
+      <p:ext uri="{BB962C8B-B14F-4D97-AF65-F5344CB8AC3E}">
+        <p14:creationId xmlns:p14="http://schemas.microsoft.com/office/powerpoint/2010/main" val="3762802156"/>
+      </p:ext>
+    </p:extLst>
+  </p:cSld>
+  <p:clrMapOvr>
+    <a:masterClrMapping/>
+  </p:clrMapOvr>
+  <p:timing>
+    <p:tnLst>
+      <p:par>
+        <p:cTn id="1" dur="indefinite" restart="never" nodeType="tmRoot"/>
+      </p:par>
+    </p:tnLst>
+  </p:timing>
+</p:sld>
+</file>
+
+<file path=ppt/slides/slide22.xml><?xml version="1.0" encoding="utf-8"?>
+<p:sld xmlns:a="http://schemas.openxmlformats.org/drawingml/2006/main" xmlns:r="http://schemas.openxmlformats.org/officeDocument/2006/relationships" xmlns:p="http://schemas.openxmlformats.org/presentationml/2006/main">
+  <p:cSld>
+    <p:spTree>
+      <p:nvGrpSpPr>
+        <p:cNvPr id="1" name=""/>
+        <p:cNvGrpSpPr/>
+        <p:nvPr/>
+      </p:nvGrpSpPr>
+      <p:grpSpPr>
+        <a:xfrm>
+          <a:off x="0" y="0"/>
+          <a:ext cx="0" cy="0"/>
+          <a:chOff x="0" y="0"/>
+          <a:chExt cx="0" cy="0"/>
+        </a:xfrm>
+      </p:grpSpPr>
+      <p:sp>
+        <p:nvSpPr>
+          <p:cNvPr id="2" name="Title 1"/>
+          <p:cNvSpPr>
+            <a:spLocks noGrp="1"/>
+          </p:cNvSpPr>
+          <p:nvPr>
+            <p:ph type="title"/>
+          </p:nvPr>
+        </p:nvSpPr>
+        <p:spPr>
+          <a:xfrm>
+            <a:off x="3442931" y="2839276"/>
+            <a:ext cx="8911687" cy="1280890"/>
+          </a:xfrm>
+        </p:spPr>
+        <p:txBody>
+          <a:bodyPr>
+            <a:normAutofit/>
+          </a:bodyPr>
+          <a:lstStyle/>
+          <a:p>
+            <a:r>
+              <a:rPr lang="fr-FR" sz="4400" dirty="0"/>
+              <a:t>Merci de votre attention</a:t>
+            </a:r>
+          </a:p>
+        </p:txBody>
+      </p:sp>
+    </p:spTree>
+    <p:extLst>
+      <p:ext uri="{BB962C8B-B14F-4D97-AF65-F5344CB8AC3E}">
+        <p14:creationId xmlns:p14="http://schemas.microsoft.com/office/powerpoint/2010/main" val="1280996903"/>
+      </p:ext>
+    </p:extLst>
+  </p:cSld>
+  <p:clrMapOvr>
+    <a:masterClrMapping/>
+  </p:clrMapOvr>
+  <p:timing>
+    <p:tnLst>
+      <p:par>
+        <p:cTn id="1" dur="indefinite" restart="never" nodeType="tmRoot"/>
+      </p:par>
+    </p:tnLst>
+  </p:timing>
+</p:sld>
+</file>
+
+<file path=ppt/slides/slide3.xml><?xml version="1.0" encoding="utf-8"?>
+<p:sld xmlns:a="http://schemas.openxmlformats.org/drawingml/2006/main" xmlns:r="http://schemas.openxmlformats.org/officeDocument/2006/relationships" xmlns:p="http://schemas.openxmlformats.org/presentationml/2006/main">
+  <p:cSld>
+    <p:spTree>
+      <p:nvGrpSpPr>
+        <p:cNvPr id="1" name=""/>
+        <p:cNvGrpSpPr/>
+        <p:nvPr/>
+      </p:nvGrpSpPr>
+      <p:grpSpPr>
+        <a:xfrm>
+          <a:off x="0" y="0"/>
+          <a:ext cx="0" cy="0"/>
+          <a:chOff x="0" y="0"/>
+          <a:chExt cx="0" cy="0"/>
+        </a:xfrm>
+      </p:grpSpPr>
+      <p:sp>
+        <p:nvSpPr>
+          <p:cNvPr id="2" name="Title 1"/>
+          <p:cNvSpPr>
+            <a:spLocks noGrp="1"/>
+          </p:cNvSpPr>
+          <p:nvPr>
+            <p:ph type="title"/>
+          </p:nvPr>
+        </p:nvSpPr>
+        <p:spPr/>
+        <p:txBody>
+          <a:bodyPr/>
+          <a:lstStyle/>
+          <a:p>
+            <a:r>
               <a:rPr lang="fr-FR" dirty="0"/>
               <a:t>Problématique</a:t>
             </a:r>
@@ -8179,10 +13411,17 @@
   <p:clrMapOvr>
     <a:masterClrMapping/>
   </p:clrMapOvr>
+  <p:timing>
+    <p:tnLst>
+      <p:par>
+        <p:cTn id="1" dur="indefinite" restart="never" nodeType="tmRoot"/>
+      </p:par>
+    </p:tnLst>
+  </p:timing>
 </p:sld>
 </file>
 
-<file path=ppt/slides/slide3.xml><?xml version="1.0" encoding="utf-8"?>
+<file path=ppt/slides/slide4.xml><?xml version="1.0" encoding="utf-8"?>
 <p:sld xmlns:a="http://schemas.openxmlformats.org/drawingml/2006/main" xmlns:r="http://schemas.openxmlformats.org/officeDocument/2006/relationships" xmlns:p="http://schemas.openxmlformats.org/presentationml/2006/main">
   <p:cSld>
     <p:spTree>
@@ -8238,237 +13477,13 @@
   <p:clrMapOvr>
     <a:masterClrMapping/>
   </p:clrMapOvr>
-</p:sld>
-</file>
-
-<file path=ppt/slides/slide4.xml><?xml version="1.0" encoding="utf-8"?>
-<p:sld xmlns:a="http://schemas.openxmlformats.org/drawingml/2006/main" xmlns:r="http://schemas.openxmlformats.org/officeDocument/2006/relationships" xmlns:p="http://schemas.openxmlformats.org/presentationml/2006/main">
-  <p:cSld>
-    <p:spTree>
-      <p:nvGrpSpPr>
-        <p:cNvPr id="1" name=""/>
-        <p:cNvGrpSpPr/>
-        <p:nvPr/>
-      </p:nvGrpSpPr>
-      <p:grpSpPr>
-        <a:xfrm>
-          <a:off x="0" y="0"/>
-          <a:ext cx="0" cy="0"/>
-          <a:chOff x="0" y="0"/>
-          <a:chExt cx="0" cy="0"/>
-        </a:xfrm>
-      </p:grpSpPr>
-      <p:sp>
-        <p:nvSpPr>
-          <p:cNvPr id="2" name="Title 1"/>
-          <p:cNvSpPr>
-            <a:spLocks noGrp="1"/>
-          </p:cNvSpPr>
-          <p:nvPr>
-            <p:ph type="title"/>
-          </p:nvPr>
-        </p:nvSpPr>
-        <p:spPr/>
-        <p:txBody>
-          <a:bodyPr/>
-          <a:lstStyle/>
-          <a:p>
-            <a:r>
-              <a:rPr lang="fr-FR" dirty="0"/>
-              <a:t>Plan de la présentation </a:t>
-            </a:r>
-          </a:p>
-        </p:txBody>
-      </p:sp>
-      <p:sp>
-        <p:nvSpPr>
-          <p:cNvPr id="3" name="Content Placeholder 2"/>
-          <p:cNvSpPr>
-            <a:spLocks noGrp="1"/>
-          </p:cNvSpPr>
-          <p:nvPr>
-            <p:ph idx="1"/>
-          </p:nvPr>
-        </p:nvSpPr>
-        <p:spPr/>
-        <p:txBody>
-          <a:bodyPr>
-            <a:normAutofit/>
-          </a:bodyPr>
-          <a:lstStyle/>
-          <a:p>
-            <a:r>
-              <a:rPr lang="fr-FR" dirty="0" smtClean="0"/>
-              <a:t>C'est </a:t>
-            </a:r>
-            <a:r>
-              <a:rPr lang="fr-FR" dirty="0"/>
-              <a:t>quoi </a:t>
-            </a:r>
-            <a:r>
-              <a:rPr lang="fr-FR" dirty="0" err="1" smtClean="0"/>
-              <a:t>TomEE</a:t>
-            </a:r>
-            <a:r>
-              <a:rPr lang="fr-FR" dirty="0" smtClean="0"/>
-              <a:t>, a </a:t>
-            </a:r>
-            <a:r>
-              <a:rPr lang="fr-FR" dirty="0"/>
-              <a:t>propos de </a:t>
-            </a:r>
-            <a:r>
-              <a:rPr lang="fr-FR" dirty="0" err="1"/>
-              <a:t>TomEE</a:t>
-            </a:r>
-            <a:r>
-              <a:rPr lang="fr-FR" dirty="0"/>
-              <a:t> ( Historique, Installation )</a:t>
-            </a:r>
-          </a:p>
-          <a:p>
-            <a:r>
-              <a:rPr lang="fr-FR" dirty="0" smtClean="0"/>
-              <a:t>API servie par </a:t>
-            </a:r>
-            <a:r>
-              <a:rPr lang="fr-FR" dirty="0" err="1" smtClean="0"/>
-              <a:t>TomEE</a:t>
-            </a:r>
-            <a:r>
-              <a:rPr lang="fr-FR" dirty="0" smtClean="0"/>
-              <a:t> </a:t>
-            </a:r>
-            <a:endParaRPr lang="fr-FR" dirty="0"/>
-          </a:p>
-          <a:p>
-            <a:r>
-              <a:rPr lang="fr-FR" dirty="0" smtClean="0"/>
-              <a:t>les </a:t>
-            </a:r>
-            <a:r>
-              <a:rPr lang="fr-FR" dirty="0"/>
-              <a:t>avantage d'utilisation </a:t>
-            </a:r>
-            <a:r>
-              <a:rPr lang="fr-FR" dirty="0" err="1" smtClean="0"/>
-              <a:t>TomEE</a:t>
-            </a:r>
-            <a:endParaRPr lang="fr-FR" dirty="0"/>
-          </a:p>
-          <a:p>
-            <a:r>
-              <a:rPr lang="fr-FR" dirty="0" smtClean="0"/>
-              <a:t>Simple </a:t>
-            </a:r>
-            <a:r>
-              <a:rPr lang="fr-FR" dirty="0"/>
-              <a:t>Code CRUD on utilisant </a:t>
-            </a:r>
-            <a:r>
-              <a:rPr lang="fr-FR" dirty="0" err="1" smtClean="0"/>
-              <a:t>TomEE</a:t>
-            </a:r>
-            <a:r>
-              <a:rPr lang="fr-FR" dirty="0"/>
-              <a:t> (</a:t>
-            </a:r>
-            <a:r>
-              <a:rPr lang="fr-FR" dirty="0" err="1"/>
-              <a:t>Video</a:t>
-            </a:r>
-            <a:r>
-              <a:rPr lang="fr-FR" dirty="0"/>
-              <a:t> 2min)</a:t>
-            </a:r>
-          </a:p>
-          <a:p>
-            <a:r>
-              <a:rPr lang="fr-FR" dirty="0" smtClean="0"/>
-              <a:t>Login </a:t>
-            </a:r>
-            <a:r>
-              <a:rPr lang="fr-FR" dirty="0"/>
-              <a:t>et l'authentification en utilisant les fonctions définie dans </a:t>
-            </a:r>
-            <a:r>
-              <a:rPr lang="fr-FR" dirty="0" err="1"/>
-              <a:t>TomEE</a:t>
-            </a:r>
-            <a:endParaRPr lang="fr-FR" dirty="0"/>
-          </a:p>
-          <a:p>
-            <a:r>
-              <a:rPr lang="fr-FR" dirty="0" smtClean="0"/>
-              <a:t>Comment </a:t>
-            </a:r>
-            <a:r>
-              <a:rPr lang="fr-FR" dirty="0"/>
-              <a:t>définir les rôles pour chacun </a:t>
-            </a:r>
-            <a:r>
-              <a:rPr lang="fr-FR" dirty="0" err="1"/>
-              <a:t>Admin</a:t>
-            </a:r>
-            <a:r>
-              <a:rPr lang="fr-FR" dirty="0"/>
-              <a:t>, User,... </a:t>
-            </a:r>
-            <a:r>
-              <a:rPr lang="fr-FR" dirty="0" err="1"/>
-              <a:t>etc</a:t>
-            </a:r>
-            <a:r>
-              <a:rPr lang="fr-FR" dirty="0"/>
-              <a:t>, et comment défie/utiliser "</a:t>
-            </a:r>
-            <a:r>
-              <a:rPr lang="fr-FR" dirty="0" err="1"/>
-              <a:t>privilige</a:t>
-            </a:r>
-            <a:r>
-              <a:rPr lang="fr-FR" dirty="0"/>
-              <a:t> </a:t>
-            </a:r>
-            <a:r>
-              <a:rPr lang="fr-FR" dirty="0" err="1"/>
-              <a:t>escalation</a:t>
-            </a:r>
-            <a:r>
-              <a:rPr lang="fr-FR" dirty="0"/>
-              <a:t>". </a:t>
-            </a:r>
-          </a:p>
-          <a:p>
-            <a:r>
-              <a:rPr lang="fr-FR" dirty="0" smtClean="0"/>
-              <a:t>ouverture </a:t>
-            </a:r>
-            <a:r>
-              <a:rPr lang="fr-FR" dirty="0"/>
-              <a:t>a propos de </a:t>
-            </a:r>
-            <a:r>
-              <a:rPr lang="fr-FR" dirty="0" err="1"/>
-              <a:t>TomEE</a:t>
-            </a:r>
-            <a:r>
-              <a:rPr lang="fr-FR" dirty="0"/>
-              <a:t>+</a:t>
-            </a:r>
-          </a:p>
-        </p:txBody>
-      </p:sp>
-    </p:spTree>
-    <p:extLst>
-      <p:ext uri="{BB962C8B-B14F-4D97-AF65-F5344CB8AC3E}">
-        <p14:creationId xmlns:p14="http://schemas.microsoft.com/office/powerpoint/2010/main" val="2737571868"/>
-      </p:ext>
-    </p:extLst>
-  </p:cSld>
-  <p:clrMapOvr>
-    <a:masterClrMapping/>
-  </p:clrMapOvr>
+  <p:timing>
+    <p:tnLst>
+      <p:par>
+        <p:cTn id="1" dur="indefinite" restart="never" nodeType="tmRoot"/>
+      </p:par>
+    </p:tnLst>
+  </p:timing>
 </p:sld>
 </file>
 
@@ -8505,10 +13520,9 @@
           <a:lstStyle/>
           <a:p>
             <a:r>
-              <a:rPr lang="fr-FR" dirty="0" err="1" smtClean="0"/>
-              <a:t>TomEE</a:t>
-            </a:r>
-            <a:endParaRPr lang="fr-FR" dirty="0"/>
+              <a:rPr lang="fr-FR" dirty="0"/>
+              <a:t>Plan de la présentation </a:t>
+            </a:r>
           </a:p>
         </p:txBody>
       </p:sp>
@@ -8524,35 +13538,190 @@
         </p:nvSpPr>
         <p:spPr/>
         <p:txBody>
-          <a:bodyPr/>
+          <a:bodyPr>
+            <a:normAutofit/>
+          </a:bodyPr>
           <a:lstStyle/>
           <a:p>
             <a:r>
-              <a:rPr lang="en-US" dirty="0"/>
-              <a:t>Apache </a:t>
-            </a:r>
-            <a:r>
-              <a:rPr lang="en-US" dirty="0" err="1"/>
+              <a:rPr lang="fr-FR" dirty="0" smtClean="0"/>
+              <a:t>C'est </a:t>
+            </a:r>
+            <a:r>
+              <a:rPr lang="fr-FR" dirty="0"/>
+              <a:t>quoi </a:t>
+            </a:r>
+            <a:r>
+              <a:rPr lang="fr-FR" dirty="0" err="1" smtClean="0"/>
               <a:t>TomEE</a:t>
             </a:r>
             <a:r>
-              <a:rPr lang="en-US" dirty="0"/>
-              <a:t> is a Java EE Web Profile-certified stack which is built on top of an Apache Tomcat base integrated with additional related technologies. It adds implementations for the following specifications (using the Apache project shown in parentheses):</a:t>
+              <a:rPr lang="fr-FR" dirty="0" smtClean="0"/>
+              <a:t>, a </a:t>
+            </a:r>
+            <a:r>
+              <a:rPr lang="fr-FR" dirty="0"/>
+              <a:t>propos de </a:t>
+            </a:r>
+            <a:r>
+              <a:rPr lang="fr-FR" dirty="0" err="1"/>
+              <a:t>TomEE</a:t>
+            </a:r>
+            <a:r>
+              <a:rPr lang="fr-FR" dirty="0"/>
+              <a:t> ( Historique, Installation )</a:t>
+            </a:r>
+          </a:p>
+          <a:p>
+            <a:r>
+              <a:rPr lang="fr-FR" dirty="0" smtClean="0"/>
+              <a:t>API servie par </a:t>
+            </a:r>
+            <a:r>
+              <a:rPr lang="fr-FR" dirty="0" err="1" smtClean="0"/>
+              <a:t>TomEE</a:t>
+            </a:r>
+            <a:r>
+              <a:rPr lang="fr-FR" dirty="0" smtClean="0"/>
+              <a:t> </a:t>
             </a:r>
             <a:endParaRPr lang="fr-FR" dirty="0"/>
+          </a:p>
+          <a:p>
+            <a:r>
+              <a:rPr lang="fr-FR" dirty="0" smtClean="0"/>
+              <a:t>les </a:t>
+            </a:r>
+            <a:r>
+              <a:rPr lang="fr-FR" dirty="0"/>
+              <a:t>avantage d'utilisation </a:t>
+            </a:r>
+            <a:r>
+              <a:rPr lang="fr-FR" dirty="0" err="1" smtClean="0"/>
+              <a:t>TomEE</a:t>
+            </a:r>
+            <a:endParaRPr lang="fr-FR" dirty="0"/>
+          </a:p>
+          <a:p>
+            <a:r>
+              <a:rPr lang="fr-FR" dirty="0" smtClean="0"/>
+              <a:t>Simple </a:t>
+            </a:r>
+            <a:r>
+              <a:rPr lang="fr-FR" dirty="0"/>
+              <a:t>Code CRUD on utilisant </a:t>
+            </a:r>
+            <a:r>
+              <a:rPr lang="fr-FR" dirty="0" err="1" smtClean="0"/>
+              <a:t>TomEE</a:t>
+            </a:r>
+            <a:r>
+              <a:rPr lang="fr-FR" dirty="0"/>
+              <a:t> (</a:t>
+            </a:r>
+            <a:r>
+              <a:rPr lang="fr-FR" dirty="0" err="1"/>
+              <a:t>Video</a:t>
+            </a:r>
+            <a:r>
+              <a:rPr lang="fr-FR" dirty="0"/>
+              <a:t> 2min)</a:t>
+            </a:r>
+          </a:p>
+          <a:p>
+            <a:r>
+              <a:rPr lang="fr-FR" dirty="0" smtClean="0"/>
+              <a:t>Login </a:t>
+            </a:r>
+            <a:r>
+              <a:rPr lang="fr-FR" dirty="0"/>
+              <a:t>et l'authentification en utilisant les fonctions définie dans </a:t>
+            </a:r>
+            <a:r>
+              <a:rPr lang="fr-FR" dirty="0" err="1"/>
+              <a:t>TomEE</a:t>
+            </a:r>
+            <a:endParaRPr lang="fr-FR" dirty="0"/>
+          </a:p>
+          <a:p>
+            <a:r>
+              <a:rPr lang="fr-FR" dirty="0" smtClean="0"/>
+              <a:t>Comment </a:t>
+            </a:r>
+            <a:r>
+              <a:rPr lang="fr-FR" dirty="0"/>
+              <a:t>définir les rôles pour chacun </a:t>
+            </a:r>
+            <a:r>
+              <a:rPr lang="fr-FR" dirty="0" err="1"/>
+              <a:t>Admin</a:t>
+            </a:r>
+            <a:r>
+              <a:rPr lang="fr-FR" dirty="0"/>
+              <a:t>, User,... </a:t>
+            </a:r>
+            <a:r>
+              <a:rPr lang="fr-FR" dirty="0" err="1"/>
+              <a:t>etc</a:t>
+            </a:r>
+            <a:r>
+              <a:rPr lang="fr-FR" dirty="0"/>
+              <a:t>, et comment défie/utiliser "</a:t>
+            </a:r>
+            <a:r>
+              <a:rPr lang="fr-FR" dirty="0" err="1"/>
+              <a:t>privilige</a:t>
+            </a:r>
+            <a:r>
+              <a:rPr lang="fr-FR" dirty="0"/>
+              <a:t> </a:t>
+            </a:r>
+            <a:r>
+              <a:rPr lang="fr-FR" dirty="0" err="1"/>
+              <a:t>escalation</a:t>
+            </a:r>
+            <a:r>
+              <a:rPr lang="fr-FR" dirty="0"/>
+              <a:t>". </a:t>
+            </a:r>
+          </a:p>
+          <a:p>
+            <a:r>
+              <a:rPr lang="fr-FR" dirty="0" smtClean="0"/>
+              <a:t>ouverture </a:t>
+            </a:r>
+            <a:r>
+              <a:rPr lang="fr-FR" dirty="0"/>
+              <a:t>a propos de </a:t>
+            </a:r>
+            <a:r>
+              <a:rPr lang="fr-FR" dirty="0" err="1"/>
+              <a:t>TomEE</a:t>
+            </a:r>
+            <a:r>
+              <a:rPr lang="fr-FR" dirty="0"/>
+              <a:t>+</a:t>
+            </a:r>
           </a:p>
         </p:txBody>
       </p:sp>
     </p:spTree>
     <p:extLst>
       <p:ext uri="{BB962C8B-B14F-4D97-AF65-F5344CB8AC3E}">
-        <p14:creationId xmlns:p14="http://schemas.microsoft.com/office/powerpoint/2010/main" val="1586936446"/>
+        <p14:creationId xmlns:p14="http://schemas.microsoft.com/office/powerpoint/2010/main" val="2737571868"/>
       </p:ext>
     </p:extLst>
   </p:cSld>
   <p:clrMapOvr>
     <a:masterClrMapping/>
   </p:clrMapOvr>
+  <p:timing>
+    <p:tnLst>
+      <p:par>
+        <p:cTn id="1" dur="indefinite" restart="never" nodeType="tmRoot"/>
+      </p:par>
+    </p:tnLst>
+  </p:timing>
 </p:sld>
 </file>
 
@@ -8583,222 +13752,295 @@
             <p:ph type="title"/>
           </p:nvPr>
         </p:nvSpPr>
-        <p:spPr>
-          <a:xfrm>
-            <a:off x="2592925" y="624110"/>
-            <a:ext cx="8911687" cy="818324"/>
-          </a:xfrm>
-        </p:spPr>
+        <p:spPr/>
         <p:txBody>
-          <a:bodyPr>
-            <a:normAutofit fontScale="90000"/>
-          </a:bodyPr>
+          <a:bodyPr/>
           <a:lstStyle/>
           <a:p>
             <a:r>
-              <a:rPr lang="en-US" dirty="0"/>
-              <a:t>La version de </a:t>
-            </a:r>
-            <a:r>
-              <a:rPr lang="en-US" dirty="0" err="1"/>
-              <a:t>Profil</a:t>
-            </a:r>
-            <a:r>
-              <a:rPr lang="en-US" dirty="0"/>
-              <a:t> Web de </a:t>
-            </a:r>
-            <a:r>
-              <a:rPr lang="en-US" dirty="0" err="1"/>
-              <a:t>Tomee</a:t>
-            </a:r>
-            <a:r>
-              <a:rPr lang="en-US" dirty="0"/>
-              <a:t> </a:t>
-            </a:r>
-            <a:r>
-              <a:rPr lang="en-US" dirty="0" err="1"/>
-              <a:t>contient</a:t>
-            </a:r>
-            <a:r>
-              <a:rPr lang="en-US" dirty="0"/>
-              <a:t/>
-            </a:r>
-            <a:br>
-              <a:rPr lang="en-US" dirty="0"/>
-            </a:br>
+              <a:rPr lang="fr-FR" dirty="0">
+                <a:latin typeface="Comic Sans MS" pitchFamily="66" charset="0"/>
+              </a:rPr>
+              <a:t>Apache </a:t>
+            </a:r>
+            <a:r>
+              <a:rPr lang="fr-FR" dirty="0" err="1">
+                <a:latin typeface="Comic Sans MS" pitchFamily="66" charset="0"/>
+              </a:rPr>
+              <a:t>TomEE</a:t>
+            </a:r>
+            <a:r>
+              <a:rPr lang="fr-FR" dirty="0">
+                <a:latin typeface="Comic Sans MS" pitchFamily="66" charset="0"/>
+              </a:rPr>
+              <a:t> c’est quoi?</a:t>
+            </a:r>
             <a:endParaRPr lang="fr-FR" dirty="0"/>
           </a:p>
         </p:txBody>
       </p:sp>
       <p:sp>
         <p:nvSpPr>
-          <p:cNvPr id="3" name="Content Placeholder 2"/>
-          <p:cNvSpPr>
-            <a:spLocks noGrp="1"/>
-          </p:cNvSpPr>
-          <p:nvPr>
-            <p:ph idx="1"/>
-          </p:nvPr>
+          <p:cNvPr id="6" name="Rectangle 5"/>
+          <p:cNvSpPr/>
+          <p:nvPr/>
         </p:nvSpPr>
         <p:spPr>
           <a:xfrm>
-            <a:off x="2592925" y="1592687"/>
-            <a:ext cx="8915400" cy="3777622"/>
+            <a:off x="2592925" y="1586964"/>
+            <a:ext cx="6096000" cy="759182"/>
           </a:xfrm>
+          <a:prstGeom prst="rect">
+            <a:avLst/>
+          </a:prstGeom>
         </p:spPr>
         <p:txBody>
           <a:bodyPr>
-            <a:noAutofit/>
+            <a:spAutoFit/>
           </a:bodyPr>
           <a:lstStyle/>
           <a:p>
-            <a:r>
-              <a:rPr lang="en-US" sz="2400" b="1" dirty="0" smtClean="0"/>
-              <a:t>CDI</a:t>
-            </a:r>
-            <a:r>
-              <a:rPr lang="en-US" sz="2400" dirty="0"/>
-              <a:t> - </a:t>
-            </a:r>
-            <a:r>
-              <a:rPr lang="en-US" sz="2400" dirty="0" err="1"/>
-              <a:t>OpenWebBeans</a:t>
-            </a:r>
-            <a:r>
-              <a:rPr lang="en-US" sz="2400" dirty="0"/>
-              <a:t> Apache</a:t>
-            </a:r>
-          </a:p>
-          <a:p>
-            <a:r>
-              <a:rPr lang="en-US" sz="2400" b="1" dirty="0"/>
-              <a:t>EJB</a:t>
-            </a:r>
-            <a:r>
-              <a:rPr lang="en-US" sz="2400" dirty="0"/>
-              <a:t> - Apache </a:t>
-            </a:r>
-            <a:r>
-              <a:rPr lang="en-US" sz="2400" dirty="0" err="1"/>
-              <a:t>OpenEJB</a:t>
-            </a:r>
-            <a:endParaRPr lang="en-US" sz="2400" dirty="0"/>
-          </a:p>
-          <a:p>
-            <a:r>
-              <a:rPr lang="en-US" sz="2400" b="1" dirty="0"/>
-              <a:t>JPA</a:t>
-            </a:r>
-            <a:r>
-              <a:rPr lang="en-US" sz="2400" dirty="0"/>
-              <a:t> - Apache </a:t>
-            </a:r>
-            <a:r>
-              <a:rPr lang="en-US" sz="2400" dirty="0" err="1"/>
-              <a:t>OpenJPA</a:t>
-            </a:r>
-            <a:endParaRPr lang="en-US" sz="2400" dirty="0"/>
-          </a:p>
-          <a:p>
-            <a:r>
-              <a:rPr lang="en-US" sz="2400" b="1" dirty="0"/>
-              <a:t>JSF</a:t>
-            </a:r>
-            <a:r>
-              <a:rPr lang="en-US" sz="2400" dirty="0"/>
-              <a:t> - Apache </a:t>
-            </a:r>
-            <a:r>
-              <a:rPr lang="en-US" sz="2400" dirty="0" err="1"/>
-              <a:t>MyFaces</a:t>
-            </a:r>
-            <a:endParaRPr lang="en-US" sz="2400" dirty="0"/>
-          </a:p>
-          <a:p>
-            <a:r>
-              <a:rPr lang="en-US" sz="2400" b="1" dirty="0"/>
-              <a:t>JSP</a:t>
-            </a:r>
-            <a:r>
-              <a:rPr lang="en-US" sz="2400" dirty="0"/>
-              <a:t> - Apache Tomcat</a:t>
-            </a:r>
-          </a:p>
-          <a:p>
-            <a:r>
-              <a:rPr lang="en-US" sz="2400" b="1" dirty="0"/>
-              <a:t>JSTL</a:t>
-            </a:r>
-            <a:r>
-              <a:rPr lang="en-US" sz="2400" dirty="0"/>
-              <a:t> - Apache Tomcat</a:t>
-            </a:r>
-          </a:p>
-          <a:p>
-            <a:r>
-              <a:rPr lang="en-US" sz="2400" b="1" dirty="0"/>
-              <a:t>JTA</a:t>
-            </a:r>
-            <a:r>
-              <a:rPr lang="en-US" sz="2400" dirty="0"/>
-              <a:t> - Apache Geronimo Transaction</a:t>
-            </a:r>
-          </a:p>
-          <a:p>
-            <a:r>
-              <a:rPr lang="en-US" sz="2400" b="1" dirty="0"/>
-              <a:t>Servlet</a:t>
-            </a:r>
-            <a:r>
-              <a:rPr lang="en-US" sz="2400" dirty="0"/>
-              <a:t> - Apache Tomcat</a:t>
-            </a:r>
-          </a:p>
-          <a:p>
-            <a:r>
-              <a:rPr lang="en-US" sz="2400" b="1" dirty="0" err="1"/>
-              <a:t>Javamail</a:t>
-            </a:r>
-            <a:r>
-              <a:rPr lang="en-US" sz="2400" dirty="0"/>
-              <a:t> - Apache Geronimo </a:t>
-            </a:r>
-            <a:r>
-              <a:rPr lang="en-US" sz="2400" dirty="0" err="1"/>
-              <a:t>JavaMail</a:t>
-            </a:r>
-            <a:endParaRPr lang="en-US" sz="2400" dirty="0"/>
-          </a:p>
-          <a:p>
-            <a:r>
-              <a:rPr lang="en-US" sz="2400" b="1" dirty="0"/>
-              <a:t>Bean Validation</a:t>
-            </a:r>
-            <a:r>
-              <a:rPr lang="en-US" sz="2400" dirty="0"/>
-              <a:t> - Apache </a:t>
-            </a:r>
-            <a:r>
-              <a:rPr lang="en-US" sz="2400" dirty="0" err="1"/>
-              <a:t>Bval</a:t>
-            </a:r>
-            <a:endParaRPr lang="en-US" sz="2400" dirty="0"/>
-          </a:p>
-          <a:p>
-            <a:endParaRPr lang="fr-FR" sz="1600" dirty="0"/>
+            <a:pPr lvl="1">
+              <a:spcBef>
+                <a:spcPts val="400"/>
+              </a:spcBef>
+              <a:buClr>
+                <a:srgbClr val="0066A1"/>
+              </a:buClr>
+              <a:buFont typeface="Arial" charset="0"/>
+              <a:buChar char="–"/>
+            </a:pPr>
+            <a:r>
+              <a:rPr lang="en-GB" sz="2000" dirty="0">
+                <a:solidFill>
+                  <a:srgbClr val="000000"/>
+                </a:solidFill>
+                <a:latin typeface="Verdana" pitchFamily="32" charset="0"/>
+                <a:cs typeface="Arial" charset="0"/>
+              </a:rPr>
+              <a:t>Java EE 6 Web Profile Certified stack</a:t>
+            </a:r>
+          </a:p>
+          <a:p>
+            <a:pPr lvl="1">
+              <a:spcBef>
+                <a:spcPts val="400"/>
+              </a:spcBef>
+              <a:buClr>
+                <a:srgbClr val="0066A1"/>
+              </a:buClr>
+              <a:buFont typeface="Arial" charset="0"/>
+              <a:buChar char="–"/>
+            </a:pPr>
+            <a:r>
+              <a:rPr lang="en-GB" sz="2000" dirty="0">
+                <a:solidFill>
+                  <a:srgbClr val="000000"/>
+                </a:solidFill>
+                <a:latin typeface="Verdana" pitchFamily="32" charset="0"/>
+                <a:cs typeface="Arial" charset="0"/>
+              </a:rPr>
+              <a:t>Tomcat + Java EE = </a:t>
+            </a:r>
+            <a:r>
+              <a:rPr lang="en-GB" sz="2000" dirty="0" err="1">
+                <a:solidFill>
+                  <a:srgbClr val="000000"/>
+                </a:solidFill>
+                <a:latin typeface="Verdana" pitchFamily="32" charset="0"/>
+                <a:cs typeface="Arial" charset="0"/>
+              </a:rPr>
+              <a:t>TomEE</a:t>
+            </a:r>
+            <a:endParaRPr lang="en-GB" sz="2000" dirty="0">
+              <a:solidFill>
+                <a:srgbClr val="000000"/>
+              </a:solidFill>
+              <a:latin typeface="Verdana" pitchFamily="32" charset="0"/>
+              <a:cs typeface="Arial" charset="0"/>
+            </a:endParaRPr>
+          </a:p>
+        </p:txBody>
+      </p:sp>
+      <p:sp>
+        <p:nvSpPr>
+          <p:cNvPr id="8" name="Rectangle 7"/>
+          <p:cNvSpPr/>
+          <p:nvPr/>
+        </p:nvSpPr>
+        <p:spPr>
+          <a:xfrm>
+            <a:off x="2777254" y="2606792"/>
+            <a:ext cx="6096000" cy="3416320"/>
+          </a:xfrm>
+          <a:prstGeom prst="rect">
+            <a:avLst/>
+          </a:prstGeom>
+        </p:spPr>
+        <p:txBody>
+          <a:bodyPr>
+            <a:spAutoFit/>
+          </a:bodyPr>
+          <a:lstStyle/>
+          <a:p>
+            <a:r>
+              <a:rPr lang="fr-FR" dirty="0" err="1" smtClean="0"/>
+              <a:t>Tomcat</a:t>
+            </a:r>
+            <a:r>
+              <a:rPr lang="fr-FR" dirty="0" smtClean="0"/>
+              <a:t> ??</a:t>
+            </a:r>
+            <a:br>
+              <a:rPr lang="fr-FR" dirty="0" smtClean="0"/>
+            </a:br>
+            <a:r>
+              <a:rPr lang="fr-FR" dirty="0"/>
+              <a:t/>
+            </a:r>
+            <a:br>
+              <a:rPr lang="fr-FR" dirty="0"/>
+            </a:br>
+            <a:r>
+              <a:rPr lang="fr-FR" dirty="0"/>
+              <a:t>Apache </a:t>
+            </a:r>
+            <a:r>
+              <a:rPr lang="fr-FR" dirty="0" err="1"/>
+              <a:t>Tomcat</a:t>
+            </a:r>
+            <a:r>
+              <a:rPr lang="fr-FR" dirty="0"/>
+              <a:t> est une implémentation des technologies Java Servlet et </a:t>
+            </a:r>
+            <a:r>
+              <a:rPr lang="fr-FR" dirty="0" err="1"/>
+              <a:t>JavaServer</a:t>
+            </a:r>
+            <a:r>
+              <a:rPr lang="fr-FR" dirty="0"/>
+              <a:t> Pages logiciels open source</a:t>
+            </a:r>
+            <a:r>
+              <a:rPr lang="fr-FR" dirty="0" smtClean="0"/>
+              <a:t>.</a:t>
+            </a:r>
+            <a:br>
+              <a:rPr lang="fr-FR" dirty="0" smtClean="0"/>
+            </a:br>
+            <a:r>
+              <a:rPr lang="fr-FR" dirty="0" smtClean="0"/>
+              <a:t/>
+            </a:r>
+            <a:br>
+              <a:rPr lang="fr-FR" dirty="0" smtClean="0"/>
+            </a:br>
+            <a:r>
+              <a:rPr lang="fr-FR" dirty="0"/>
+              <a:t>Java EE Web </a:t>
+            </a:r>
+            <a:r>
+              <a:rPr lang="fr-FR" dirty="0" err="1" smtClean="0"/>
+              <a:t>Proﬁle</a:t>
+            </a:r>
+            <a:r>
+              <a:rPr lang="fr-FR" dirty="0" smtClean="0"/>
+              <a:t> </a:t>
+            </a:r>
+            <a:r>
+              <a:rPr lang="fr-FR" dirty="0"/>
+              <a:t>(“Web </a:t>
+            </a:r>
+            <a:r>
+              <a:rPr lang="fr-FR" dirty="0" err="1"/>
+              <a:t>Proﬁle</a:t>
+            </a:r>
+            <a:r>
+              <a:rPr lang="fr-FR" dirty="0"/>
+              <a:t>”)</a:t>
+            </a:r>
+            <a:r>
+              <a:rPr lang="fr-FR" dirty="0" smtClean="0"/>
+              <a:t> ?? </a:t>
+            </a:r>
+          </a:p>
+          <a:p>
+            <a:endParaRPr lang="fr-FR" dirty="0" smtClean="0"/>
+          </a:p>
+          <a:p>
+            <a:r>
+              <a:rPr lang="fr-FR" dirty="0" smtClean="0"/>
+              <a:t>Est un </a:t>
+            </a:r>
+            <a:r>
+              <a:rPr lang="fr-FR" dirty="0" err="1"/>
+              <a:t>proﬁle</a:t>
+            </a:r>
+            <a:r>
+              <a:rPr lang="fr-FR" dirty="0"/>
+              <a:t> </a:t>
+            </a:r>
+            <a:r>
+              <a:rPr lang="fr-FR" dirty="0" smtClean="0"/>
+              <a:t>de </a:t>
+            </a:r>
+            <a:r>
+              <a:rPr lang="fr-FR" dirty="0"/>
+              <a:t>Java Platform, Enterprise Edition </a:t>
+            </a:r>
+            <a:r>
+              <a:rPr lang="fr-FR" dirty="0" err="1"/>
+              <a:t>speciﬁcally</a:t>
+            </a:r>
+            <a:r>
+              <a:rPr lang="fr-FR" dirty="0"/>
+              <a:t> </a:t>
+            </a:r>
+            <a:r>
+              <a:rPr lang="fr-FR" dirty="0" smtClean="0"/>
+              <a:t>spécifié aux  </a:t>
+            </a:r>
+            <a:r>
+              <a:rPr lang="fr-FR" dirty="0"/>
+              <a:t>web applications. Java™ Platform, Enterprise Edition 6 (Java EE 6) Web </a:t>
+            </a:r>
+            <a:r>
+              <a:rPr lang="fr-FR" dirty="0" err="1"/>
+              <a:t>Proﬁle</a:t>
+            </a:r>
+            <a:r>
+              <a:rPr lang="fr-FR" dirty="0"/>
+              <a:t> </a:t>
+            </a:r>
+            <a:r>
+              <a:rPr lang="fr-FR" dirty="0" err="1" smtClean="0"/>
+              <a:t>Speciﬁcation</a:t>
+            </a:r>
+            <a:r>
+              <a:rPr lang="fr-FR" dirty="0" smtClean="0"/>
+              <a:t>. </a:t>
+            </a:r>
+            <a:endParaRPr lang="fr-FR" dirty="0"/>
           </a:p>
         </p:txBody>
       </p:sp>
     </p:spTree>
     <p:extLst>
       <p:ext uri="{BB962C8B-B14F-4D97-AF65-F5344CB8AC3E}">
-        <p14:creationId xmlns:p14="http://schemas.microsoft.com/office/powerpoint/2010/main" val="1618786461"/>
+        <p14:creationId xmlns:p14="http://schemas.microsoft.com/office/powerpoint/2010/main" val="1586936446"/>
       </p:ext>
     </p:extLst>
   </p:cSld>
   <p:clrMapOvr>
     <a:masterClrMapping/>
   </p:clrMapOvr>
+  <p:timing>
+    <p:tnLst>
+      <p:par>
+        <p:cTn id="1" dur="indefinite" restart="never" nodeType="tmRoot"/>
+      </p:par>
+    </p:tnLst>
+  </p:timing>
 </p:sld>
 </file>
 
@@ -8829,6 +14071,1171 @@
             <p:ph type="title"/>
           </p:nvPr>
         </p:nvSpPr>
+        <p:spPr>
+          <a:xfrm>
+            <a:off x="5074869" y="2436721"/>
+            <a:ext cx="8911687" cy="1280890"/>
+          </a:xfrm>
+        </p:spPr>
+        <p:txBody>
+          <a:bodyPr>
+            <a:normAutofit fontScale="90000"/>
+          </a:bodyPr>
+          <a:lstStyle/>
+          <a:p>
+            <a:r>
+              <a:rPr lang="fr-FR" dirty="0"/>
+              <a:t/>
+            </a:r>
+            <a:br>
+              <a:rPr lang="fr-FR" dirty="0"/>
+            </a:br>
+            <a:r>
+              <a:rPr lang="fr-FR" sz="7200" dirty="0">
+                <a:solidFill>
+                  <a:srgbClr val="A53010"/>
+                </a:solidFill>
+                <a:latin typeface="Comic Sans MS" pitchFamily="66" charset="0"/>
+              </a:rPr>
+              <a:t>Histoire</a:t>
+            </a:r>
+            <a:endParaRPr lang="fr-FR" sz="7200" dirty="0">
+              <a:solidFill>
+                <a:srgbClr val="A53010"/>
+              </a:solidFill>
+              <a:latin typeface="Comic Sans MS" pitchFamily="66" charset="0"/>
+            </a:endParaRPr>
+          </a:p>
+        </p:txBody>
+      </p:sp>
+    </p:spTree>
+    <p:extLst>
+      <p:ext uri="{BB962C8B-B14F-4D97-AF65-F5344CB8AC3E}">
+        <p14:creationId xmlns:p14="http://schemas.microsoft.com/office/powerpoint/2010/main" val="923861206"/>
+      </p:ext>
+    </p:extLst>
+  </p:cSld>
+  <p:clrMapOvr>
+    <a:masterClrMapping/>
+  </p:clrMapOvr>
+  <p:timing>
+    <p:tnLst>
+      <p:par>
+        <p:cTn id="1" dur="indefinite" restart="never" nodeType="tmRoot"/>
+      </p:par>
+    </p:tnLst>
+  </p:timing>
+</p:sld>
+</file>
+
+<file path=ppt/slides/slide8.xml><?xml version="1.0" encoding="utf-8"?>
+<p:sld xmlns:a="http://schemas.openxmlformats.org/drawingml/2006/main" xmlns:r="http://schemas.openxmlformats.org/officeDocument/2006/relationships" xmlns:p="http://schemas.openxmlformats.org/presentationml/2006/main">
+  <p:cSld>
+    <p:spTree>
+      <p:nvGrpSpPr>
+        <p:cNvPr id="1" name=""/>
+        <p:cNvGrpSpPr/>
+        <p:nvPr/>
+      </p:nvGrpSpPr>
+      <p:grpSpPr>
+        <a:xfrm>
+          <a:off x="0" y="0"/>
+          <a:ext cx="0" cy="0"/>
+          <a:chOff x="0" y="0"/>
+          <a:chExt cx="0" cy="0"/>
+        </a:xfrm>
+      </p:grpSpPr>
+      <p:grpSp>
+        <p:nvGrpSpPr>
+          <p:cNvPr id="4" name="Group 3"/>
+          <p:cNvGrpSpPr/>
+          <p:nvPr/>
+        </p:nvGrpSpPr>
+        <p:grpSpPr>
+          <a:xfrm>
+            <a:off x="1953635" y="513741"/>
+            <a:ext cx="1119458" cy="1599224"/>
+            <a:chOff x="0" y="4887"/>
+            <a:chExt cx="1119458" cy="1599224"/>
+          </a:xfrm>
+        </p:grpSpPr>
+        <p:sp>
+          <p:nvSpPr>
+            <p:cNvPr id="26" name="Chevron 25"/>
+            <p:cNvSpPr/>
+            <p:nvPr/>
+          </p:nvSpPr>
+          <p:spPr>
+            <a:xfrm rot="5400000">
+              <a:off x="-239883" y="244770"/>
+              <a:ext cx="1599224" cy="1119457"/>
+            </a:xfrm>
+            <a:prstGeom prst="chevron">
+              <a:avLst/>
+            </a:prstGeom>
+          </p:spPr>
+          <p:style>
+            <a:lnRef idx="1">
+              <a:schemeClr val="accent1">
+                <a:hueOff val="0"/>
+                <a:satOff val="0"/>
+                <a:lumOff val="0"/>
+                <a:alphaOff val="0"/>
+              </a:schemeClr>
+            </a:lnRef>
+            <a:fillRef idx="3">
+              <a:schemeClr val="accent1">
+                <a:hueOff val="0"/>
+                <a:satOff val="0"/>
+                <a:lumOff val="0"/>
+                <a:alphaOff val="0"/>
+              </a:schemeClr>
+            </a:fillRef>
+            <a:effectRef idx="2">
+              <a:schemeClr val="accent1">
+                <a:hueOff val="0"/>
+                <a:satOff val="0"/>
+                <a:lumOff val="0"/>
+                <a:alphaOff val="0"/>
+              </a:schemeClr>
+            </a:effectRef>
+            <a:fontRef idx="minor">
+              <a:schemeClr val="lt1"/>
+            </a:fontRef>
+          </p:style>
+        </p:sp>
+        <p:sp>
+          <p:nvSpPr>
+            <p:cNvPr id="27" name="Chevron 4"/>
+            <p:cNvSpPr/>
+            <p:nvPr/>
+          </p:nvSpPr>
+          <p:spPr>
+            <a:xfrm>
+              <a:off x="1" y="564616"/>
+              <a:ext cx="1119457" cy="479767"/>
+            </a:xfrm>
+            <a:prstGeom prst="rect">
+              <a:avLst/>
+            </a:prstGeom>
+          </p:spPr>
+          <p:style>
+            <a:lnRef idx="0">
+              <a:scrgbClr r="0" g="0" b="0"/>
+            </a:lnRef>
+            <a:fillRef idx="0">
+              <a:scrgbClr r="0" g="0" b="0"/>
+            </a:fillRef>
+            <a:effectRef idx="0">
+              <a:scrgbClr r="0" g="0" b="0"/>
+            </a:effectRef>
+            <a:fontRef idx="minor">
+              <a:schemeClr val="lt1"/>
+            </a:fontRef>
+          </p:style>
+          <p:txBody>
+            <a:bodyPr spcFirstLastPara="0" vert="horz" wrap="square" lIns="10795" tIns="10795" rIns="10795" bIns="10795" numCol="1" spcCol="1270" anchor="ctr" anchorCtr="0">
+              <a:noAutofit/>
+            </a:bodyPr>
+            <a:lstStyle/>
+            <a:p>
+              <a:pPr lvl="0" algn="ctr" defTabSz="755650">
+                <a:lnSpc>
+                  <a:spcPct val="90000"/>
+                </a:lnSpc>
+                <a:spcBef>
+                  <a:spcPct val="0"/>
+                </a:spcBef>
+                <a:spcAft>
+                  <a:spcPct val="35000"/>
+                </a:spcAft>
+              </a:pPr>
+              <a:r>
+                <a:rPr lang="fr-FR" sz="1700" kern="1200" dirty="0" smtClean="0"/>
+                <a:t>1.0.0 beta 1</a:t>
+              </a:r>
+              <a:endParaRPr lang="fr-FR" sz="1700" kern="1200" dirty="0"/>
+            </a:p>
+          </p:txBody>
+        </p:sp>
+      </p:grpSp>
+      <p:grpSp>
+        <p:nvGrpSpPr>
+          <p:cNvPr id="5" name="Group 4"/>
+          <p:cNvGrpSpPr/>
+          <p:nvPr/>
+        </p:nvGrpSpPr>
+        <p:grpSpPr>
+          <a:xfrm>
+            <a:off x="3073092" y="513741"/>
+            <a:ext cx="8529614" cy="1039495"/>
+            <a:chOff x="1119457" y="4887"/>
+            <a:chExt cx="8529614" cy="1039495"/>
+          </a:xfrm>
+        </p:grpSpPr>
+        <p:sp>
+          <p:nvSpPr>
+            <p:cNvPr id="24" name="Round Same Side Corner Rectangle 23"/>
+            <p:cNvSpPr/>
+            <p:nvPr/>
+          </p:nvSpPr>
+          <p:spPr>
+            <a:xfrm rot="5400000">
+              <a:off x="4864516" y="-3740172"/>
+              <a:ext cx="1039495" cy="8529614"/>
+            </a:xfrm>
+            <a:prstGeom prst="round2SameRect">
+              <a:avLst/>
+            </a:prstGeom>
+          </p:spPr>
+          <p:style>
+            <a:lnRef idx="1">
+              <a:schemeClr val="accent1">
+                <a:hueOff val="0"/>
+                <a:satOff val="0"/>
+                <a:lumOff val="0"/>
+                <a:alphaOff val="0"/>
+              </a:schemeClr>
+            </a:lnRef>
+            <a:fillRef idx="1">
+              <a:schemeClr val="lt1">
+                <a:alpha val="90000"/>
+                <a:hueOff val="0"/>
+                <a:satOff val="0"/>
+                <a:lumOff val="0"/>
+                <a:alphaOff val="0"/>
+              </a:schemeClr>
+            </a:fillRef>
+            <a:effectRef idx="0">
+              <a:schemeClr val="lt1">
+                <a:alpha val="90000"/>
+                <a:hueOff val="0"/>
+                <a:satOff val="0"/>
+                <a:lumOff val="0"/>
+                <a:alphaOff val="0"/>
+              </a:schemeClr>
+            </a:effectRef>
+            <a:fontRef idx="minor">
+              <a:schemeClr val="dk1">
+                <a:hueOff val="0"/>
+                <a:satOff val="0"/>
+                <a:lumOff val="0"/>
+                <a:alphaOff val="0"/>
+              </a:schemeClr>
+            </a:fontRef>
+          </p:style>
+        </p:sp>
+        <p:sp>
+          <p:nvSpPr>
+            <p:cNvPr id="25" name="Round Same Side Corner Rectangle 6"/>
+            <p:cNvSpPr/>
+            <p:nvPr/>
+          </p:nvSpPr>
+          <p:spPr>
+            <a:xfrm>
+              <a:off x="1119457" y="55631"/>
+              <a:ext cx="8478870" cy="938007"/>
+            </a:xfrm>
+            <a:prstGeom prst="rect">
+              <a:avLst/>
+            </a:prstGeom>
+          </p:spPr>
+          <p:style>
+            <a:lnRef idx="0">
+              <a:scrgbClr r="0" g="0" b="0"/>
+            </a:lnRef>
+            <a:fillRef idx="0">
+              <a:scrgbClr r="0" g="0" b="0"/>
+            </a:fillRef>
+            <a:effectRef idx="0">
+              <a:scrgbClr r="0" g="0" b="0"/>
+            </a:effectRef>
+            <a:fontRef idx="minor">
+              <a:schemeClr val="dk1">
+                <a:hueOff val="0"/>
+                <a:satOff val="0"/>
+                <a:lumOff val="0"/>
+                <a:alphaOff val="0"/>
+              </a:schemeClr>
+            </a:fontRef>
+          </p:style>
+          <p:txBody>
+            <a:bodyPr spcFirstLastPara="0" vert="horz" wrap="square" lIns="220472" tIns="19685" rIns="19685" bIns="19685" numCol="1" spcCol="1270" anchor="ctr" anchorCtr="0">
+              <a:noAutofit/>
+            </a:bodyPr>
+            <a:lstStyle/>
+            <a:p>
+              <a:pPr marL="285750" lvl="1" indent="-285750" algn="l" defTabSz="1377950">
+                <a:lnSpc>
+                  <a:spcPct val="90000"/>
+                </a:lnSpc>
+                <a:spcBef>
+                  <a:spcPct val="0"/>
+                </a:spcBef>
+                <a:spcAft>
+                  <a:spcPct val="15000"/>
+                </a:spcAft>
+                <a:buChar char="••"/>
+              </a:pPr>
+              <a:r>
+                <a:rPr lang="fr-FR" sz="3100" kern="1200" dirty="0" err="1" smtClean="0"/>
+                <a:t>JavaOne</a:t>
+              </a:r>
+              <a:r>
+                <a:rPr lang="fr-FR" sz="3100" kern="1200" dirty="0" smtClean="0"/>
+                <a:t> 2011</a:t>
+              </a:r>
+              <a:endParaRPr lang="fr-FR" sz="3100" kern="1200" dirty="0"/>
+            </a:p>
+            <a:p>
+              <a:pPr marL="285750" lvl="1" indent="-285750" algn="l" defTabSz="1377950">
+                <a:lnSpc>
+                  <a:spcPct val="90000"/>
+                </a:lnSpc>
+                <a:spcBef>
+                  <a:spcPct val="0"/>
+                </a:spcBef>
+                <a:spcAft>
+                  <a:spcPct val="15000"/>
+                </a:spcAft>
+                <a:buChar char="••"/>
+              </a:pPr>
+              <a:r>
+                <a:rPr lang="fr-FR" sz="3100" kern="1200" dirty="0" smtClean="0"/>
+                <a:t>Entrée dans la cours des grands</a:t>
+              </a:r>
+              <a:endParaRPr lang="fr-FR" sz="3100" kern="1200" dirty="0"/>
+            </a:p>
+          </p:txBody>
+        </p:sp>
+      </p:grpSp>
+      <p:grpSp>
+        <p:nvGrpSpPr>
+          <p:cNvPr id="6" name="Group 5"/>
+          <p:cNvGrpSpPr/>
+          <p:nvPr/>
+        </p:nvGrpSpPr>
+        <p:grpSpPr>
+          <a:xfrm>
+            <a:off x="1953635" y="1969630"/>
+            <a:ext cx="1119458" cy="1599224"/>
+            <a:chOff x="0" y="1460776"/>
+            <a:chExt cx="1119458" cy="1599224"/>
+          </a:xfrm>
+        </p:grpSpPr>
+        <p:sp>
+          <p:nvSpPr>
+            <p:cNvPr id="22" name="Chevron 21"/>
+            <p:cNvSpPr/>
+            <p:nvPr/>
+          </p:nvSpPr>
+          <p:spPr>
+            <a:xfrm rot="5400000">
+              <a:off x="-239883" y="1700659"/>
+              <a:ext cx="1599224" cy="1119457"/>
+            </a:xfrm>
+            <a:prstGeom prst="chevron">
+              <a:avLst/>
+            </a:prstGeom>
+          </p:spPr>
+          <p:style>
+            <a:lnRef idx="1">
+              <a:schemeClr val="accent1">
+                <a:hueOff val="0"/>
+                <a:satOff val="0"/>
+                <a:lumOff val="0"/>
+                <a:alphaOff val="0"/>
+              </a:schemeClr>
+            </a:lnRef>
+            <a:fillRef idx="3">
+              <a:schemeClr val="accent1">
+                <a:hueOff val="0"/>
+                <a:satOff val="0"/>
+                <a:lumOff val="0"/>
+                <a:alphaOff val="0"/>
+              </a:schemeClr>
+            </a:fillRef>
+            <a:effectRef idx="2">
+              <a:schemeClr val="accent1">
+                <a:hueOff val="0"/>
+                <a:satOff val="0"/>
+                <a:lumOff val="0"/>
+                <a:alphaOff val="0"/>
+              </a:schemeClr>
+            </a:effectRef>
+            <a:fontRef idx="minor">
+              <a:schemeClr val="lt1"/>
+            </a:fontRef>
+          </p:style>
+        </p:sp>
+        <p:sp>
+          <p:nvSpPr>
+            <p:cNvPr id="23" name="Chevron 8"/>
+            <p:cNvSpPr/>
+            <p:nvPr/>
+          </p:nvSpPr>
+          <p:spPr>
+            <a:xfrm>
+              <a:off x="1" y="2020505"/>
+              <a:ext cx="1119457" cy="479767"/>
+            </a:xfrm>
+            <a:prstGeom prst="rect">
+              <a:avLst/>
+            </a:prstGeom>
+          </p:spPr>
+          <p:style>
+            <a:lnRef idx="0">
+              <a:scrgbClr r="0" g="0" b="0"/>
+            </a:lnRef>
+            <a:fillRef idx="0">
+              <a:scrgbClr r="0" g="0" b="0"/>
+            </a:fillRef>
+            <a:effectRef idx="0">
+              <a:scrgbClr r="0" g="0" b="0"/>
+            </a:effectRef>
+            <a:fontRef idx="minor">
+              <a:schemeClr val="lt1"/>
+            </a:fontRef>
+          </p:style>
+          <p:txBody>
+            <a:bodyPr spcFirstLastPara="0" vert="horz" wrap="square" lIns="10795" tIns="10795" rIns="10795" bIns="10795" numCol="1" spcCol="1270" anchor="ctr" anchorCtr="0">
+              <a:noAutofit/>
+            </a:bodyPr>
+            <a:lstStyle/>
+            <a:p>
+              <a:pPr lvl="0" algn="ctr" defTabSz="755650">
+                <a:lnSpc>
+                  <a:spcPct val="90000"/>
+                </a:lnSpc>
+                <a:spcBef>
+                  <a:spcPct val="0"/>
+                </a:spcBef>
+                <a:spcAft>
+                  <a:spcPct val="35000"/>
+                </a:spcAft>
+              </a:pPr>
+              <a:r>
+                <a:rPr lang="fr-FR" sz="1700" kern="1200" dirty="0" smtClean="0"/>
+                <a:t>1.0.0 beta 2</a:t>
+              </a:r>
+              <a:endParaRPr lang="fr-FR" sz="1700" kern="1200" dirty="0"/>
+            </a:p>
+          </p:txBody>
+        </p:sp>
+      </p:grpSp>
+      <p:grpSp>
+        <p:nvGrpSpPr>
+          <p:cNvPr id="7" name="Group 6"/>
+          <p:cNvGrpSpPr/>
+          <p:nvPr/>
+        </p:nvGrpSpPr>
+        <p:grpSpPr>
+          <a:xfrm>
+            <a:off x="3073092" y="1969630"/>
+            <a:ext cx="8529614" cy="1039495"/>
+            <a:chOff x="1119457" y="1460776"/>
+            <a:chExt cx="8529614" cy="1039495"/>
+          </a:xfrm>
+        </p:grpSpPr>
+        <p:sp>
+          <p:nvSpPr>
+            <p:cNvPr id="20" name="Round Same Side Corner Rectangle 19"/>
+            <p:cNvSpPr/>
+            <p:nvPr/>
+          </p:nvSpPr>
+          <p:spPr>
+            <a:xfrm rot="5400000">
+              <a:off x="4864516" y="-2284283"/>
+              <a:ext cx="1039495" cy="8529614"/>
+            </a:xfrm>
+            <a:prstGeom prst="round2SameRect">
+              <a:avLst/>
+            </a:prstGeom>
+          </p:spPr>
+          <p:style>
+            <a:lnRef idx="1">
+              <a:schemeClr val="accent1">
+                <a:hueOff val="0"/>
+                <a:satOff val="0"/>
+                <a:lumOff val="0"/>
+                <a:alphaOff val="0"/>
+              </a:schemeClr>
+            </a:lnRef>
+            <a:fillRef idx="1">
+              <a:schemeClr val="lt1">
+                <a:alpha val="90000"/>
+                <a:hueOff val="0"/>
+                <a:satOff val="0"/>
+                <a:lumOff val="0"/>
+                <a:alphaOff val="0"/>
+              </a:schemeClr>
+            </a:fillRef>
+            <a:effectRef idx="0">
+              <a:schemeClr val="lt1">
+                <a:alpha val="90000"/>
+                <a:hueOff val="0"/>
+                <a:satOff val="0"/>
+                <a:lumOff val="0"/>
+                <a:alphaOff val="0"/>
+              </a:schemeClr>
+            </a:effectRef>
+            <a:fontRef idx="minor">
+              <a:schemeClr val="dk1">
+                <a:hueOff val="0"/>
+                <a:satOff val="0"/>
+                <a:lumOff val="0"/>
+                <a:alphaOff val="0"/>
+              </a:schemeClr>
+            </a:fontRef>
+          </p:style>
+        </p:sp>
+        <p:sp>
+          <p:nvSpPr>
+            <p:cNvPr id="21" name="Round Same Side Corner Rectangle 10"/>
+            <p:cNvSpPr/>
+            <p:nvPr/>
+          </p:nvSpPr>
+          <p:spPr>
+            <a:xfrm>
+              <a:off x="1119457" y="1511520"/>
+              <a:ext cx="8478870" cy="938007"/>
+            </a:xfrm>
+            <a:prstGeom prst="rect">
+              <a:avLst/>
+            </a:prstGeom>
+          </p:spPr>
+          <p:style>
+            <a:lnRef idx="0">
+              <a:scrgbClr r="0" g="0" b="0"/>
+            </a:lnRef>
+            <a:fillRef idx="0">
+              <a:scrgbClr r="0" g="0" b="0"/>
+            </a:fillRef>
+            <a:effectRef idx="0">
+              <a:scrgbClr r="0" g="0" b="0"/>
+            </a:effectRef>
+            <a:fontRef idx="minor">
+              <a:schemeClr val="dk1">
+                <a:hueOff val="0"/>
+                <a:satOff val="0"/>
+                <a:lumOff val="0"/>
+                <a:alphaOff val="0"/>
+              </a:schemeClr>
+            </a:fontRef>
+          </p:style>
+          <p:txBody>
+            <a:bodyPr spcFirstLastPara="0" vert="horz" wrap="square" lIns="220472" tIns="19685" rIns="19685" bIns="19685" numCol="1" spcCol="1270" anchor="ctr" anchorCtr="0">
+              <a:noAutofit/>
+            </a:bodyPr>
+            <a:lstStyle/>
+            <a:p>
+              <a:pPr marL="285750" lvl="1" indent="-285750" algn="l" defTabSz="1377950">
+                <a:lnSpc>
+                  <a:spcPct val="90000"/>
+                </a:lnSpc>
+                <a:spcBef>
+                  <a:spcPct val="0"/>
+                </a:spcBef>
+                <a:spcAft>
+                  <a:spcPct val="15000"/>
+                </a:spcAft>
+                <a:buChar char="••"/>
+              </a:pPr>
+              <a:r>
+                <a:rPr lang="fr-FR" sz="3100" kern="1200" dirty="0" smtClean="0"/>
+                <a:t>Janvier 2012</a:t>
+              </a:r>
+              <a:endParaRPr lang="fr-FR" sz="3100" kern="1200" dirty="0"/>
+            </a:p>
+            <a:p>
+              <a:pPr marL="285750" lvl="1" indent="-285750" algn="l" defTabSz="1377950">
+                <a:lnSpc>
+                  <a:spcPct val="90000"/>
+                </a:lnSpc>
+                <a:spcBef>
+                  <a:spcPct val="0"/>
+                </a:spcBef>
+                <a:spcAft>
+                  <a:spcPct val="15000"/>
+                </a:spcAft>
+                <a:buChar char="••"/>
+              </a:pPr>
+              <a:r>
+                <a:rPr lang="fr-FR" sz="3100" kern="1200" dirty="0" smtClean="0"/>
+                <a:t>Finalisation</a:t>
+              </a:r>
+              <a:endParaRPr lang="fr-FR" sz="3100" kern="1200" dirty="0"/>
+            </a:p>
+          </p:txBody>
+        </p:sp>
+      </p:grpSp>
+      <p:grpSp>
+        <p:nvGrpSpPr>
+          <p:cNvPr id="8" name="Group 7"/>
+          <p:cNvGrpSpPr/>
+          <p:nvPr/>
+        </p:nvGrpSpPr>
+        <p:grpSpPr>
+          <a:xfrm>
+            <a:off x="1953635" y="3425518"/>
+            <a:ext cx="1119458" cy="1599224"/>
+            <a:chOff x="0" y="2916664"/>
+            <a:chExt cx="1119458" cy="1599224"/>
+          </a:xfrm>
+        </p:grpSpPr>
+        <p:sp>
+          <p:nvSpPr>
+            <p:cNvPr id="18" name="Chevron 17"/>
+            <p:cNvSpPr/>
+            <p:nvPr/>
+          </p:nvSpPr>
+          <p:spPr>
+            <a:xfrm rot="5400000">
+              <a:off x="-239883" y="3156547"/>
+              <a:ext cx="1599224" cy="1119457"/>
+            </a:xfrm>
+            <a:prstGeom prst="chevron">
+              <a:avLst/>
+            </a:prstGeom>
+          </p:spPr>
+          <p:style>
+            <a:lnRef idx="1">
+              <a:schemeClr val="accent1">
+                <a:hueOff val="0"/>
+                <a:satOff val="0"/>
+                <a:lumOff val="0"/>
+                <a:alphaOff val="0"/>
+              </a:schemeClr>
+            </a:lnRef>
+            <a:fillRef idx="3">
+              <a:schemeClr val="accent1">
+                <a:hueOff val="0"/>
+                <a:satOff val="0"/>
+                <a:lumOff val="0"/>
+                <a:alphaOff val="0"/>
+              </a:schemeClr>
+            </a:fillRef>
+            <a:effectRef idx="2">
+              <a:schemeClr val="accent1">
+                <a:hueOff val="0"/>
+                <a:satOff val="0"/>
+                <a:lumOff val="0"/>
+                <a:alphaOff val="0"/>
+              </a:schemeClr>
+            </a:effectRef>
+            <a:fontRef idx="minor">
+              <a:schemeClr val="lt1"/>
+            </a:fontRef>
+          </p:style>
+        </p:sp>
+        <p:sp>
+          <p:nvSpPr>
+            <p:cNvPr id="19" name="Chevron 12"/>
+            <p:cNvSpPr/>
+            <p:nvPr/>
+          </p:nvSpPr>
+          <p:spPr>
+            <a:xfrm>
+              <a:off x="1" y="3476393"/>
+              <a:ext cx="1119457" cy="479767"/>
+            </a:xfrm>
+            <a:prstGeom prst="rect">
+              <a:avLst/>
+            </a:prstGeom>
+          </p:spPr>
+          <p:style>
+            <a:lnRef idx="0">
+              <a:scrgbClr r="0" g="0" b="0"/>
+            </a:lnRef>
+            <a:fillRef idx="0">
+              <a:scrgbClr r="0" g="0" b="0"/>
+            </a:fillRef>
+            <a:effectRef idx="0">
+              <a:scrgbClr r="0" g="0" b="0"/>
+            </a:effectRef>
+            <a:fontRef idx="minor">
+              <a:schemeClr val="lt1"/>
+            </a:fontRef>
+          </p:style>
+          <p:txBody>
+            <a:bodyPr spcFirstLastPara="0" vert="horz" wrap="square" lIns="10795" tIns="10795" rIns="10795" bIns="10795" numCol="1" spcCol="1270" anchor="ctr" anchorCtr="0">
+              <a:noAutofit/>
+            </a:bodyPr>
+            <a:lstStyle/>
+            <a:p>
+              <a:pPr lvl="0" algn="ctr" defTabSz="755650">
+                <a:lnSpc>
+                  <a:spcPct val="90000"/>
+                </a:lnSpc>
+                <a:spcBef>
+                  <a:spcPct val="0"/>
+                </a:spcBef>
+                <a:spcAft>
+                  <a:spcPct val="35000"/>
+                </a:spcAft>
+              </a:pPr>
+              <a:r>
+                <a:rPr lang="fr-FR" sz="1700" kern="1200" dirty="0" smtClean="0"/>
+                <a:t>1.0.0 Final</a:t>
+              </a:r>
+              <a:endParaRPr lang="fr-FR" sz="1700" kern="1200" dirty="0"/>
+            </a:p>
+          </p:txBody>
+        </p:sp>
+      </p:grpSp>
+      <p:grpSp>
+        <p:nvGrpSpPr>
+          <p:cNvPr id="9" name="Group 8"/>
+          <p:cNvGrpSpPr/>
+          <p:nvPr/>
+        </p:nvGrpSpPr>
+        <p:grpSpPr>
+          <a:xfrm>
+            <a:off x="3073092" y="3425518"/>
+            <a:ext cx="8529614" cy="1039495"/>
+            <a:chOff x="1119457" y="2916664"/>
+            <a:chExt cx="8529614" cy="1039495"/>
+          </a:xfrm>
+        </p:grpSpPr>
+        <p:sp>
+          <p:nvSpPr>
+            <p:cNvPr id="16" name="Round Same Side Corner Rectangle 15"/>
+            <p:cNvSpPr/>
+            <p:nvPr/>
+          </p:nvSpPr>
+          <p:spPr>
+            <a:xfrm rot="5400000">
+              <a:off x="4864516" y="-828395"/>
+              <a:ext cx="1039495" cy="8529614"/>
+            </a:xfrm>
+            <a:prstGeom prst="round2SameRect">
+              <a:avLst/>
+            </a:prstGeom>
+          </p:spPr>
+          <p:style>
+            <a:lnRef idx="1">
+              <a:schemeClr val="accent1">
+                <a:hueOff val="0"/>
+                <a:satOff val="0"/>
+                <a:lumOff val="0"/>
+                <a:alphaOff val="0"/>
+              </a:schemeClr>
+            </a:lnRef>
+            <a:fillRef idx="1">
+              <a:schemeClr val="lt1">
+                <a:alpha val="90000"/>
+                <a:hueOff val="0"/>
+                <a:satOff val="0"/>
+                <a:lumOff val="0"/>
+                <a:alphaOff val="0"/>
+              </a:schemeClr>
+            </a:fillRef>
+            <a:effectRef idx="0">
+              <a:schemeClr val="lt1">
+                <a:alpha val="90000"/>
+                <a:hueOff val="0"/>
+                <a:satOff val="0"/>
+                <a:lumOff val="0"/>
+                <a:alphaOff val="0"/>
+              </a:schemeClr>
+            </a:effectRef>
+            <a:fontRef idx="minor">
+              <a:schemeClr val="dk1">
+                <a:hueOff val="0"/>
+                <a:satOff val="0"/>
+                <a:lumOff val="0"/>
+                <a:alphaOff val="0"/>
+              </a:schemeClr>
+            </a:fontRef>
+          </p:style>
+        </p:sp>
+        <p:sp>
+          <p:nvSpPr>
+            <p:cNvPr id="17" name="Round Same Side Corner Rectangle 14"/>
+            <p:cNvSpPr/>
+            <p:nvPr/>
+          </p:nvSpPr>
+          <p:spPr>
+            <a:xfrm>
+              <a:off x="1119457" y="2967408"/>
+              <a:ext cx="8478870" cy="938007"/>
+            </a:xfrm>
+            <a:prstGeom prst="rect">
+              <a:avLst/>
+            </a:prstGeom>
+          </p:spPr>
+          <p:style>
+            <a:lnRef idx="0">
+              <a:scrgbClr r="0" g="0" b="0"/>
+            </a:lnRef>
+            <a:fillRef idx="0">
+              <a:scrgbClr r="0" g="0" b="0"/>
+            </a:fillRef>
+            <a:effectRef idx="0">
+              <a:scrgbClr r="0" g="0" b="0"/>
+            </a:effectRef>
+            <a:fontRef idx="minor">
+              <a:schemeClr val="dk1">
+                <a:hueOff val="0"/>
+                <a:satOff val="0"/>
+                <a:lumOff val="0"/>
+                <a:alphaOff val="0"/>
+              </a:schemeClr>
+            </a:fontRef>
+          </p:style>
+          <p:txBody>
+            <a:bodyPr spcFirstLastPara="0" vert="horz" wrap="square" lIns="220472" tIns="19685" rIns="19685" bIns="19685" numCol="1" spcCol="1270" anchor="ctr" anchorCtr="0">
+              <a:noAutofit/>
+            </a:bodyPr>
+            <a:lstStyle/>
+            <a:p>
+              <a:pPr marL="285750" lvl="1" indent="-285750" algn="l" defTabSz="1377950">
+                <a:lnSpc>
+                  <a:spcPct val="90000"/>
+                </a:lnSpc>
+                <a:spcBef>
+                  <a:spcPct val="0"/>
+                </a:spcBef>
+                <a:spcAft>
+                  <a:spcPct val="15000"/>
+                </a:spcAft>
+                <a:buChar char="••"/>
+              </a:pPr>
+              <a:r>
+                <a:rPr lang="fr-FR" sz="3100" kern="1200" dirty="0" smtClean="0"/>
+                <a:t>Avril 2012</a:t>
+              </a:r>
+              <a:endParaRPr lang="fr-FR" sz="3100" kern="1200" dirty="0"/>
+            </a:p>
+            <a:p>
+              <a:pPr marL="285750" lvl="1" indent="-285750" algn="l" defTabSz="1377950">
+                <a:lnSpc>
+                  <a:spcPct val="90000"/>
+                </a:lnSpc>
+                <a:spcBef>
+                  <a:spcPct val="0"/>
+                </a:spcBef>
+                <a:spcAft>
+                  <a:spcPct val="15000"/>
+                </a:spcAft>
+                <a:buChar char="••"/>
+              </a:pPr>
+              <a:r>
+                <a:rPr lang="fr-FR" sz="3100" kern="1200" dirty="0" smtClean="0"/>
+                <a:t>Prise en comptes des retours utilisateurs</a:t>
+              </a:r>
+              <a:endParaRPr lang="fr-FR" sz="3100" kern="1200" dirty="0"/>
+            </a:p>
+          </p:txBody>
+        </p:sp>
+      </p:grpSp>
+      <p:grpSp>
+        <p:nvGrpSpPr>
+          <p:cNvPr id="10" name="Group 9"/>
+          <p:cNvGrpSpPr/>
+          <p:nvPr/>
+        </p:nvGrpSpPr>
+        <p:grpSpPr>
+          <a:xfrm>
+            <a:off x="1953635" y="4881406"/>
+            <a:ext cx="1119458" cy="1599224"/>
+            <a:chOff x="0" y="4372552"/>
+            <a:chExt cx="1119458" cy="1599224"/>
+          </a:xfrm>
+        </p:grpSpPr>
+        <p:sp>
+          <p:nvSpPr>
+            <p:cNvPr id="14" name="Chevron 13"/>
+            <p:cNvSpPr/>
+            <p:nvPr/>
+          </p:nvSpPr>
+          <p:spPr>
+            <a:xfrm rot="5400000">
+              <a:off x="-239883" y="4612435"/>
+              <a:ext cx="1599224" cy="1119457"/>
+            </a:xfrm>
+            <a:prstGeom prst="chevron">
+              <a:avLst/>
+            </a:prstGeom>
+          </p:spPr>
+          <p:style>
+            <a:lnRef idx="1">
+              <a:schemeClr val="accent1">
+                <a:hueOff val="0"/>
+                <a:satOff val="0"/>
+                <a:lumOff val="0"/>
+                <a:alphaOff val="0"/>
+              </a:schemeClr>
+            </a:lnRef>
+            <a:fillRef idx="3">
+              <a:schemeClr val="accent1">
+                <a:hueOff val="0"/>
+                <a:satOff val="0"/>
+                <a:lumOff val="0"/>
+                <a:alphaOff val="0"/>
+              </a:schemeClr>
+            </a:fillRef>
+            <a:effectRef idx="2">
+              <a:schemeClr val="accent1">
+                <a:hueOff val="0"/>
+                <a:satOff val="0"/>
+                <a:lumOff val="0"/>
+                <a:alphaOff val="0"/>
+              </a:schemeClr>
+            </a:effectRef>
+            <a:fontRef idx="minor">
+              <a:schemeClr val="lt1"/>
+            </a:fontRef>
+          </p:style>
+        </p:sp>
+        <p:sp>
+          <p:nvSpPr>
+            <p:cNvPr id="15" name="Chevron 16"/>
+            <p:cNvSpPr/>
+            <p:nvPr/>
+          </p:nvSpPr>
+          <p:spPr>
+            <a:xfrm>
+              <a:off x="1" y="4932281"/>
+              <a:ext cx="1119457" cy="479767"/>
+            </a:xfrm>
+            <a:prstGeom prst="rect">
+              <a:avLst/>
+            </a:prstGeom>
+          </p:spPr>
+          <p:style>
+            <a:lnRef idx="0">
+              <a:scrgbClr r="0" g="0" b="0"/>
+            </a:lnRef>
+            <a:fillRef idx="0">
+              <a:scrgbClr r="0" g="0" b="0"/>
+            </a:fillRef>
+            <a:effectRef idx="0">
+              <a:scrgbClr r="0" g="0" b="0"/>
+            </a:effectRef>
+            <a:fontRef idx="minor">
+              <a:schemeClr val="lt1"/>
+            </a:fontRef>
+          </p:style>
+          <p:txBody>
+            <a:bodyPr spcFirstLastPara="0" vert="horz" wrap="square" lIns="10795" tIns="10795" rIns="10795" bIns="10795" numCol="1" spcCol="1270" anchor="ctr" anchorCtr="0">
+              <a:noAutofit/>
+            </a:bodyPr>
+            <a:lstStyle/>
+            <a:p>
+              <a:pPr lvl="0" algn="ctr" defTabSz="755650">
+                <a:lnSpc>
+                  <a:spcPct val="90000"/>
+                </a:lnSpc>
+                <a:spcBef>
+                  <a:spcPct val="0"/>
+                </a:spcBef>
+                <a:spcAft>
+                  <a:spcPct val="35000"/>
+                </a:spcAft>
+              </a:pPr>
+              <a:r>
+                <a:rPr lang="fr-FR" sz="1700" kern="1200" dirty="0" smtClean="0"/>
+                <a:t>1.5.0</a:t>
+              </a:r>
+              <a:endParaRPr lang="fr-FR" sz="1700" kern="1200" dirty="0"/>
+            </a:p>
+          </p:txBody>
+        </p:sp>
+      </p:grpSp>
+      <p:grpSp>
+        <p:nvGrpSpPr>
+          <p:cNvPr id="11" name="Group 10"/>
+          <p:cNvGrpSpPr/>
+          <p:nvPr/>
+        </p:nvGrpSpPr>
+        <p:grpSpPr>
+          <a:xfrm>
+            <a:off x="3073092" y="4881405"/>
+            <a:ext cx="8529614" cy="1039495"/>
+            <a:chOff x="1119457" y="4372551"/>
+            <a:chExt cx="8529614" cy="1039495"/>
+          </a:xfrm>
+        </p:grpSpPr>
+        <p:sp>
+          <p:nvSpPr>
+            <p:cNvPr id="12" name="Round Same Side Corner Rectangle 11"/>
+            <p:cNvSpPr/>
+            <p:nvPr/>
+          </p:nvSpPr>
+          <p:spPr>
+            <a:xfrm rot="5400000">
+              <a:off x="4864516" y="627492"/>
+              <a:ext cx="1039495" cy="8529614"/>
+            </a:xfrm>
+            <a:prstGeom prst="round2SameRect">
+              <a:avLst/>
+            </a:prstGeom>
+          </p:spPr>
+          <p:style>
+            <a:lnRef idx="1">
+              <a:schemeClr val="accent1">
+                <a:hueOff val="0"/>
+                <a:satOff val="0"/>
+                <a:lumOff val="0"/>
+                <a:alphaOff val="0"/>
+              </a:schemeClr>
+            </a:lnRef>
+            <a:fillRef idx="1">
+              <a:schemeClr val="lt1">
+                <a:alpha val="90000"/>
+                <a:hueOff val="0"/>
+                <a:satOff val="0"/>
+                <a:lumOff val="0"/>
+                <a:alphaOff val="0"/>
+              </a:schemeClr>
+            </a:fillRef>
+            <a:effectRef idx="0">
+              <a:schemeClr val="lt1">
+                <a:alpha val="90000"/>
+                <a:hueOff val="0"/>
+                <a:satOff val="0"/>
+                <a:lumOff val="0"/>
+                <a:alphaOff val="0"/>
+              </a:schemeClr>
+            </a:effectRef>
+            <a:fontRef idx="minor">
+              <a:schemeClr val="dk1">
+                <a:hueOff val="0"/>
+                <a:satOff val="0"/>
+                <a:lumOff val="0"/>
+                <a:alphaOff val="0"/>
+              </a:schemeClr>
+            </a:fontRef>
+          </p:style>
+        </p:sp>
+        <p:sp>
+          <p:nvSpPr>
+            <p:cNvPr id="13" name="Round Same Side Corner Rectangle 18"/>
+            <p:cNvSpPr/>
+            <p:nvPr/>
+          </p:nvSpPr>
+          <p:spPr>
+            <a:xfrm>
+              <a:off x="1119457" y="4423295"/>
+              <a:ext cx="8478870" cy="938007"/>
+            </a:xfrm>
+            <a:prstGeom prst="rect">
+              <a:avLst/>
+            </a:prstGeom>
+          </p:spPr>
+          <p:style>
+            <a:lnRef idx="0">
+              <a:scrgbClr r="0" g="0" b="0"/>
+            </a:lnRef>
+            <a:fillRef idx="0">
+              <a:scrgbClr r="0" g="0" b="0"/>
+            </a:fillRef>
+            <a:effectRef idx="0">
+              <a:scrgbClr r="0" g="0" b="0"/>
+            </a:effectRef>
+            <a:fontRef idx="minor">
+              <a:schemeClr val="dk1">
+                <a:hueOff val="0"/>
+                <a:satOff val="0"/>
+                <a:lumOff val="0"/>
+                <a:alphaOff val="0"/>
+              </a:schemeClr>
+            </a:fontRef>
+          </p:style>
+          <p:txBody>
+            <a:bodyPr spcFirstLastPara="0" vert="horz" wrap="square" lIns="220472" tIns="19685" rIns="19685" bIns="19685" numCol="1" spcCol="1270" anchor="ctr" anchorCtr="0">
+              <a:noAutofit/>
+            </a:bodyPr>
+            <a:lstStyle/>
+            <a:p>
+              <a:pPr marL="285750" lvl="1" indent="-285750" algn="l" defTabSz="1377950">
+                <a:lnSpc>
+                  <a:spcPct val="90000"/>
+                </a:lnSpc>
+                <a:spcBef>
+                  <a:spcPct val="0"/>
+                </a:spcBef>
+                <a:spcAft>
+                  <a:spcPct val="15000"/>
+                </a:spcAft>
+                <a:buChar char="••"/>
+              </a:pPr>
+              <a:r>
+                <a:rPr lang="fr-FR" sz="3100" kern="1200" dirty="0" smtClean="0"/>
+                <a:t>Septembre 2012</a:t>
+              </a:r>
+              <a:endParaRPr lang="fr-FR" sz="3100" kern="1200" dirty="0"/>
+            </a:p>
+            <a:p>
+              <a:pPr marL="285750" lvl="1" indent="-285750" algn="l" defTabSz="1377950">
+                <a:lnSpc>
+                  <a:spcPct val="90000"/>
+                </a:lnSpc>
+                <a:spcBef>
+                  <a:spcPct val="0"/>
+                </a:spcBef>
+                <a:spcAft>
+                  <a:spcPct val="15000"/>
+                </a:spcAft>
+                <a:buChar char="••"/>
+              </a:pPr>
+              <a:r>
+                <a:rPr lang="fr-FR" sz="3100" kern="1200" dirty="0" smtClean="0"/>
+                <a:t>Toujours plus loin et à l’écoute</a:t>
+              </a:r>
+              <a:endParaRPr lang="fr-FR" sz="3100" kern="1200" dirty="0"/>
+            </a:p>
+          </p:txBody>
+        </p:sp>
+      </p:grpSp>
+    </p:spTree>
+    <p:extLst>
+      <p:ext uri="{BB962C8B-B14F-4D97-AF65-F5344CB8AC3E}">
+        <p14:creationId xmlns:p14="http://schemas.microsoft.com/office/powerpoint/2010/main" val="1158465480"/>
+      </p:ext>
+    </p:extLst>
+  </p:cSld>
+  <p:clrMapOvr>
+    <a:masterClrMapping/>
+  </p:clrMapOvr>
+  <p:timing>
+    <p:tnLst>
+      <p:par>
+        <p:cTn id="1" dur="indefinite" restart="never" nodeType="tmRoot"/>
+      </p:par>
+    </p:tnLst>
+  </p:timing>
+</p:sld>
+</file>
+
+<file path=ppt/slides/slide9.xml><?xml version="1.0" encoding="utf-8"?>
+<p:sld xmlns:a="http://schemas.openxmlformats.org/drawingml/2006/main" xmlns:r="http://schemas.openxmlformats.org/officeDocument/2006/relationships" xmlns:p="http://schemas.openxmlformats.org/presentationml/2006/main">
+  <p:cSld>
+    <p:spTree>
+      <p:nvGrpSpPr>
+        <p:cNvPr id="1" name=""/>
+        <p:cNvGrpSpPr/>
+        <p:nvPr/>
+      </p:nvGrpSpPr>
+      <p:grpSpPr>
+        <a:xfrm>
+          <a:off x="0" y="0"/>
+          <a:ext cx="0" cy="0"/>
+          <a:chOff x="0" y="0"/>
+          <a:chExt cx="0" cy="0"/>
+        </a:xfrm>
+      </p:grpSpPr>
+      <p:sp>
+        <p:nvSpPr>
+          <p:cNvPr id="2" name="Title 1"/>
+          <p:cNvSpPr>
+            <a:spLocks noGrp="1"/>
+          </p:cNvSpPr>
+          <p:nvPr>
+            <p:ph type="title"/>
+          </p:nvPr>
+        </p:nvSpPr>
         <p:spPr/>
         <p:txBody>
           <a:bodyPr/>
@@ -8850,186 +15257,1287 @@
         </p:nvSpPr>
         <p:spPr/>
         <p:txBody>
-          <a:bodyPr>
-            <a:normAutofit fontScale="62500" lnSpcReduction="20000"/>
+          <a:bodyPr/>
+          <a:lstStyle/>
+          <a:p>
+            <a:endParaRPr lang="fr-FR" dirty="0"/>
+          </a:p>
+        </p:txBody>
+      </p:sp>
+      <p:grpSp>
+        <p:nvGrpSpPr>
+          <p:cNvPr id="4" name="Group 3"/>
+          <p:cNvGrpSpPr/>
+          <p:nvPr/>
+        </p:nvGrpSpPr>
+        <p:grpSpPr>
+          <a:xfrm>
+            <a:off x="1953635" y="513741"/>
+            <a:ext cx="1119458" cy="1599224"/>
+            <a:chOff x="0" y="4887"/>
+            <a:chExt cx="1119458" cy="1599224"/>
+          </a:xfrm>
+        </p:grpSpPr>
+        <p:sp>
+          <p:nvSpPr>
+            <p:cNvPr id="5" name="Chevron 4"/>
+            <p:cNvSpPr/>
+            <p:nvPr/>
+          </p:nvSpPr>
+          <p:spPr>
+            <a:xfrm rot="5400000">
+              <a:off x="-239883" y="244770"/>
+              <a:ext cx="1599224" cy="1119457"/>
+            </a:xfrm>
+            <a:prstGeom prst="chevron">
+              <a:avLst/>
+            </a:prstGeom>
+          </p:spPr>
+          <p:style>
+            <a:lnRef idx="1">
+              <a:schemeClr val="accent1">
+                <a:hueOff val="0"/>
+                <a:satOff val="0"/>
+                <a:lumOff val="0"/>
+                <a:alphaOff val="0"/>
+              </a:schemeClr>
+            </a:lnRef>
+            <a:fillRef idx="3">
+              <a:schemeClr val="accent1">
+                <a:hueOff val="0"/>
+                <a:satOff val="0"/>
+                <a:lumOff val="0"/>
+                <a:alphaOff val="0"/>
+              </a:schemeClr>
+            </a:fillRef>
+            <a:effectRef idx="2">
+              <a:schemeClr val="accent1">
+                <a:hueOff val="0"/>
+                <a:satOff val="0"/>
+                <a:lumOff val="0"/>
+                <a:alphaOff val="0"/>
+              </a:schemeClr>
+            </a:effectRef>
+            <a:fontRef idx="minor">
+              <a:schemeClr val="lt1"/>
+            </a:fontRef>
+          </p:style>
+        </p:sp>
+        <p:sp>
+          <p:nvSpPr>
+            <p:cNvPr id="6" name="Chevron 4"/>
+            <p:cNvSpPr/>
+            <p:nvPr/>
+          </p:nvSpPr>
+          <p:spPr>
+            <a:xfrm>
+              <a:off x="1" y="564616"/>
+              <a:ext cx="1119457" cy="479767"/>
+            </a:xfrm>
+            <a:prstGeom prst="rect">
+              <a:avLst/>
+            </a:prstGeom>
+          </p:spPr>
+          <p:style>
+            <a:lnRef idx="0">
+              <a:scrgbClr r="0" g="0" b="0"/>
+            </a:lnRef>
+            <a:fillRef idx="0">
+              <a:scrgbClr r="0" g="0" b="0"/>
+            </a:fillRef>
+            <a:effectRef idx="0">
+              <a:scrgbClr r="0" g="0" b="0"/>
+            </a:effectRef>
+            <a:fontRef idx="minor">
+              <a:schemeClr val="lt1"/>
+            </a:fontRef>
+          </p:style>
+          <p:txBody>
+            <a:bodyPr spcFirstLastPara="0" vert="horz" wrap="square" lIns="10795" tIns="10795" rIns="10795" bIns="10795" numCol="1" spcCol="1270" anchor="ctr" anchorCtr="0">
+              <a:noAutofit/>
+            </a:bodyPr>
+            <a:lstStyle/>
+            <a:p>
+              <a:pPr lvl="0" algn="ctr" defTabSz="755650">
+                <a:lnSpc>
+                  <a:spcPct val="90000"/>
+                </a:lnSpc>
+                <a:spcBef>
+                  <a:spcPct val="0"/>
+                </a:spcBef>
+                <a:spcAft>
+                  <a:spcPct val="35000"/>
+                </a:spcAft>
+              </a:pPr>
+              <a:endParaRPr lang="fr-FR" sz="1700" kern="1200" dirty="0"/>
+            </a:p>
+          </p:txBody>
+        </p:sp>
+      </p:grpSp>
+      <p:grpSp>
+        <p:nvGrpSpPr>
+          <p:cNvPr id="7" name="Group 6"/>
+          <p:cNvGrpSpPr/>
+          <p:nvPr/>
+        </p:nvGrpSpPr>
+        <p:grpSpPr>
+          <a:xfrm>
+            <a:off x="3073092" y="513741"/>
+            <a:ext cx="8529614" cy="1039495"/>
+            <a:chOff x="1119457" y="4887"/>
+            <a:chExt cx="8529614" cy="1039495"/>
+          </a:xfrm>
+        </p:grpSpPr>
+        <p:sp>
+          <p:nvSpPr>
+            <p:cNvPr id="8" name="Round Same Side Corner Rectangle 7"/>
+            <p:cNvSpPr/>
+            <p:nvPr/>
+          </p:nvSpPr>
+          <p:spPr>
+            <a:xfrm rot="5400000">
+              <a:off x="4864516" y="-3740172"/>
+              <a:ext cx="1039495" cy="8529614"/>
+            </a:xfrm>
+            <a:prstGeom prst="round2SameRect">
+              <a:avLst/>
+            </a:prstGeom>
+          </p:spPr>
+          <p:style>
+            <a:lnRef idx="1">
+              <a:schemeClr val="accent1">
+                <a:hueOff val="0"/>
+                <a:satOff val="0"/>
+                <a:lumOff val="0"/>
+                <a:alphaOff val="0"/>
+              </a:schemeClr>
+            </a:lnRef>
+            <a:fillRef idx="1">
+              <a:schemeClr val="lt1">
+                <a:alpha val="90000"/>
+                <a:hueOff val="0"/>
+                <a:satOff val="0"/>
+                <a:lumOff val="0"/>
+                <a:alphaOff val="0"/>
+              </a:schemeClr>
+            </a:fillRef>
+            <a:effectRef idx="0">
+              <a:schemeClr val="lt1">
+                <a:alpha val="90000"/>
+                <a:hueOff val="0"/>
+                <a:satOff val="0"/>
+                <a:lumOff val="0"/>
+                <a:alphaOff val="0"/>
+              </a:schemeClr>
+            </a:effectRef>
+            <a:fontRef idx="minor">
+              <a:schemeClr val="dk1">
+                <a:hueOff val="0"/>
+                <a:satOff val="0"/>
+                <a:lumOff val="0"/>
+                <a:alphaOff val="0"/>
+              </a:schemeClr>
+            </a:fontRef>
+          </p:style>
+        </p:sp>
+        <p:sp>
+          <p:nvSpPr>
+            <p:cNvPr id="9" name="Round Same Side Corner Rectangle 6"/>
+            <p:cNvSpPr/>
+            <p:nvPr/>
+          </p:nvSpPr>
+          <p:spPr>
+            <a:xfrm>
+              <a:off x="1119457" y="55631"/>
+              <a:ext cx="8478870" cy="938007"/>
+            </a:xfrm>
+            <a:prstGeom prst="rect">
+              <a:avLst/>
+            </a:prstGeom>
+          </p:spPr>
+          <p:style>
+            <a:lnRef idx="0">
+              <a:scrgbClr r="0" g="0" b="0"/>
+            </a:lnRef>
+            <a:fillRef idx="0">
+              <a:scrgbClr r="0" g="0" b="0"/>
+            </a:fillRef>
+            <a:effectRef idx="0">
+              <a:scrgbClr r="0" g="0" b="0"/>
+            </a:effectRef>
+            <a:fontRef idx="minor">
+              <a:schemeClr val="dk1">
+                <a:hueOff val="0"/>
+                <a:satOff val="0"/>
+                <a:lumOff val="0"/>
+                <a:alphaOff val="0"/>
+              </a:schemeClr>
+            </a:fontRef>
+          </p:style>
+          <p:txBody>
+            <a:bodyPr spcFirstLastPara="0" vert="horz" wrap="square" lIns="220472" tIns="19685" rIns="19685" bIns="19685" numCol="1" spcCol="1270" anchor="ctr" anchorCtr="0">
+              <a:noAutofit/>
+            </a:bodyPr>
+            <a:lstStyle/>
+            <a:p>
+              <a:pPr marL="285750" lvl="1" indent="-285750" algn="l" defTabSz="1377950">
+                <a:lnSpc>
+                  <a:spcPct val="90000"/>
+                </a:lnSpc>
+                <a:spcBef>
+                  <a:spcPct val="0"/>
+                </a:spcBef>
+                <a:spcAft>
+                  <a:spcPct val="15000"/>
+                </a:spcAft>
+                <a:buChar char="••"/>
+              </a:pPr>
+              <a:r>
+                <a:rPr lang="fr-FR" sz="3100" kern="1200" dirty="0" err="1" smtClean="0"/>
+                <a:t>JavaOne</a:t>
+              </a:r>
+              <a:r>
+                <a:rPr lang="fr-FR" sz="3100" kern="1200" dirty="0" smtClean="0"/>
+                <a:t> </a:t>
+              </a:r>
+              <a:r>
+                <a:rPr lang="fr-FR" sz="3100" kern="1200" dirty="0" smtClean="0"/>
+                <a:t>2013</a:t>
+              </a:r>
+              <a:endParaRPr lang="fr-FR" sz="3100" kern="1200" dirty="0"/>
+            </a:p>
+            <a:p>
+              <a:pPr marL="285750" lvl="1" indent="-285750" defTabSz="1377950">
+                <a:lnSpc>
+                  <a:spcPct val="90000"/>
+                </a:lnSpc>
+                <a:spcBef>
+                  <a:spcPct val="0"/>
+                </a:spcBef>
+                <a:spcAft>
+                  <a:spcPct val="15000"/>
+                </a:spcAft>
+                <a:buChar char="••"/>
+              </a:pPr>
+              <a:r>
+                <a:rPr lang="fr-FR" sz="3100" dirty="0" err="1"/>
+                <a:t>Tomitrib</a:t>
+              </a:r>
+              <a:r>
+                <a:rPr lang="fr-FR" sz="3100" dirty="0"/>
+                <a:t> lancé</a:t>
+              </a:r>
+              <a:endParaRPr lang="fr-FR" sz="3100" kern="1200" dirty="0"/>
+            </a:p>
+          </p:txBody>
+        </p:sp>
+      </p:grpSp>
+      <p:grpSp>
+        <p:nvGrpSpPr>
+          <p:cNvPr id="10" name="Group 9"/>
+          <p:cNvGrpSpPr/>
+          <p:nvPr/>
+        </p:nvGrpSpPr>
+        <p:grpSpPr>
+          <a:xfrm>
+            <a:off x="1953635" y="1969630"/>
+            <a:ext cx="1119458" cy="1599224"/>
+            <a:chOff x="0" y="1460776"/>
+            <a:chExt cx="1119458" cy="1599224"/>
+          </a:xfrm>
+        </p:grpSpPr>
+        <p:sp>
+          <p:nvSpPr>
+            <p:cNvPr id="11" name="Chevron 10"/>
+            <p:cNvSpPr/>
+            <p:nvPr/>
+          </p:nvSpPr>
+          <p:spPr>
+            <a:xfrm rot="5400000">
+              <a:off x="-239883" y="1700659"/>
+              <a:ext cx="1599224" cy="1119457"/>
+            </a:xfrm>
+            <a:prstGeom prst="chevron">
+              <a:avLst/>
+            </a:prstGeom>
+          </p:spPr>
+          <p:style>
+            <a:lnRef idx="1">
+              <a:schemeClr val="accent1">
+                <a:hueOff val="0"/>
+                <a:satOff val="0"/>
+                <a:lumOff val="0"/>
+                <a:alphaOff val="0"/>
+              </a:schemeClr>
+            </a:lnRef>
+            <a:fillRef idx="3">
+              <a:schemeClr val="accent1">
+                <a:hueOff val="0"/>
+                <a:satOff val="0"/>
+                <a:lumOff val="0"/>
+                <a:alphaOff val="0"/>
+              </a:schemeClr>
+            </a:fillRef>
+            <a:effectRef idx="2">
+              <a:schemeClr val="accent1">
+                <a:hueOff val="0"/>
+                <a:satOff val="0"/>
+                <a:lumOff val="0"/>
+                <a:alphaOff val="0"/>
+              </a:schemeClr>
+            </a:effectRef>
+            <a:fontRef idx="minor">
+              <a:schemeClr val="lt1"/>
+            </a:fontRef>
+          </p:style>
+        </p:sp>
+        <p:sp>
+          <p:nvSpPr>
+            <p:cNvPr id="12" name="Chevron 8"/>
+            <p:cNvSpPr/>
+            <p:nvPr/>
+          </p:nvSpPr>
+          <p:spPr>
+            <a:xfrm>
+              <a:off x="1" y="2020505"/>
+              <a:ext cx="1119457" cy="479767"/>
+            </a:xfrm>
+            <a:prstGeom prst="rect">
+              <a:avLst/>
+            </a:prstGeom>
+          </p:spPr>
+          <p:style>
+            <a:lnRef idx="0">
+              <a:scrgbClr r="0" g="0" b="0"/>
+            </a:lnRef>
+            <a:fillRef idx="0">
+              <a:scrgbClr r="0" g="0" b="0"/>
+            </a:fillRef>
+            <a:effectRef idx="0">
+              <a:scrgbClr r="0" g="0" b="0"/>
+            </a:effectRef>
+            <a:fontRef idx="minor">
+              <a:schemeClr val="lt1"/>
+            </a:fontRef>
+          </p:style>
+          <p:txBody>
+            <a:bodyPr spcFirstLastPara="0" vert="horz" wrap="square" lIns="10795" tIns="10795" rIns="10795" bIns="10795" numCol="1" spcCol="1270" anchor="ctr" anchorCtr="0">
+              <a:noAutofit/>
+            </a:bodyPr>
+            <a:lstStyle/>
+            <a:p>
+              <a:pPr lvl="0" algn="ctr" defTabSz="755650">
+                <a:lnSpc>
+                  <a:spcPct val="90000"/>
+                </a:lnSpc>
+                <a:spcBef>
+                  <a:spcPct val="0"/>
+                </a:spcBef>
+                <a:spcAft>
+                  <a:spcPct val="35000"/>
+                </a:spcAft>
+              </a:pPr>
+              <a:r>
+                <a:rPr lang="fr-FR" sz="1700" kern="1200" dirty="0" smtClean="0"/>
+                <a:t>1.6.0</a:t>
+              </a:r>
+              <a:endParaRPr lang="fr-FR" sz="1700" kern="1200" dirty="0"/>
+            </a:p>
+          </p:txBody>
+        </p:sp>
+      </p:grpSp>
+      <p:grpSp>
+        <p:nvGrpSpPr>
+          <p:cNvPr id="13" name="Group 12"/>
+          <p:cNvGrpSpPr/>
+          <p:nvPr/>
+        </p:nvGrpSpPr>
+        <p:grpSpPr>
+          <a:xfrm>
+            <a:off x="3073092" y="1969630"/>
+            <a:ext cx="8529614" cy="1039495"/>
+            <a:chOff x="1119457" y="1460776"/>
+            <a:chExt cx="8529614" cy="1039495"/>
+          </a:xfrm>
+        </p:grpSpPr>
+        <p:sp>
+          <p:nvSpPr>
+            <p:cNvPr id="14" name="Round Same Side Corner Rectangle 13"/>
+            <p:cNvSpPr/>
+            <p:nvPr/>
+          </p:nvSpPr>
+          <p:spPr>
+            <a:xfrm rot="5400000">
+              <a:off x="4864516" y="-2284283"/>
+              <a:ext cx="1039495" cy="8529614"/>
+            </a:xfrm>
+            <a:prstGeom prst="round2SameRect">
+              <a:avLst/>
+            </a:prstGeom>
+          </p:spPr>
+          <p:style>
+            <a:lnRef idx="1">
+              <a:schemeClr val="accent1">
+                <a:hueOff val="0"/>
+                <a:satOff val="0"/>
+                <a:lumOff val="0"/>
+                <a:alphaOff val="0"/>
+              </a:schemeClr>
+            </a:lnRef>
+            <a:fillRef idx="1">
+              <a:schemeClr val="lt1">
+                <a:alpha val="90000"/>
+                <a:hueOff val="0"/>
+                <a:satOff val="0"/>
+                <a:lumOff val="0"/>
+                <a:alphaOff val="0"/>
+              </a:schemeClr>
+            </a:fillRef>
+            <a:effectRef idx="0">
+              <a:schemeClr val="lt1">
+                <a:alpha val="90000"/>
+                <a:hueOff val="0"/>
+                <a:satOff val="0"/>
+                <a:lumOff val="0"/>
+                <a:alphaOff val="0"/>
+              </a:schemeClr>
+            </a:effectRef>
+            <a:fontRef idx="minor">
+              <a:schemeClr val="dk1">
+                <a:hueOff val="0"/>
+                <a:satOff val="0"/>
+                <a:lumOff val="0"/>
+                <a:alphaOff val="0"/>
+              </a:schemeClr>
+            </a:fontRef>
+          </p:style>
+        </p:sp>
+        <p:sp>
+          <p:nvSpPr>
+            <p:cNvPr id="15" name="Round Same Side Corner Rectangle 10"/>
+            <p:cNvSpPr/>
+            <p:nvPr/>
+          </p:nvSpPr>
+          <p:spPr>
+            <a:xfrm>
+              <a:off x="1119457" y="1511520"/>
+              <a:ext cx="8478870" cy="938007"/>
+            </a:xfrm>
+            <a:prstGeom prst="rect">
+              <a:avLst/>
+            </a:prstGeom>
+          </p:spPr>
+          <p:style>
+            <a:lnRef idx="0">
+              <a:scrgbClr r="0" g="0" b="0"/>
+            </a:lnRef>
+            <a:fillRef idx="0">
+              <a:scrgbClr r="0" g="0" b="0"/>
+            </a:fillRef>
+            <a:effectRef idx="0">
+              <a:scrgbClr r="0" g="0" b="0"/>
+            </a:effectRef>
+            <a:fontRef idx="minor">
+              <a:schemeClr val="dk1">
+                <a:hueOff val="0"/>
+                <a:satOff val="0"/>
+                <a:lumOff val="0"/>
+                <a:alphaOff val="0"/>
+              </a:schemeClr>
+            </a:fontRef>
+          </p:style>
+          <p:txBody>
+            <a:bodyPr spcFirstLastPara="0" vert="horz" wrap="square" lIns="220472" tIns="19685" rIns="19685" bIns="19685" numCol="1" spcCol="1270" anchor="ctr" anchorCtr="0">
+              <a:noAutofit/>
+            </a:bodyPr>
+            <a:lstStyle/>
+            <a:p>
+              <a:pPr marL="285750" lvl="1" indent="-285750" algn="l" defTabSz="1377950">
+                <a:lnSpc>
+                  <a:spcPct val="90000"/>
+                </a:lnSpc>
+                <a:spcBef>
+                  <a:spcPct val="0"/>
+                </a:spcBef>
+                <a:spcAft>
+                  <a:spcPct val="15000"/>
+                </a:spcAft>
+                <a:buChar char="••"/>
+              </a:pPr>
+              <a:r>
+                <a:rPr lang="fr-FR" sz="3100" kern="1200" dirty="0" err="1" smtClean="0"/>
+                <a:t>November</a:t>
+              </a:r>
+              <a:r>
+                <a:rPr lang="fr-FR" sz="3100" kern="1200" dirty="0" smtClean="0"/>
+                <a:t> 2013</a:t>
+              </a:r>
+              <a:endParaRPr lang="fr-FR" sz="3100" kern="1200" dirty="0"/>
+            </a:p>
+            <a:p>
+              <a:pPr marL="285750" lvl="1" indent="-285750" defTabSz="1377950">
+                <a:lnSpc>
+                  <a:spcPct val="90000"/>
+                </a:lnSpc>
+                <a:spcBef>
+                  <a:spcPct val="0"/>
+                </a:spcBef>
+                <a:spcAft>
+                  <a:spcPct val="15000"/>
+                </a:spcAft>
+                <a:buChar char="••"/>
+              </a:pPr>
+              <a:r>
+                <a:rPr lang="fr-FR" sz="3100" dirty="0" smtClean="0"/>
+                <a:t>Beaucoup </a:t>
+              </a:r>
+              <a:r>
+                <a:rPr lang="fr-FR" sz="3100" dirty="0"/>
+                <a:t>de nouvelles fonctionnalités</a:t>
+              </a:r>
+              <a:endParaRPr lang="fr-FR" sz="3100" kern="1200" dirty="0"/>
+            </a:p>
+          </p:txBody>
+        </p:sp>
+      </p:grpSp>
+      <p:grpSp>
+        <p:nvGrpSpPr>
+          <p:cNvPr id="16" name="Group 15"/>
+          <p:cNvGrpSpPr/>
+          <p:nvPr/>
+        </p:nvGrpSpPr>
+        <p:grpSpPr>
+          <a:xfrm>
+            <a:off x="1953635" y="3425518"/>
+            <a:ext cx="1119458" cy="1599224"/>
+            <a:chOff x="0" y="2916664"/>
+            <a:chExt cx="1119458" cy="1599224"/>
+          </a:xfrm>
+        </p:grpSpPr>
+        <p:sp>
+          <p:nvSpPr>
+            <p:cNvPr id="17" name="Chevron 16"/>
+            <p:cNvSpPr/>
+            <p:nvPr/>
+          </p:nvSpPr>
+          <p:spPr>
+            <a:xfrm rot="5400000">
+              <a:off x="-239883" y="3156547"/>
+              <a:ext cx="1599224" cy="1119457"/>
+            </a:xfrm>
+            <a:prstGeom prst="chevron">
+              <a:avLst/>
+            </a:prstGeom>
+          </p:spPr>
+          <p:style>
+            <a:lnRef idx="1">
+              <a:schemeClr val="accent1">
+                <a:hueOff val="0"/>
+                <a:satOff val="0"/>
+                <a:lumOff val="0"/>
+                <a:alphaOff val="0"/>
+              </a:schemeClr>
+            </a:lnRef>
+            <a:fillRef idx="3">
+              <a:schemeClr val="accent1">
+                <a:hueOff val="0"/>
+                <a:satOff val="0"/>
+                <a:lumOff val="0"/>
+                <a:alphaOff val="0"/>
+              </a:schemeClr>
+            </a:fillRef>
+            <a:effectRef idx="2">
+              <a:schemeClr val="accent1">
+                <a:hueOff val="0"/>
+                <a:satOff val="0"/>
+                <a:lumOff val="0"/>
+                <a:alphaOff val="0"/>
+              </a:schemeClr>
+            </a:effectRef>
+            <a:fontRef idx="minor">
+              <a:schemeClr val="lt1"/>
+            </a:fontRef>
+          </p:style>
+        </p:sp>
+        <p:sp>
+          <p:nvSpPr>
+            <p:cNvPr id="18" name="Chevron 12"/>
+            <p:cNvSpPr/>
+            <p:nvPr/>
+          </p:nvSpPr>
+          <p:spPr>
+            <a:xfrm>
+              <a:off x="1" y="3476393"/>
+              <a:ext cx="1119457" cy="479767"/>
+            </a:xfrm>
+            <a:prstGeom prst="rect">
+              <a:avLst/>
+            </a:prstGeom>
+          </p:spPr>
+          <p:style>
+            <a:lnRef idx="0">
+              <a:scrgbClr r="0" g="0" b="0"/>
+            </a:lnRef>
+            <a:fillRef idx="0">
+              <a:scrgbClr r="0" g="0" b="0"/>
+            </a:fillRef>
+            <a:effectRef idx="0">
+              <a:scrgbClr r="0" g="0" b="0"/>
+            </a:effectRef>
+            <a:fontRef idx="minor">
+              <a:schemeClr val="lt1"/>
+            </a:fontRef>
+          </p:style>
+          <p:txBody>
+            <a:bodyPr spcFirstLastPara="0" vert="horz" wrap="square" lIns="10795" tIns="10795" rIns="10795" bIns="10795" numCol="1" spcCol="1270" anchor="ctr" anchorCtr="0">
+              <a:noAutofit/>
+            </a:bodyPr>
+            <a:lstStyle/>
+            <a:p>
+              <a:pPr lvl="0" algn="ctr" defTabSz="755650">
+                <a:lnSpc>
+                  <a:spcPct val="90000"/>
+                </a:lnSpc>
+                <a:spcBef>
+                  <a:spcPct val="0"/>
+                </a:spcBef>
+                <a:spcAft>
+                  <a:spcPct val="35000"/>
+                </a:spcAft>
+              </a:pPr>
+              <a:endParaRPr lang="fr-FR" sz="1700" kern="1200" dirty="0"/>
+            </a:p>
+          </p:txBody>
+        </p:sp>
+      </p:grpSp>
+      <p:grpSp>
+        <p:nvGrpSpPr>
+          <p:cNvPr id="19" name="Group 18"/>
+          <p:cNvGrpSpPr/>
+          <p:nvPr/>
+        </p:nvGrpSpPr>
+        <p:grpSpPr>
+          <a:xfrm>
+            <a:off x="3073092" y="3425518"/>
+            <a:ext cx="8529614" cy="1039495"/>
+            <a:chOff x="1119457" y="2916664"/>
+            <a:chExt cx="8529614" cy="1039495"/>
+          </a:xfrm>
+        </p:grpSpPr>
+        <p:sp>
+          <p:nvSpPr>
+            <p:cNvPr id="20" name="Round Same Side Corner Rectangle 19"/>
+            <p:cNvSpPr/>
+            <p:nvPr/>
+          </p:nvSpPr>
+          <p:spPr>
+            <a:xfrm rot="5400000">
+              <a:off x="4864516" y="-828395"/>
+              <a:ext cx="1039495" cy="8529614"/>
+            </a:xfrm>
+            <a:prstGeom prst="round2SameRect">
+              <a:avLst/>
+            </a:prstGeom>
+          </p:spPr>
+          <p:style>
+            <a:lnRef idx="1">
+              <a:schemeClr val="accent1">
+                <a:hueOff val="0"/>
+                <a:satOff val="0"/>
+                <a:lumOff val="0"/>
+                <a:alphaOff val="0"/>
+              </a:schemeClr>
+            </a:lnRef>
+            <a:fillRef idx="1">
+              <a:schemeClr val="lt1">
+                <a:alpha val="90000"/>
+                <a:hueOff val="0"/>
+                <a:satOff val="0"/>
+                <a:lumOff val="0"/>
+                <a:alphaOff val="0"/>
+              </a:schemeClr>
+            </a:fillRef>
+            <a:effectRef idx="0">
+              <a:schemeClr val="lt1">
+                <a:alpha val="90000"/>
+                <a:hueOff val="0"/>
+                <a:satOff val="0"/>
+                <a:lumOff val="0"/>
+                <a:alphaOff val="0"/>
+              </a:schemeClr>
+            </a:effectRef>
+            <a:fontRef idx="minor">
+              <a:schemeClr val="dk1">
+                <a:hueOff val="0"/>
+                <a:satOff val="0"/>
+                <a:lumOff val="0"/>
+                <a:alphaOff val="0"/>
+              </a:schemeClr>
+            </a:fontRef>
+          </p:style>
+        </p:sp>
+        <p:sp>
+          <p:nvSpPr>
+            <p:cNvPr id="21" name="Round Same Side Corner Rectangle 14"/>
+            <p:cNvSpPr/>
+            <p:nvPr/>
+          </p:nvSpPr>
+          <p:spPr>
+            <a:xfrm>
+              <a:off x="1119457" y="2967408"/>
+              <a:ext cx="8478870" cy="938007"/>
+            </a:xfrm>
+            <a:prstGeom prst="rect">
+              <a:avLst/>
+            </a:prstGeom>
+          </p:spPr>
+          <p:style>
+            <a:lnRef idx="0">
+              <a:scrgbClr r="0" g="0" b="0"/>
+            </a:lnRef>
+            <a:fillRef idx="0">
+              <a:scrgbClr r="0" g="0" b="0"/>
+            </a:fillRef>
+            <a:effectRef idx="0">
+              <a:scrgbClr r="0" g="0" b="0"/>
+            </a:effectRef>
+            <a:fontRef idx="minor">
+              <a:schemeClr val="dk1">
+                <a:hueOff val="0"/>
+                <a:satOff val="0"/>
+                <a:lumOff val="0"/>
+                <a:alphaOff val="0"/>
+              </a:schemeClr>
+            </a:fontRef>
+          </p:style>
+          <p:txBody>
+            <a:bodyPr spcFirstLastPara="0" vert="horz" wrap="square" lIns="220472" tIns="19685" rIns="19685" bIns="19685" numCol="1" spcCol="1270" anchor="ctr" anchorCtr="0">
+              <a:noAutofit/>
+            </a:bodyPr>
+            <a:lstStyle/>
+            <a:p>
+              <a:pPr marL="285750" lvl="1" indent="-285750" defTabSz="1377950">
+                <a:lnSpc>
+                  <a:spcPct val="90000"/>
+                </a:lnSpc>
+                <a:spcBef>
+                  <a:spcPct val="0"/>
+                </a:spcBef>
+                <a:spcAft>
+                  <a:spcPct val="15000"/>
+                </a:spcAft>
+                <a:buChar char="••"/>
+              </a:pPr>
+              <a:r>
+                <a:rPr lang="fr-FR" sz="3100" dirty="0"/>
+                <a:t>Q2 2014</a:t>
+              </a:r>
+            </a:p>
+            <a:p>
+              <a:pPr marL="285750" lvl="1" indent="-285750" defTabSz="1377950">
+                <a:lnSpc>
+                  <a:spcPct val="90000"/>
+                </a:lnSpc>
+                <a:spcBef>
+                  <a:spcPct val="0"/>
+                </a:spcBef>
+                <a:spcAft>
+                  <a:spcPct val="15000"/>
+                </a:spcAft>
+                <a:buChar char="••"/>
+              </a:pPr>
+              <a:r>
+                <a:rPr lang="fr-FR" sz="3100" dirty="0"/>
+                <a:t>Java EE 7 </a:t>
+              </a:r>
+              <a:endParaRPr lang="fr-FR" sz="3100" dirty="0"/>
+            </a:p>
+          </p:txBody>
+        </p:sp>
+      </p:grpSp>
+      <p:grpSp>
+        <p:nvGrpSpPr>
+          <p:cNvPr id="22" name="Group 21"/>
+          <p:cNvGrpSpPr/>
+          <p:nvPr/>
+        </p:nvGrpSpPr>
+        <p:grpSpPr>
+          <a:xfrm>
+            <a:off x="1953635" y="4881406"/>
+            <a:ext cx="1119458" cy="1599224"/>
+            <a:chOff x="0" y="4372552"/>
+            <a:chExt cx="1119458" cy="1599224"/>
+          </a:xfrm>
+        </p:grpSpPr>
+        <p:sp>
+          <p:nvSpPr>
+            <p:cNvPr id="23" name="Chevron 22"/>
+            <p:cNvSpPr/>
+            <p:nvPr/>
+          </p:nvSpPr>
+          <p:spPr>
+            <a:xfrm rot="5400000">
+              <a:off x="-239883" y="4612435"/>
+              <a:ext cx="1599224" cy="1119457"/>
+            </a:xfrm>
+            <a:prstGeom prst="chevron">
+              <a:avLst/>
+            </a:prstGeom>
+          </p:spPr>
+          <p:style>
+            <a:lnRef idx="1">
+              <a:schemeClr val="accent1">
+                <a:hueOff val="0"/>
+                <a:satOff val="0"/>
+                <a:lumOff val="0"/>
+                <a:alphaOff val="0"/>
+              </a:schemeClr>
+            </a:lnRef>
+            <a:fillRef idx="3">
+              <a:schemeClr val="accent1">
+                <a:hueOff val="0"/>
+                <a:satOff val="0"/>
+                <a:lumOff val="0"/>
+                <a:alphaOff val="0"/>
+              </a:schemeClr>
+            </a:fillRef>
+            <a:effectRef idx="2">
+              <a:schemeClr val="accent1">
+                <a:hueOff val="0"/>
+                <a:satOff val="0"/>
+                <a:lumOff val="0"/>
+                <a:alphaOff val="0"/>
+              </a:schemeClr>
+            </a:effectRef>
+            <a:fontRef idx="minor">
+              <a:schemeClr val="lt1"/>
+            </a:fontRef>
+          </p:style>
+        </p:sp>
+        <p:sp>
+          <p:nvSpPr>
+            <p:cNvPr id="24" name="Chevron 16"/>
+            <p:cNvSpPr/>
+            <p:nvPr/>
+          </p:nvSpPr>
+          <p:spPr>
+            <a:xfrm>
+              <a:off x="1" y="4932281"/>
+              <a:ext cx="1119457" cy="479767"/>
+            </a:xfrm>
+            <a:prstGeom prst="rect">
+              <a:avLst/>
+            </a:prstGeom>
+          </p:spPr>
+          <p:style>
+            <a:lnRef idx="0">
+              <a:scrgbClr r="0" g="0" b="0"/>
+            </a:lnRef>
+            <a:fillRef idx="0">
+              <a:scrgbClr r="0" g="0" b="0"/>
+            </a:fillRef>
+            <a:effectRef idx="0">
+              <a:scrgbClr r="0" g="0" b="0"/>
+            </a:effectRef>
+            <a:fontRef idx="minor">
+              <a:schemeClr val="lt1"/>
+            </a:fontRef>
+          </p:style>
+          <p:txBody>
+            <a:bodyPr spcFirstLastPara="0" vert="horz" wrap="square" lIns="10795" tIns="10795" rIns="10795" bIns="10795" numCol="1" spcCol="1270" anchor="ctr" anchorCtr="0">
+              <a:noAutofit/>
+            </a:bodyPr>
+            <a:lstStyle/>
+            <a:p>
+              <a:pPr lvl="0" algn="ctr" defTabSz="755650">
+                <a:lnSpc>
+                  <a:spcPct val="90000"/>
+                </a:lnSpc>
+                <a:spcBef>
+                  <a:spcPct val="0"/>
+                </a:spcBef>
+                <a:spcAft>
+                  <a:spcPct val="35000"/>
+                </a:spcAft>
+              </a:pPr>
+              <a:endParaRPr lang="fr-FR" sz="1700" kern="1200" dirty="0"/>
+            </a:p>
+          </p:txBody>
+        </p:sp>
+      </p:grpSp>
+      <p:grpSp>
+        <p:nvGrpSpPr>
+          <p:cNvPr id="25" name="Group 24"/>
+          <p:cNvGrpSpPr/>
+          <p:nvPr/>
+        </p:nvGrpSpPr>
+        <p:grpSpPr>
+          <a:xfrm>
+            <a:off x="3073092" y="4881405"/>
+            <a:ext cx="8529614" cy="1039495"/>
+            <a:chOff x="1119457" y="4372551"/>
+            <a:chExt cx="8529614" cy="1039495"/>
+          </a:xfrm>
+        </p:grpSpPr>
+        <p:sp>
+          <p:nvSpPr>
+            <p:cNvPr id="26" name="Round Same Side Corner Rectangle 25"/>
+            <p:cNvSpPr/>
+            <p:nvPr/>
+          </p:nvSpPr>
+          <p:spPr>
+            <a:xfrm rot="5400000">
+              <a:off x="4864516" y="627492"/>
+              <a:ext cx="1039495" cy="8529614"/>
+            </a:xfrm>
+            <a:prstGeom prst="round2SameRect">
+              <a:avLst/>
+            </a:prstGeom>
+          </p:spPr>
+          <p:style>
+            <a:lnRef idx="1">
+              <a:schemeClr val="accent1">
+                <a:hueOff val="0"/>
+                <a:satOff val="0"/>
+                <a:lumOff val="0"/>
+                <a:alphaOff val="0"/>
+              </a:schemeClr>
+            </a:lnRef>
+            <a:fillRef idx="1">
+              <a:schemeClr val="lt1">
+                <a:alpha val="90000"/>
+                <a:hueOff val="0"/>
+                <a:satOff val="0"/>
+                <a:lumOff val="0"/>
+                <a:alphaOff val="0"/>
+              </a:schemeClr>
+            </a:fillRef>
+            <a:effectRef idx="0">
+              <a:schemeClr val="lt1">
+                <a:alpha val="90000"/>
+                <a:hueOff val="0"/>
+                <a:satOff val="0"/>
+                <a:lumOff val="0"/>
+                <a:alphaOff val="0"/>
+              </a:schemeClr>
+            </a:effectRef>
+            <a:fontRef idx="minor">
+              <a:schemeClr val="dk1">
+                <a:hueOff val="0"/>
+                <a:satOff val="0"/>
+                <a:lumOff val="0"/>
+                <a:alphaOff val="0"/>
+              </a:schemeClr>
+            </a:fontRef>
+          </p:style>
+        </p:sp>
+        <p:sp>
+          <p:nvSpPr>
+            <p:cNvPr id="27" name="Round Same Side Corner Rectangle 18"/>
+            <p:cNvSpPr/>
+            <p:nvPr/>
+          </p:nvSpPr>
+          <p:spPr>
+            <a:xfrm>
+              <a:off x="1119457" y="4423295"/>
+              <a:ext cx="8478870" cy="938007"/>
+            </a:xfrm>
+            <a:prstGeom prst="rect">
+              <a:avLst/>
+            </a:prstGeom>
+          </p:spPr>
+          <p:style>
+            <a:lnRef idx="0">
+              <a:scrgbClr r="0" g="0" b="0"/>
+            </a:lnRef>
+            <a:fillRef idx="0">
+              <a:scrgbClr r="0" g="0" b="0"/>
+            </a:fillRef>
+            <a:effectRef idx="0">
+              <a:scrgbClr r="0" g="0" b="0"/>
+            </a:effectRef>
+            <a:fontRef idx="minor">
+              <a:schemeClr val="dk1">
+                <a:hueOff val="0"/>
+                <a:satOff val="0"/>
+                <a:lumOff val="0"/>
+                <a:alphaOff val="0"/>
+              </a:schemeClr>
+            </a:fontRef>
+          </p:style>
+          <p:txBody>
+            <a:bodyPr spcFirstLastPara="0" vert="horz" wrap="square" lIns="220472" tIns="19685" rIns="19685" bIns="19685" numCol="1" spcCol="1270" anchor="ctr" anchorCtr="0">
+              <a:noAutofit/>
+            </a:bodyPr>
+            <a:lstStyle/>
+            <a:p>
+              <a:pPr marL="285750" lvl="1" indent="-285750" algn="l" defTabSz="1377950">
+                <a:lnSpc>
+                  <a:spcPct val="90000"/>
+                </a:lnSpc>
+                <a:spcBef>
+                  <a:spcPct val="0"/>
+                </a:spcBef>
+                <a:spcAft>
+                  <a:spcPct val="15000"/>
+                </a:spcAft>
+                <a:buChar char="••"/>
+              </a:pPr>
+              <a:r>
+                <a:rPr lang="fr-FR" sz="3100" dirty="0" err="1" smtClean="0"/>
+                <a:t>Dec</a:t>
+              </a:r>
+              <a:r>
+                <a:rPr lang="fr-FR" sz="3100" dirty="0" smtClean="0"/>
+                <a:t> 2015</a:t>
+              </a:r>
+              <a:endParaRPr lang="fr-FR" sz="3100" kern="1200" dirty="0"/>
+            </a:p>
+            <a:p>
+              <a:pPr marL="285750" lvl="1" indent="-285750" defTabSz="1377950">
+                <a:lnSpc>
+                  <a:spcPct val="90000"/>
+                </a:lnSpc>
+                <a:spcBef>
+                  <a:spcPct val="0"/>
+                </a:spcBef>
+                <a:spcAft>
+                  <a:spcPct val="15000"/>
+                </a:spcAft>
+                <a:buChar char="••"/>
+              </a:pPr>
+              <a:r>
+                <a:rPr lang="fr-FR" sz="3100" dirty="0"/>
+                <a:t>Apache </a:t>
+              </a:r>
+              <a:r>
+                <a:rPr lang="fr-FR" sz="3200" b="1" dirty="0" err="1">
+                  <a:solidFill>
+                    <a:srgbClr val="FF0000"/>
+                  </a:solidFill>
+                </a:rPr>
+                <a:t>TomEE</a:t>
+              </a:r>
+              <a:r>
+                <a:rPr lang="fr-FR" sz="3200" b="1" dirty="0">
+                  <a:solidFill>
+                    <a:srgbClr val="FF0000"/>
+                  </a:solidFill>
+                </a:rPr>
+                <a:t> </a:t>
+              </a:r>
+              <a:r>
+                <a:rPr lang="fr-FR" sz="3200" b="1" dirty="0" smtClean="0">
+                  <a:solidFill>
+                    <a:srgbClr val="FF0000"/>
+                  </a:solidFill>
+                </a:rPr>
+                <a:t>1.7.3 </a:t>
+              </a:r>
+              <a:r>
+                <a:rPr lang="fr-FR" sz="3100" dirty="0"/>
+                <a:t>disponible!</a:t>
+              </a:r>
+              <a:endParaRPr lang="fr-FR" sz="3100" kern="1200" dirty="0"/>
+            </a:p>
+          </p:txBody>
+        </p:sp>
+      </p:grpSp>
+      <p:sp>
+        <p:nvSpPr>
+          <p:cNvPr id="28" name="Rectangle 1"/>
+          <p:cNvSpPr>
+            <a:spLocks noChangeArrowheads="1"/>
+          </p:cNvSpPr>
+          <p:nvPr/>
+        </p:nvSpPr>
+        <p:spPr bwMode="auto">
+          <a:xfrm>
+            <a:off x="0" y="0"/>
+            <a:ext cx="12192000" cy="457200"/>
+          </a:xfrm>
+          <a:prstGeom prst="rect">
+            <a:avLst/>
+          </a:prstGeom>
+          <a:solidFill>
+            <a:srgbClr val="FFFFFF"/>
+          </a:solidFill>
+          <a:ln>
+            <a:noFill/>
+          </a:ln>
+          <a:effectLst/>
+          <a:extLst>
+            <a:ext uri="{91240B29-F687-4F45-9708-019B960494DF}">
+              <a14:hiddenLine xmlns:a14="http://schemas.microsoft.com/office/drawing/2010/main" w="9525">
+                <a:solidFill>
+                  <a:schemeClr val="tx1"/>
+                </a:solidFill>
+                <a:miter lim="800000"/>
+                <a:headEnd/>
+                <a:tailEnd/>
+              </a14:hiddenLine>
+            </a:ext>
+            <a:ext uri="{AF507438-7753-43E0-B8FC-AC1667EBCBE1}">
+              <a14:hiddenEffects xmlns:a14="http://schemas.microsoft.com/office/drawing/2010/main">
+                <a:effectLst>
+                  <a:outerShdw dist="35921" dir="2700000" algn="ctr" rotWithShape="0">
+                    <a:schemeClr val="bg2"/>
+                  </a:outerShdw>
+                </a:effectLst>
+              </a14:hiddenEffects>
+            </a:ext>
+          </a:extLst>
+        </p:spPr>
+        <p:txBody>
+          <a:bodyPr vert="horz" wrap="none" lIns="0" tIns="0" rIns="0" bIns="0" numCol="1" anchor="ctr" anchorCtr="0" compatLnSpc="1">
+            <a:prstTxWarp prst="textNoShape">
+              <a:avLst/>
+            </a:prstTxWarp>
+            <a:spAutoFit/>
           </a:bodyPr>
           <a:lstStyle/>
           <a:p>
-            <a:r>
-              <a:rPr lang="en-US" dirty="0"/>
-              <a:t>The question that was in our mind and the entire reason we created </a:t>
-            </a:r>
-            <a:r>
-              <a:rPr lang="en-US" dirty="0" err="1">
-                <a:hlinkClick r:id="rId2"/>
+            <a:pPr marL="0" marR="0" lvl="0" indent="0" algn="l" defTabSz="914400" rtl="0" eaLnBrk="0" fontAlgn="base" latinLnBrk="0" hangingPunct="0">
+              <a:lnSpc>
+                <a:spcPct val="100000"/>
+              </a:lnSpc>
+              <a:spcBef>
+                <a:spcPct val="0"/>
+              </a:spcBef>
+              <a:spcAft>
+                <a:spcPct val="0"/>
+              </a:spcAft>
+              <a:buClrTx/>
+              <a:buSzTx/>
+              <a:buFontTx/>
+              <a:buNone/>
+              <a:tabLst/>
+            </a:pPr>
+            <a:r>
+              <a:rPr kumimoji="0" lang="en-US" sz="1300" b="0" i="0" u="none" strike="noStrike" cap="none" normalizeH="0" baseline="0" smtClean="0">
+                <a:ln>
+                  <a:noFill/>
+                </a:ln>
+                <a:solidFill>
+                  <a:srgbClr val="BFBFBF"/>
+                </a:solidFill>
+                <a:effectLst/>
+                <a:latin typeface="inherit"/>
               </a:rPr>
-              <a:t>TomEE</a:t>
-            </a:r>
-            <a:r>
-              <a:rPr lang="en-US" dirty="0"/>
-              <a:t> was, why should people have to choose?</a:t>
-            </a:r>
-          </a:p>
-          <a:p>
-            <a:r>
-              <a:rPr lang="en-US" dirty="0"/>
-              <a:t>The whole "Tomcat or </a:t>
-            </a:r>
-            <a:r>
-              <a:rPr lang="en-US" dirty="0" err="1"/>
-              <a:t>JavaEE</a:t>
-            </a:r>
-            <a:r>
-              <a:rPr lang="en-US" dirty="0"/>
-              <a:t>" thing is tired and old.</a:t>
-            </a:r>
-          </a:p>
-          <a:p>
-            <a:r>
-              <a:rPr lang="en-US" dirty="0"/>
-              <a:t>After 10 years it still comes up and people argue against each other as to which is better and why.</a:t>
-            </a:r>
-          </a:p>
-          <a:p>
-            <a:r>
-              <a:rPr lang="en-US" dirty="0"/>
-              <a:t>Here's the math in short form:</a:t>
-            </a:r>
-          </a:p>
-          <a:p>
-            <a:r>
-              <a:rPr lang="en-US" dirty="0"/>
-              <a:t>In Java EE 6, we (JCP) created the Web Profile to formally acknowledge the need for smaller runtimes with a focused set of technologies.</a:t>
-            </a:r>
-          </a:p>
-          <a:p>
-            <a:r>
-              <a:rPr lang="en-US" dirty="0"/>
-              <a:t>Great, we're half-way there, but people are still arguing "Tomcat </a:t>
-            </a:r>
-            <a:r>
-              <a:rPr lang="en-US" i="1" dirty="0"/>
-              <a:t>or</a:t>
-            </a:r>
-            <a:r>
-              <a:rPr lang="en-US" dirty="0"/>
-              <a:t> </a:t>
-            </a:r>
-            <a:r>
-              <a:rPr lang="en-US" dirty="0" err="1"/>
-              <a:t>JavaEE</a:t>
-            </a:r>
-            <a:r>
-              <a:rPr lang="en-US" dirty="0"/>
-              <a:t>". The solution was clear, Tomcat needed to be Java EE certified. The Web Profile was created to allow for </a:t>
-            </a:r>
-            <a:r>
-              <a:rPr lang="en-US" i="1" dirty="0"/>
-              <a:t>exactly that</a:t>
-            </a:r>
-            <a:r>
-              <a:rPr lang="en-US" dirty="0"/>
-              <a:t>.</a:t>
-            </a:r>
-          </a:p>
-          <a:p>
-            <a:r>
-              <a:rPr lang="en-US" dirty="0"/>
-              <a:t>In 2011 we (Apache) started doing the work to certify Apache Tomcat. Certification reached and announced at </a:t>
-            </a:r>
-            <a:r>
-              <a:rPr lang="en-US" dirty="0" err="1"/>
-              <a:t>JavaOne</a:t>
-            </a:r>
-            <a:r>
-              <a:rPr lang="en-US" dirty="0"/>
-              <a:t> 2011 as Apache </a:t>
-            </a:r>
-            <a:r>
-              <a:rPr lang="en-US" dirty="0" err="1"/>
-              <a:t>TomEE</a:t>
-            </a:r>
-            <a:r>
-              <a:rPr lang="en-US" dirty="0"/>
-              <a:t>. Final release announced in April.</a:t>
-            </a:r>
-          </a:p>
-          <a:p>
-            <a:r>
-              <a:rPr lang="en-US" dirty="0"/>
-              <a:t>Awesome, now we are there.</a:t>
-            </a:r>
-          </a:p>
-          <a:p>
-            <a:r>
-              <a:rPr lang="en-US" dirty="0"/>
-              <a:t>The new Status Quo</a:t>
-            </a:r>
-          </a:p>
-          <a:p>
-            <a:r>
-              <a:rPr lang="en-US" dirty="0"/>
-              <a:t>There is a lighter version of </a:t>
-            </a:r>
-            <a:r>
-              <a:rPr lang="en-US" dirty="0" err="1"/>
-              <a:t>JavaEE</a:t>
-            </a:r>
-            <a:endParaRPr lang="en-US" dirty="0"/>
-          </a:p>
-          <a:p>
-            <a:r>
-              <a:rPr lang="en-US" dirty="0"/>
-              <a:t>There is a </a:t>
-            </a:r>
-            <a:r>
-              <a:rPr lang="en-US" dirty="0" err="1"/>
-              <a:t>JavaEE</a:t>
-            </a:r>
-            <a:r>
-              <a:rPr lang="en-US" dirty="0"/>
-              <a:t> certified version of Tomcat</a:t>
-            </a:r>
-          </a:p>
-          <a:p>
-            <a:r>
-              <a:rPr lang="en-US" dirty="0"/>
-              <a:t>All this happened in the last 2 years. Things have changed.</a:t>
-            </a:r>
-          </a:p>
-          <a:p>
-            <a:r>
-              <a:rPr lang="en-US" dirty="0"/>
-              <a:t>If you want </a:t>
-            </a:r>
-            <a:r>
-              <a:rPr lang="en-US" b="1" dirty="0"/>
-              <a:t>Tomcat and </a:t>
-            </a:r>
-            <a:r>
-              <a:rPr lang="en-US" b="1" dirty="0" err="1"/>
-              <a:t>JavaEE</a:t>
-            </a:r>
-            <a:r>
-              <a:rPr lang="en-US" dirty="0"/>
-              <a:t>, you can have it.</a:t>
-            </a:r>
-          </a:p>
-          <a:p>
-            <a:endParaRPr lang="fr-FR" dirty="0"/>
+              <a:t>December 2015</a:t>
+            </a:r>
+            <a:endParaRPr kumimoji="0" lang="en-US" sz="2200" b="1" i="0" u="none" strike="noStrike" cap="none" normalizeH="0" baseline="0" smtClean="0">
+              <a:ln>
+                <a:noFill/>
+              </a:ln>
+              <a:solidFill>
+                <a:srgbClr val="404040"/>
+              </a:solidFill>
+              <a:effectLst/>
+              <a:latin typeface="Helvetica Neue"/>
+            </a:endParaRPr>
+          </a:p>
+          <a:p>
+            <a:pPr marL="0" marR="0" lvl="0" indent="0" algn="l" defTabSz="914400" rtl="0" eaLnBrk="0" fontAlgn="base" latinLnBrk="0" hangingPunct="0">
+              <a:lnSpc>
+                <a:spcPct val="100000"/>
+              </a:lnSpc>
+              <a:spcBef>
+                <a:spcPct val="0"/>
+              </a:spcBef>
+              <a:spcAft>
+                <a:spcPct val="0"/>
+              </a:spcAft>
+              <a:buClrTx/>
+              <a:buSzTx/>
+              <a:buFontTx/>
+              <a:buNone/>
+              <a:tabLst/>
+            </a:pPr>
+            <a:endParaRPr kumimoji="0" lang="en-US" sz="1800" b="0" i="0" u="none" strike="noStrike" cap="none" normalizeH="0" baseline="0" smtClean="0">
+              <a:ln>
+                <a:noFill/>
+              </a:ln>
+              <a:solidFill>
+                <a:schemeClr val="tx1"/>
+              </a:solidFill>
+              <a:effectLst/>
+              <a:latin typeface="Arial" panose="020B0604020202020204" pitchFamily="34" charset="0"/>
+            </a:endParaRPr>
+          </a:p>
+        </p:txBody>
+      </p:sp>
+      <p:sp>
+        <p:nvSpPr>
+          <p:cNvPr id="29" name="Chevron 8"/>
+          <p:cNvSpPr/>
+          <p:nvPr/>
+        </p:nvSpPr>
+        <p:spPr>
+          <a:xfrm>
+            <a:off x="1977311" y="5441133"/>
+            <a:ext cx="1119457" cy="479767"/>
+          </a:xfrm>
+          <a:prstGeom prst="rect">
+            <a:avLst/>
+          </a:prstGeom>
+        </p:spPr>
+        <p:style>
+          <a:lnRef idx="0">
+            <a:scrgbClr r="0" g="0" b="0"/>
+          </a:lnRef>
+          <a:fillRef idx="0">
+            <a:scrgbClr r="0" g="0" b="0"/>
+          </a:fillRef>
+          <a:effectRef idx="0">
+            <a:scrgbClr r="0" g="0" b="0"/>
+          </a:effectRef>
+          <a:fontRef idx="minor">
+            <a:schemeClr val="lt1"/>
+          </a:fontRef>
+        </p:style>
+        <p:txBody>
+          <a:bodyPr spcFirstLastPara="0" vert="horz" wrap="square" lIns="10795" tIns="10795" rIns="10795" bIns="10795" numCol="1" spcCol="1270" anchor="ctr" anchorCtr="0">
+            <a:noAutofit/>
+          </a:bodyPr>
+          <a:lstStyle/>
+          <a:p>
+            <a:pPr lvl="0" algn="ctr" defTabSz="755650">
+              <a:lnSpc>
+                <a:spcPct val="90000"/>
+              </a:lnSpc>
+              <a:spcBef>
+                <a:spcPct val="0"/>
+              </a:spcBef>
+              <a:spcAft>
+                <a:spcPct val="35000"/>
+              </a:spcAft>
+            </a:pPr>
+            <a:r>
+              <a:rPr lang="fr-FR" sz="1700" kern="1200" dirty="0" smtClean="0"/>
+              <a:t>1.7.0</a:t>
+            </a:r>
+            <a:endParaRPr lang="fr-FR" sz="1700" kern="1200" dirty="0"/>
           </a:p>
         </p:txBody>
       </p:sp>
     </p:spTree>
     <p:extLst>
       <p:ext uri="{BB962C8B-B14F-4D97-AF65-F5344CB8AC3E}">
-        <p14:creationId xmlns:p14="http://schemas.microsoft.com/office/powerpoint/2010/main" val="2558668024"/>
+        <p14:creationId xmlns:p14="http://schemas.microsoft.com/office/powerpoint/2010/main" val="4015656143"/>
       </p:ext>
     </p:extLst>
   </p:cSld>
   <p:clrMapOvr>
     <a:masterClrMapping/>
   </p:clrMapOvr>
+  <p:timing>
+    <p:tnLst>
+      <p:par>
+        <p:cTn id="1" dur="indefinite" restart="never" nodeType="tmRoot"/>
+      </p:par>
+    </p:tnLst>
+  </p:timing>
 </p:sld>
 </file>
 

--- a/presentation.pptx
+++ b/presentation.pptx
@@ -7,26 +7,24 @@
   <p:sldIdLst>
     <p:sldId id="256" r:id="rId2"/>
     <p:sldId id="264" r:id="rId3"/>
-    <p:sldId id="257" r:id="rId4"/>
-    <p:sldId id="258" r:id="rId5"/>
-    <p:sldId id="259" r:id="rId6"/>
-    <p:sldId id="262" r:id="rId7"/>
-    <p:sldId id="271" r:id="rId8"/>
-    <p:sldId id="270" r:id="rId9"/>
-    <p:sldId id="272" r:id="rId10"/>
-    <p:sldId id="265" r:id="rId11"/>
-    <p:sldId id="260" r:id="rId12"/>
-    <p:sldId id="261" r:id="rId13"/>
-    <p:sldId id="266" r:id="rId14"/>
-    <p:sldId id="273" r:id="rId15"/>
-    <p:sldId id="274" r:id="rId16"/>
-    <p:sldId id="275" r:id="rId17"/>
-    <p:sldId id="276" r:id="rId18"/>
-    <p:sldId id="277" r:id="rId19"/>
-    <p:sldId id="267" r:id="rId20"/>
-    <p:sldId id="268" r:id="rId21"/>
-    <p:sldId id="269" r:id="rId22"/>
-    <p:sldId id="263" r:id="rId23"/>
+    <p:sldId id="262" r:id="rId4"/>
+    <p:sldId id="257" r:id="rId5"/>
+    <p:sldId id="278" r:id="rId6"/>
+    <p:sldId id="260" r:id="rId7"/>
+    <p:sldId id="258" r:id="rId8"/>
+    <p:sldId id="271" r:id="rId9"/>
+    <p:sldId id="270" r:id="rId10"/>
+    <p:sldId id="272" r:id="rId11"/>
+    <p:sldId id="266" r:id="rId12"/>
+    <p:sldId id="273" r:id="rId13"/>
+    <p:sldId id="274" r:id="rId14"/>
+    <p:sldId id="275" r:id="rId15"/>
+    <p:sldId id="276" r:id="rId16"/>
+    <p:sldId id="277" r:id="rId17"/>
+    <p:sldId id="267" r:id="rId18"/>
+    <p:sldId id="268" r:id="rId19"/>
+    <p:sldId id="269" r:id="rId20"/>
+    <p:sldId id="263" r:id="rId21"/>
   </p:sldIdLst>
   <p:sldSz cx="12192000" cy="6858000"/>
   <p:notesSz cx="6858000" cy="9144000"/>
@@ -321,7 +319,7 @@
           <a:p>
             <a:fld id="{87EEFCB5-38E7-45FC-A89E-52B1F9765DC8}" type="datetimeFigureOut">
               <a:rPr lang="fr-FR" smtClean="0"/>
-              <a:t>01/01/2016</a:t>
+              <a:t>02/01/2016</a:t>
             </a:fld>
             <a:endParaRPr lang="fr-FR"/>
           </a:p>
@@ -659,7 +657,7 @@
           <a:p>
             <a:fld id="{87EEFCB5-38E7-45FC-A89E-52B1F9765DC8}" type="datetimeFigureOut">
               <a:rPr lang="fr-FR" smtClean="0"/>
-              <a:t>01/01/2016</a:t>
+              <a:t>02/01/2016</a:t>
             </a:fld>
             <a:endParaRPr lang="fr-FR"/>
           </a:p>
@@ -1060,7 +1058,7 @@
           <a:p>
             <a:fld id="{87EEFCB5-38E7-45FC-A89E-52B1F9765DC8}" type="datetimeFigureOut">
               <a:rPr lang="fr-FR" smtClean="0"/>
-              <a:t>01/01/2016</a:t>
+              <a:t>02/01/2016</a:t>
             </a:fld>
             <a:endParaRPr lang="fr-FR"/>
           </a:p>
@@ -1396,7 +1394,7 @@
           <a:p>
             <a:fld id="{87EEFCB5-38E7-45FC-A89E-52B1F9765DC8}" type="datetimeFigureOut">
               <a:rPr lang="fr-FR" smtClean="0"/>
-              <a:t>01/01/2016</a:t>
+              <a:t>02/01/2016</a:t>
             </a:fld>
             <a:endParaRPr lang="fr-FR"/>
           </a:p>
@@ -1716,7 +1714,7 @@
           <a:p>
             <a:fld id="{87EEFCB5-38E7-45FC-A89E-52B1F9765DC8}" type="datetimeFigureOut">
               <a:rPr lang="fr-FR" smtClean="0"/>
-              <a:t>01/01/2016</a:t>
+              <a:t>02/01/2016</a:t>
             </a:fld>
             <a:endParaRPr lang="fr-FR"/>
           </a:p>
@@ -2112,7 +2110,7 @@
           <a:p>
             <a:fld id="{87EEFCB5-38E7-45FC-A89E-52B1F9765DC8}" type="datetimeFigureOut">
               <a:rPr lang="fr-FR" smtClean="0"/>
-              <a:t>01/01/2016</a:t>
+              <a:t>02/01/2016</a:t>
             </a:fld>
             <a:endParaRPr lang="fr-FR"/>
           </a:p>
@@ -2369,7 +2367,7 @@
           <a:p>
             <a:fld id="{87EEFCB5-38E7-45FC-A89E-52B1F9765DC8}" type="datetimeFigureOut">
               <a:rPr lang="fr-FR" smtClean="0"/>
-              <a:t>01/01/2016</a:t>
+              <a:t>02/01/2016</a:t>
             </a:fld>
             <a:endParaRPr lang="fr-FR"/>
           </a:p>
@@ -2631,7 +2629,7 @@
           <a:p>
             <a:fld id="{87EEFCB5-38E7-45FC-A89E-52B1F9765DC8}" type="datetimeFigureOut">
               <a:rPr lang="fr-FR" smtClean="0"/>
-              <a:t>01/01/2016</a:t>
+              <a:t>02/01/2016</a:t>
             </a:fld>
             <a:endParaRPr lang="fr-FR"/>
           </a:p>
@@ -2893,7 +2891,7 @@
           <a:p>
             <a:fld id="{87EEFCB5-38E7-45FC-A89E-52B1F9765DC8}" type="datetimeFigureOut">
               <a:rPr lang="fr-FR" smtClean="0"/>
-              <a:t>01/01/2016</a:t>
+              <a:t>02/01/2016</a:t>
             </a:fld>
             <a:endParaRPr lang="fr-FR"/>
           </a:p>
@@ -3222,7 +3220,7 @@
           <a:p>
             <a:fld id="{87EEFCB5-38E7-45FC-A89E-52B1F9765DC8}" type="datetimeFigureOut">
               <a:rPr lang="fr-FR" smtClean="0"/>
-              <a:t>01/01/2016</a:t>
+              <a:t>02/01/2016</a:t>
             </a:fld>
             <a:endParaRPr lang="fr-FR"/>
           </a:p>
@@ -3545,7 +3543,7 @@
           <a:p>
             <a:fld id="{87EEFCB5-38E7-45FC-A89E-52B1F9765DC8}" type="datetimeFigureOut">
               <a:rPr lang="fr-FR" smtClean="0"/>
-              <a:t>01/01/2016</a:t>
+              <a:t>02/01/2016</a:t>
             </a:fld>
             <a:endParaRPr lang="fr-FR"/>
           </a:p>
@@ -4002,7 +4000,7 @@
           <a:p>
             <a:fld id="{87EEFCB5-38E7-45FC-A89E-52B1F9765DC8}" type="datetimeFigureOut">
               <a:rPr lang="fr-FR" smtClean="0"/>
-              <a:t>01/01/2016</a:t>
+              <a:t>02/01/2016</a:t>
             </a:fld>
             <a:endParaRPr lang="fr-FR"/>
           </a:p>
@@ -4207,7 +4205,7 @@
           <a:p>
             <a:fld id="{87EEFCB5-38E7-45FC-A89E-52B1F9765DC8}" type="datetimeFigureOut">
               <a:rPr lang="fr-FR" smtClean="0"/>
-              <a:t>01/01/2016</a:t>
+              <a:t>02/01/2016</a:t>
             </a:fld>
             <a:endParaRPr lang="fr-FR"/>
           </a:p>
@@ -4384,7 +4382,7 @@
           <a:p>
             <a:fld id="{87EEFCB5-38E7-45FC-A89E-52B1F9765DC8}" type="datetimeFigureOut">
               <a:rPr lang="fr-FR" smtClean="0"/>
-              <a:t>01/01/2016</a:t>
+              <a:t>02/01/2016</a:t>
             </a:fld>
             <a:endParaRPr lang="fr-FR"/>
           </a:p>
@@ -4717,7 +4715,7 @@
           <a:p>
             <a:fld id="{87EEFCB5-38E7-45FC-A89E-52B1F9765DC8}" type="datetimeFigureOut">
               <a:rPr lang="fr-FR" smtClean="0"/>
-              <a:t>01/01/2016</a:t>
+              <a:t>02/01/2016</a:t>
             </a:fld>
             <a:endParaRPr lang="fr-FR"/>
           </a:p>
@@ -5062,7 +5060,7 @@
           <a:p>
             <a:fld id="{87EEFCB5-38E7-45FC-A89E-52B1F9765DC8}" type="datetimeFigureOut">
               <a:rPr lang="fr-FR" smtClean="0"/>
-              <a:t>01/01/2016</a:t>
+              <a:t>02/01/2016</a:t>
             </a:fld>
             <a:endParaRPr lang="fr-FR"/>
           </a:p>
@@ -7179,7 +7177,7 @@
           <a:p>
             <a:fld id="{87EEFCB5-38E7-45FC-A89E-52B1F9765DC8}" type="datetimeFigureOut">
               <a:rPr lang="fr-FR" smtClean="0"/>
-              <a:t>01/01/2016</a:t>
+              <a:t>02/01/2016</a:t>
             </a:fld>
             <a:endParaRPr lang="fr-FR"/>
           </a:p>
@@ -8047,6 +8045,13 @@
   <p:clrMapOvr>
     <a:masterClrMapping/>
   </p:clrMapOvr>
+  <p:timing>
+    <p:tnLst>
+      <p:par>
+        <p:cTn id="1" dur="indefinite" restart="never" nodeType="tmRoot"/>
+      </p:par>
+    </p:tnLst>
+  </p:timing>
 </p:sld>
 </file>
 
@@ -8082,10 +8087,7 @@
           <a:bodyPr/>
           <a:lstStyle/>
           <a:p>
-            <a:r>
-              <a:rPr lang="fr-FR" dirty="0"/>
-              <a:t>Valeurs</a:t>
-            </a:r>
+            <a:endParaRPr lang="fr-FR"/>
           </a:p>
         </p:txBody>
       </p:sp>
@@ -8099,63 +8101,1147 @@
             <p:ph idx="1"/>
           </p:nvPr>
         </p:nvSpPr>
+        <p:spPr/>
+        <p:txBody>
+          <a:bodyPr/>
+          <a:lstStyle/>
+          <a:p>
+            <a:endParaRPr lang="fr-FR" dirty="0"/>
+          </a:p>
+        </p:txBody>
+      </p:sp>
+      <p:grpSp>
+        <p:nvGrpSpPr>
+          <p:cNvPr id="4" name="Group 3"/>
+          <p:cNvGrpSpPr/>
+          <p:nvPr/>
+        </p:nvGrpSpPr>
+        <p:grpSpPr>
+          <a:xfrm>
+            <a:off x="1953635" y="513741"/>
+            <a:ext cx="1119458" cy="1599224"/>
+            <a:chOff x="0" y="4887"/>
+            <a:chExt cx="1119458" cy="1599224"/>
+          </a:xfrm>
+        </p:grpSpPr>
+        <p:sp>
+          <p:nvSpPr>
+            <p:cNvPr id="5" name="Chevron 4"/>
+            <p:cNvSpPr/>
+            <p:nvPr/>
+          </p:nvSpPr>
+          <p:spPr>
+            <a:xfrm rot="5400000">
+              <a:off x="-239883" y="244770"/>
+              <a:ext cx="1599224" cy="1119457"/>
+            </a:xfrm>
+            <a:prstGeom prst="chevron">
+              <a:avLst/>
+            </a:prstGeom>
+          </p:spPr>
+          <p:style>
+            <a:lnRef idx="1">
+              <a:schemeClr val="accent1">
+                <a:hueOff val="0"/>
+                <a:satOff val="0"/>
+                <a:lumOff val="0"/>
+                <a:alphaOff val="0"/>
+              </a:schemeClr>
+            </a:lnRef>
+            <a:fillRef idx="3">
+              <a:schemeClr val="accent1">
+                <a:hueOff val="0"/>
+                <a:satOff val="0"/>
+                <a:lumOff val="0"/>
+                <a:alphaOff val="0"/>
+              </a:schemeClr>
+            </a:fillRef>
+            <a:effectRef idx="2">
+              <a:schemeClr val="accent1">
+                <a:hueOff val="0"/>
+                <a:satOff val="0"/>
+                <a:lumOff val="0"/>
+                <a:alphaOff val="0"/>
+              </a:schemeClr>
+            </a:effectRef>
+            <a:fontRef idx="minor">
+              <a:schemeClr val="lt1"/>
+            </a:fontRef>
+          </p:style>
+        </p:sp>
+        <p:sp>
+          <p:nvSpPr>
+            <p:cNvPr id="6" name="Chevron 4"/>
+            <p:cNvSpPr/>
+            <p:nvPr/>
+          </p:nvSpPr>
+          <p:spPr>
+            <a:xfrm>
+              <a:off x="1" y="564616"/>
+              <a:ext cx="1119457" cy="479767"/>
+            </a:xfrm>
+            <a:prstGeom prst="rect">
+              <a:avLst/>
+            </a:prstGeom>
+          </p:spPr>
+          <p:style>
+            <a:lnRef idx="0">
+              <a:scrgbClr r="0" g="0" b="0"/>
+            </a:lnRef>
+            <a:fillRef idx="0">
+              <a:scrgbClr r="0" g="0" b="0"/>
+            </a:fillRef>
+            <a:effectRef idx="0">
+              <a:scrgbClr r="0" g="0" b="0"/>
+            </a:effectRef>
+            <a:fontRef idx="minor">
+              <a:schemeClr val="lt1"/>
+            </a:fontRef>
+          </p:style>
+          <p:txBody>
+            <a:bodyPr spcFirstLastPara="0" vert="horz" wrap="square" lIns="10795" tIns="10795" rIns="10795" bIns="10795" numCol="1" spcCol="1270" anchor="ctr" anchorCtr="0">
+              <a:noAutofit/>
+            </a:bodyPr>
+            <a:lstStyle/>
+            <a:p>
+              <a:pPr lvl="0" algn="ctr" defTabSz="755650">
+                <a:lnSpc>
+                  <a:spcPct val="90000"/>
+                </a:lnSpc>
+                <a:spcBef>
+                  <a:spcPct val="0"/>
+                </a:spcBef>
+                <a:spcAft>
+                  <a:spcPct val="35000"/>
+                </a:spcAft>
+              </a:pPr>
+              <a:endParaRPr lang="fr-FR" sz="1700" kern="1200" dirty="0"/>
+            </a:p>
+          </p:txBody>
+        </p:sp>
+      </p:grpSp>
+      <p:grpSp>
+        <p:nvGrpSpPr>
+          <p:cNvPr id="7" name="Group 6"/>
+          <p:cNvGrpSpPr/>
+          <p:nvPr/>
+        </p:nvGrpSpPr>
+        <p:grpSpPr>
+          <a:xfrm>
+            <a:off x="3073092" y="513741"/>
+            <a:ext cx="8529614" cy="1039495"/>
+            <a:chOff x="1119457" y="4887"/>
+            <a:chExt cx="8529614" cy="1039495"/>
+          </a:xfrm>
+        </p:grpSpPr>
+        <p:sp>
+          <p:nvSpPr>
+            <p:cNvPr id="8" name="Round Same Side Corner Rectangle 7"/>
+            <p:cNvSpPr/>
+            <p:nvPr/>
+          </p:nvSpPr>
+          <p:spPr>
+            <a:xfrm rot="5400000">
+              <a:off x="4864516" y="-3740172"/>
+              <a:ext cx="1039495" cy="8529614"/>
+            </a:xfrm>
+            <a:prstGeom prst="round2SameRect">
+              <a:avLst/>
+            </a:prstGeom>
+          </p:spPr>
+          <p:style>
+            <a:lnRef idx="1">
+              <a:schemeClr val="accent1">
+                <a:hueOff val="0"/>
+                <a:satOff val="0"/>
+                <a:lumOff val="0"/>
+                <a:alphaOff val="0"/>
+              </a:schemeClr>
+            </a:lnRef>
+            <a:fillRef idx="1">
+              <a:schemeClr val="lt1">
+                <a:alpha val="90000"/>
+                <a:hueOff val="0"/>
+                <a:satOff val="0"/>
+                <a:lumOff val="0"/>
+                <a:alphaOff val="0"/>
+              </a:schemeClr>
+            </a:fillRef>
+            <a:effectRef idx="0">
+              <a:schemeClr val="lt1">
+                <a:alpha val="90000"/>
+                <a:hueOff val="0"/>
+                <a:satOff val="0"/>
+                <a:lumOff val="0"/>
+                <a:alphaOff val="0"/>
+              </a:schemeClr>
+            </a:effectRef>
+            <a:fontRef idx="minor">
+              <a:schemeClr val="dk1">
+                <a:hueOff val="0"/>
+                <a:satOff val="0"/>
+                <a:lumOff val="0"/>
+                <a:alphaOff val="0"/>
+              </a:schemeClr>
+            </a:fontRef>
+          </p:style>
+        </p:sp>
+        <p:sp>
+          <p:nvSpPr>
+            <p:cNvPr id="9" name="Round Same Side Corner Rectangle 6"/>
+            <p:cNvSpPr/>
+            <p:nvPr/>
+          </p:nvSpPr>
+          <p:spPr>
+            <a:xfrm>
+              <a:off x="1119457" y="55631"/>
+              <a:ext cx="8478870" cy="938007"/>
+            </a:xfrm>
+            <a:prstGeom prst="rect">
+              <a:avLst/>
+            </a:prstGeom>
+          </p:spPr>
+          <p:style>
+            <a:lnRef idx="0">
+              <a:scrgbClr r="0" g="0" b="0"/>
+            </a:lnRef>
+            <a:fillRef idx="0">
+              <a:scrgbClr r="0" g="0" b="0"/>
+            </a:fillRef>
+            <a:effectRef idx="0">
+              <a:scrgbClr r="0" g="0" b="0"/>
+            </a:effectRef>
+            <a:fontRef idx="minor">
+              <a:schemeClr val="dk1">
+                <a:hueOff val="0"/>
+                <a:satOff val="0"/>
+                <a:lumOff val="0"/>
+                <a:alphaOff val="0"/>
+              </a:schemeClr>
+            </a:fontRef>
+          </p:style>
+          <p:txBody>
+            <a:bodyPr spcFirstLastPara="0" vert="horz" wrap="square" lIns="220472" tIns="19685" rIns="19685" bIns="19685" numCol="1" spcCol="1270" anchor="ctr" anchorCtr="0">
+              <a:noAutofit/>
+            </a:bodyPr>
+            <a:lstStyle/>
+            <a:p>
+              <a:pPr marL="285750" lvl="1" indent="-285750" algn="l" defTabSz="1377950">
+                <a:lnSpc>
+                  <a:spcPct val="90000"/>
+                </a:lnSpc>
+                <a:spcBef>
+                  <a:spcPct val="0"/>
+                </a:spcBef>
+                <a:spcAft>
+                  <a:spcPct val="15000"/>
+                </a:spcAft>
+                <a:buChar char="••"/>
+              </a:pPr>
+              <a:r>
+                <a:rPr lang="fr-FR" sz="3100" kern="1200" dirty="0" err="1" smtClean="0"/>
+                <a:t>JavaOne</a:t>
+              </a:r>
+              <a:r>
+                <a:rPr lang="fr-FR" sz="3100" kern="1200" dirty="0" smtClean="0"/>
+                <a:t> 2013</a:t>
+              </a:r>
+              <a:endParaRPr lang="fr-FR" sz="3100" kern="1200" dirty="0"/>
+            </a:p>
+            <a:p>
+              <a:pPr marL="285750" lvl="1" indent="-285750" defTabSz="1377950">
+                <a:lnSpc>
+                  <a:spcPct val="90000"/>
+                </a:lnSpc>
+                <a:spcBef>
+                  <a:spcPct val="0"/>
+                </a:spcBef>
+                <a:spcAft>
+                  <a:spcPct val="15000"/>
+                </a:spcAft>
+                <a:buChar char="••"/>
+              </a:pPr>
+              <a:r>
+                <a:rPr lang="fr-FR" sz="3100" dirty="0" err="1"/>
+                <a:t>Tomitrib</a:t>
+              </a:r>
+              <a:r>
+                <a:rPr lang="fr-FR" sz="3100" dirty="0"/>
+                <a:t> lancé</a:t>
+              </a:r>
+              <a:endParaRPr lang="fr-FR" sz="3100" kern="1200" dirty="0"/>
+            </a:p>
+          </p:txBody>
+        </p:sp>
+      </p:grpSp>
+      <p:grpSp>
+        <p:nvGrpSpPr>
+          <p:cNvPr id="10" name="Group 9"/>
+          <p:cNvGrpSpPr/>
+          <p:nvPr/>
+        </p:nvGrpSpPr>
+        <p:grpSpPr>
+          <a:xfrm>
+            <a:off x="1953635" y="1969630"/>
+            <a:ext cx="1119458" cy="1599224"/>
+            <a:chOff x="0" y="1460776"/>
+            <a:chExt cx="1119458" cy="1599224"/>
+          </a:xfrm>
+        </p:grpSpPr>
+        <p:sp>
+          <p:nvSpPr>
+            <p:cNvPr id="11" name="Chevron 10"/>
+            <p:cNvSpPr/>
+            <p:nvPr/>
+          </p:nvSpPr>
+          <p:spPr>
+            <a:xfrm rot="5400000">
+              <a:off x="-239883" y="1700659"/>
+              <a:ext cx="1599224" cy="1119457"/>
+            </a:xfrm>
+            <a:prstGeom prst="chevron">
+              <a:avLst/>
+            </a:prstGeom>
+          </p:spPr>
+          <p:style>
+            <a:lnRef idx="1">
+              <a:schemeClr val="accent1">
+                <a:hueOff val="0"/>
+                <a:satOff val="0"/>
+                <a:lumOff val="0"/>
+                <a:alphaOff val="0"/>
+              </a:schemeClr>
+            </a:lnRef>
+            <a:fillRef idx="3">
+              <a:schemeClr val="accent1">
+                <a:hueOff val="0"/>
+                <a:satOff val="0"/>
+                <a:lumOff val="0"/>
+                <a:alphaOff val="0"/>
+              </a:schemeClr>
+            </a:fillRef>
+            <a:effectRef idx="2">
+              <a:schemeClr val="accent1">
+                <a:hueOff val="0"/>
+                <a:satOff val="0"/>
+                <a:lumOff val="0"/>
+                <a:alphaOff val="0"/>
+              </a:schemeClr>
+            </a:effectRef>
+            <a:fontRef idx="minor">
+              <a:schemeClr val="lt1"/>
+            </a:fontRef>
+          </p:style>
+        </p:sp>
+        <p:sp>
+          <p:nvSpPr>
+            <p:cNvPr id="12" name="Chevron 8"/>
+            <p:cNvSpPr/>
+            <p:nvPr/>
+          </p:nvSpPr>
+          <p:spPr>
+            <a:xfrm>
+              <a:off x="1" y="2020505"/>
+              <a:ext cx="1119457" cy="479767"/>
+            </a:xfrm>
+            <a:prstGeom prst="rect">
+              <a:avLst/>
+            </a:prstGeom>
+          </p:spPr>
+          <p:style>
+            <a:lnRef idx="0">
+              <a:scrgbClr r="0" g="0" b="0"/>
+            </a:lnRef>
+            <a:fillRef idx="0">
+              <a:scrgbClr r="0" g="0" b="0"/>
+            </a:fillRef>
+            <a:effectRef idx="0">
+              <a:scrgbClr r="0" g="0" b="0"/>
+            </a:effectRef>
+            <a:fontRef idx="minor">
+              <a:schemeClr val="lt1"/>
+            </a:fontRef>
+          </p:style>
+          <p:txBody>
+            <a:bodyPr spcFirstLastPara="0" vert="horz" wrap="square" lIns="10795" tIns="10795" rIns="10795" bIns="10795" numCol="1" spcCol="1270" anchor="ctr" anchorCtr="0">
+              <a:noAutofit/>
+            </a:bodyPr>
+            <a:lstStyle/>
+            <a:p>
+              <a:pPr lvl="0" algn="ctr" defTabSz="755650">
+                <a:lnSpc>
+                  <a:spcPct val="90000"/>
+                </a:lnSpc>
+                <a:spcBef>
+                  <a:spcPct val="0"/>
+                </a:spcBef>
+                <a:spcAft>
+                  <a:spcPct val="35000"/>
+                </a:spcAft>
+              </a:pPr>
+              <a:r>
+                <a:rPr lang="fr-FR" sz="1700" kern="1200" dirty="0" smtClean="0"/>
+                <a:t>1.6.0</a:t>
+              </a:r>
+              <a:endParaRPr lang="fr-FR" sz="1700" kern="1200" dirty="0"/>
+            </a:p>
+          </p:txBody>
+        </p:sp>
+      </p:grpSp>
+      <p:grpSp>
+        <p:nvGrpSpPr>
+          <p:cNvPr id="13" name="Group 12"/>
+          <p:cNvGrpSpPr/>
+          <p:nvPr/>
+        </p:nvGrpSpPr>
+        <p:grpSpPr>
+          <a:xfrm>
+            <a:off x="3073092" y="1969630"/>
+            <a:ext cx="8529614" cy="1039495"/>
+            <a:chOff x="1119457" y="1460776"/>
+            <a:chExt cx="8529614" cy="1039495"/>
+          </a:xfrm>
+        </p:grpSpPr>
+        <p:sp>
+          <p:nvSpPr>
+            <p:cNvPr id="14" name="Round Same Side Corner Rectangle 13"/>
+            <p:cNvSpPr/>
+            <p:nvPr/>
+          </p:nvSpPr>
+          <p:spPr>
+            <a:xfrm rot="5400000">
+              <a:off x="4864516" y="-2284283"/>
+              <a:ext cx="1039495" cy="8529614"/>
+            </a:xfrm>
+            <a:prstGeom prst="round2SameRect">
+              <a:avLst/>
+            </a:prstGeom>
+          </p:spPr>
+          <p:style>
+            <a:lnRef idx="1">
+              <a:schemeClr val="accent1">
+                <a:hueOff val="0"/>
+                <a:satOff val="0"/>
+                <a:lumOff val="0"/>
+                <a:alphaOff val="0"/>
+              </a:schemeClr>
+            </a:lnRef>
+            <a:fillRef idx="1">
+              <a:schemeClr val="lt1">
+                <a:alpha val="90000"/>
+                <a:hueOff val="0"/>
+                <a:satOff val="0"/>
+                <a:lumOff val="0"/>
+                <a:alphaOff val="0"/>
+              </a:schemeClr>
+            </a:fillRef>
+            <a:effectRef idx="0">
+              <a:schemeClr val="lt1">
+                <a:alpha val="90000"/>
+                <a:hueOff val="0"/>
+                <a:satOff val="0"/>
+                <a:lumOff val="0"/>
+                <a:alphaOff val="0"/>
+              </a:schemeClr>
+            </a:effectRef>
+            <a:fontRef idx="minor">
+              <a:schemeClr val="dk1">
+                <a:hueOff val="0"/>
+                <a:satOff val="0"/>
+                <a:lumOff val="0"/>
+                <a:alphaOff val="0"/>
+              </a:schemeClr>
+            </a:fontRef>
+          </p:style>
+        </p:sp>
+        <p:sp>
+          <p:nvSpPr>
+            <p:cNvPr id="15" name="Round Same Side Corner Rectangle 10"/>
+            <p:cNvSpPr/>
+            <p:nvPr/>
+          </p:nvSpPr>
+          <p:spPr>
+            <a:xfrm>
+              <a:off x="1119457" y="1511520"/>
+              <a:ext cx="8478870" cy="938007"/>
+            </a:xfrm>
+            <a:prstGeom prst="rect">
+              <a:avLst/>
+            </a:prstGeom>
+          </p:spPr>
+          <p:style>
+            <a:lnRef idx="0">
+              <a:scrgbClr r="0" g="0" b="0"/>
+            </a:lnRef>
+            <a:fillRef idx="0">
+              <a:scrgbClr r="0" g="0" b="0"/>
+            </a:fillRef>
+            <a:effectRef idx="0">
+              <a:scrgbClr r="0" g="0" b="0"/>
+            </a:effectRef>
+            <a:fontRef idx="minor">
+              <a:schemeClr val="dk1">
+                <a:hueOff val="0"/>
+                <a:satOff val="0"/>
+                <a:lumOff val="0"/>
+                <a:alphaOff val="0"/>
+              </a:schemeClr>
+            </a:fontRef>
+          </p:style>
+          <p:txBody>
+            <a:bodyPr spcFirstLastPara="0" vert="horz" wrap="square" lIns="220472" tIns="19685" rIns="19685" bIns="19685" numCol="1" spcCol="1270" anchor="ctr" anchorCtr="0">
+              <a:noAutofit/>
+            </a:bodyPr>
+            <a:lstStyle/>
+            <a:p>
+              <a:pPr marL="285750" lvl="1" indent="-285750" algn="l" defTabSz="1377950">
+                <a:lnSpc>
+                  <a:spcPct val="90000"/>
+                </a:lnSpc>
+                <a:spcBef>
+                  <a:spcPct val="0"/>
+                </a:spcBef>
+                <a:spcAft>
+                  <a:spcPct val="15000"/>
+                </a:spcAft>
+                <a:buChar char="••"/>
+              </a:pPr>
+              <a:r>
+                <a:rPr lang="fr-FR" sz="3100" kern="1200" dirty="0" err="1" smtClean="0"/>
+                <a:t>November</a:t>
+              </a:r>
+              <a:r>
+                <a:rPr lang="fr-FR" sz="3100" kern="1200" dirty="0" smtClean="0"/>
+                <a:t> 2013</a:t>
+              </a:r>
+              <a:endParaRPr lang="fr-FR" sz="3100" kern="1200" dirty="0"/>
+            </a:p>
+            <a:p>
+              <a:pPr marL="285750" lvl="1" indent="-285750" defTabSz="1377950">
+                <a:lnSpc>
+                  <a:spcPct val="90000"/>
+                </a:lnSpc>
+                <a:spcBef>
+                  <a:spcPct val="0"/>
+                </a:spcBef>
+                <a:spcAft>
+                  <a:spcPct val="15000"/>
+                </a:spcAft>
+                <a:buChar char="••"/>
+              </a:pPr>
+              <a:r>
+                <a:rPr lang="fr-FR" sz="3100" dirty="0" smtClean="0"/>
+                <a:t>Beaucoup </a:t>
+              </a:r>
+              <a:r>
+                <a:rPr lang="fr-FR" sz="3100" dirty="0"/>
+                <a:t>de nouvelles fonctionnalités</a:t>
+              </a:r>
+              <a:endParaRPr lang="fr-FR" sz="3100" kern="1200" dirty="0"/>
+            </a:p>
+          </p:txBody>
+        </p:sp>
+      </p:grpSp>
+      <p:grpSp>
+        <p:nvGrpSpPr>
+          <p:cNvPr id="16" name="Group 15"/>
+          <p:cNvGrpSpPr/>
+          <p:nvPr/>
+        </p:nvGrpSpPr>
+        <p:grpSpPr>
+          <a:xfrm>
+            <a:off x="1953635" y="3425518"/>
+            <a:ext cx="1119458" cy="1599224"/>
+            <a:chOff x="0" y="2916664"/>
+            <a:chExt cx="1119458" cy="1599224"/>
+          </a:xfrm>
+        </p:grpSpPr>
+        <p:sp>
+          <p:nvSpPr>
+            <p:cNvPr id="17" name="Chevron 16"/>
+            <p:cNvSpPr/>
+            <p:nvPr/>
+          </p:nvSpPr>
+          <p:spPr>
+            <a:xfrm rot="5400000">
+              <a:off x="-239883" y="3156547"/>
+              <a:ext cx="1599224" cy="1119457"/>
+            </a:xfrm>
+            <a:prstGeom prst="chevron">
+              <a:avLst/>
+            </a:prstGeom>
+          </p:spPr>
+          <p:style>
+            <a:lnRef idx="1">
+              <a:schemeClr val="accent1">
+                <a:hueOff val="0"/>
+                <a:satOff val="0"/>
+                <a:lumOff val="0"/>
+                <a:alphaOff val="0"/>
+              </a:schemeClr>
+            </a:lnRef>
+            <a:fillRef idx="3">
+              <a:schemeClr val="accent1">
+                <a:hueOff val="0"/>
+                <a:satOff val="0"/>
+                <a:lumOff val="0"/>
+                <a:alphaOff val="0"/>
+              </a:schemeClr>
+            </a:fillRef>
+            <a:effectRef idx="2">
+              <a:schemeClr val="accent1">
+                <a:hueOff val="0"/>
+                <a:satOff val="0"/>
+                <a:lumOff val="0"/>
+                <a:alphaOff val="0"/>
+              </a:schemeClr>
+            </a:effectRef>
+            <a:fontRef idx="minor">
+              <a:schemeClr val="lt1"/>
+            </a:fontRef>
+          </p:style>
+        </p:sp>
+        <p:sp>
+          <p:nvSpPr>
+            <p:cNvPr id="18" name="Chevron 12"/>
+            <p:cNvSpPr/>
+            <p:nvPr/>
+          </p:nvSpPr>
+          <p:spPr>
+            <a:xfrm>
+              <a:off x="1" y="3476393"/>
+              <a:ext cx="1119457" cy="479767"/>
+            </a:xfrm>
+            <a:prstGeom prst="rect">
+              <a:avLst/>
+            </a:prstGeom>
+          </p:spPr>
+          <p:style>
+            <a:lnRef idx="0">
+              <a:scrgbClr r="0" g="0" b="0"/>
+            </a:lnRef>
+            <a:fillRef idx="0">
+              <a:scrgbClr r="0" g="0" b="0"/>
+            </a:fillRef>
+            <a:effectRef idx="0">
+              <a:scrgbClr r="0" g="0" b="0"/>
+            </a:effectRef>
+            <a:fontRef idx="minor">
+              <a:schemeClr val="lt1"/>
+            </a:fontRef>
+          </p:style>
+          <p:txBody>
+            <a:bodyPr spcFirstLastPara="0" vert="horz" wrap="square" lIns="10795" tIns="10795" rIns="10795" bIns="10795" numCol="1" spcCol="1270" anchor="ctr" anchorCtr="0">
+              <a:noAutofit/>
+            </a:bodyPr>
+            <a:lstStyle/>
+            <a:p>
+              <a:pPr lvl="0" algn="ctr" defTabSz="755650">
+                <a:lnSpc>
+                  <a:spcPct val="90000"/>
+                </a:lnSpc>
+                <a:spcBef>
+                  <a:spcPct val="0"/>
+                </a:spcBef>
+                <a:spcAft>
+                  <a:spcPct val="35000"/>
+                </a:spcAft>
+              </a:pPr>
+              <a:endParaRPr lang="fr-FR" sz="1700" kern="1200" dirty="0"/>
+            </a:p>
+          </p:txBody>
+        </p:sp>
+      </p:grpSp>
+      <p:grpSp>
+        <p:nvGrpSpPr>
+          <p:cNvPr id="19" name="Group 18"/>
+          <p:cNvGrpSpPr/>
+          <p:nvPr/>
+        </p:nvGrpSpPr>
+        <p:grpSpPr>
+          <a:xfrm>
+            <a:off x="3073092" y="3425518"/>
+            <a:ext cx="8529614" cy="1039495"/>
+            <a:chOff x="1119457" y="2916664"/>
+            <a:chExt cx="8529614" cy="1039495"/>
+          </a:xfrm>
+        </p:grpSpPr>
+        <p:sp>
+          <p:nvSpPr>
+            <p:cNvPr id="20" name="Round Same Side Corner Rectangle 19"/>
+            <p:cNvSpPr/>
+            <p:nvPr/>
+          </p:nvSpPr>
+          <p:spPr>
+            <a:xfrm rot="5400000">
+              <a:off x="4864516" y="-828395"/>
+              <a:ext cx="1039495" cy="8529614"/>
+            </a:xfrm>
+            <a:prstGeom prst="round2SameRect">
+              <a:avLst/>
+            </a:prstGeom>
+          </p:spPr>
+          <p:style>
+            <a:lnRef idx="1">
+              <a:schemeClr val="accent1">
+                <a:hueOff val="0"/>
+                <a:satOff val="0"/>
+                <a:lumOff val="0"/>
+                <a:alphaOff val="0"/>
+              </a:schemeClr>
+            </a:lnRef>
+            <a:fillRef idx="1">
+              <a:schemeClr val="lt1">
+                <a:alpha val="90000"/>
+                <a:hueOff val="0"/>
+                <a:satOff val="0"/>
+                <a:lumOff val="0"/>
+                <a:alphaOff val="0"/>
+              </a:schemeClr>
+            </a:fillRef>
+            <a:effectRef idx="0">
+              <a:schemeClr val="lt1">
+                <a:alpha val="90000"/>
+                <a:hueOff val="0"/>
+                <a:satOff val="0"/>
+                <a:lumOff val="0"/>
+                <a:alphaOff val="0"/>
+              </a:schemeClr>
+            </a:effectRef>
+            <a:fontRef idx="minor">
+              <a:schemeClr val="dk1">
+                <a:hueOff val="0"/>
+                <a:satOff val="0"/>
+                <a:lumOff val="0"/>
+                <a:alphaOff val="0"/>
+              </a:schemeClr>
+            </a:fontRef>
+          </p:style>
+        </p:sp>
+        <p:sp>
+          <p:nvSpPr>
+            <p:cNvPr id="21" name="Round Same Side Corner Rectangle 14"/>
+            <p:cNvSpPr/>
+            <p:nvPr/>
+          </p:nvSpPr>
+          <p:spPr>
+            <a:xfrm>
+              <a:off x="1119457" y="2967408"/>
+              <a:ext cx="8478870" cy="938007"/>
+            </a:xfrm>
+            <a:prstGeom prst="rect">
+              <a:avLst/>
+            </a:prstGeom>
+          </p:spPr>
+          <p:style>
+            <a:lnRef idx="0">
+              <a:scrgbClr r="0" g="0" b="0"/>
+            </a:lnRef>
+            <a:fillRef idx="0">
+              <a:scrgbClr r="0" g="0" b="0"/>
+            </a:fillRef>
+            <a:effectRef idx="0">
+              <a:scrgbClr r="0" g="0" b="0"/>
+            </a:effectRef>
+            <a:fontRef idx="minor">
+              <a:schemeClr val="dk1">
+                <a:hueOff val="0"/>
+                <a:satOff val="0"/>
+                <a:lumOff val="0"/>
+                <a:alphaOff val="0"/>
+              </a:schemeClr>
+            </a:fontRef>
+          </p:style>
+          <p:txBody>
+            <a:bodyPr spcFirstLastPara="0" vert="horz" wrap="square" lIns="220472" tIns="19685" rIns="19685" bIns="19685" numCol="1" spcCol="1270" anchor="ctr" anchorCtr="0">
+              <a:noAutofit/>
+            </a:bodyPr>
+            <a:lstStyle/>
+            <a:p>
+              <a:pPr marL="285750" lvl="1" indent="-285750" defTabSz="1377950">
+                <a:lnSpc>
+                  <a:spcPct val="90000"/>
+                </a:lnSpc>
+                <a:spcBef>
+                  <a:spcPct val="0"/>
+                </a:spcBef>
+                <a:spcAft>
+                  <a:spcPct val="15000"/>
+                </a:spcAft>
+                <a:buChar char="••"/>
+              </a:pPr>
+              <a:r>
+                <a:rPr lang="fr-FR" sz="3100" dirty="0"/>
+                <a:t>Q2 2014</a:t>
+              </a:r>
+            </a:p>
+            <a:p>
+              <a:pPr marL="285750" lvl="1" indent="-285750" defTabSz="1377950">
+                <a:lnSpc>
+                  <a:spcPct val="90000"/>
+                </a:lnSpc>
+                <a:spcBef>
+                  <a:spcPct val="0"/>
+                </a:spcBef>
+                <a:spcAft>
+                  <a:spcPct val="15000"/>
+                </a:spcAft>
+                <a:buChar char="••"/>
+              </a:pPr>
+              <a:r>
+                <a:rPr lang="fr-FR" sz="3100" dirty="0"/>
+                <a:t>Java EE 7 </a:t>
+              </a:r>
+            </a:p>
+          </p:txBody>
+        </p:sp>
+      </p:grpSp>
+      <p:grpSp>
+        <p:nvGrpSpPr>
+          <p:cNvPr id="22" name="Group 21"/>
+          <p:cNvGrpSpPr/>
+          <p:nvPr/>
+        </p:nvGrpSpPr>
+        <p:grpSpPr>
+          <a:xfrm>
+            <a:off x="1953635" y="4881406"/>
+            <a:ext cx="1119458" cy="1599224"/>
+            <a:chOff x="0" y="4372552"/>
+            <a:chExt cx="1119458" cy="1599224"/>
+          </a:xfrm>
+        </p:grpSpPr>
+        <p:sp>
+          <p:nvSpPr>
+            <p:cNvPr id="23" name="Chevron 22"/>
+            <p:cNvSpPr/>
+            <p:nvPr/>
+          </p:nvSpPr>
+          <p:spPr>
+            <a:xfrm rot="5400000">
+              <a:off x="-239883" y="4612435"/>
+              <a:ext cx="1599224" cy="1119457"/>
+            </a:xfrm>
+            <a:prstGeom prst="chevron">
+              <a:avLst/>
+            </a:prstGeom>
+          </p:spPr>
+          <p:style>
+            <a:lnRef idx="1">
+              <a:schemeClr val="accent1">
+                <a:hueOff val="0"/>
+                <a:satOff val="0"/>
+                <a:lumOff val="0"/>
+                <a:alphaOff val="0"/>
+              </a:schemeClr>
+            </a:lnRef>
+            <a:fillRef idx="3">
+              <a:schemeClr val="accent1">
+                <a:hueOff val="0"/>
+                <a:satOff val="0"/>
+                <a:lumOff val="0"/>
+                <a:alphaOff val="0"/>
+              </a:schemeClr>
+            </a:fillRef>
+            <a:effectRef idx="2">
+              <a:schemeClr val="accent1">
+                <a:hueOff val="0"/>
+                <a:satOff val="0"/>
+                <a:lumOff val="0"/>
+                <a:alphaOff val="0"/>
+              </a:schemeClr>
+            </a:effectRef>
+            <a:fontRef idx="minor">
+              <a:schemeClr val="lt1"/>
+            </a:fontRef>
+          </p:style>
+        </p:sp>
+        <p:sp>
+          <p:nvSpPr>
+            <p:cNvPr id="24" name="Chevron 16"/>
+            <p:cNvSpPr/>
+            <p:nvPr/>
+          </p:nvSpPr>
+          <p:spPr>
+            <a:xfrm>
+              <a:off x="1" y="4932281"/>
+              <a:ext cx="1119457" cy="479767"/>
+            </a:xfrm>
+            <a:prstGeom prst="rect">
+              <a:avLst/>
+            </a:prstGeom>
+          </p:spPr>
+          <p:style>
+            <a:lnRef idx="0">
+              <a:scrgbClr r="0" g="0" b="0"/>
+            </a:lnRef>
+            <a:fillRef idx="0">
+              <a:scrgbClr r="0" g="0" b="0"/>
+            </a:fillRef>
+            <a:effectRef idx="0">
+              <a:scrgbClr r="0" g="0" b="0"/>
+            </a:effectRef>
+            <a:fontRef idx="minor">
+              <a:schemeClr val="lt1"/>
+            </a:fontRef>
+          </p:style>
+          <p:txBody>
+            <a:bodyPr spcFirstLastPara="0" vert="horz" wrap="square" lIns="10795" tIns="10795" rIns="10795" bIns="10795" numCol="1" spcCol="1270" anchor="ctr" anchorCtr="0">
+              <a:noAutofit/>
+            </a:bodyPr>
+            <a:lstStyle/>
+            <a:p>
+              <a:pPr lvl="0" algn="ctr" defTabSz="755650">
+                <a:lnSpc>
+                  <a:spcPct val="90000"/>
+                </a:lnSpc>
+                <a:spcBef>
+                  <a:spcPct val="0"/>
+                </a:spcBef>
+                <a:spcAft>
+                  <a:spcPct val="35000"/>
+                </a:spcAft>
+              </a:pPr>
+              <a:endParaRPr lang="fr-FR" sz="1700" kern="1200" dirty="0"/>
+            </a:p>
+          </p:txBody>
+        </p:sp>
+      </p:grpSp>
+      <p:grpSp>
+        <p:nvGrpSpPr>
+          <p:cNvPr id="25" name="Group 24"/>
+          <p:cNvGrpSpPr/>
+          <p:nvPr/>
+        </p:nvGrpSpPr>
+        <p:grpSpPr>
+          <a:xfrm>
+            <a:off x="3073092" y="4881405"/>
+            <a:ext cx="8529614" cy="1039495"/>
+            <a:chOff x="1119457" y="4372551"/>
+            <a:chExt cx="8529614" cy="1039495"/>
+          </a:xfrm>
+        </p:grpSpPr>
+        <p:sp>
+          <p:nvSpPr>
+            <p:cNvPr id="26" name="Round Same Side Corner Rectangle 25"/>
+            <p:cNvSpPr/>
+            <p:nvPr/>
+          </p:nvSpPr>
+          <p:spPr>
+            <a:xfrm rot="5400000">
+              <a:off x="4864516" y="627492"/>
+              <a:ext cx="1039495" cy="8529614"/>
+            </a:xfrm>
+            <a:prstGeom prst="round2SameRect">
+              <a:avLst/>
+            </a:prstGeom>
+          </p:spPr>
+          <p:style>
+            <a:lnRef idx="1">
+              <a:schemeClr val="accent1">
+                <a:hueOff val="0"/>
+                <a:satOff val="0"/>
+                <a:lumOff val="0"/>
+                <a:alphaOff val="0"/>
+              </a:schemeClr>
+            </a:lnRef>
+            <a:fillRef idx="1">
+              <a:schemeClr val="lt1">
+                <a:alpha val="90000"/>
+                <a:hueOff val="0"/>
+                <a:satOff val="0"/>
+                <a:lumOff val="0"/>
+                <a:alphaOff val="0"/>
+              </a:schemeClr>
+            </a:fillRef>
+            <a:effectRef idx="0">
+              <a:schemeClr val="lt1">
+                <a:alpha val="90000"/>
+                <a:hueOff val="0"/>
+                <a:satOff val="0"/>
+                <a:lumOff val="0"/>
+                <a:alphaOff val="0"/>
+              </a:schemeClr>
+            </a:effectRef>
+            <a:fontRef idx="minor">
+              <a:schemeClr val="dk1">
+                <a:hueOff val="0"/>
+                <a:satOff val="0"/>
+                <a:lumOff val="0"/>
+                <a:alphaOff val="0"/>
+              </a:schemeClr>
+            </a:fontRef>
+          </p:style>
+        </p:sp>
+        <p:sp>
+          <p:nvSpPr>
+            <p:cNvPr id="27" name="Round Same Side Corner Rectangle 18"/>
+            <p:cNvSpPr/>
+            <p:nvPr/>
+          </p:nvSpPr>
+          <p:spPr>
+            <a:xfrm>
+              <a:off x="1119457" y="4423295"/>
+              <a:ext cx="8478870" cy="938007"/>
+            </a:xfrm>
+            <a:prstGeom prst="rect">
+              <a:avLst/>
+            </a:prstGeom>
+          </p:spPr>
+          <p:style>
+            <a:lnRef idx="0">
+              <a:scrgbClr r="0" g="0" b="0"/>
+            </a:lnRef>
+            <a:fillRef idx="0">
+              <a:scrgbClr r="0" g="0" b="0"/>
+            </a:fillRef>
+            <a:effectRef idx="0">
+              <a:scrgbClr r="0" g="0" b="0"/>
+            </a:effectRef>
+            <a:fontRef idx="minor">
+              <a:schemeClr val="dk1">
+                <a:hueOff val="0"/>
+                <a:satOff val="0"/>
+                <a:lumOff val="0"/>
+                <a:alphaOff val="0"/>
+              </a:schemeClr>
+            </a:fontRef>
+          </p:style>
+          <p:txBody>
+            <a:bodyPr spcFirstLastPara="0" vert="horz" wrap="square" lIns="220472" tIns="19685" rIns="19685" bIns="19685" numCol="1" spcCol="1270" anchor="ctr" anchorCtr="0">
+              <a:noAutofit/>
+            </a:bodyPr>
+            <a:lstStyle/>
+            <a:p>
+              <a:pPr marL="285750" lvl="1" indent="-285750" algn="l" defTabSz="1377950">
+                <a:lnSpc>
+                  <a:spcPct val="90000"/>
+                </a:lnSpc>
+                <a:spcBef>
+                  <a:spcPct val="0"/>
+                </a:spcBef>
+                <a:spcAft>
+                  <a:spcPct val="15000"/>
+                </a:spcAft>
+                <a:buChar char="••"/>
+              </a:pPr>
+              <a:r>
+                <a:rPr lang="fr-FR" sz="3100" dirty="0" err="1" smtClean="0"/>
+                <a:t>Dec</a:t>
+              </a:r>
+              <a:r>
+                <a:rPr lang="fr-FR" sz="3100" dirty="0" smtClean="0"/>
+                <a:t> 2015</a:t>
+              </a:r>
+              <a:endParaRPr lang="fr-FR" sz="3100" kern="1200" dirty="0"/>
+            </a:p>
+            <a:p>
+              <a:pPr marL="285750" lvl="1" indent="-285750" defTabSz="1377950">
+                <a:lnSpc>
+                  <a:spcPct val="90000"/>
+                </a:lnSpc>
+                <a:spcBef>
+                  <a:spcPct val="0"/>
+                </a:spcBef>
+                <a:spcAft>
+                  <a:spcPct val="15000"/>
+                </a:spcAft>
+                <a:buChar char="••"/>
+              </a:pPr>
+              <a:r>
+                <a:rPr lang="fr-FR" sz="3100" dirty="0"/>
+                <a:t>Apache </a:t>
+              </a:r>
+              <a:r>
+                <a:rPr lang="fr-FR" sz="3200" b="1" dirty="0" err="1">
+                  <a:solidFill>
+                    <a:srgbClr val="FF0000"/>
+                  </a:solidFill>
+                </a:rPr>
+                <a:t>TomEE</a:t>
+              </a:r>
+              <a:r>
+                <a:rPr lang="fr-FR" sz="3200" b="1" dirty="0">
+                  <a:solidFill>
+                    <a:srgbClr val="FF0000"/>
+                  </a:solidFill>
+                </a:rPr>
+                <a:t> </a:t>
+              </a:r>
+              <a:r>
+                <a:rPr lang="fr-FR" sz="3200" b="1" dirty="0" smtClean="0">
+                  <a:solidFill>
+                    <a:srgbClr val="FF0000"/>
+                  </a:solidFill>
+                </a:rPr>
+                <a:t>1.7.3 </a:t>
+              </a:r>
+              <a:r>
+                <a:rPr lang="fr-FR" sz="3100" dirty="0"/>
+                <a:t>disponible!</a:t>
+              </a:r>
+              <a:endParaRPr lang="fr-FR" sz="3100" kern="1200" dirty="0"/>
+            </a:p>
+          </p:txBody>
+        </p:sp>
+      </p:grpSp>
+      <p:sp>
+        <p:nvSpPr>
+          <p:cNvPr id="29" name="Chevron 8"/>
+          <p:cNvSpPr/>
+          <p:nvPr/>
+        </p:nvSpPr>
         <p:spPr>
           <a:xfrm>
-            <a:off x="2592925" y="1798750"/>
-            <a:ext cx="8915400" cy="3777622"/>
+            <a:off x="1977311" y="5441133"/>
+            <a:ext cx="1119457" cy="479767"/>
           </a:xfrm>
+          <a:prstGeom prst="rect">
+            <a:avLst/>
+          </a:prstGeom>
         </p:spPr>
+        <p:style>
+          <a:lnRef idx="0">
+            <a:scrgbClr r="0" g="0" b="0"/>
+          </a:lnRef>
+          <a:fillRef idx="0">
+            <a:scrgbClr r="0" g="0" b="0"/>
+          </a:fillRef>
+          <a:effectRef idx="0">
+            <a:scrgbClr r="0" g="0" b="0"/>
+          </a:effectRef>
+          <a:fontRef idx="minor">
+            <a:schemeClr val="lt1"/>
+          </a:fontRef>
+        </p:style>
         <p:txBody>
-          <a:bodyPr>
-            <a:normAutofit/>
+          <a:bodyPr spcFirstLastPara="0" vert="horz" wrap="square" lIns="10795" tIns="10795" rIns="10795" bIns="10795" numCol="1" spcCol="1270" anchor="ctr" anchorCtr="0">
+            <a:noAutofit/>
           </a:bodyPr>
           <a:lstStyle/>
           <a:p>
-            <a:r>
-              <a:rPr lang="fr-FR" sz="4400" dirty="0"/>
-              <a:t>être </a:t>
-            </a:r>
-            <a:r>
-              <a:rPr lang="fr-FR" sz="4400" dirty="0"/>
-              <a:t> </a:t>
-            </a:r>
-            <a:r>
-              <a:rPr lang="fr-FR" sz="4400" dirty="0" smtClean="0"/>
-              <a:t>petite</a:t>
-            </a:r>
-          </a:p>
-          <a:p>
-            <a:r>
-              <a:rPr lang="fr-FR" sz="4400" dirty="0"/>
-              <a:t>être </a:t>
-            </a:r>
-            <a:r>
-              <a:rPr lang="fr-FR" sz="4400" dirty="0" smtClean="0"/>
-              <a:t> </a:t>
-            </a:r>
-            <a:r>
-              <a:rPr lang="fr-FR" sz="4400" dirty="0" err="1" smtClean="0"/>
-              <a:t>Tomcat</a:t>
-            </a:r>
-            <a:endParaRPr lang="fr-FR" sz="4400" dirty="0" smtClean="0"/>
-          </a:p>
-          <a:p>
-            <a:r>
-              <a:rPr lang="fr-FR" sz="4400" dirty="0" smtClean="0"/>
-              <a:t>être </a:t>
-            </a:r>
-            <a:r>
-              <a:rPr lang="fr-FR" sz="4400" dirty="0"/>
-              <a:t>certifié</a:t>
-            </a:r>
-            <a:endParaRPr lang="fr-FR" sz="4400" dirty="0"/>
+            <a:pPr lvl="0" algn="ctr" defTabSz="755650">
+              <a:lnSpc>
+                <a:spcPct val="90000"/>
+              </a:lnSpc>
+              <a:spcBef>
+                <a:spcPct val="0"/>
+              </a:spcBef>
+              <a:spcAft>
+                <a:spcPct val="35000"/>
+              </a:spcAft>
+            </a:pPr>
+            <a:r>
+              <a:rPr lang="fr-FR" sz="1700" kern="1200" dirty="0" smtClean="0"/>
+              <a:t>1.7.3</a:t>
+            </a:r>
+            <a:endParaRPr lang="fr-FR" sz="1700" kern="1200" dirty="0"/>
           </a:p>
         </p:txBody>
       </p:sp>
     </p:spTree>
     <p:extLst>
       <p:ext uri="{BB962C8B-B14F-4D97-AF65-F5344CB8AC3E}">
-        <p14:creationId xmlns:p14="http://schemas.microsoft.com/office/powerpoint/2010/main" val="566865411"/>
+        <p14:creationId xmlns:p14="http://schemas.microsoft.com/office/powerpoint/2010/main" val="4015656143"/>
       </p:ext>
     </p:extLst>
   </p:cSld>
@@ -8165,182 +9251,9 @@
   <p:timing>
     <p:tnLst>
       <p:par>
-        <p:cTn id="1" dur="indefinite" restart="never" nodeType="tmRoot">
-          <p:childTnLst>
-            <p:seq concurrent="1" nextAc="seek">
-              <p:cTn id="2" dur="indefinite" nodeType="mainSeq">
-                <p:childTnLst>
-                  <p:par>
-                    <p:cTn id="3" fill="hold">
-                      <p:stCondLst>
-                        <p:cond delay="indefinite"/>
-                      </p:stCondLst>
-                      <p:childTnLst>
-                        <p:par>
-                          <p:cTn id="4" fill="hold">
-                            <p:stCondLst>
-                              <p:cond delay="0"/>
-                            </p:stCondLst>
-                            <p:childTnLst>
-                              <p:par>
-                                <p:cTn id="5" presetID="1" presetClass="entr" presetSubtype="0" fill="hold" grpId="0" nodeType="clickEffect">
-                                  <p:stCondLst>
-                                    <p:cond delay="0"/>
-                                  </p:stCondLst>
-                                  <p:childTnLst>
-                                    <p:set>
-                                      <p:cBhvr>
-                                        <p:cTn id="6" dur="1" fill="hold">
-                                          <p:stCondLst>
-                                            <p:cond delay="0"/>
-                                          </p:stCondLst>
-                                        </p:cTn>
-                                        <p:tgtEl>
-                                          <p:spTgt spid="3">
-                                            <p:txEl>
-                                              <p:pRg st="0" end="0"/>
-                                            </p:txEl>
-                                          </p:spTgt>
-                                        </p:tgtEl>
-                                        <p:attrNameLst>
-                                          <p:attrName>style.visibility</p:attrName>
-                                        </p:attrNameLst>
-                                      </p:cBhvr>
-                                      <p:to>
-                                        <p:strVal val="visible"/>
-                                      </p:to>
-                                    </p:set>
-                                  </p:childTnLst>
-                                </p:cTn>
-                              </p:par>
-                            </p:childTnLst>
-                          </p:cTn>
-                        </p:par>
-                      </p:childTnLst>
-                    </p:cTn>
-                  </p:par>
-                  <p:par>
-                    <p:cTn id="7" fill="hold">
-                      <p:stCondLst>
-                        <p:cond delay="indefinite"/>
-                      </p:stCondLst>
-                      <p:childTnLst>
-                        <p:par>
-                          <p:cTn id="8" fill="hold">
-                            <p:stCondLst>
-                              <p:cond delay="0"/>
-                            </p:stCondLst>
-                            <p:childTnLst>
-                              <p:par>
-                                <p:cTn id="9" presetID="1" presetClass="entr" presetSubtype="0" fill="hold" grpId="0" nodeType="clickEffect">
-                                  <p:stCondLst>
-                                    <p:cond delay="0"/>
-                                  </p:stCondLst>
-                                  <p:childTnLst>
-                                    <p:set>
-                                      <p:cBhvr>
-                                        <p:cTn id="10" dur="1" fill="hold">
-                                          <p:stCondLst>
-                                            <p:cond delay="0"/>
-                                          </p:stCondLst>
-                                        </p:cTn>
-                                        <p:tgtEl>
-                                          <p:spTgt spid="3">
-                                            <p:txEl>
-                                              <p:pRg st="1" end="1"/>
-                                            </p:txEl>
-                                          </p:spTgt>
-                                        </p:tgtEl>
-                                        <p:attrNameLst>
-                                          <p:attrName>style.visibility</p:attrName>
-                                        </p:attrNameLst>
-                                      </p:cBhvr>
-                                      <p:to>
-                                        <p:strVal val="visible"/>
-                                      </p:to>
-                                    </p:set>
-                                  </p:childTnLst>
-                                </p:cTn>
-                              </p:par>
-                            </p:childTnLst>
-                          </p:cTn>
-                        </p:par>
-                      </p:childTnLst>
-                    </p:cTn>
-                  </p:par>
-                  <p:par>
-                    <p:cTn id="11" fill="hold">
-                      <p:stCondLst>
-                        <p:cond delay="indefinite"/>
-                      </p:stCondLst>
-                      <p:childTnLst>
-                        <p:par>
-                          <p:cTn id="12" fill="hold">
-                            <p:stCondLst>
-                              <p:cond delay="0"/>
-                            </p:stCondLst>
-                            <p:childTnLst>
-                              <p:par>
-                                <p:cTn id="13" presetID="1" presetClass="entr" presetSubtype="0" fill="hold" grpId="0" nodeType="clickEffect">
-                                  <p:stCondLst>
-                                    <p:cond delay="0"/>
-                                  </p:stCondLst>
-                                  <p:childTnLst>
-                                    <p:set>
-                                      <p:cBhvr>
-                                        <p:cTn id="14" dur="1" fill="hold">
-                                          <p:stCondLst>
-                                            <p:cond delay="0"/>
-                                          </p:stCondLst>
-                                        </p:cTn>
-                                        <p:tgtEl>
-                                          <p:spTgt spid="3">
-                                            <p:txEl>
-                                              <p:pRg st="2" end="2"/>
-                                            </p:txEl>
-                                          </p:spTgt>
-                                        </p:tgtEl>
-                                        <p:attrNameLst>
-                                          <p:attrName>style.visibility</p:attrName>
-                                        </p:attrNameLst>
-                                      </p:cBhvr>
-                                      <p:to>
-                                        <p:strVal val="visible"/>
-                                      </p:to>
-                                    </p:set>
-                                  </p:childTnLst>
-                                </p:cTn>
-                              </p:par>
-                            </p:childTnLst>
-                          </p:cTn>
-                        </p:par>
-                      </p:childTnLst>
-                    </p:cTn>
-                  </p:par>
-                </p:childTnLst>
-              </p:cTn>
-              <p:prevCondLst>
-                <p:cond evt="onPrev" delay="0">
-                  <p:tgtEl>
-                    <p:sldTgt/>
-                  </p:tgtEl>
-                </p:cond>
-              </p:prevCondLst>
-              <p:nextCondLst>
-                <p:cond evt="onNext" delay="0">
-                  <p:tgtEl>
-                    <p:sldTgt/>
-                  </p:tgtEl>
-                </p:cond>
-              </p:nextCondLst>
-            </p:seq>
-          </p:childTnLst>
-        </p:cTn>
+        <p:cTn id="1" dur="indefinite" restart="never" nodeType="tmRoot"/>
       </p:par>
     </p:tnLst>
-    <p:bldLst>
-      <p:bldP spid="3" grpId="0" build="p"/>
-    </p:bldLst>
   </p:timing>
 </p:sld>
 </file>
@@ -8374,48 +9287,41 @@
         </p:nvSpPr>
         <p:spPr>
           <a:xfrm>
-            <a:off x="2592925" y="624110"/>
-            <a:ext cx="8911687" cy="818324"/>
+            <a:off x="6278704" y="1870117"/>
+            <a:ext cx="7394604" cy="1062837"/>
           </a:xfrm>
         </p:spPr>
         <p:txBody>
           <a:bodyPr>
-            <a:normAutofit fontScale="90000"/>
+            <a:normAutofit/>
           </a:bodyPr>
           <a:lstStyle/>
           <a:p>
-            <a:r>
-              <a:rPr lang="en-US" dirty="0"/>
-              <a:t>La version de </a:t>
-            </a:r>
-            <a:r>
-              <a:rPr lang="en-US" dirty="0" err="1"/>
-              <a:t>Profil</a:t>
-            </a:r>
-            <a:r>
-              <a:rPr lang="en-US" dirty="0"/>
-              <a:t> Web de </a:t>
-            </a:r>
-            <a:r>
-              <a:rPr lang="en-US" dirty="0" err="1"/>
-              <a:t>Tomee</a:t>
-            </a:r>
-            <a:r>
-              <a:rPr lang="en-US" dirty="0"/>
-              <a:t> </a:t>
-            </a:r>
-            <a:r>
-              <a:rPr lang="en-US" dirty="0" err="1"/>
-              <a:t>contient</a:t>
-            </a:r>
-            <a:r>
-              <a:rPr lang="en-US" dirty="0"/>
-              <a:t/>
-            </a:r>
-            <a:br>
-              <a:rPr lang="en-US" dirty="0"/>
-            </a:br>
-            <a:endParaRPr lang="fr-FR" dirty="0"/>
+            <a:pPr marL="342900" indent="-342900">
+              <a:spcBef>
+                <a:spcPts val="1000"/>
+              </a:spcBef>
+              <a:buClr>
+                <a:schemeClr val="accent1"/>
+              </a:buClr>
+              <a:buFont typeface="Wingdings 3" charset="2"/>
+              <a:buChar char=""/>
+            </a:pPr>
+            <a:r>
+              <a:rPr lang="fr-FR" sz="1800" dirty="0"/>
+              <a:t>Fichiers modifiés</a:t>
+            </a:r>
+            <a:endParaRPr lang="fr-FR" sz="1800" dirty="0">
+              <a:solidFill>
+                <a:schemeClr val="tx1">
+                  <a:lumMod val="75000"/>
+                  <a:lumOff val="25000"/>
+                </a:schemeClr>
+              </a:solidFill>
+              <a:latin typeface="+mn-lt"/>
+              <a:ea typeface="+mn-ea"/>
+              <a:cs typeface="+mn-cs"/>
+            </a:endParaRPr>
           </a:p>
         </p:txBody>
       </p:sp>
@@ -8431,157 +9337,935 @@
         </p:nvSpPr>
         <p:spPr>
           <a:xfrm>
-            <a:off x="2592925" y="1592687"/>
-            <a:ext cx="8915400" cy="3777622"/>
+            <a:off x="1266680" y="1958662"/>
+            <a:ext cx="2652489" cy="467932"/>
           </a:xfrm>
         </p:spPr>
         <p:txBody>
-          <a:bodyPr>
-            <a:noAutofit/>
+          <a:bodyPr/>
+          <a:lstStyle/>
+          <a:p>
+            <a:r>
+              <a:rPr lang="fr-FR" dirty="0"/>
+              <a:t>Fichiers </a:t>
+            </a:r>
+            <a:r>
+              <a:rPr lang="fr-FR" dirty="0" smtClean="0"/>
+              <a:t>ajoutés</a:t>
+            </a:r>
+          </a:p>
+          <a:p>
+            <a:endParaRPr lang="fr-FR" dirty="0"/>
+          </a:p>
+        </p:txBody>
+      </p:sp>
+      <p:pic>
+        <p:nvPicPr>
+          <p:cNvPr id="4" name="Picture 3"/>
+          <p:cNvPicPr>
+            <a:picLocks noChangeAspect="1" noChangeArrowheads="1"/>
+          </p:cNvPicPr>
+          <p:nvPr/>
+        </p:nvPicPr>
+        <p:blipFill>
+          <a:blip r:embed="rId2">
+            <a:extLst>
+              <a:ext uri="{28A0092B-C50C-407E-A947-70E740481C1C}">
+                <a14:useLocalDpi xmlns:a14="http://schemas.microsoft.com/office/drawing/2010/main" val="0"/>
+              </a:ext>
+            </a:extLst>
+          </a:blip>
+          <a:srcRect/>
+          <a:stretch>
+            <a:fillRect/>
+          </a:stretch>
+        </p:blipFill>
+        <p:spPr bwMode="auto">
+          <a:xfrm>
+            <a:off x="507580" y="2480256"/>
+            <a:ext cx="5083499" cy="4027868"/>
+          </a:xfrm>
+          <a:prstGeom prst="rect">
+            <a:avLst/>
+          </a:prstGeom>
+          <a:noFill/>
+          <a:ln>
+            <a:noFill/>
+          </a:ln>
+          <a:effectLst/>
+          <a:extLst>
+            <a:ext uri="{909E8E84-426E-40DD-AFC4-6F175D3DCCD1}">
+              <a14:hiddenFill xmlns:a14="http://schemas.microsoft.com/office/drawing/2010/main">
+                <a:solidFill>
+                  <a:schemeClr val="accent1"/>
+                </a:solidFill>
+              </a14:hiddenFill>
+            </a:ext>
+            <a:ext uri="{91240B29-F687-4F45-9708-019B960494DF}">
+              <a14:hiddenLine xmlns:a14="http://schemas.microsoft.com/office/drawing/2010/main" w="9525">
+                <a:solidFill>
+                  <a:schemeClr val="tx1"/>
+                </a:solidFill>
+                <a:miter lim="800000"/>
+                <a:headEnd/>
+                <a:tailEnd/>
+              </a14:hiddenLine>
+            </a:ext>
+            <a:ext uri="{AF507438-7753-43E0-B8FC-AC1667EBCBE1}">
+              <a14:hiddenEffects xmlns:a14="http://schemas.microsoft.com/office/drawing/2010/main">
+                <a:effectLst>
+                  <a:outerShdw dist="35921" dir="2700000" algn="ctr" rotWithShape="0">
+                    <a:schemeClr val="bg2"/>
+                  </a:outerShdw>
+                </a:effectLst>
+              </a14:hiddenEffects>
+            </a:ext>
+          </a:extLst>
+        </p:spPr>
+      </p:pic>
+      <p:sp>
+        <p:nvSpPr>
+          <p:cNvPr id="5" name="Titre 3"/>
+          <p:cNvSpPr txBox="1">
+            <a:spLocks/>
+          </p:cNvSpPr>
+          <p:nvPr/>
+        </p:nvSpPr>
+        <p:spPr>
+          <a:xfrm>
+            <a:off x="1670224" y="628357"/>
+            <a:ext cx="8627090" cy="1038337"/>
+          </a:xfrm>
+          <a:prstGeom prst="rect">
+            <a:avLst/>
+          </a:prstGeom>
+        </p:spPr>
+        <p:txBody>
+          <a:bodyPr vert="horz" lIns="91440" tIns="45720" rIns="91440" bIns="45720" rtlCol="0" anchor="t">
+            <a:normAutofit/>
+          </a:bodyPr>
+          <a:lstStyle>
+            <a:lvl1pPr algn="l" defTabSz="457200" rtl="0" eaLnBrk="1" latinLnBrk="0" hangingPunct="1">
+              <a:spcBef>
+                <a:spcPct val="0"/>
+              </a:spcBef>
+              <a:buNone/>
+              <a:defRPr sz="3600" kern="1200">
+                <a:solidFill>
+                  <a:schemeClr val="tx1">
+                    <a:lumMod val="85000"/>
+                    <a:lumOff val="15000"/>
+                  </a:schemeClr>
+                </a:solidFill>
+                <a:latin typeface="+mj-lt"/>
+                <a:ea typeface="+mj-ea"/>
+                <a:cs typeface="+mj-cs"/>
+              </a:defRPr>
+            </a:lvl1pPr>
+            <a:lvl2pPr eaLnBrk="1" hangingPunct="1">
+              <a:defRPr>
+                <a:solidFill>
+                  <a:schemeClr val="tx2"/>
+                </a:solidFill>
+              </a:defRPr>
+            </a:lvl2pPr>
+            <a:lvl3pPr eaLnBrk="1" hangingPunct="1">
+              <a:defRPr>
+                <a:solidFill>
+                  <a:schemeClr val="tx2"/>
+                </a:solidFill>
+              </a:defRPr>
+            </a:lvl3pPr>
+            <a:lvl4pPr eaLnBrk="1" hangingPunct="1">
+              <a:defRPr>
+                <a:solidFill>
+                  <a:schemeClr val="tx2"/>
+                </a:solidFill>
+              </a:defRPr>
+            </a:lvl4pPr>
+            <a:lvl5pPr eaLnBrk="1" hangingPunct="1">
+              <a:defRPr>
+                <a:solidFill>
+                  <a:schemeClr val="tx2"/>
+                </a:solidFill>
+              </a:defRPr>
+            </a:lvl5pPr>
+            <a:lvl6pPr eaLnBrk="1" hangingPunct="1">
+              <a:defRPr>
+                <a:solidFill>
+                  <a:schemeClr val="tx2"/>
+                </a:solidFill>
+              </a:defRPr>
+            </a:lvl6pPr>
+            <a:lvl7pPr eaLnBrk="1" hangingPunct="1">
+              <a:defRPr>
+                <a:solidFill>
+                  <a:schemeClr val="tx2"/>
+                </a:solidFill>
+              </a:defRPr>
+            </a:lvl7pPr>
+            <a:lvl8pPr eaLnBrk="1" hangingPunct="1">
+              <a:defRPr>
+                <a:solidFill>
+                  <a:schemeClr val="tx2"/>
+                </a:solidFill>
+              </a:defRPr>
+            </a:lvl8pPr>
+            <a:lvl9pPr eaLnBrk="1" hangingPunct="1">
+              <a:defRPr>
+                <a:solidFill>
+                  <a:schemeClr val="tx2"/>
+                </a:solidFill>
+              </a:defRPr>
+            </a:lvl9pPr>
+          </a:lstStyle>
+          <a:p>
+            <a:r>
+              <a:rPr lang="fr-FR" dirty="0">
+                <a:solidFill>
+                  <a:schemeClr val="tx1">
+                    <a:lumMod val="75000"/>
+                    <a:lumOff val="25000"/>
+                  </a:schemeClr>
+                </a:solidFill>
+              </a:rPr>
+              <a:t>Quel est son secret ?</a:t>
+            </a:r>
+            <a:endParaRPr lang="fr-FR" dirty="0"/>
+          </a:p>
+        </p:txBody>
+      </p:sp>
+      <p:sp>
+        <p:nvSpPr>
+          <p:cNvPr id="6" name="Espace réservé du contenu 4"/>
+          <p:cNvSpPr txBox="1">
+            <a:spLocks/>
+          </p:cNvSpPr>
+          <p:nvPr/>
+        </p:nvSpPr>
+        <p:spPr>
+          <a:xfrm>
+            <a:off x="6254489" y="2401536"/>
+            <a:ext cx="5083499" cy="2549002"/>
+          </a:xfrm>
+          <a:prstGeom prst="rect">
+            <a:avLst/>
+          </a:prstGeom>
+        </p:spPr>
+        <p:txBody>
+          <a:bodyPr vert="horz" lIns="91440" tIns="45720" rIns="91440" bIns="45720" rtlCol="0">
+            <a:normAutofit fontScale="77500" lnSpcReduction="20000"/>
+          </a:bodyPr>
+          <a:lstStyle>
+            <a:lvl1pPr marL="342900" indent="-342900" algn="l" defTabSz="457200" rtl="0" eaLnBrk="1" latinLnBrk="0" hangingPunct="1">
+              <a:spcBef>
+                <a:spcPts val="1000"/>
+              </a:spcBef>
+              <a:spcAft>
+                <a:spcPts val="0"/>
+              </a:spcAft>
+              <a:buClr>
+                <a:schemeClr val="accent1"/>
+              </a:buClr>
+              <a:buFont typeface="Wingdings 3" charset="2"/>
+              <a:buChar char=""/>
+              <a:defRPr sz="1800" kern="1200">
+                <a:solidFill>
+                  <a:schemeClr val="tx1">
+                    <a:lumMod val="75000"/>
+                    <a:lumOff val="25000"/>
+                  </a:schemeClr>
+                </a:solidFill>
+                <a:latin typeface="+mn-lt"/>
+                <a:ea typeface="+mn-ea"/>
+                <a:cs typeface="+mn-cs"/>
+              </a:defRPr>
+            </a:lvl1pPr>
+            <a:lvl2pPr marL="742950" indent="-285750" algn="l" defTabSz="457200" rtl="0" eaLnBrk="1" latinLnBrk="0" hangingPunct="1">
+              <a:spcBef>
+                <a:spcPts val="1000"/>
+              </a:spcBef>
+              <a:spcAft>
+                <a:spcPts val="0"/>
+              </a:spcAft>
+              <a:buClr>
+                <a:schemeClr val="accent1"/>
+              </a:buClr>
+              <a:buFont typeface="Wingdings 3" charset="2"/>
+              <a:buChar char=""/>
+              <a:defRPr sz="1600" kern="1200">
+                <a:solidFill>
+                  <a:schemeClr val="tx1">
+                    <a:lumMod val="75000"/>
+                    <a:lumOff val="25000"/>
+                  </a:schemeClr>
+                </a:solidFill>
+                <a:latin typeface="+mn-lt"/>
+                <a:ea typeface="+mn-ea"/>
+                <a:cs typeface="+mn-cs"/>
+              </a:defRPr>
+            </a:lvl2pPr>
+            <a:lvl3pPr marL="1143000" indent="-228600" algn="l" defTabSz="457200" rtl="0" eaLnBrk="1" latinLnBrk="0" hangingPunct="1">
+              <a:spcBef>
+                <a:spcPts val="1000"/>
+              </a:spcBef>
+              <a:spcAft>
+                <a:spcPts val="0"/>
+              </a:spcAft>
+              <a:buClr>
+                <a:schemeClr val="accent1"/>
+              </a:buClr>
+              <a:buFont typeface="Wingdings 3" charset="2"/>
+              <a:buChar char=""/>
+              <a:defRPr sz="1400" kern="1200">
+                <a:solidFill>
+                  <a:schemeClr val="tx1">
+                    <a:lumMod val="75000"/>
+                    <a:lumOff val="25000"/>
+                  </a:schemeClr>
+                </a:solidFill>
+                <a:latin typeface="+mn-lt"/>
+                <a:ea typeface="+mn-ea"/>
+                <a:cs typeface="+mn-cs"/>
+              </a:defRPr>
+            </a:lvl3pPr>
+            <a:lvl4pPr marL="1600200" indent="-228600" algn="l" defTabSz="457200" rtl="0" eaLnBrk="1" latinLnBrk="0" hangingPunct="1">
+              <a:spcBef>
+                <a:spcPts val="1000"/>
+              </a:spcBef>
+              <a:spcAft>
+                <a:spcPts val="0"/>
+              </a:spcAft>
+              <a:buClr>
+                <a:schemeClr val="accent1"/>
+              </a:buClr>
+              <a:buFont typeface="Wingdings 3" charset="2"/>
+              <a:buChar char=""/>
+              <a:defRPr sz="1200" kern="1200">
+                <a:solidFill>
+                  <a:schemeClr val="tx1">
+                    <a:lumMod val="75000"/>
+                    <a:lumOff val="25000"/>
+                  </a:schemeClr>
+                </a:solidFill>
+                <a:latin typeface="+mn-lt"/>
+                <a:ea typeface="+mn-ea"/>
+                <a:cs typeface="+mn-cs"/>
+              </a:defRPr>
+            </a:lvl4pPr>
+            <a:lvl5pPr marL="2057400" indent="-228600" algn="l" defTabSz="457200" rtl="0" eaLnBrk="1" latinLnBrk="0" hangingPunct="1">
+              <a:spcBef>
+                <a:spcPts val="1000"/>
+              </a:spcBef>
+              <a:spcAft>
+                <a:spcPts val="0"/>
+              </a:spcAft>
+              <a:buClr>
+                <a:schemeClr val="accent1"/>
+              </a:buClr>
+              <a:buFont typeface="Wingdings 3" charset="2"/>
+              <a:buChar char=""/>
+              <a:defRPr sz="1200" kern="1200">
+                <a:solidFill>
+                  <a:schemeClr val="tx1">
+                    <a:lumMod val="75000"/>
+                    <a:lumOff val="25000"/>
+                  </a:schemeClr>
+                </a:solidFill>
+                <a:latin typeface="+mn-lt"/>
+                <a:ea typeface="+mn-ea"/>
+                <a:cs typeface="+mn-cs"/>
+              </a:defRPr>
+            </a:lvl5pPr>
+            <a:lvl6pPr marL="2514600" indent="-228600" algn="l" defTabSz="457200" rtl="0" eaLnBrk="1" latinLnBrk="0" hangingPunct="1">
+              <a:spcBef>
+                <a:spcPts val="1000"/>
+              </a:spcBef>
+              <a:spcAft>
+                <a:spcPts val="0"/>
+              </a:spcAft>
+              <a:buClr>
+                <a:schemeClr val="accent1"/>
+              </a:buClr>
+              <a:buFont typeface="Wingdings 3" charset="2"/>
+              <a:buChar char=""/>
+              <a:defRPr sz="1200" kern="1200">
+                <a:solidFill>
+                  <a:schemeClr val="tx1">
+                    <a:lumMod val="75000"/>
+                    <a:lumOff val="25000"/>
+                  </a:schemeClr>
+                </a:solidFill>
+                <a:latin typeface="+mn-lt"/>
+                <a:ea typeface="+mn-ea"/>
+                <a:cs typeface="+mn-cs"/>
+              </a:defRPr>
+            </a:lvl6pPr>
+            <a:lvl7pPr marL="2971800" indent="-228600" algn="l" defTabSz="457200" rtl="0" eaLnBrk="1" latinLnBrk="0" hangingPunct="1">
+              <a:spcBef>
+                <a:spcPts val="1000"/>
+              </a:spcBef>
+              <a:spcAft>
+                <a:spcPts val="0"/>
+              </a:spcAft>
+              <a:buClr>
+                <a:schemeClr val="accent1"/>
+              </a:buClr>
+              <a:buFont typeface="Wingdings 3" charset="2"/>
+              <a:buChar char=""/>
+              <a:defRPr sz="1200" kern="1200">
+                <a:solidFill>
+                  <a:schemeClr val="tx1">
+                    <a:lumMod val="75000"/>
+                    <a:lumOff val="25000"/>
+                  </a:schemeClr>
+                </a:solidFill>
+                <a:latin typeface="+mn-lt"/>
+                <a:ea typeface="+mn-ea"/>
+                <a:cs typeface="+mn-cs"/>
+              </a:defRPr>
+            </a:lvl7pPr>
+            <a:lvl8pPr marL="3429000" indent="-228600" algn="l" defTabSz="457200" rtl="0" eaLnBrk="1" latinLnBrk="0" hangingPunct="1">
+              <a:spcBef>
+                <a:spcPts val="1000"/>
+              </a:spcBef>
+              <a:spcAft>
+                <a:spcPts val="0"/>
+              </a:spcAft>
+              <a:buClr>
+                <a:schemeClr val="accent1"/>
+              </a:buClr>
+              <a:buFont typeface="Wingdings 3" charset="2"/>
+              <a:buChar char=""/>
+              <a:defRPr sz="1200" kern="1200">
+                <a:solidFill>
+                  <a:schemeClr val="tx1">
+                    <a:lumMod val="75000"/>
+                    <a:lumOff val="25000"/>
+                  </a:schemeClr>
+                </a:solidFill>
+                <a:latin typeface="+mn-lt"/>
+                <a:ea typeface="+mn-ea"/>
+                <a:cs typeface="+mn-cs"/>
+              </a:defRPr>
+            </a:lvl8pPr>
+            <a:lvl9pPr marL="3886200" indent="-228600" algn="l" defTabSz="457200" rtl="0" eaLnBrk="1" latinLnBrk="0" hangingPunct="1">
+              <a:spcBef>
+                <a:spcPts val="1000"/>
+              </a:spcBef>
+              <a:spcAft>
+                <a:spcPts val="0"/>
+              </a:spcAft>
+              <a:buClr>
+                <a:schemeClr val="accent1"/>
+              </a:buClr>
+              <a:buFont typeface="Wingdings 3" charset="2"/>
+              <a:buChar char=""/>
+              <a:defRPr sz="1200" kern="1200">
+                <a:solidFill>
+                  <a:schemeClr val="tx1">
+                    <a:lumMod val="75000"/>
+                    <a:lumOff val="25000"/>
+                  </a:schemeClr>
+                </a:solidFill>
+                <a:latin typeface="+mn-lt"/>
+                <a:ea typeface="+mn-ea"/>
+                <a:cs typeface="+mn-cs"/>
+              </a:defRPr>
+            </a:lvl9pPr>
+          </a:lstStyle>
+          <a:p>
+            <a:pPr marL="457152" indent="-457152">
+              <a:buFont typeface="Arial" pitchFamily="34" charset="0"/>
+              <a:buChar char="•"/>
+            </a:pPr>
+            <a:r>
+              <a:rPr lang="fr-FR" dirty="0" err="1" smtClean="0"/>
+              <a:t>conf</a:t>
+            </a:r>
+            <a:r>
+              <a:rPr lang="fr-FR" dirty="0" smtClean="0"/>
+              <a:t>/server.xml</a:t>
+            </a:r>
+          </a:p>
+          <a:p>
+            <a:pPr marL="857161" lvl="1" indent="-457152">
+              <a:buFont typeface="Arial" pitchFamily="34" charset="0"/>
+              <a:buChar char="•"/>
+            </a:pPr>
+            <a:r>
+              <a:rPr lang="fr-FR" dirty="0" smtClean="0"/>
+              <a:t>Gestion du cycle de vie</a:t>
+            </a:r>
+          </a:p>
+          <a:p>
+            <a:pPr marL="457152" indent="-457152">
+              <a:buFont typeface="Arial" pitchFamily="34" charset="0"/>
+              <a:buChar char="•"/>
+            </a:pPr>
+            <a:r>
+              <a:rPr lang="fr-FR" dirty="0" err="1" smtClean="0"/>
+              <a:t>conf</a:t>
+            </a:r>
+            <a:r>
+              <a:rPr lang="fr-FR" dirty="0" smtClean="0"/>
+              <a:t>/tomcat-users.xml</a:t>
+            </a:r>
+          </a:p>
+          <a:p>
+            <a:pPr marL="857161" lvl="1" indent="-457152">
+              <a:buFont typeface="Arial" pitchFamily="34" charset="0"/>
+              <a:buChar char="•"/>
+            </a:pPr>
+            <a:r>
+              <a:rPr lang="en-US" dirty="0" err="1" smtClean="0"/>
+              <a:t>Optionnel</a:t>
+            </a:r>
+            <a:r>
+              <a:rPr lang="en-US" dirty="0" smtClean="0"/>
+              <a:t> – </a:t>
+            </a:r>
+            <a:r>
+              <a:rPr lang="en-US" dirty="0" err="1" smtClean="0"/>
+              <a:t>sécurisation</a:t>
+            </a:r>
+            <a:r>
+              <a:rPr lang="en-US" dirty="0" smtClean="0"/>
+              <a:t> de la GUI </a:t>
+            </a:r>
+            <a:r>
+              <a:rPr lang="en-US" dirty="0" err="1" smtClean="0"/>
+              <a:t>webapps</a:t>
+            </a:r>
+            <a:r>
+              <a:rPr lang="en-US" dirty="0" smtClean="0"/>
+              <a:t>/</a:t>
+            </a:r>
+            <a:r>
+              <a:rPr lang="en-US" dirty="0" err="1" smtClean="0"/>
+              <a:t>tomee</a:t>
+            </a:r>
+            <a:r>
+              <a:rPr lang="en-US" dirty="0" smtClean="0"/>
+              <a:t>/</a:t>
+            </a:r>
+            <a:endParaRPr lang="fr-FR" dirty="0" smtClean="0"/>
+          </a:p>
+          <a:p>
+            <a:pPr marL="457152" indent="-457152">
+              <a:buFont typeface="Arial" pitchFamily="34" charset="0"/>
+              <a:buChar char="•"/>
+            </a:pPr>
+            <a:r>
+              <a:rPr lang="fr-FR" dirty="0" smtClean="0"/>
+              <a:t>bin/catalina.sh</a:t>
+            </a:r>
+          </a:p>
+          <a:p>
+            <a:pPr marL="857161" lvl="1" indent="-457152">
+              <a:buFont typeface="Arial" pitchFamily="34" charset="0"/>
+              <a:buChar char="•"/>
+            </a:pPr>
+            <a:r>
+              <a:rPr lang="en-US" dirty="0" err="1" smtClean="0"/>
+              <a:t>Optionnel</a:t>
+            </a:r>
+            <a:r>
+              <a:rPr lang="en-US" dirty="0" smtClean="0"/>
+              <a:t> – </a:t>
+            </a:r>
+            <a:r>
+              <a:rPr lang="en-US" dirty="0" err="1" smtClean="0"/>
+              <a:t>OpenJPA</a:t>
+            </a:r>
+            <a:r>
+              <a:rPr lang="en-US" dirty="0" smtClean="0"/>
+              <a:t> </a:t>
+            </a:r>
+            <a:r>
+              <a:rPr lang="en-US" dirty="0" err="1" smtClean="0"/>
+              <a:t>ou</a:t>
+            </a:r>
+            <a:r>
+              <a:rPr lang="en-US" dirty="0" smtClean="0"/>
+              <a:t> </a:t>
+            </a:r>
+            <a:r>
+              <a:rPr lang="en-US" dirty="0" err="1" smtClean="0"/>
+              <a:t>EclipseLink</a:t>
+            </a:r>
+            <a:r>
+              <a:rPr lang="en-US" dirty="0" smtClean="0"/>
+              <a:t> load-time enhancement</a:t>
+            </a:r>
+            <a:endParaRPr lang="fr-FR" dirty="0" smtClean="0"/>
+          </a:p>
+          <a:p>
+            <a:pPr marL="457152" indent="-457152">
+              <a:buFont typeface="Arial" pitchFamily="34" charset="0"/>
+              <a:buChar char="•"/>
+            </a:pPr>
+            <a:r>
+              <a:rPr lang="fr-FR" dirty="0" smtClean="0"/>
+              <a:t>bin/setclasspath.sh</a:t>
+            </a:r>
+          </a:p>
+          <a:p>
+            <a:pPr marL="857161" lvl="1" indent="-457152">
+              <a:buFont typeface="Arial" pitchFamily="34" charset="0"/>
+              <a:buChar char="•"/>
+            </a:pPr>
+            <a:r>
+              <a:rPr lang="fr-FR" dirty="0" smtClean="0"/>
+              <a:t>Optionnel (java 7 </a:t>
+            </a:r>
+            <a:r>
+              <a:rPr lang="fr-FR" dirty="0" err="1" smtClean="0"/>
+              <a:t>endorsed</a:t>
+            </a:r>
+            <a:r>
+              <a:rPr lang="fr-FR" dirty="0" smtClean="0"/>
+              <a:t> </a:t>
+            </a:r>
+            <a:r>
+              <a:rPr lang="fr-FR" dirty="0" err="1" smtClean="0"/>
+              <a:t>dir</a:t>
+            </a:r>
+            <a:r>
+              <a:rPr lang="fr-FR" dirty="0" smtClean="0"/>
+              <a:t> supprimé)</a:t>
+            </a:r>
+            <a:endParaRPr lang="fr-FR" dirty="0"/>
+          </a:p>
+        </p:txBody>
+      </p:sp>
+      <p:sp>
+        <p:nvSpPr>
+          <p:cNvPr id="7" name="Rectangle 6"/>
+          <p:cNvSpPr/>
+          <p:nvPr/>
+        </p:nvSpPr>
+        <p:spPr>
+          <a:xfrm>
+            <a:off x="6279202" y="5112625"/>
+            <a:ext cx="2517036" cy="369332"/>
+          </a:xfrm>
+          <a:prstGeom prst="rect">
+            <a:avLst/>
+          </a:prstGeom>
+        </p:spPr>
+        <p:txBody>
+          <a:bodyPr wrap="none">
+            <a:spAutoFit/>
           </a:bodyPr>
           <a:lstStyle/>
           <a:p>
-            <a:r>
-              <a:rPr lang="en-US" sz="2400" b="1" dirty="0" smtClean="0"/>
-              <a:t>CDI</a:t>
-            </a:r>
-            <a:r>
-              <a:rPr lang="en-US" sz="2400" dirty="0"/>
-              <a:t> - </a:t>
-            </a:r>
-            <a:r>
-              <a:rPr lang="en-US" sz="2400" dirty="0" err="1"/>
-              <a:t>OpenWebBeans</a:t>
-            </a:r>
-            <a:r>
-              <a:rPr lang="en-US" sz="2400" dirty="0"/>
-              <a:t> Apache</a:t>
-            </a:r>
-          </a:p>
-          <a:p>
-            <a:r>
-              <a:rPr lang="en-US" sz="2400" b="1" dirty="0"/>
-              <a:t>EJB</a:t>
-            </a:r>
-            <a:r>
-              <a:rPr lang="en-US" sz="2400" dirty="0"/>
-              <a:t> - Apache </a:t>
-            </a:r>
-            <a:r>
-              <a:rPr lang="en-US" sz="2400" dirty="0" err="1"/>
-              <a:t>OpenEJB</a:t>
-            </a:r>
-            <a:endParaRPr lang="en-US" sz="2400" dirty="0"/>
-          </a:p>
-          <a:p>
-            <a:r>
-              <a:rPr lang="en-US" sz="2400" b="1" dirty="0"/>
-              <a:t>JPA</a:t>
-            </a:r>
-            <a:r>
-              <a:rPr lang="en-US" sz="2400" dirty="0"/>
-              <a:t> - Apache </a:t>
-            </a:r>
-            <a:r>
-              <a:rPr lang="en-US" sz="2400" dirty="0" err="1"/>
-              <a:t>OpenJPA</a:t>
-            </a:r>
-            <a:endParaRPr lang="en-US" sz="2400" dirty="0"/>
-          </a:p>
-          <a:p>
-            <a:r>
-              <a:rPr lang="en-US" sz="2400" b="1" dirty="0"/>
-              <a:t>JSF</a:t>
-            </a:r>
-            <a:r>
-              <a:rPr lang="en-US" sz="2400" dirty="0"/>
-              <a:t> - Apache </a:t>
-            </a:r>
-            <a:r>
-              <a:rPr lang="en-US" sz="2400" dirty="0" err="1"/>
-              <a:t>MyFaces</a:t>
-            </a:r>
-            <a:endParaRPr lang="en-US" sz="2400" dirty="0"/>
-          </a:p>
-          <a:p>
-            <a:r>
-              <a:rPr lang="en-US" sz="2400" b="1" dirty="0"/>
-              <a:t>JSP</a:t>
-            </a:r>
-            <a:r>
-              <a:rPr lang="en-US" sz="2400" dirty="0"/>
-              <a:t> - Apache Tomcat</a:t>
-            </a:r>
-          </a:p>
-          <a:p>
-            <a:r>
-              <a:rPr lang="en-US" sz="2400" b="1" dirty="0"/>
-              <a:t>JSTL</a:t>
-            </a:r>
-            <a:r>
-              <a:rPr lang="en-US" sz="2400" dirty="0"/>
-              <a:t> - Apache Tomcat</a:t>
-            </a:r>
-          </a:p>
-          <a:p>
-            <a:r>
-              <a:rPr lang="en-US" sz="2400" b="1" dirty="0"/>
-              <a:t>JTA</a:t>
-            </a:r>
-            <a:r>
-              <a:rPr lang="en-US" sz="2400" dirty="0"/>
-              <a:t> - Apache Geronimo Transaction</a:t>
-            </a:r>
-          </a:p>
-          <a:p>
-            <a:r>
-              <a:rPr lang="en-US" sz="2400" b="1" dirty="0"/>
-              <a:t>Servlet</a:t>
-            </a:r>
-            <a:r>
-              <a:rPr lang="en-US" sz="2400" dirty="0"/>
-              <a:t> - Apache Tomcat</a:t>
-            </a:r>
-          </a:p>
-          <a:p>
-            <a:r>
-              <a:rPr lang="en-US" sz="2400" b="1" dirty="0" err="1"/>
-              <a:t>Javamail</a:t>
-            </a:r>
-            <a:r>
-              <a:rPr lang="en-US" sz="2400" dirty="0"/>
-              <a:t> - Apache Geronimo </a:t>
-            </a:r>
-            <a:r>
-              <a:rPr lang="en-US" sz="2400" dirty="0" err="1"/>
-              <a:t>JavaMail</a:t>
-            </a:r>
-            <a:endParaRPr lang="en-US" sz="2400" dirty="0"/>
-          </a:p>
-          <a:p>
-            <a:r>
-              <a:rPr lang="en-US" sz="2400" b="1" dirty="0"/>
-              <a:t>Bean Validation</a:t>
-            </a:r>
-            <a:r>
-              <a:rPr lang="en-US" sz="2400" dirty="0"/>
-              <a:t> - Apache </a:t>
-            </a:r>
-            <a:r>
-              <a:rPr lang="en-US" sz="2400" dirty="0" err="1"/>
-              <a:t>Bval</a:t>
-            </a:r>
-            <a:endParaRPr lang="en-US" sz="2400" dirty="0"/>
-          </a:p>
-          <a:p>
-            <a:endParaRPr lang="fr-FR" sz="1600" dirty="0"/>
+            <a:pPr marL="342900" indent="-342900" defTabSz="457200">
+              <a:spcBef>
+                <a:spcPts val="1000"/>
+              </a:spcBef>
+              <a:buClr>
+                <a:schemeClr val="accent1"/>
+              </a:buClr>
+              <a:buFont typeface="Wingdings 3" charset="2"/>
+              <a:buChar char=""/>
+            </a:pPr>
+            <a:r>
+              <a:rPr lang="fr-FR" dirty="0">
+                <a:solidFill>
+                  <a:schemeClr val="tx1">
+                    <a:lumMod val="85000"/>
+                    <a:lumOff val="15000"/>
+                  </a:schemeClr>
+                </a:solidFill>
+                <a:latin typeface="+mj-lt"/>
+                <a:ea typeface="+mj-ea"/>
+                <a:cs typeface="+mj-cs"/>
+              </a:rPr>
+              <a:t>Fichiers supprimés</a:t>
+            </a:r>
+          </a:p>
+        </p:txBody>
+      </p:sp>
+      <p:sp>
+        <p:nvSpPr>
+          <p:cNvPr id="8" name="Espace réservé du contenu 4"/>
+          <p:cNvSpPr txBox="1">
+            <a:spLocks/>
+          </p:cNvSpPr>
+          <p:nvPr/>
+        </p:nvSpPr>
+        <p:spPr>
+          <a:xfrm>
+            <a:off x="6493939" y="5596281"/>
+            <a:ext cx="3911660" cy="2317777"/>
+          </a:xfrm>
+          <a:prstGeom prst="rect">
+            <a:avLst/>
+          </a:prstGeom>
+        </p:spPr>
+        <p:txBody>
+          <a:bodyPr vert="horz" lIns="91440" tIns="45720" rIns="91440" bIns="45720" rtlCol="0">
+            <a:normAutofit/>
+          </a:bodyPr>
+          <a:lstStyle>
+            <a:lvl1pPr marL="342900" indent="-342900" algn="l" defTabSz="457200" rtl="0" eaLnBrk="1" latinLnBrk="0" hangingPunct="1">
+              <a:spcBef>
+                <a:spcPts val="1000"/>
+              </a:spcBef>
+              <a:spcAft>
+                <a:spcPts val="0"/>
+              </a:spcAft>
+              <a:buClr>
+                <a:schemeClr val="accent1"/>
+              </a:buClr>
+              <a:buFont typeface="Wingdings 3" charset="2"/>
+              <a:buChar char=""/>
+              <a:defRPr sz="1800" kern="1200">
+                <a:solidFill>
+                  <a:schemeClr val="tx1">
+                    <a:lumMod val="75000"/>
+                    <a:lumOff val="25000"/>
+                  </a:schemeClr>
+                </a:solidFill>
+                <a:latin typeface="+mn-lt"/>
+                <a:ea typeface="+mn-ea"/>
+                <a:cs typeface="+mn-cs"/>
+              </a:defRPr>
+            </a:lvl1pPr>
+            <a:lvl2pPr marL="742950" indent="-285750" algn="l" defTabSz="457200" rtl="0" eaLnBrk="1" latinLnBrk="0" hangingPunct="1">
+              <a:spcBef>
+                <a:spcPts val="1000"/>
+              </a:spcBef>
+              <a:spcAft>
+                <a:spcPts val="0"/>
+              </a:spcAft>
+              <a:buClr>
+                <a:schemeClr val="accent1"/>
+              </a:buClr>
+              <a:buFont typeface="Wingdings 3" charset="2"/>
+              <a:buChar char=""/>
+              <a:defRPr sz="1600" kern="1200">
+                <a:solidFill>
+                  <a:schemeClr val="tx1">
+                    <a:lumMod val="75000"/>
+                    <a:lumOff val="25000"/>
+                  </a:schemeClr>
+                </a:solidFill>
+                <a:latin typeface="+mn-lt"/>
+                <a:ea typeface="+mn-ea"/>
+                <a:cs typeface="+mn-cs"/>
+              </a:defRPr>
+            </a:lvl2pPr>
+            <a:lvl3pPr marL="1143000" indent="-228600" algn="l" defTabSz="457200" rtl="0" eaLnBrk="1" latinLnBrk="0" hangingPunct="1">
+              <a:spcBef>
+                <a:spcPts val="1000"/>
+              </a:spcBef>
+              <a:spcAft>
+                <a:spcPts val="0"/>
+              </a:spcAft>
+              <a:buClr>
+                <a:schemeClr val="accent1"/>
+              </a:buClr>
+              <a:buFont typeface="Wingdings 3" charset="2"/>
+              <a:buChar char=""/>
+              <a:defRPr sz="1400" kern="1200">
+                <a:solidFill>
+                  <a:schemeClr val="tx1">
+                    <a:lumMod val="75000"/>
+                    <a:lumOff val="25000"/>
+                  </a:schemeClr>
+                </a:solidFill>
+                <a:latin typeface="+mn-lt"/>
+                <a:ea typeface="+mn-ea"/>
+                <a:cs typeface="+mn-cs"/>
+              </a:defRPr>
+            </a:lvl3pPr>
+            <a:lvl4pPr marL="1600200" indent="-228600" algn="l" defTabSz="457200" rtl="0" eaLnBrk="1" latinLnBrk="0" hangingPunct="1">
+              <a:spcBef>
+                <a:spcPts val="1000"/>
+              </a:spcBef>
+              <a:spcAft>
+                <a:spcPts val="0"/>
+              </a:spcAft>
+              <a:buClr>
+                <a:schemeClr val="accent1"/>
+              </a:buClr>
+              <a:buFont typeface="Wingdings 3" charset="2"/>
+              <a:buChar char=""/>
+              <a:defRPr sz="1200" kern="1200">
+                <a:solidFill>
+                  <a:schemeClr val="tx1">
+                    <a:lumMod val="75000"/>
+                    <a:lumOff val="25000"/>
+                  </a:schemeClr>
+                </a:solidFill>
+                <a:latin typeface="+mn-lt"/>
+                <a:ea typeface="+mn-ea"/>
+                <a:cs typeface="+mn-cs"/>
+              </a:defRPr>
+            </a:lvl4pPr>
+            <a:lvl5pPr marL="2057400" indent="-228600" algn="l" defTabSz="457200" rtl="0" eaLnBrk="1" latinLnBrk="0" hangingPunct="1">
+              <a:spcBef>
+                <a:spcPts val="1000"/>
+              </a:spcBef>
+              <a:spcAft>
+                <a:spcPts val="0"/>
+              </a:spcAft>
+              <a:buClr>
+                <a:schemeClr val="accent1"/>
+              </a:buClr>
+              <a:buFont typeface="Wingdings 3" charset="2"/>
+              <a:buChar char=""/>
+              <a:defRPr sz="1200" kern="1200">
+                <a:solidFill>
+                  <a:schemeClr val="tx1">
+                    <a:lumMod val="75000"/>
+                    <a:lumOff val="25000"/>
+                  </a:schemeClr>
+                </a:solidFill>
+                <a:latin typeface="+mn-lt"/>
+                <a:ea typeface="+mn-ea"/>
+                <a:cs typeface="+mn-cs"/>
+              </a:defRPr>
+            </a:lvl5pPr>
+            <a:lvl6pPr marL="2514600" indent="-228600" algn="l" defTabSz="457200" rtl="0" eaLnBrk="1" latinLnBrk="0" hangingPunct="1">
+              <a:spcBef>
+                <a:spcPts val="1000"/>
+              </a:spcBef>
+              <a:spcAft>
+                <a:spcPts val="0"/>
+              </a:spcAft>
+              <a:buClr>
+                <a:schemeClr val="accent1"/>
+              </a:buClr>
+              <a:buFont typeface="Wingdings 3" charset="2"/>
+              <a:buChar char=""/>
+              <a:defRPr sz="1200" kern="1200">
+                <a:solidFill>
+                  <a:schemeClr val="tx1">
+                    <a:lumMod val="75000"/>
+                    <a:lumOff val="25000"/>
+                  </a:schemeClr>
+                </a:solidFill>
+                <a:latin typeface="+mn-lt"/>
+                <a:ea typeface="+mn-ea"/>
+                <a:cs typeface="+mn-cs"/>
+              </a:defRPr>
+            </a:lvl6pPr>
+            <a:lvl7pPr marL="2971800" indent="-228600" algn="l" defTabSz="457200" rtl="0" eaLnBrk="1" latinLnBrk="0" hangingPunct="1">
+              <a:spcBef>
+                <a:spcPts val="1000"/>
+              </a:spcBef>
+              <a:spcAft>
+                <a:spcPts val="0"/>
+              </a:spcAft>
+              <a:buClr>
+                <a:schemeClr val="accent1"/>
+              </a:buClr>
+              <a:buFont typeface="Wingdings 3" charset="2"/>
+              <a:buChar char=""/>
+              <a:defRPr sz="1200" kern="1200">
+                <a:solidFill>
+                  <a:schemeClr val="tx1">
+                    <a:lumMod val="75000"/>
+                    <a:lumOff val="25000"/>
+                  </a:schemeClr>
+                </a:solidFill>
+                <a:latin typeface="+mn-lt"/>
+                <a:ea typeface="+mn-ea"/>
+                <a:cs typeface="+mn-cs"/>
+              </a:defRPr>
+            </a:lvl7pPr>
+            <a:lvl8pPr marL="3429000" indent="-228600" algn="l" defTabSz="457200" rtl="0" eaLnBrk="1" latinLnBrk="0" hangingPunct="1">
+              <a:spcBef>
+                <a:spcPts val="1000"/>
+              </a:spcBef>
+              <a:spcAft>
+                <a:spcPts val="0"/>
+              </a:spcAft>
+              <a:buClr>
+                <a:schemeClr val="accent1"/>
+              </a:buClr>
+              <a:buFont typeface="Wingdings 3" charset="2"/>
+              <a:buChar char=""/>
+              <a:defRPr sz="1200" kern="1200">
+                <a:solidFill>
+                  <a:schemeClr val="tx1">
+                    <a:lumMod val="75000"/>
+                    <a:lumOff val="25000"/>
+                  </a:schemeClr>
+                </a:solidFill>
+                <a:latin typeface="+mn-lt"/>
+                <a:ea typeface="+mn-ea"/>
+                <a:cs typeface="+mn-cs"/>
+              </a:defRPr>
+            </a:lvl8pPr>
+            <a:lvl9pPr marL="3886200" indent="-228600" algn="l" defTabSz="457200" rtl="0" eaLnBrk="1" latinLnBrk="0" hangingPunct="1">
+              <a:spcBef>
+                <a:spcPts val="1000"/>
+              </a:spcBef>
+              <a:spcAft>
+                <a:spcPts val="0"/>
+              </a:spcAft>
+              <a:buClr>
+                <a:schemeClr val="accent1"/>
+              </a:buClr>
+              <a:buFont typeface="Wingdings 3" charset="2"/>
+              <a:buChar char=""/>
+              <a:defRPr sz="1200" kern="1200">
+                <a:solidFill>
+                  <a:schemeClr val="tx1">
+                    <a:lumMod val="75000"/>
+                    <a:lumOff val="25000"/>
+                  </a:schemeClr>
+                </a:solidFill>
+                <a:latin typeface="+mn-lt"/>
+                <a:ea typeface="+mn-ea"/>
+                <a:cs typeface="+mn-cs"/>
+              </a:defRPr>
+            </a:lvl9pPr>
+          </a:lstStyle>
+          <a:p>
+            <a:pPr marL="457152" indent="-457152">
+              <a:buFont typeface="Arial" pitchFamily="34" charset="0"/>
+              <a:buChar char="•"/>
+            </a:pPr>
+            <a:r>
+              <a:rPr lang="en-US" dirty="0" smtClean="0"/>
+              <a:t>lib/annotations-api.jar</a:t>
+            </a:r>
+          </a:p>
+          <a:p>
+            <a:pPr marL="457152" indent="-457152">
+              <a:buFont typeface="Arial" pitchFamily="34" charset="0"/>
+              <a:buChar char="•"/>
+            </a:pPr>
+            <a:r>
+              <a:rPr lang="en-US" dirty="0" smtClean="0"/>
+              <a:t>lib/el-api.jar</a:t>
+            </a:r>
+          </a:p>
+          <a:p>
+            <a:pPr marL="457152" indent="-457152">
+              <a:buFont typeface="Arial" pitchFamily="34" charset="0"/>
+              <a:buChar char="•"/>
+            </a:pPr>
+            <a:r>
+              <a:rPr lang="en-US" dirty="0" err="1" smtClean="0"/>
+              <a:t>webapps</a:t>
+            </a:r>
+            <a:r>
+              <a:rPr lang="en-US" dirty="0" smtClean="0"/>
+              <a:t>/examples/</a:t>
+            </a:r>
           </a:p>
         </p:txBody>
       </p:sp>
     </p:spTree>
     <p:extLst>
       <p:ext uri="{BB962C8B-B14F-4D97-AF65-F5344CB8AC3E}">
-        <p14:creationId xmlns:p14="http://schemas.microsoft.com/office/powerpoint/2010/main" val="1618786461"/>
+        <p14:creationId xmlns:p14="http://schemas.microsoft.com/office/powerpoint/2010/main" val="274527325"/>
       </p:ext>
     </p:extLst>
   </p:cSld>
@@ -8625,201 +10309,85 @@
             <p:ph type="title"/>
           </p:nvPr>
         </p:nvSpPr>
-        <p:spPr/>
-        <p:txBody>
-          <a:bodyPr/>
-          <a:lstStyle/>
-          <a:p>
-            <a:endParaRPr lang="fr-FR"/>
-          </a:p>
-        </p:txBody>
-      </p:sp>
-      <p:sp>
-        <p:nvSpPr>
-          <p:cNvPr id="3" name="Content Placeholder 2"/>
-          <p:cNvSpPr>
-            <a:spLocks noGrp="1"/>
-          </p:cNvSpPr>
-          <p:nvPr>
-            <p:ph idx="1"/>
-          </p:nvPr>
-        </p:nvSpPr>
-        <p:spPr/>
+        <p:spPr>
+          <a:xfrm>
+            <a:off x="1892073" y="2278738"/>
+            <a:ext cx="10299927" cy="2104575"/>
+          </a:xfrm>
+        </p:spPr>
         <p:txBody>
           <a:bodyPr>
-            <a:normAutofit fontScale="62500" lnSpcReduction="20000"/>
+            <a:noAutofit/>
           </a:bodyPr>
           <a:lstStyle/>
           <a:p>
-            <a:r>
-              <a:rPr lang="en-US" dirty="0"/>
-              <a:t>The question that was in our mind and the entire reason we created </a:t>
-            </a:r>
-            <a:r>
-              <a:rPr lang="en-US" dirty="0" err="1">
-                <a:hlinkClick r:id="rId2"/>
+            <a:pPr algn="ctr" fontAlgn="ctr"/>
+            <a:r>
+              <a:rPr lang="fr-FR" sz="1800" dirty="0"/>
+              <a:t/>
+            </a:r>
+            <a:br>
+              <a:rPr lang="fr-FR" sz="1800" dirty="0"/>
+            </a:br>
+            <a:r>
+              <a:rPr lang="fr-FR" sz="4800" dirty="0">
+                <a:solidFill>
+                  <a:srgbClr val="A53010"/>
+                </a:solidFill>
+                <a:latin typeface="Comic Sans MS" pitchFamily="66" charset="0"/>
               </a:rPr>
-              <a:t>TomEE</a:t>
-            </a:r>
-            <a:r>
-              <a:rPr lang="en-US" dirty="0"/>
-              <a:t> was, why should people have to choose?</a:t>
-            </a:r>
-          </a:p>
-          <a:p>
-            <a:r>
-              <a:rPr lang="en-US" dirty="0"/>
-              <a:t>The whole "Tomcat or </a:t>
-            </a:r>
-            <a:r>
-              <a:rPr lang="en-US" dirty="0" err="1"/>
-              <a:t>JavaEE</a:t>
-            </a:r>
-            <a:r>
-              <a:rPr lang="en-US" dirty="0"/>
-              <a:t>" thing is tired and old.</a:t>
-            </a:r>
-          </a:p>
-          <a:p>
-            <a:r>
-              <a:rPr lang="en-US" dirty="0"/>
-              <a:t>After 10 years it still comes up and people argue against each other as to which is better and why.</a:t>
-            </a:r>
-          </a:p>
-          <a:p>
-            <a:r>
-              <a:rPr lang="en-US" dirty="0"/>
-              <a:t>Here's the math in short form:</a:t>
-            </a:r>
-          </a:p>
-          <a:p>
-            <a:r>
-              <a:rPr lang="en-US" dirty="0"/>
-              <a:t>In Java EE 6, we (JCP) created the Web Profile to formally acknowledge the need for smaller runtimes with a focused set of technologies.</a:t>
-            </a:r>
-          </a:p>
-          <a:p>
-            <a:r>
-              <a:rPr lang="en-US" dirty="0"/>
-              <a:t>Great, we're half-way there, but people are still arguing "Tomcat </a:t>
-            </a:r>
-            <a:r>
-              <a:rPr lang="en-US" i="1" dirty="0"/>
-              <a:t>or</a:t>
-            </a:r>
-            <a:r>
-              <a:rPr lang="en-US" dirty="0"/>
-              <a:t> </a:t>
-            </a:r>
-            <a:r>
-              <a:rPr lang="en-US" dirty="0" err="1"/>
-              <a:t>JavaEE</a:t>
-            </a:r>
-            <a:r>
-              <a:rPr lang="en-US" dirty="0"/>
-              <a:t>". The solution was clear, Tomcat needed to be Java EE certified. The Web Profile was created to allow for </a:t>
-            </a:r>
-            <a:r>
-              <a:rPr lang="en-US" i="1" dirty="0"/>
-              <a:t>exactly that</a:t>
-            </a:r>
-            <a:r>
-              <a:rPr lang="en-US" dirty="0"/>
-              <a:t>.</a:t>
-            </a:r>
-          </a:p>
-          <a:p>
-            <a:r>
-              <a:rPr lang="en-US" dirty="0"/>
-              <a:t>In 2011 we (Apache) started doing the work to certify Apache Tomcat. Certification reached and announced at </a:t>
-            </a:r>
-            <a:r>
-              <a:rPr lang="en-US" dirty="0" err="1"/>
-              <a:t>JavaOne</a:t>
-            </a:r>
-            <a:r>
-              <a:rPr lang="en-US" dirty="0"/>
-              <a:t> 2011 as Apache </a:t>
-            </a:r>
-            <a:r>
-              <a:rPr lang="en-US" dirty="0" err="1"/>
-              <a:t>TomEE</a:t>
-            </a:r>
-            <a:r>
-              <a:rPr lang="en-US" dirty="0"/>
-              <a:t>. Final release announced in April.</a:t>
-            </a:r>
-          </a:p>
-          <a:p>
-            <a:r>
-              <a:rPr lang="en-US" dirty="0"/>
-              <a:t>Awesome, now we are there.</a:t>
-            </a:r>
-          </a:p>
-          <a:p>
-            <a:r>
-              <a:rPr lang="en-US" dirty="0"/>
-              <a:t>The new Status Quo</a:t>
-            </a:r>
-          </a:p>
-          <a:p>
-            <a:r>
-              <a:rPr lang="en-US" dirty="0"/>
-              <a:t>There is a lighter version of </a:t>
-            </a:r>
-            <a:r>
-              <a:rPr lang="en-US" dirty="0" err="1"/>
-              <a:t>JavaEE</a:t>
-            </a:r>
-            <a:endParaRPr lang="en-US" dirty="0"/>
-          </a:p>
-          <a:p>
-            <a:r>
-              <a:rPr lang="en-US" dirty="0"/>
-              <a:t>There is a </a:t>
-            </a:r>
-            <a:r>
-              <a:rPr lang="en-US" dirty="0" err="1"/>
-              <a:t>JavaEE</a:t>
-            </a:r>
-            <a:r>
-              <a:rPr lang="en-US" dirty="0"/>
-              <a:t> certified version of Tomcat</a:t>
-            </a:r>
-          </a:p>
-          <a:p>
-            <a:r>
-              <a:rPr lang="en-US" dirty="0"/>
-              <a:t>All this happened in the last 2 years. Things have changed.</a:t>
-            </a:r>
-          </a:p>
-          <a:p>
-            <a:r>
-              <a:rPr lang="en-US" dirty="0"/>
-              <a:t>If you want </a:t>
-            </a:r>
-            <a:r>
-              <a:rPr lang="en-US" b="1" dirty="0"/>
-              <a:t>Tomcat and </a:t>
-            </a:r>
-            <a:r>
-              <a:rPr lang="en-US" b="1" dirty="0" err="1"/>
-              <a:t>JavaEE</a:t>
-            </a:r>
-            <a:r>
-              <a:rPr lang="en-US" dirty="0"/>
-              <a:t>, you can have it.</a:t>
-            </a:r>
-          </a:p>
-          <a:p>
-            <a:endParaRPr lang="fr-FR" dirty="0"/>
+              <a:t>Avons-nous seulement </a:t>
+            </a:r>
+            <a:r>
+              <a:rPr lang="fr-FR" sz="4800" dirty="0" smtClean="0">
+                <a:solidFill>
+                  <a:srgbClr val="A53010"/>
+                </a:solidFill>
+                <a:latin typeface="Comic Sans MS" pitchFamily="66" charset="0"/>
+              </a:rPr>
+              <a:t/>
+            </a:r>
+            <a:br>
+              <a:rPr lang="fr-FR" sz="4800" dirty="0" smtClean="0">
+                <a:solidFill>
+                  <a:srgbClr val="A53010"/>
+                </a:solidFill>
+                <a:latin typeface="Comic Sans MS" pitchFamily="66" charset="0"/>
+              </a:rPr>
+            </a:br>
+            <a:r>
+              <a:rPr lang="fr-FR" sz="4800" dirty="0" smtClean="0">
+                <a:solidFill>
+                  <a:srgbClr val="A53010"/>
+                </a:solidFill>
+                <a:latin typeface="Comic Sans MS" pitchFamily="66" charset="0"/>
+              </a:rPr>
+              <a:t>ajouter </a:t>
+            </a:r>
+            <a:r>
+              <a:rPr lang="fr-FR" sz="4800" dirty="0">
+                <a:solidFill>
+                  <a:srgbClr val="A53010"/>
+                </a:solidFill>
+                <a:latin typeface="Comic Sans MS" pitchFamily="66" charset="0"/>
+              </a:rPr>
+              <a:t>/ supprimer des fichiers?</a:t>
+            </a:r>
+            <a:r>
+              <a:rPr lang="fr-FR" sz="1800" dirty="0"/>
+              <a:t/>
+            </a:r>
+            <a:br>
+              <a:rPr lang="fr-FR" sz="1800" dirty="0"/>
+            </a:br>
+            <a:endParaRPr lang="fr-FR" sz="1800" dirty="0"/>
           </a:p>
         </p:txBody>
       </p:sp>
     </p:spTree>
     <p:extLst>
       <p:ext uri="{BB962C8B-B14F-4D97-AF65-F5344CB8AC3E}">
-        <p14:creationId xmlns:p14="http://schemas.microsoft.com/office/powerpoint/2010/main" val="2558668024"/>
+        <p14:creationId xmlns:p14="http://schemas.microsoft.com/office/powerpoint/2010/main" val="1699126891"/>
       </p:ext>
     </p:extLst>
   </p:cSld>
@@ -8865,1152 +10433,6 @@
         </p:nvSpPr>
         <p:spPr>
           <a:xfrm>
-            <a:off x="6278704" y="1870117"/>
-            <a:ext cx="7394604" cy="1062837"/>
-          </a:xfrm>
-        </p:spPr>
-        <p:txBody>
-          <a:bodyPr>
-            <a:normAutofit/>
-          </a:bodyPr>
-          <a:lstStyle/>
-          <a:p>
-            <a:pPr marL="342900" indent="-342900">
-              <a:spcBef>
-                <a:spcPts val="1000"/>
-              </a:spcBef>
-              <a:buClr>
-                <a:schemeClr val="accent1"/>
-              </a:buClr>
-              <a:buFont typeface="Wingdings 3" charset="2"/>
-              <a:buChar char=""/>
-            </a:pPr>
-            <a:r>
-              <a:rPr lang="fr-FR" sz="1800" dirty="0"/>
-              <a:t>Fichiers modifiés</a:t>
-            </a:r>
-            <a:endParaRPr lang="fr-FR" sz="1800" dirty="0">
-              <a:solidFill>
-                <a:schemeClr val="tx1">
-                  <a:lumMod val="75000"/>
-                  <a:lumOff val="25000"/>
-                </a:schemeClr>
-              </a:solidFill>
-              <a:latin typeface="+mn-lt"/>
-              <a:ea typeface="+mn-ea"/>
-              <a:cs typeface="+mn-cs"/>
-            </a:endParaRPr>
-          </a:p>
-        </p:txBody>
-      </p:sp>
-      <p:sp>
-        <p:nvSpPr>
-          <p:cNvPr id="3" name="Content Placeholder 2"/>
-          <p:cNvSpPr>
-            <a:spLocks noGrp="1"/>
-          </p:cNvSpPr>
-          <p:nvPr>
-            <p:ph idx="1"/>
-          </p:nvPr>
-        </p:nvSpPr>
-        <p:spPr>
-          <a:xfrm>
-            <a:off x="1266680" y="1958662"/>
-            <a:ext cx="2652489" cy="467932"/>
-          </a:xfrm>
-        </p:spPr>
-        <p:txBody>
-          <a:bodyPr/>
-          <a:lstStyle/>
-          <a:p>
-            <a:r>
-              <a:rPr lang="fr-FR" dirty="0"/>
-              <a:t>Fichiers </a:t>
-            </a:r>
-            <a:r>
-              <a:rPr lang="fr-FR" dirty="0" smtClean="0"/>
-              <a:t>ajoutés</a:t>
-            </a:r>
-          </a:p>
-          <a:p>
-            <a:endParaRPr lang="fr-FR" dirty="0"/>
-          </a:p>
-        </p:txBody>
-      </p:sp>
-      <p:pic>
-        <p:nvPicPr>
-          <p:cNvPr id="4" name="Picture 3"/>
-          <p:cNvPicPr>
-            <a:picLocks noChangeAspect="1" noChangeArrowheads="1"/>
-          </p:cNvPicPr>
-          <p:nvPr/>
-        </p:nvPicPr>
-        <p:blipFill>
-          <a:blip r:embed="rId2">
-            <a:extLst>
-              <a:ext uri="{28A0092B-C50C-407E-A947-70E740481C1C}">
-                <a14:useLocalDpi xmlns:a14="http://schemas.microsoft.com/office/drawing/2010/main" val="0"/>
-              </a:ext>
-            </a:extLst>
-          </a:blip>
-          <a:srcRect/>
-          <a:stretch>
-            <a:fillRect/>
-          </a:stretch>
-        </p:blipFill>
-        <p:spPr bwMode="auto">
-          <a:xfrm>
-            <a:off x="507580" y="2480256"/>
-            <a:ext cx="5083499" cy="4027868"/>
-          </a:xfrm>
-          <a:prstGeom prst="rect">
-            <a:avLst/>
-          </a:prstGeom>
-          <a:noFill/>
-          <a:ln>
-            <a:noFill/>
-          </a:ln>
-          <a:effectLst/>
-          <a:extLst>
-            <a:ext uri="{909E8E84-426E-40DD-AFC4-6F175D3DCCD1}">
-              <a14:hiddenFill xmlns:a14="http://schemas.microsoft.com/office/drawing/2010/main">
-                <a:solidFill>
-                  <a:schemeClr val="accent1"/>
-                </a:solidFill>
-              </a14:hiddenFill>
-            </a:ext>
-            <a:ext uri="{91240B29-F687-4F45-9708-019B960494DF}">
-              <a14:hiddenLine xmlns:a14="http://schemas.microsoft.com/office/drawing/2010/main" w="9525">
-                <a:solidFill>
-                  <a:schemeClr val="tx1"/>
-                </a:solidFill>
-                <a:miter lim="800000"/>
-                <a:headEnd/>
-                <a:tailEnd/>
-              </a14:hiddenLine>
-            </a:ext>
-            <a:ext uri="{AF507438-7753-43E0-B8FC-AC1667EBCBE1}">
-              <a14:hiddenEffects xmlns:a14="http://schemas.microsoft.com/office/drawing/2010/main">
-                <a:effectLst>
-                  <a:outerShdw dist="35921" dir="2700000" algn="ctr" rotWithShape="0">
-                    <a:schemeClr val="bg2"/>
-                  </a:outerShdw>
-                </a:effectLst>
-              </a14:hiddenEffects>
-            </a:ext>
-          </a:extLst>
-        </p:spPr>
-      </p:pic>
-      <p:sp>
-        <p:nvSpPr>
-          <p:cNvPr id="5" name="Titre 3"/>
-          <p:cNvSpPr txBox="1">
-            <a:spLocks/>
-          </p:cNvSpPr>
-          <p:nvPr/>
-        </p:nvSpPr>
-        <p:spPr>
-          <a:xfrm>
-            <a:off x="1670224" y="628357"/>
-            <a:ext cx="8627090" cy="1038337"/>
-          </a:xfrm>
-          <a:prstGeom prst="rect">
-            <a:avLst/>
-          </a:prstGeom>
-        </p:spPr>
-        <p:txBody>
-          <a:bodyPr vert="horz" lIns="91440" tIns="45720" rIns="91440" bIns="45720" rtlCol="0" anchor="t">
-            <a:normAutofit/>
-          </a:bodyPr>
-          <a:lstStyle>
-            <a:lvl1pPr algn="l" defTabSz="457200" rtl="0" eaLnBrk="1" latinLnBrk="0" hangingPunct="1">
-              <a:spcBef>
-                <a:spcPct val="0"/>
-              </a:spcBef>
-              <a:buNone/>
-              <a:defRPr sz="3600" kern="1200">
-                <a:solidFill>
-                  <a:schemeClr val="tx1">
-                    <a:lumMod val="85000"/>
-                    <a:lumOff val="15000"/>
-                  </a:schemeClr>
-                </a:solidFill>
-                <a:latin typeface="+mj-lt"/>
-                <a:ea typeface="+mj-ea"/>
-                <a:cs typeface="+mj-cs"/>
-              </a:defRPr>
-            </a:lvl1pPr>
-            <a:lvl2pPr eaLnBrk="1" hangingPunct="1">
-              <a:defRPr>
-                <a:solidFill>
-                  <a:schemeClr val="tx2"/>
-                </a:solidFill>
-              </a:defRPr>
-            </a:lvl2pPr>
-            <a:lvl3pPr eaLnBrk="1" hangingPunct="1">
-              <a:defRPr>
-                <a:solidFill>
-                  <a:schemeClr val="tx2"/>
-                </a:solidFill>
-              </a:defRPr>
-            </a:lvl3pPr>
-            <a:lvl4pPr eaLnBrk="1" hangingPunct="1">
-              <a:defRPr>
-                <a:solidFill>
-                  <a:schemeClr val="tx2"/>
-                </a:solidFill>
-              </a:defRPr>
-            </a:lvl4pPr>
-            <a:lvl5pPr eaLnBrk="1" hangingPunct="1">
-              <a:defRPr>
-                <a:solidFill>
-                  <a:schemeClr val="tx2"/>
-                </a:solidFill>
-              </a:defRPr>
-            </a:lvl5pPr>
-            <a:lvl6pPr eaLnBrk="1" hangingPunct="1">
-              <a:defRPr>
-                <a:solidFill>
-                  <a:schemeClr val="tx2"/>
-                </a:solidFill>
-              </a:defRPr>
-            </a:lvl6pPr>
-            <a:lvl7pPr eaLnBrk="1" hangingPunct="1">
-              <a:defRPr>
-                <a:solidFill>
-                  <a:schemeClr val="tx2"/>
-                </a:solidFill>
-              </a:defRPr>
-            </a:lvl7pPr>
-            <a:lvl8pPr eaLnBrk="1" hangingPunct="1">
-              <a:defRPr>
-                <a:solidFill>
-                  <a:schemeClr val="tx2"/>
-                </a:solidFill>
-              </a:defRPr>
-            </a:lvl8pPr>
-            <a:lvl9pPr eaLnBrk="1" hangingPunct="1">
-              <a:defRPr>
-                <a:solidFill>
-                  <a:schemeClr val="tx2"/>
-                </a:solidFill>
-              </a:defRPr>
-            </a:lvl9pPr>
-          </a:lstStyle>
-          <a:p>
-            <a:r>
-              <a:rPr lang="fr-FR" dirty="0">
-                <a:solidFill>
-                  <a:schemeClr val="tx1">
-                    <a:lumMod val="75000"/>
-                    <a:lumOff val="25000"/>
-                  </a:schemeClr>
-                </a:solidFill>
-              </a:rPr>
-              <a:t>Quel est son secret ?</a:t>
-            </a:r>
-            <a:endParaRPr lang="fr-FR" dirty="0"/>
-          </a:p>
-        </p:txBody>
-      </p:sp>
-      <p:sp>
-        <p:nvSpPr>
-          <p:cNvPr id="6" name="Espace réservé du contenu 4"/>
-          <p:cNvSpPr txBox="1">
-            <a:spLocks/>
-          </p:cNvSpPr>
-          <p:nvPr/>
-        </p:nvSpPr>
-        <p:spPr>
-          <a:xfrm>
-            <a:off x="6254489" y="2401536"/>
-            <a:ext cx="5083499" cy="2549002"/>
-          </a:xfrm>
-          <a:prstGeom prst="rect">
-            <a:avLst/>
-          </a:prstGeom>
-        </p:spPr>
-        <p:txBody>
-          <a:bodyPr vert="horz" lIns="91440" tIns="45720" rIns="91440" bIns="45720" rtlCol="0">
-            <a:normAutofit fontScale="77500" lnSpcReduction="20000"/>
-          </a:bodyPr>
-          <a:lstStyle>
-            <a:lvl1pPr marL="342900" indent="-342900" algn="l" defTabSz="457200" rtl="0" eaLnBrk="1" latinLnBrk="0" hangingPunct="1">
-              <a:spcBef>
-                <a:spcPts val="1000"/>
-              </a:spcBef>
-              <a:spcAft>
-                <a:spcPts val="0"/>
-              </a:spcAft>
-              <a:buClr>
-                <a:schemeClr val="accent1"/>
-              </a:buClr>
-              <a:buFont typeface="Wingdings 3" charset="2"/>
-              <a:buChar char=""/>
-              <a:defRPr sz="1800" kern="1200">
-                <a:solidFill>
-                  <a:schemeClr val="tx1">
-                    <a:lumMod val="75000"/>
-                    <a:lumOff val="25000"/>
-                  </a:schemeClr>
-                </a:solidFill>
-                <a:latin typeface="+mn-lt"/>
-                <a:ea typeface="+mn-ea"/>
-                <a:cs typeface="+mn-cs"/>
-              </a:defRPr>
-            </a:lvl1pPr>
-            <a:lvl2pPr marL="742950" indent="-285750" algn="l" defTabSz="457200" rtl="0" eaLnBrk="1" latinLnBrk="0" hangingPunct="1">
-              <a:spcBef>
-                <a:spcPts val="1000"/>
-              </a:spcBef>
-              <a:spcAft>
-                <a:spcPts val="0"/>
-              </a:spcAft>
-              <a:buClr>
-                <a:schemeClr val="accent1"/>
-              </a:buClr>
-              <a:buFont typeface="Wingdings 3" charset="2"/>
-              <a:buChar char=""/>
-              <a:defRPr sz="1600" kern="1200">
-                <a:solidFill>
-                  <a:schemeClr val="tx1">
-                    <a:lumMod val="75000"/>
-                    <a:lumOff val="25000"/>
-                  </a:schemeClr>
-                </a:solidFill>
-                <a:latin typeface="+mn-lt"/>
-                <a:ea typeface="+mn-ea"/>
-                <a:cs typeface="+mn-cs"/>
-              </a:defRPr>
-            </a:lvl2pPr>
-            <a:lvl3pPr marL="1143000" indent="-228600" algn="l" defTabSz="457200" rtl="0" eaLnBrk="1" latinLnBrk="0" hangingPunct="1">
-              <a:spcBef>
-                <a:spcPts val="1000"/>
-              </a:spcBef>
-              <a:spcAft>
-                <a:spcPts val="0"/>
-              </a:spcAft>
-              <a:buClr>
-                <a:schemeClr val="accent1"/>
-              </a:buClr>
-              <a:buFont typeface="Wingdings 3" charset="2"/>
-              <a:buChar char=""/>
-              <a:defRPr sz="1400" kern="1200">
-                <a:solidFill>
-                  <a:schemeClr val="tx1">
-                    <a:lumMod val="75000"/>
-                    <a:lumOff val="25000"/>
-                  </a:schemeClr>
-                </a:solidFill>
-                <a:latin typeface="+mn-lt"/>
-                <a:ea typeface="+mn-ea"/>
-                <a:cs typeface="+mn-cs"/>
-              </a:defRPr>
-            </a:lvl3pPr>
-            <a:lvl4pPr marL="1600200" indent="-228600" algn="l" defTabSz="457200" rtl="0" eaLnBrk="1" latinLnBrk="0" hangingPunct="1">
-              <a:spcBef>
-                <a:spcPts val="1000"/>
-              </a:spcBef>
-              <a:spcAft>
-                <a:spcPts val="0"/>
-              </a:spcAft>
-              <a:buClr>
-                <a:schemeClr val="accent1"/>
-              </a:buClr>
-              <a:buFont typeface="Wingdings 3" charset="2"/>
-              <a:buChar char=""/>
-              <a:defRPr sz="1200" kern="1200">
-                <a:solidFill>
-                  <a:schemeClr val="tx1">
-                    <a:lumMod val="75000"/>
-                    <a:lumOff val="25000"/>
-                  </a:schemeClr>
-                </a:solidFill>
-                <a:latin typeface="+mn-lt"/>
-                <a:ea typeface="+mn-ea"/>
-                <a:cs typeface="+mn-cs"/>
-              </a:defRPr>
-            </a:lvl4pPr>
-            <a:lvl5pPr marL="2057400" indent="-228600" algn="l" defTabSz="457200" rtl="0" eaLnBrk="1" latinLnBrk="0" hangingPunct="1">
-              <a:spcBef>
-                <a:spcPts val="1000"/>
-              </a:spcBef>
-              <a:spcAft>
-                <a:spcPts val="0"/>
-              </a:spcAft>
-              <a:buClr>
-                <a:schemeClr val="accent1"/>
-              </a:buClr>
-              <a:buFont typeface="Wingdings 3" charset="2"/>
-              <a:buChar char=""/>
-              <a:defRPr sz="1200" kern="1200">
-                <a:solidFill>
-                  <a:schemeClr val="tx1">
-                    <a:lumMod val="75000"/>
-                    <a:lumOff val="25000"/>
-                  </a:schemeClr>
-                </a:solidFill>
-                <a:latin typeface="+mn-lt"/>
-                <a:ea typeface="+mn-ea"/>
-                <a:cs typeface="+mn-cs"/>
-              </a:defRPr>
-            </a:lvl5pPr>
-            <a:lvl6pPr marL="2514600" indent="-228600" algn="l" defTabSz="457200" rtl="0" eaLnBrk="1" latinLnBrk="0" hangingPunct="1">
-              <a:spcBef>
-                <a:spcPts val="1000"/>
-              </a:spcBef>
-              <a:spcAft>
-                <a:spcPts val="0"/>
-              </a:spcAft>
-              <a:buClr>
-                <a:schemeClr val="accent1"/>
-              </a:buClr>
-              <a:buFont typeface="Wingdings 3" charset="2"/>
-              <a:buChar char=""/>
-              <a:defRPr sz="1200" kern="1200">
-                <a:solidFill>
-                  <a:schemeClr val="tx1">
-                    <a:lumMod val="75000"/>
-                    <a:lumOff val="25000"/>
-                  </a:schemeClr>
-                </a:solidFill>
-                <a:latin typeface="+mn-lt"/>
-                <a:ea typeface="+mn-ea"/>
-                <a:cs typeface="+mn-cs"/>
-              </a:defRPr>
-            </a:lvl6pPr>
-            <a:lvl7pPr marL="2971800" indent="-228600" algn="l" defTabSz="457200" rtl="0" eaLnBrk="1" latinLnBrk="0" hangingPunct="1">
-              <a:spcBef>
-                <a:spcPts val="1000"/>
-              </a:spcBef>
-              <a:spcAft>
-                <a:spcPts val="0"/>
-              </a:spcAft>
-              <a:buClr>
-                <a:schemeClr val="accent1"/>
-              </a:buClr>
-              <a:buFont typeface="Wingdings 3" charset="2"/>
-              <a:buChar char=""/>
-              <a:defRPr sz="1200" kern="1200">
-                <a:solidFill>
-                  <a:schemeClr val="tx1">
-                    <a:lumMod val="75000"/>
-                    <a:lumOff val="25000"/>
-                  </a:schemeClr>
-                </a:solidFill>
-                <a:latin typeface="+mn-lt"/>
-                <a:ea typeface="+mn-ea"/>
-                <a:cs typeface="+mn-cs"/>
-              </a:defRPr>
-            </a:lvl7pPr>
-            <a:lvl8pPr marL="3429000" indent="-228600" algn="l" defTabSz="457200" rtl="0" eaLnBrk="1" latinLnBrk="0" hangingPunct="1">
-              <a:spcBef>
-                <a:spcPts val="1000"/>
-              </a:spcBef>
-              <a:spcAft>
-                <a:spcPts val="0"/>
-              </a:spcAft>
-              <a:buClr>
-                <a:schemeClr val="accent1"/>
-              </a:buClr>
-              <a:buFont typeface="Wingdings 3" charset="2"/>
-              <a:buChar char=""/>
-              <a:defRPr sz="1200" kern="1200">
-                <a:solidFill>
-                  <a:schemeClr val="tx1">
-                    <a:lumMod val="75000"/>
-                    <a:lumOff val="25000"/>
-                  </a:schemeClr>
-                </a:solidFill>
-                <a:latin typeface="+mn-lt"/>
-                <a:ea typeface="+mn-ea"/>
-                <a:cs typeface="+mn-cs"/>
-              </a:defRPr>
-            </a:lvl8pPr>
-            <a:lvl9pPr marL="3886200" indent="-228600" algn="l" defTabSz="457200" rtl="0" eaLnBrk="1" latinLnBrk="0" hangingPunct="1">
-              <a:spcBef>
-                <a:spcPts val="1000"/>
-              </a:spcBef>
-              <a:spcAft>
-                <a:spcPts val="0"/>
-              </a:spcAft>
-              <a:buClr>
-                <a:schemeClr val="accent1"/>
-              </a:buClr>
-              <a:buFont typeface="Wingdings 3" charset="2"/>
-              <a:buChar char=""/>
-              <a:defRPr sz="1200" kern="1200">
-                <a:solidFill>
-                  <a:schemeClr val="tx1">
-                    <a:lumMod val="75000"/>
-                    <a:lumOff val="25000"/>
-                  </a:schemeClr>
-                </a:solidFill>
-                <a:latin typeface="+mn-lt"/>
-                <a:ea typeface="+mn-ea"/>
-                <a:cs typeface="+mn-cs"/>
-              </a:defRPr>
-            </a:lvl9pPr>
-          </a:lstStyle>
-          <a:p>
-            <a:pPr marL="457152" indent="-457152">
-              <a:buFont typeface="Arial" pitchFamily="34" charset="0"/>
-              <a:buChar char="•"/>
-            </a:pPr>
-            <a:r>
-              <a:rPr lang="fr-FR" dirty="0" err="1" smtClean="0"/>
-              <a:t>conf</a:t>
-            </a:r>
-            <a:r>
-              <a:rPr lang="fr-FR" dirty="0" smtClean="0"/>
-              <a:t>/server.xml</a:t>
-            </a:r>
-          </a:p>
-          <a:p>
-            <a:pPr marL="857161" lvl="1" indent="-457152">
-              <a:buFont typeface="Arial" pitchFamily="34" charset="0"/>
-              <a:buChar char="•"/>
-            </a:pPr>
-            <a:r>
-              <a:rPr lang="fr-FR" dirty="0" smtClean="0"/>
-              <a:t>Gestion du cycle de vie</a:t>
-            </a:r>
-          </a:p>
-          <a:p>
-            <a:pPr marL="457152" indent="-457152">
-              <a:buFont typeface="Arial" pitchFamily="34" charset="0"/>
-              <a:buChar char="•"/>
-            </a:pPr>
-            <a:r>
-              <a:rPr lang="fr-FR" dirty="0" err="1" smtClean="0"/>
-              <a:t>conf</a:t>
-            </a:r>
-            <a:r>
-              <a:rPr lang="fr-FR" dirty="0" smtClean="0"/>
-              <a:t>/tomcat-users.xml</a:t>
-            </a:r>
-          </a:p>
-          <a:p>
-            <a:pPr marL="857161" lvl="1" indent="-457152">
-              <a:buFont typeface="Arial" pitchFamily="34" charset="0"/>
-              <a:buChar char="•"/>
-            </a:pPr>
-            <a:r>
-              <a:rPr lang="en-US" dirty="0" err="1" smtClean="0"/>
-              <a:t>Optionnel</a:t>
-            </a:r>
-            <a:r>
-              <a:rPr lang="en-US" dirty="0" smtClean="0"/>
-              <a:t> – </a:t>
-            </a:r>
-            <a:r>
-              <a:rPr lang="en-US" dirty="0" err="1" smtClean="0"/>
-              <a:t>sécurisation</a:t>
-            </a:r>
-            <a:r>
-              <a:rPr lang="en-US" dirty="0" smtClean="0"/>
-              <a:t> de la GUI </a:t>
-            </a:r>
-            <a:r>
-              <a:rPr lang="en-US" dirty="0" err="1" smtClean="0"/>
-              <a:t>webapps</a:t>
-            </a:r>
-            <a:r>
-              <a:rPr lang="en-US" dirty="0" smtClean="0"/>
-              <a:t>/</a:t>
-            </a:r>
-            <a:r>
-              <a:rPr lang="en-US" dirty="0" err="1" smtClean="0"/>
-              <a:t>tomee</a:t>
-            </a:r>
-            <a:r>
-              <a:rPr lang="en-US" dirty="0" smtClean="0"/>
-              <a:t>/</a:t>
-            </a:r>
-            <a:endParaRPr lang="fr-FR" dirty="0" smtClean="0"/>
-          </a:p>
-          <a:p>
-            <a:pPr marL="457152" indent="-457152">
-              <a:buFont typeface="Arial" pitchFamily="34" charset="0"/>
-              <a:buChar char="•"/>
-            </a:pPr>
-            <a:r>
-              <a:rPr lang="fr-FR" dirty="0" smtClean="0"/>
-              <a:t>bin/catalina.sh</a:t>
-            </a:r>
-          </a:p>
-          <a:p>
-            <a:pPr marL="857161" lvl="1" indent="-457152">
-              <a:buFont typeface="Arial" pitchFamily="34" charset="0"/>
-              <a:buChar char="•"/>
-            </a:pPr>
-            <a:r>
-              <a:rPr lang="en-US" dirty="0" err="1" smtClean="0"/>
-              <a:t>Optionnel</a:t>
-            </a:r>
-            <a:r>
-              <a:rPr lang="en-US" dirty="0" smtClean="0"/>
-              <a:t> – </a:t>
-            </a:r>
-            <a:r>
-              <a:rPr lang="en-US" dirty="0" err="1" smtClean="0"/>
-              <a:t>OpenJPA</a:t>
-            </a:r>
-            <a:r>
-              <a:rPr lang="en-US" dirty="0" smtClean="0"/>
-              <a:t> </a:t>
-            </a:r>
-            <a:r>
-              <a:rPr lang="en-US" dirty="0" err="1" smtClean="0"/>
-              <a:t>ou</a:t>
-            </a:r>
-            <a:r>
-              <a:rPr lang="en-US" dirty="0" smtClean="0"/>
-              <a:t> </a:t>
-            </a:r>
-            <a:r>
-              <a:rPr lang="en-US" dirty="0" err="1" smtClean="0"/>
-              <a:t>EclipseLink</a:t>
-            </a:r>
-            <a:r>
-              <a:rPr lang="en-US" dirty="0" smtClean="0"/>
-              <a:t> load-time enhancement</a:t>
-            </a:r>
-            <a:endParaRPr lang="fr-FR" dirty="0" smtClean="0"/>
-          </a:p>
-          <a:p>
-            <a:pPr marL="457152" indent="-457152">
-              <a:buFont typeface="Arial" pitchFamily="34" charset="0"/>
-              <a:buChar char="•"/>
-            </a:pPr>
-            <a:r>
-              <a:rPr lang="fr-FR" dirty="0" smtClean="0"/>
-              <a:t>bin/setclasspath.sh</a:t>
-            </a:r>
-          </a:p>
-          <a:p>
-            <a:pPr marL="857161" lvl="1" indent="-457152">
-              <a:buFont typeface="Arial" pitchFamily="34" charset="0"/>
-              <a:buChar char="•"/>
-            </a:pPr>
-            <a:r>
-              <a:rPr lang="fr-FR" dirty="0" smtClean="0"/>
-              <a:t>Optionnel (java 7 </a:t>
-            </a:r>
-            <a:r>
-              <a:rPr lang="fr-FR" dirty="0" err="1" smtClean="0"/>
-              <a:t>endorsed</a:t>
-            </a:r>
-            <a:r>
-              <a:rPr lang="fr-FR" dirty="0" smtClean="0"/>
-              <a:t> </a:t>
-            </a:r>
-            <a:r>
-              <a:rPr lang="fr-FR" dirty="0" err="1" smtClean="0"/>
-              <a:t>dir</a:t>
-            </a:r>
-            <a:r>
-              <a:rPr lang="fr-FR" dirty="0" smtClean="0"/>
-              <a:t> supprimé)</a:t>
-            </a:r>
-            <a:endParaRPr lang="fr-FR" dirty="0"/>
-          </a:p>
-        </p:txBody>
-      </p:sp>
-      <p:sp>
-        <p:nvSpPr>
-          <p:cNvPr id="7" name="Rectangle 6"/>
-          <p:cNvSpPr/>
-          <p:nvPr/>
-        </p:nvSpPr>
-        <p:spPr>
-          <a:xfrm>
-            <a:off x="6279202" y="5112625"/>
-            <a:ext cx="2517036" cy="369332"/>
-          </a:xfrm>
-          <a:prstGeom prst="rect">
-            <a:avLst/>
-          </a:prstGeom>
-        </p:spPr>
-        <p:txBody>
-          <a:bodyPr wrap="none">
-            <a:spAutoFit/>
-          </a:bodyPr>
-          <a:lstStyle/>
-          <a:p>
-            <a:pPr marL="342900" indent="-342900" defTabSz="457200">
-              <a:spcBef>
-                <a:spcPts val="1000"/>
-              </a:spcBef>
-              <a:buClr>
-                <a:schemeClr val="accent1"/>
-              </a:buClr>
-              <a:buFont typeface="Wingdings 3" charset="2"/>
-              <a:buChar char=""/>
-            </a:pPr>
-            <a:r>
-              <a:rPr lang="fr-FR" dirty="0">
-                <a:solidFill>
-                  <a:schemeClr val="tx1">
-                    <a:lumMod val="85000"/>
-                    <a:lumOff val="15000"/>
-                  </a:schemeClr>
-                </a:solidFill>
-                <a:latin typeface="+mj-lt"/>
-                <a:ea typeface="+mj-ea"/>
-                <a:cs typeface="+mj-cs"/>
-              </a:rPr>
-              <a:t>Fichiers supprimés</a:t>
-            </a:r>
-          </a:p>
-        </p:txBody>
-      </p:sp>
-      <p:sp>
-        <p:nvSpPr>
-          <p:cNvPr id="8" name="Espace réservé du contenu 4"/>
-          <p:cNvSpPr txBox="1">
-            <a:spLocks/>
-          </p:cNvSpPr>
-          <p:nvPr/>
-        </p:nvSpPr>
-        <p:spPr>
-          <a:xfrm>
-            <a:off x="6493939" y="5596281"/>
-            <a:ext cx="3911660" cy="2317777"/>
-          </a:xfrm>
-          <a:prstGeom prst="rect">
-            <a:avLst/>
-          </a:prstGeom>
-        </p:spPr>
-        <p:txBody>
-          <a:bodyPr vert="horz" lIns="91440" tIns="45720" rIns="91440" bIns="45720" rtlCol="0">
-            <a:normAutofit/>
-          </a:bodyPr>
-          <a:lstStyle>
-            <a:lvl1pPr marL="342900" indent="-342900" algn="l" defTabSz="457200" rtl="0" eaLnBrk="1" latinLnBrk="0" hangingPunct="1">
-              <a:spcBef>
-                <a:spcPts val="1000"/>
-              </a:spcBef>
-              <a:spcAft>
-                <a:spcPts val="0"/>
-              </a:spcAft>
-              <a:buClr>
-                <a:schemeClr val="accent1"/>
-              </a:buClr>
-              <a:buFont typeface="Wingdings 3" charset="2"/>
-              <a:buChar char=""/>
-              <a:defRPr sz="1800" kern="1200">
-                <a:solidFill>
-                  <a:schemeClr val="tx1">
-                    <a:lumMod val="75000"/>
-                    <a:lumOff val="25000"/>
-                  </a:schemeClr>
-                </a:solidFill>
-                <a:latin typeface="+mn-lt"/>
-                <a:ea typeface="+mn-ea"/>
-                <a:cs typeface="+mn-cs"/>
-              </a:defRPr>
-            </a:lvl1pPr>
-            <a:lvl2pPr marL="742950" indent="-285750" algn="l" defTabSz="457200" rtl="0" eaLnBrk="1" latinLnBrk="0" hangingPunct="1">
-              <a:spcBef>
-                <a:spcPts val="1000"/>
-              </a:spcBef>
-              <a:spcAft>
-                <a:spcPts val="0"/>
-              </a:spcAft>
-              <a:buClr>
-                <a:schemeClr val="accent1"/>
-              </a:buClr>
-              <a:buFont typeface="Wingdings 3" charset="2"/>
-              <a:buChar char=""/>
-              <a:defRPr sz="1600" kern="1200">
-                <a:solidFill>
-                  <a:schemeClr val="tx1">
-                    <a:lumMod val="75000"/>
-                    <a:lumOff val="25000"/>
-                  </a:schemeClr>
-                </a:solidFill>
-                <a:latin typeface="+mn-lt"/>
-                <a:ea typeface="+mn-ea"/>
-                <a:cs typeface="+mn-cs"/>
-              </a:defRPr>
-            </a:lvl2pPr>
-            <a:lvl3pPr marL="1143000" indent="-228600" algn="l" defTabSz="457200" rtl="0" eaLnBrk="1" latinLnBrk="0" hangingPunct="1">
-              <a:spcBef>
-                <a:spcPts val="1000"/>
-              </a:spcBef>
-              <a:spcAft>
-                <a:spcPts val="0"/>
-              </a:spcAft>
-              <a:buClr>
-                <a:schemeClr val="accent1"/>
-              </a:buClr>
-              <a:buFont typeface="Wingdings 3" charset="2"/>
-              <a:buChar char=""/>
-              <a:defRPr sz="1400" kern="1200">
-                <a:solidFill>
-                  <a:schemeClr val="tx1">
-                    <a:lumMod val="75000"/>
-                    <a:lumOff val="25000"/>
-                  </a:schemeClr>
-                </a:solidFill>
-                <a:latin typeface="+mn-lt"/>
-                <a:ea typeface="+mn-ea"/>
-                <a:cs typeface="+mn-cs"/>
-              </a:defRPr>
-            </a:lvl3pPr>
-            <a:lvl4pPr marL="1600200" indent="-228600" algn="l" defTabSz="457200" rtl="0" eaLnBrk="1" latinLnBrk="0" hangingPunct="1">
-              <a:spcBef>
-                <a:spcPts val="1000"/>
-              </a:spcBef>
-              <a:spcAft>
-                <a:spcPts val="0"/>
-              </a:spcAft>
-              <a:buClr>
-                <a:schemeClr val="accent1"/>
-              </a:buClr>
-              <a:buFont typeface="Wingdings 3" charset="2"/>
-              <a:buChar char=""/>
-              <a:defRPr sz="1200" kern="1200">
-                <a:solidFill>
-                  <a:schemeClr val="tx1">
-                    <a:lumMod val="75000"/>
-                    <a:lumOff val="25000"/>
-                  </a:schemeClr>
-                </a:solidFill>
-                <a:latin typeface="+mn-lt"/>
-                <a:ea typeface="+mn-ea"/>
-                <a:cs typeface="+mn-cs"/>
-              </a:defRPr>
-            </a:lvl4pPr>
-            <a:lvl5pPr marL="2057400" indent="-228600" algn="l" defTabSz="457200" rtl="0" eaLnBrk="1" latinLnBrk="0" hangingPunct="1">
-              <a:spcBef>
-                <a:spcPts val="1000"/>
-              </a:spcBef>
-              <a:spcAft>
-                <a:spcPts val="0"/>
-              </a:spcAft>
-              <a:buClr>
-                <a:schemeClr val="accent1"/>
-              </a:buClr>
-              <a:buFont typeface="Wingdings 3" charset="2"/>
-              <a:buChar char=""/>
-              <a:defRPr sz="1200" kern="1200">
-                <a:solidFill>
-                  <a:schemeClr val="tx1">
-                    <a:lumMod val="75000"/>
-                    <a:lumOff val="25000"/>
-                  </a:schemeClr>
-                </a:solidFill>
-                <a:latin typeface="+mn-lt"/>
-                <a:ea typeface="+mn-ea"/>
-                <a:cs typeface="+mn-cs"/>
-              </a:defRPr>
-            </a:lvl5pPr>
-            <a:lvl6pPr marL="2514600" indent="-228600" algn="l" defTabSz="457200" rtl="0" eaLnBrk="1" latinLnBrk="0" hangingPunct="1">
-              <a:spcBef>
-                <a:spcPts val="1000"/>
-              </a:spcBef>
-              <a:spcAft>
-                <a:spcPts val="0"/>
-              </a:spcAft>
-              <a:buClr>
-                <a:schemeClr val="accent1"/>
-              </a:buClr>
-              <a:buFont typeface="Wingdings 3" charset="2"/>
-              <a:buChar char=""/>
-              <a:defRPr sz="1200" kern="1200">
-                <a:solidFill>
-                  <a:schemeClr val="tx1">
-                    <a:lumMod val="75000"/>
-                    <a:lumOff val="25000"/>
-                  </a:schemeClr>
-                </a:solidFill>
-                <a:latin typeface="+mn-lt"/>
-                <a:ea typeface="+mn-ea"/>
-                <a:cs typeface="+mn-cs"/>
-              </a:defRPr>
-            </a:lvl6pPr>
-            <a:lvl7pPr marL="2971800" indent="-228600" algn="l" defTabSz="457200" rtl="0" eaLnBrk="1" latinLnBrk="0" hangingPunct="1">
-              <a:spcBef>
-                <a:spcPts val="1000"/>
-              </a:spcBef>
-              <a:spcAft>
-                <a:spcPts val="0"/>
-              </a:spcAft>
-              <a:buClr>
-                <a:schemeClr val="accent1"/>
-              </a:buClr>
-              <a:buFont typeface="Wingdings 3" charset="2"/>
-              <a:buChar char=""/>
-              <a:defRPr sz="1200" kern="1200">
-                <a:solidFill>
-                  <a:schemeClr val="tx1">
-                    <a:lumMod val="75000"/>
-                    <a:lumOff val="25000"/>
-                  </a:schemeClr>
-                </a:solidFill>
-                <a:latin typeface="+mn-lt"/>
-                <a:ea typeface="+mn-ea"/>
-                <a:cs typeface="+mn-cs"/>
-              </a:defRPr>
-            </a:lvl7pPr>
-            <a:lvl8pPr marL="3429000" indent="-228600" algn="l" defTabSz="457200" rtl="0" eaLnBrk="1" latinLnBrk="0" hangingPunct="1">
-              <a:spcBef>
-                <a:spcPts val="1000"/>
-              </a:spcBef>
-              <a:spcAft>
-                <a:spcPts val="0"/>
-              </a:spcAft>
-              <a:buClr>
-                <a:schemeClr val="accent1"/>
-              </a:buClr>
-              <a:buFont typeface="Wingdings 3" charset="2"/>
-              <a:buChar char=""/>
-              <a:defRPr sz="1200" kern="1200">
-                <a:solidFill>
-                  <a:schemeClr val="tx1">
-                    <a:lumMod val="75000"/>
-                    <a:lumOff val="25000"/>
-                  </a:schemeClr>
-                </a:solidFill>
-                <a:latin typeface="+mn-lt"/>
-                <a:ea typeface="+mn-ea"/>
-                <a:cs typeface="+mn-cs"/>
-              </a:defRPr>
-            </a:lvl8pPr>
-            <a:lvl9pPr marL="3886200" indent="-228600" algn="l" defTabSz="457200" rtl="0" eaLnBrk="1" latinLnBrk="0" hangingPunct="1">
-              <a:spcBef>
-                <a:spcPts val="1000"/>
-              </a:spcBef>
-              <a:spcAft>
-                <a:spcPts val="0"/>
-              </a:spcAft>
-              <a:buClr>
-                <a:schemeClr val="accent1"/>
-              </a:buClr>
-              <a:buFont typeface="Wingdings 3" charset="2"/>
-              <a:buChar char=""/>
-              <a:defRPr sz="1200" kern="1200">
-                <a:solidFill>
-                  <a:schemeClr val="tx1">
-                    <a:lumMod val="75000"/>
-                    <a:lumOff val="25000"/>
-                  </a:schemeClr>
-                </a:solidFill>
-                <a:latin typeface="+mn-lt"/>
-                <a:ea typeface="+mn-ea"/>
-                <a:cs typeface="+mn-cs"/>
-              </a:defRPr>
-            </a:lvl9pPr>
-          </a:lstStyle>
-          <a:p>
-            <a:pPr marL="457152" indent="-457152">
-              <a:buFont typeface="Arial" pitchFamily="34" charset="0"/>
-              <a:buChar char="•"/>
-            </a:pPr>
-            <a:r>
-              <a:rPr lang="en-US" dirty="0" smtClean="0"/>
-              <a:t>lib/annotations-api.jar</a:t>
-            </a:r>
-          </a:p>
-          <a:p>
-            <a:pPr marL="457152" indent="-457152">
-              <a:buFont typeface="Arial" pitchFamily="34" charset="0"/>
-              <a:buChar char="•"/>
-            </a:pPr>
-            <a:r>
-              <a:rPr lang="en-US" dirty="0" smtClean="0"/>
-              <a:t>lib/el-api.jar</a:t>
-            </a:r>
-          </a:p>
-          <a:p>
-            <a:pPr marL="457152" indent="-457152">
-              <a:buFont typeface="Arial" pitchFamily="34" charset="0"/>
-              <a:buChar char="•"/>
-            </a:pPr>
-            <a:r>
-              <a:rPr lang="en-US" dirty="0" err="1" smtClean="0"/>
-              <a:t>webapps</a:t>
-            </a:r>
-            <a:r>
-              <a:rPr lang="en-US" dirty="0" smtClean="0"/>
-              <a:t>/examples/</a:t>
-            </a:r>
-          </a:p>
-        </p:txBody>
-      </p:sp>
-    </p:spTree>
-    <p:extLst>
-      <p:ext uri="{BB962C8B-B14F-4D97-AF65-F5344CB8AC3E}">
-        <p14:creationId xmlns:p14="http://schemas.microsoft.com/office/powerpoint/2010/main" val="274527325"/>
-      </p:ext>
-    </p:extLst>
-  </p:cSld>
-  <p:clrMapOvr>
-    <a:masterClrMapping/>
-  </p:clrMapOvr>
-  <p:timing>
-    <p:tnLst>
-      <p:par>
-        <p:cTn id="1" dur="indefinite" restart="never" nodeType="tmRoot"/>
-      </p:par>
-    </p:tnLst>
-  </p:timing>
-</p:sld>
-</file>
-
-<file path=ppt/slides/slide14.xml><?xml version="1.0" encoding="utf-8"?>
-<p:sld xmlns:a="http://schemas.openxmlformats.org/drawingml/2006/main" xmlns:r="http://schemas.openxmlformats.org/officeDocument/2006/relationships" xmlns:p="http://schemas.openxmlformats.org/presentationml/2006/main">
-  <p:cSld>
-    <p:spTree>
-      <p:nvGrpSpPr>
-        <p:cNvPr id="1" name=""/>
-        <p:cNvGrpSpPr/>
-        <p:nvPr/>
-      </p:nvGrpSpPr>
-      <p:grpSpPr>
-        <a:xfrm>
-          <a:off x="0" y="0"/>
-          <a:ext cx="0" cy="0"/>
-          <a:chOff x="0" y="0"/>
-          <a:chExt cx="0" cy="0"/>
-        </a:xfrm>
-      </p:grpSpPr>
-      <p:sp>
-        <p:nvSpPr>
-          <p:cNvPr id="2" name="Title 1"/>
-          <p:cNvSpPr>
-            <a:spLocks noGrp="1"/>
-          </p:cNvSpPr>
-          <p:nvPr>
-            <p:ph type="title"/>
-          </p:nvPr>
-        </p:nvSpPr>
-        <p:spPr>
-          <a:xfrm>
-            <a:off x="1892073" y="2278738"/>
-            <a:ext cx="10299927" cy="2104575"/>
-          </a:xfrm>
-        </p:spPr>
-        <p:txBody>
-          <a:bodyPr>
-            <a:noAutofit/>
-          </a:bodyPr>
-          <a:lstStyle/>
-          <a:p>
-            <a:pPr algn="ctr" fontAlgn="ctr"/>
-            <a:r>
-              <a:rPr lang="fr-FR" sz="1800" dirty="0"/>
-              <a:t/>
-            </a:r>
-            <a:br>
-              <a:rPr lang="fr-FR" sz="1800" dirty="0"/>
-            </a:br>
-            <a:r>
-              <a:rPr lang="fr-FR" sz="4800" dirty="0">
-                <a:solidFill>
-                  <a:srgbClr val="A53010"/>
-                </a:solidFill>
-                <a:latin typeface="Comic Sans MS" pitchFamily="66" charset="0"/>
-              </a:rPr>
-              <a:t>Avons-nous seulement </a:t>
-            </a:r>
-            <a:r>
-              <a:rPr lang="fr-FR" sz="4800" dirty="0" smtClean="0">
-                <a:solidFill>
-                  <a:srgbClr val="A53010"/>
-                </a:solidFill>
-                <a:latin typeface="Comic Sans MS" pitchFamily="66" charset="0"/>
-              </a:rPr>
-              <a:t/>
-            </a:r>
-            <a:br>
-              <a:rPr lang="fr-FR" sz="4800" dirty="0" smtClean="0">
-                <a:solidFill>
-                  <a:srgbClr val="A53010"/>
-                </a:solidFill>
-                <a:latin typeface="Comic Sans MS" pitchFamily="66" charset="0"/>
-              </a:rPr>
-            </a:br>
-            <a:r>
-              <a:rPr lang="fr-FR" sz="4800" dirty="0" smtClean="0">
-                <a:solidFill>
-                  <a:srgbClr val="A53010"/>
-                </a:solidFill>
-                <a:latin typeface="Comic Sans MS" pitchFamily="66" charset="0"/>
-              </a:rPr>
-              <a:t>ajouter </a:t>
-            </a:r>
-            <a:r>
-              <a:rPr lang="fr-FR" sz="4800" dirty="0">
-                <a:solidFill>
-                  <a:srgbClr val="A53010"/>
-                </a:solidFill>
-                <a:latin typeface="Comic Sans MS" pitchFamily="66" charset="0"/>
-              </a:rPr>
-              <a:t>/ supprimer des fichiers?</a:t>
-            </a:r>
-            <a:r>
-              <a:rPr lang="fr-FR" sz="1800" dirty="0"/>
-              <a:t/>
-            </a:r>
-            <a:br>
-              <a:rPr lang="fr-FR" sz="1800" dirty="0"/>
-            </a:br>
-            <a:endParaRPr lang="fr-FR" sz="1800" dirty="0"/>
-          </a:p>
-        </p:txBody>
-      </p:sp>
-    </p:spTree>
-    <p:extLst>
-      <p:ext uri="{BB962C8B-B14F-4D97-AF65-F5344CB8AC3E}">
-        <p14:creationId xmlns:p14="http://schemas.microsoft.com/office/powerpoint/2010/main" val="1699126891"/>
-      </p:ext>
-    </p:extLst>
-  </p:cSld>
-  <p:clrMapOvr>
-    <a:masterClrMapping/>
-  </p:clrMapOvr>
-  <p:timing>
-    <p:tnLst>
-      <p:par>
-        <p:cTn id="1" dur="indefinite" restart="never" nodeType="tmRoot"/>
-      </p:par>
-    </p:tnLst>
-  </p:timing>
-</p:sld>
-</file>
-
-<file path=ppt/slides/slide15.xml><?xml version="1.0" encoding="utf-8"?>
-<p:sld xmlns:a="http://schemas.openxmlformats.org/drawingml/2006/main" xmlns:r="http://schemas.openxmlformats.org/officeDocument/2006/relationships" xmlns:p="http://schemas.openxmlformats.org/presentationml/2006/main">
-  <p:cSld>
-    <p:spTree>
-      <p:nvGrpSpPr>
-        <p:cNvPr id="1" name=""/>
-        <p:cNvGrpSpPr/>
-        <p:nvPr/>
-      </p:nvGrpSpPr>
-      <p:grpSpPr>
-        <a:xfrm>
-          <a:off x="0" y="0"/>
-          <a:ext cx="0" cy="0"/>
-          <a:chOff x="0" y="0"/>
-          <a:chExt cx="0" cy="0"/>
-        </a:xfrm>
-      </p:grpSpPr>
-      <p:sp>
-        <p:nvSpPr>
-          <p:cNvPr id="2" name="Title 1"/>
-          <p:cNvSpPr>
-            <a:spLocks noGrp="1"/>
-          </p:cNvSpPr>
-          <p:nvPr>
-            <p:ph type="title"/>
-          </p:nvPr>
-        </p:nvSpPr>
-        <p:spPr>
-          <a:xfrm>
             <a:off x="2418754" y="283668"/>
             <a:ext cx="8911687" cy="1280890"/>
           </a:xfrm>
@@ -10177,7 +10599,7 @@
         </p:blipFill>
         <p:spPr>
           <a:xfrm>
-            <a:off x="2418754" y="2750821"/>
+            <a:off x="1117988" y="2415720"/>
             <a:ext cx="4978401" cy="4107179"/>
           </a:xfrm>
           <a:prstGeom prst="rect">
@@ -10234,7 +10656,7 @@
 </p:sld>
 </file>
 
-<file path=ppt/slides/slide16.xml><?xml version="1.0" encoding="utf-8"?>
+<file path=ppt/slides/slide14.xml><?xml version="1.0" encoding="utf-8"?>
 <p:sld xmlns:a="http://schemas.openxmlformats.org/drawingml/2006/main" xmlns:r="http://schemas.openxmlformats.org/officeDocument/2006/relationships" xmlns:p="http://schemas.openxmlformats.org/presentationml/2006/main">
   <p:cSld>
     <p:spTree>
@@ -10341,7 +10763,7 @@
 </p:sld>
 </file>
 
-<file path=ppt/slides/slide17.xml><?xml version="1.0" encoding="utf-8"?>
+<file path=ppt/slides/slide15.xml><?xml version="1.0" encoding="utf-8"?>
 <p:sld xmlns:a="http://schemas.openxmlformats.org/drawingml/2006/main" xmlns:r="http://schemas.openxmlformats.org/officeDocument/2006/relationships" xmlns:p="http://schemas.openxmlformats.org/presentationml/2006/main">
   <p:cSld>
     <p:spTree>
@@ -10419,7 +10841,7 @@
 </p:sld>
 </file>
 
-<file path=ppt/slides/slide18.xml><?xml version="1.0" encoding="utf-8"?>
+<file path=ppt/slides/slide16.xml><?xml version="1.0" encoding="utf-8"?>
 <p:sld xmlns:a="http://schemas.openxmlformats.org/drawingml/2006/main" xmlns:r="http://schemas.openxmlformats.org/officeDocument/2006/relationships" xmlns:p="http://schemas.openxmlformats.org/presentationml/2006/main">
   <p:cSld>
     <p:spTree>
@@ -10453,19 +10875,52 @@
           </a:bodyPr>
           <a:lstStyle/>
           <a:p>
-            <a:pPr marL="0" indent="0">
+            <a:pPr marL="0" indent="0" algn="ctr">
               <a:buNone/>
             </a:pPr>
             <a:r>
               <a:rPr lang="fr-FR" sz="6000" dirty="0">
                 <a:solidFill>
-                  <a:srgbClr val="A53010"/>
+                  <a:srgbClr val="FF0000"/>
                 </a:solidFill>
                 <a:latin typeface="Comic Sans MS" pitchFamily="66" charset="0"/>
                 <a:ea typeface="+mj-ea"/>
                 <a:cs typeface="+mj-cs"/>
               </a:rPr>
-              <a:t>Ne pas écrire serveurs d'applications ...</a:t>
+              <a:t>Ne pas </a:t>
+            </a:r>
+            <a:r>
+              <a:rPr lang="fr-FR" sz="6000" dirty="0">
+                <a:solidFill>
+                  <a:srgbClr val="A53010"/>
+                </a:solidFill>
+                <a:latin typeface="Comic Sans MS" pitchFamily="66" charset="0"/>
+                <a:ea typeface="+mj-ea"/>
+                <a:cs typeface="+mj-cs"/>
+              </a:rPr>
+              <a:t>écrire </a:t>
+            </a:r>
+            <a:r>
+              <a:rPr lang="fr-FR" sz="6000" dirty="0">
+                <a:solidFill>
+                  <a:srgbClr val="FF0000"/>
+                </a:solidFill>
+                <a:latin typeface="Comic Sans MS" pitchFamily="66" charset="0"/>
+                <a:ea typeface="+mj-ea"/>
+                <a:cs typeface="+mj-cs"/>
+              </a:rPr>
+              <a:t>serveurs</a:t>
+            </a:r>
+            <a:r>
+              <a:rPr lang="fr-FR" sz="6000" dirty="0">
+                <a:solidFill>
+                  <a:srgbClr val="A53010"/>
+                </a:solidFill>
+                <a:latin typeface="Comic Sans MS" pitchFamily="66" charset="0"/>
+                <a:ea typeface="+mj-ea"/>
+                <a:cs typeface="+mj-cs"/>
+              </a:rPr>
+              <a:t> d'applications ...</a:t>
             </a:r>
           </a:p>
         </p:txBody>
@@ -10490,7 +10945,7 @@
 </p:sld>
 </file>
 
-<file path=ppt/slides/slide19.xml><?xml version="1.0" encoding="utf-8"?>
+<file path=ppt/slides/slide17.xml><?xml version="1.0" encoding="utf-8"?>
 <p:sld xmlns:a="http://schemas.openxmlformats.org/drawingml/2006/main" xmlns:r="http://schemas.openxmlformats.org/officeDocument/2006/relationships" xmlns:p="http://schemas.openxmlformats.org/presentationml/2006/main">
   <p:cSld>
     <p:spTree>
@@ -10566,140 +11021,7 @@
 </p:sld>
 </file>
 
-<file path=ppt/slides/slide2.xml><?xml version="1.0" encoding="utf-8"?>
-<p:sld xmlns:a="http://schemas.openxmlformats.org/drawingml/2006/main" xmlns:r="http://schemas.openxmlformats.org/officeDocument/2006/relationships" xmlns:p="http://schemas.openxmlformats.org/presentationml/2006/main">
-  <p:cSld>
-    <p:spTree>
-      <p:nvGrpSpPr>
-        <p:cNvPr id="1" name=""/>
-        <p:cNvGrpSpPr/>
-        <p:nvPr/>
-      </p:nvGrpSpPr>
-      <p:grpSpPr>
-        <a:xfrm>
-          <a:off x="0" y="0"/>
-          <a:ext cx="0" cy="0"/>
-          <a:chOff x="0" y="0"/>
-          <a:chExt cx="0" cy="0"/>
-        </a:xfrm>
-      </p:grpSpPr>
-      <p:sp>
-        <p:nvSpPr>
-          <p:cNvPr id="2" name="Title 1"/>
-          <p:cNvSpPr>
-            <a:spLocks noGrp="1"/>
-          </p:cNvSpPr>
-          <p:nvPr>
-            <p:ph type="title"/>
-          </p:nvPr>
-        </p:nvSpPr>
-        <p:spPr/>
-        <p:txBody>
-          <a:bodyPr/>
-          <a:lstStyle/>
-          <a:p>
-            <a:r>
-              <a:rPr lang="fr-FR" dirty="0">
-                <a:latin typeface="Comic Sans MS" pitchFamily="66" charset="0"/>
-              </a:rPr>
-              <a:t>Objectifs</a:t>
-            </a:r>
-            <a:endParaRPr lang="fr-FR" dirty="0"/>
-          </a:p>
-        </p:txBody>
-      </p:sp>
-      <p:sp>
-        <p:nvSpPr>
-          <p:cNvPr id="8" name="ZoneTexte 3"/>
-          <p:cNvSpPr txBox="1"/>
-          <p:nvPr/>
-        </p:nvSpPr>
-        <p:spPr>
-          <a:xfrm>
-            <a:off x="3122047" y="1683125"/>
-            <a:ext cx="4397672" cy="443749"/>
-          </a:xfrm>
-          <a:prstGeom prst="rect">
-            <a:avLst/>
-          </a:prstGeom>
-          <a:noFill/>
-        </p:spPr>
-        <p:txBody>
-          <a:bodyPr wrap="none" lIns="91430" tIns="45716" rIns="91430" bIns="45716" rtlCol="0">
-            <a:spAutoFit/>
-          </a:bodyPr>
-          <a:lstStyle/>
-          <a:p>
-            <a:r>
-              <a:rPr lang="fr-FR" sz="2400" dirty="0">
-                <a:latin typeface="Comic Sans MS" pitchFamily="66" charset="0"/>
-              </a:rPr>
-              <a:t>Comprendre ce qu’est </a:t>
-            </a:r>
-            <a:r>
-              <a:rPr lang="fr-FR" sz="2400" dirty="0" err="1">
-                <a:latin typeface="Comic Sans MS" pitchFamily="66" charset="0"/>
-              </a:rPr>
-              <a:t>TomEE</a:t>
-            </a:r>
-            <a:endParaRPr lang="fr-FR" sz="2400" dirty="0">
-              <a:latin typeface="Comic Sans MS" pitchFamily="66" charset="0"/>
-            </a:endParaRPr>
-          </a:p>
-        </p:txBody>
-      </p:sp>
-      <p:sp>
-        <p:nvSpPr>
-          <p:cNvPr id="9" name="ZoneTexte 4"/>
-          <p:cNvSpPr txBox="1"/>
-          <p:nvPr/>
-        </p:nvSpPr>
-        <p:spPr>
-          <a:xfrm>
-            <a:off x="6430966" y="2249117"/>
-            <a:ext cx="3128410" cy="382148"/>
-          </a:xfrm>
-          <a:prstGeom prst="rect">
-            <a:avLst/>
-          </a:prstGeom>
-          <a:noFill/>
-        </p:spPr>
-        <p:txBody>
-          <a:bodyPr wrap="none" lIns="91430" tIns="45716" rIns="91430" bIns="45716" rtlCol="0">
-            <a:spAutoFit/>
-          </a:bodyPr>
-          <a:lstStyle/>
-          <a:p>
-            <a:r>
-              <a:rPr lang="fr-FR" sz="2000" dirty="0">
-                <a:latin typeface="Comic Sans MS" pitchFamily="66" charset="0"/>
-              </a:rPr>
-              <a:t>… et ce que ce n’est pas !</a:t>
-            </a:r>
-          </a:p>
-        </p:txBody>
-      </p:sp>
-    </p:spTree>
-    <p:extLst>
-      <p:ext uri="{BB962C8B-B14F-4D97-AF65-F5344CB8AC3E}">
-        <p14:creationId xmlns:p14="http://schemas.microsoft.com/office/powerpoint/2010/main" val="3054940733"/>
-      </p:ext>
-    </p:extLst>
-  </p:cSld>
-  <p:clrMapOvr>
-    <a:masterClrMapping/>
-  </p:clrMapOvr>
-  <p:timing>
-    <p:tnLst>
-      <p:par>
-        <p:cTn id="1" dur="indefinite" restart="never" nodeType="tmRoot"/>
-      </p:par>
-    </p:tnLst>
-  </p:timing>
-</p:sld>
-</file>
-
-<file path=ppt/slides/slide20.xml><?xml version="1.0" encoding="utf-8"?>
+<file path=ppt/slides/slide18.xml><?xml version="1.0" encoding="utf-8"?>
 <p:sld xmlns:a="http://schemas.openxmlformats.org/drawingml/2006/main" xmlns:r="http://schemas.openxmlformats.org/officeDocument/2006/relationships" xmlns:p="http://schemas.openxmlformats.org/presentationml/2006/main">
   <p:cSld>
     <p:spTree>
@@ -12842,7 +13164,7 @@
 </p:sld>
 </file>
 
-<file path=ppt/slides/slide21.xml><?xml version="1.0" encoding="utf-8"?>
+<file path=ppt/slides/slide19.xml><?xml version="1.0" encoding="utf-8"?>
 <p:sld xmlns:a="http://schemas.openxmlformats.org/drawingml/2006/main" xmlns:r="http://schemas.openxmlformats.org/officeDocument/2006/relationships" xmlns:p="http://schemas.openxmlformats.org/presentationml/2006/main">
   <p:cSld>
     <p:spTree>
@@ -13201,7 +13523,147 @@
 </p:sld>
 </file>
 
-<file path=ppt/slides/slide22.xml><?xml version="1.0" encoding="utf-8"?>
+<file path=ppt/slides/slide2.xml><?xml version="1.0" encoding="utf-8"?>
+<p:sld xmlns:a="http://schemas.openxmlformats.org/drawingml/2006/main" xmlns:r="http://schemas.openxmlformats.org/officeDocument/2006/relationships" xmlns:p="http://schemas.openxmlformats.org/presentationml/2006/main">
+  <p:cSld>
+    <p:spTree>
+      <p:nvGrpSpPr>
+        <p:cNvPr id="1" name=""/>
+        <p:cNvGrpSpPr/>
+        <p:nvPr/>
+      </p:nvGrpSpPr>
+      <p:grpSpPr>
+        <a:xfrm>
+          <a:off x="0" y="0"/>
+          <a:ext cx="0" cy="0"/>
+          <a:chOff x="0" y="0"/>
+          <a:chExt cx="0" cy="0"/>
+        </a:xfrm>
+      </p:grpSpPr>
+      <p:sp>
+        <p:nvSpPr>
+          <p:cNvPr id="2" name="Title 1"/>
+          <p:cNvSpPr>
+            <a:spLocks noGrp="1"/>
+          </p:cNvSpPr>
+          <p:nvPr>
+            <p:ph type="title"/>
+          </p:nvPr>
+        </p:nvSpPr>
+        <p:spPr/>
+        <p:txBody>
+          <a:bodyPr/>
+          <a:lstStyle/>
+          <a:p>
+            <a:r>
+              <a:rPr lang="fr-FR" dirty="0">
+                <a:latin typeface="Comic Sans MS" pitchFamily="66" charset="0"/>
+              </a:rPr>
+              <a:t>Objectifs</a:t>
+            </a:r>
+            <a:endParaRPr lang="fr-FR" dirty="0"/>
+          </a:p>
+        </p:txBody>
+      </p:sp>
+      <p:sp>
+        <p:nvSpPr>
+          <p:cNvPr id="8" name="ZoneTexte 3"/>
+          <p:cNvSpPr txBox="1"/>
+          <p:nvPr/>
+        </p:nvSpPr>
+        <p:spPr>
+          <a:xfrm>
+            <a:off x="2793446" y="1773277"/>
+            <a:ext cx="8510643" cy="2092873"/>
+          </a:xfrm>
+          <a:prstGeom prst="rect">
+            <a:avLst/>
+          </a:prstGeom>
+          <a:noFill/>
+        </p:spPr>
+        <p:txBody>
+          <a:bodyPr wrap="none" lIns="91430" tIns="45716" rIns="91430" bIns="45716" rtlCol="0">
+            <a:spAutoFit/>
+          </a:bodyPr>
+          <a:lstStyle/>
+          <a:p>
+            <a:pPr algn="ctr"/>
+            <a:r>
+              <a:rPr lang="fr-FR" sz="6500" dirty="0">
+                <a:solidFill>
+                  <a:srgbClr val="A53010"/>
+                </a:solidFill>
+                <a:latin typeface="Comic Sans MS" pitchFamily="66" charset="0"/>
+                <a:ea typeface="+mj-ea"/>
+                <a:cs typeface="+mj-cs"/>
+              </a:rPr>
+              <a:t>Comprendre ce </a:t>
+            </a:r>
+            <a:r>
+              <a:rPr lang="fr-FR" sz="6500" dirty="0" smtClean="0">
+                <a:solidFill>
+                  <a:srgbClr val="A53010"/>
+                </a:solidFill>
+                <a:latin typeface="Comic Sans MS" pitchFamily="66" charset="0"/>
+                <a:ea typeface="+mj-ea"/>
+                <a:cs typeface="+mj-cs"/>
+              </a:rPr>
+              <a:t>qu’est</a:t>
+            </a:r>
+            <a:endParaRPr lang="fr-FR" sz="6500" dirty="0">
+              <a:solidFill>
+                <a:srgbClr val="A53010"/>
+              </a:solidFill>
+              <a:latin typeface="Comic Sans MS" pitchFamily="66" charset="0"/>
+              <a:ea typeface="+mj-ea"/>
+              <a:cs typeface="+mj-cs"/>
+            </a:endParaRPr>
+          </a:p>
+          <a:p>
+            <a:pPr algn="ctr"/>
+            <a:r>
+              <a:rPr lang="fr-FR" sz="6500" dirty="0" err="1" smtClean="0">
+                <a:solidFill>
+                  <a:srgbClr val="A53010"/>
+                </a:solidFill>
+                <a:latin typeface="Comic Sans MS" pitchFamily="66" charset="0"/>
+                <a:ea typeface="+mj-ea"/>
+                <a:cs typeface="+mj-cs"/>
+              </a:rPr>
+              <a:t>TomEE</a:t>
+            </a:r>
+            <a:endParaRPr lang="fr-FR" sz="6500" dirty="0">
+              <a:solidFill>
+                <a:srgbClr val="A53010"/>
+              </a:solidFill>
+              <a:latin typeface="Comic Sans MS" pitchFamily="66" charset="0"/>
+              <a:ea typeface="+mj-ea"/>
+              <a:cs typeface="+mj-cs"/>
+            </a:endParaRPr>
+          </a:p>
+        </p:txBody>
+      </p:sp>
+    </p:spTree>
+    <p:extLst>
+      <p:ext uri="{BB962C8B-B14F-4D97-AF65-F5344CB8AC3E}">
+        <p14:creationId xmlns:p14="http://schemas.microsoft.com/office/powerpoint/2010/main" val="3054940733"/>
+      </p:ext>
+    </p:extLst>
+  </p:cSld>
+  <p:clrMapOvr>
+    <a:masterClrMapping/>
+  </p:clrMapOvr>
+  <p:timing>
+    <p:tnLst>
+      <p:par>
+        <p:cTn id="1" dur="indefinite" restart="never" nodeType="tmRoot"/>
+      </p:par>
+    </p:tnLst>
+  </p:timing>
+</p:sld>
+</file>
+
+<file path=ppt/slides/slide20.xml><?xml version="1.0" encoding="utf-8"?>
 <p:sld xmlns:a="http://schemas.openxmlformats.org/drawingml/2006/main" xmlns:r="http://schemas.openxmlformats.org/officeDocument/2006/relationships" xmlns:p="http://schemas.openxmlformats.org/presentationml/2006/main">
   <p:cSld>
     <p:spTree>
@@ -13300,9 +13762,395 @@
           <a:lstStyle/>
           <a:p>
             <a:r>
+              <a:rPr lang="fr-FR" dirty="0">
+                <a:latin typeface="Comic Sans MS" pitchFamily="66" charset="0"/>
+              </a:rPr>
+              <a:t>Apache </a:t>
+            </a:r>
+            <a:r>
+              <a:rPr lang="fr-FR" dirty="0" err="1">
+                <a:latin typeface="Comic Sans MS" pitchFamily="66" charset="0"/>
+              </a:rPr>
+              <a:t>TomEE</a:t>
+            </a:r>
+            <a:r>
+              <a:rPr lang="fr-FR" dirty="0">
+                <a:latin typeface="Comic Sans MS" pitchFamily="66" charset="0"/>
+              </a:rPr>
+              <a:t> c’est quoi?</a:t>
+            </a:r>
+            <a:endParaRPr lang="fr-FR" dirty="0"/>
+          </a:p>
+        </p:txBody>
+      </p:sp>
+      <p:sp>
+        <p:nvSpPr>
+          <p:cNvPr id="6" name="Rectangle 5"/>
+          <p:cNvSpPr/>
+          <p:nvPr/>
+        </p:nvSpPr>
+        <p:spPr>
+          <a:xfrm>
+            <a:off x="2592925" y="1586964"/>
+            <a:ext cx="6096000" cy="759182"/>
+          </a:xfrm>
+          <a:prstGeom prst="rect">
+            <a:avLst/>
+          </a:prstGeom>
+        </p:spPr>
+        <p:txBody>
+          <a:bodyPr>
+            <a:spAutoFit/>
+          </a:bodyPr>
+          <a:lstStyle/>
+          <a:p>
+            <a:pPr lvl="1">
+              <a:spcBef>
+                <a:spcPts val="400"/>
+              </a:spcBef>
+              <a:buClr>
+                <a:srgbClr val="0066A1"/>
+              </a:buClr>
+              <a:buFont typeface="Arial" charset="0"/>
+              <a:buChar char="–"/>
+            </a:pPr>
+            <a:r>
+              <a:rPr lang="en-GB" sz="2000" dirty="0">
+                <a:solidFill>
+                  <a:srgbClr val="000000"/>
+                </a:solidFill>
+                <a:latin typeface="Verdana" pitchFamily="32" charset="0"/>
+                <a:cs typeface="Arial" charset="0"/>
+              </a:rPr>
+              <a:t>Java EE 6 Web Profile Certified stack</a:t>
+            </a:r>
+          </a:p>
+          <a:p>
+            <a:pPr lvl="1">
+              <a:spcBef>
+                <a:spcPts val="400"/>
+              </a:spcBef>
+              <a:buClr>
+                <a:srgbClr val="0066A1"/>
+              </a:buClr>
+              <a:buFont typeface="Arial" charset="0"/>
+              <a:buChar char="–"/>
+            </a:pPr>
+            <a:r>
+              <a:rPr lang="en-GB" sz="2000" dirty="0">
+                <a:solidFill>
+                  <a:srgbClr val="000000"/>
+                </a:solidFill>
+                <a:latin typeface="Verdana" pitchFamily="32" charset="0"/>
+                <a:cs typeface="Arial" charset="0"/>
+              </a:rPr>
+              <a:t>Tomcat + Java EE = </a:t>
+            </a:r>
+            <a:r>
+              <a:rPr lang="en-GB" sz="2000" dirty="0" err="1">
+                <a:solidFill>
+                  <a:srgbClr val="000000"/>
+                </a:solidFill>
+                <a:latin typeface="Verdana" pitchFamily="32" charset="0"/>
+                <a:cs typeface="Arial" charset="0"/>
+              </a:rPr>
+              <a:t>TomEE</a:t>
+            </a:r>
+            <a:endParaRPr lang="en-GB" sz="2000" dirty="0">
+              <a:solidFill>
+                <a:srgbClr val="000000"/>
+              </a:solidFill>
+              <a:latin typeface="Verdana" pitchFamily="32" charset="0"/>
+              <a:cs typeface="Arial" charset="0"/>
+            </a:endParaRPr>
+          </a:p>
+        </p:txBody>
+      </p:sp>
+      <p:sp>
+        <p:nvSpPr>
+          <p:cNvPr id="8" name="Rectangle 7"/>
+          <p:cNvSpPr/>
+          <p:nvPr/>
+        </p:nvSpPr>
+        <p:spPr>
+          <a:xfrm>
+            <a:off x="2777254" y="2606792"/>
+            <a:ext cx="6096000" cy="2862322"/>
+          </a:xfrm>
+          <a:prstGeom prst="rect">
+            <a:avLst/>
+          </a:prstGeom>
+        </p:spPr>
+        <p:txBody>
+          <a:bodyPr>
+            <a:spAutoFit/>
+          </a:bodyPr>
+          <a:lstStyle/>
+          <a:p>
+            <a:r>
               <a:rPr lang="fr-FR" dirty="0"/>
-              <a:t>Problématique</a:t>
-            </a:r>
+              <a:t/>
+            </a:r>
+            <a:br>
+              <a:rPr lang="fr-FR" dirty="0"/>
+            </a:br>
+            <a:r>
+              <a:rPr lang="fr-FR" b="1" dirty="0">
+                <a:solidFill>
+                  <a:srgbClr val="A53010"/>
+                </a:solidFill>
+              </a:rPr>
+              <a:t>Apache </a:t>
+            </a:r>
+            <a:r>
+              <a:rPr lang="fr-FR" b="1" dirty="0" err="1">
+                <a:solidFill>
+                  <a:srgbClr val="A53010"/>
+                </a:solidFill>
+              </a:rPr>
+              <a:t>Tomcat</a:t>
+            </a:r>
+            <a:r>
+              <a:rPr lang="fr-FR" b="1" dirty="0">
+                <a:solidFill>
+                  <a:srgbClr val="A53010"/>
+                </a:solidFill>
+              </a:rPr>
+              <a:t> </a:t>
+            </a:r>
+            <a:r>
+              <a:rPr lang="fr-FR" b="1" dirty="0" smtClean="0">
+                <a:solidFill>
+                  <a:srgbClr val="A53010"/>
+                </a:solidFill>
+              </a:rPr>
+              <a:t>: </a:t>
+            </a:r>
+            <a:r>
+              <a:rPr lang="fr-FR" dirty="0" smtClean="0"/>
+              <a:t>est </a:t>
+            </a:r>
+            <a:r>
+              <a:rPr lang="fr-FR" dirty="0"/>
+              <a:t>une implémentation des technologies Java Servlet et </a:t>
+            </a:r>
+            <a:r>
+              <a:rPr lang="fr-FR" dirty="0" err="1"/>
+              <a:t>JavaServer</a:t>
+            </a:r>
+            <a:r>
+              <a:rPr lang="fr-FR" dirty="0"/>
+              <a:t> Pages logiciels open source</a:t>
+            </a:r>
+            <a:r>
+              <a:rPr lang="fr-FR" dirty="0" smtClean="0"/>
+              <a:t>.</a:t>
+            </a:r>
+            <a:br>
+              <a:rPr lang="fr-FR" dirty="0" smtClean="0"/>
+            </a:br>
+            <a:r>
+              <a:rPr lang="fr-FR" dirty="0" smtClean="0"/>
+              <a:t/>
+            </a:r>
+            <a:br>
+              <a:rPr lang="fr-FR" dirty="0" smtClean="0"/>
+            </a:br>
+            <a:endParaRPr lang="fr-FR" dirty="0" smtClean="0"/>
+          </a:p>
+          <a:p>
+            <a:r>
+              <a:rPr lang="fr-FR" b="1" dirty="0" smtClean="0">
+                <a:solidFill>
+                  <a:srgbClr val="A53010"/>
+                </a:solidFill>
+              </a:rPr>
+              <a:t>Java </a:t>
+            </a:r>
+            <a:r>
+              <a:rPr lang="fr-FR" b="1" dirty="0">
+                <a:solidFill>
+                  <a:srgbClr val="A53010"/>
+                </a:solidFill>
+              </a:rPr>
+              <a:t>EE Web </a:t>
+            </a:r>
+            <a:r>
+              <a:rPr lang="fr-FR" b="1" dirty="0" err="1" smtClean="0">
+                <a:solidFill>
+                  <a:srgbClr val="A53010"/>
+                </a:solidFill>
+              </a:rPr>
+              <a:t>Proﬁle</a:t>
+            </a:r>
+            <a:r>
+              <a:rPr lang="fr-FR" b="1" dirty="0" smtClean="0">
+                <a:solidFill>
+                  <a:srgbClr val="A53010"/>
+                </a:solidFill>
+              </a:rPr>
+              <a:t> </a:t>
+            </a:r>
+            <a:r>
+              <a:rPr lang="fr-FR" b="1" dirty="0">
+                <a:solidFill>
+                  <a:srgbClr val="A53010"/>
+                </a:solidFill>
+              </a:rPr>
+              <a:t>(“Web </a:t>
+            </a:r>
+            <a:r>
+              <a:rPr lang="fr-FR" b="1" dirty="0" err="1">
+                <a:solidFill>
+                  <a:srgbClr val="A53010"/>
+                </a:solidFill>
+              </a:rPr>
+              <a:t>Proﬁle</a:t>
+            </a:r>
+            <a:r>
+              <a:rPr lang="fr-FR" b="1" dirty="0">
+                <a:solidFill>
+                  <a:srgbClr val="A53010"/>
+                </a:solidFill>
+              </a:rPr>
+              <a:t>”)</a:t>
+            </a:r>
+            <a:r>
+              <a:rPr lang="fr-FR" b="1" dirty="0" smtClean="0">
+                <a:solidFill>
+                  <a:srgbClr val="A53010"/>
+                </a:solidFill>
+              </a:rPr>
+              <a:t> </a:t>
+            </a:r>
+            <a:r>
+              <a:rPr lang="fr-FR" dirty="0" smtClean="0"/>
+              <a:t>:</a:t>
+            </a:r>
+            <a:r>
+              <a:rPr lang="fr-FR" dirty="0"/>
+              <a:t> </a:t>
+            </a:r>
+            <a:r>
+              <a:rPr lang="fr-FR" dirty="0" smtClean="0"/>
+              <a:t>e</a:t>
+            </a:r>
+            <a:r>
+              <a:rPr lang="fr-FR" dirty="0" smtClean="0"/>
+              <a:t>st </a:t>
+            </a:r>
+            <a:r>
+              <a:rPr lang="fr-FR" dirty="0" smtClean="0"/>
+              <a:t>un </a:t>
+            </a:r>
+            <a:endParaRPr lang="fr-FR" dirty="0" smtClean="0"/>
+          </a:p>
+          <a:p>
+            <a:r>
+              <a:rPr lang="fr-FR" dirty="0" err="1" smtClean="0"/>
+              <a:t>proﬁle</a:t>
+            </a:r>
+            <a:r>
+              <a:rPr lang="fr-FR" dirty="0" smtClean="0"/>
+              <a:t> </a:t>
+            </a:r>
+            <a:r>
+              <a:rPr lang="fr-FR" dirty="0" smtClean="0"/>
+              <a:t>de </a:t>
+            </a:r>
+            <a:r>
+              <a:rPr lang="fr-FR" dirty="0"/>
+              <a:t>Java Platform, Enterprise Edition </a:t>
+            </a:r>
+            <a:r>
+              <a:rPr lang="fr-FR" dirty="0" smtClean="0"/>
+              <a:t>spécifié </a:t>
+            </a:r>
+            <a:r>
+              <a:rPr lang="fr-FR" dirty="0" smtClean="0"/>
+              <a:t>aux  </a:t>
+            </a:r>
+            <a:r>
+              <a:rPr lang="fr-FR" dirty="0"/>
+              <a:t>web applications. Java™ Platform, Enterprise Edition 6 (Java EE 6) Web </a:t>
+            </a:r>
+            <a:r>
+              <a:rPr lang="fr-FR" dirty="0" err="1"/>
+              <a:t>Proﬁle</a:t>
+            </a:r>
+            <a:r>
+              <a:rPr lang="fr-FR" dirty="0"/>
+              <a:t> </a:t>
+            </a:r>
+            <a:r>
+              <a:rPr lang="fr-FR" dirty="0" err="1" smtClean="0"/>
+              <a:t>Speciﬁcation</a:t>
+            </a:r>
+            <a:r>
+              <a:rPr lang="fr-FR" dirty="0" smtClean="0"/>
+              <a:t>. </a:t>
+            </a:r>
+            <a:endParaRPr lang="fr-FR" dirty="0"/>
+          </a:p>
+        </p:txBody>
+      </p:sp>
+    </p:spTree>
+    <p:extLst>
+      <p:ext uri="{BB962C8B-B14F-4D97-AF65-F5344CB8AC3E}">
+        <p14:creationId xmlns:p14="http://schemas.microsoft.com/office/powerpoint/2010/main" val="1586936446"/>
+      </p:ext>
+    </p:extLst>
+  </p:cSld>
+  <p:clrMapOvr>
+    <a:masterClrMapping/>
+  </p:clrMapOvr>
+  <p:timing>
+    <p:tnLst>
+      <p:par>
+        <p:cTn id="1" dur="indefinite" restart="never" nodeType="tmRoot"/>
+      </p:par>
+    </p:tnLst>
+  </p:timing>
+</p:sld>
+</file>
+
+<file path=ppt/slides/slide4.xml><?xml version="1.0" encoding="utf-8"?>
+<p:sld xmlns:a="http://schemas.openxmlformats.org/drawingml/2006/main" xmlns:r="http://schemas.openxmlformats.org/officeDocument/2006/relationships" xmlns:p="http://schemas.openxmlformats.org/presentationml/2006/main">
+  <p:cSld>
+    <p:spTree>
+      <p:nvGrpSpPr>
+        <p:cNvPr id="1" name=""/>
+        <p:cNvGrpSpPr/>
+        <p:nvPr/>
+      </p:nvGrpSpPr>
+      <p:grpSpPr>
+        <a:xfrm>
+          <a:off x="0" y="0"/>
+          <a:ext cx="0" cy="0"/>
+          <a:chOff x="0" y="0"/>
+          <a:chExt cx="0" cy="0"/>
+        </a:xfrm>
+      </p:grpSpPr>
+      <p:sp>
+        <p:nvSpPr>
+          <p:cNvPr id="2" name="Title 1"/>
+          <p:cNvSpPr>
+            <a:spLocks noGrp="1"/>
+          </p:cNvSpPr>
+          <p:nvPr>
+            <p:ph type="title"/>
+          </p:nvPr>
+        </p:nvSpPr>
+        <p:spPr/>
+        <p:txBody>
+          <a:bodyPr/>
+          <a:lstStyle/>
+          <a:p>
+            <a:r>
+              <a:rPr lang="fr-FR" dirty="0" smtClean="0"/>
+              <a:t>Donc??</a:t>
+            </a:r>
+            <a:endParaRPr lang="fr-FR" dirty="0"/>
           </a:p>
         </p:txBody>
       </p:sp>
@@ -13318,7 +14166,7 @@
         </p:nvSpPr>
         <p:spPr>
           <a:xfrm>
-            <a:off x="1609859" y="2060620"/>
+            <a:off x="2101391" y="2099256"/>
             <a:ext cx="9894753" cy="3850602"/>
           </a:xfrm>
         </p:spPr>
@@ -13328,25 +14176,9 @@
           </a:bodyPr>
           <a:lstStyle/>
           <a:p>
-            <a:r>
-              <a:rPr lang="fr-FR" sz="2400" b="1" dirty="0" err="1" smtClean="0"/>
-              <a:t>Tomcat</a:t>
-            </a:r>
-            <a:r>
-              <a:rPr lang="fr-FR" sz="2400" dirty="0" smtClean="0"/>
-              <a:t> </a:t>
-            </a:r>
-            <a:r>
-              <a:rPr lang="fr-FR" sz="2400" dirty="0"/>
-              <a:t>a un conteneur de servlet que les servlets peuvent exécuter. </a:t>
-            </a:r>
-            <a:endParaRPr lang="fr-FR" sz="2400" dirty="0" smtClean="0"/>
-          </a:p>
-          <a:p>
-            <a:r>
-              <a:rPr lang="fr-FR" sz="2400" dirty="0" smtClean="0"/>
-              <a:t>Et </a:t>
-            </a:r>
+            <a:pPr marL="0" indent="0">
+              <a:buNone/>
+            </a:pPr>
             <a:r>
               <a:rPr lang="fr-FR" sz="2400" b="1" dirty="0" err="1" smtClean="0"/>
               <a:t>TomEE</a:t>
@@ -13366,38 +14198,7 @@
             <a:br>
               <a:rPr lang="fr-FR" sz="2400" dirty="0" smtClean="0"/>
             </a:br>
-            <a:r>
-              <a:rPr lang="fr-FR" sz="2400" dirty="0" smtClean="0"/>
-              <a:t>Donc</a:t>
-            </a:r>
-            <a:r>
-              <a:rPr lang="fr-FR" sz="2400" dirty="0"/>
-              <a:t>, juste parce que vous avez un conteneur de servlet ne signifie pas que vous êtes un JEE serveur compatible? Que vient supplémentaire dans les serveurs pleins à part entière JEE (par exemple, </a:t>
-            </a:r>
-            <a:r>
-              <a:rPr lang="fr-FR" sz="2400" dirty="0" err="1"/>
-              <a:t>Glassfish</a:t>
-            </a:r>
-            <a:r>
-              <a:rPr lang="fr-FR" sz="2400" dirty="0"/>
-              <a:t>, </a:t>
-            </a:r>
-            <a:r>
-              <a:rPr lang="fr-FR" sz="2400" dirty="0" err="1"/>
-              <a:t>JBoss</a:t>
-            </a:r>
-            <a:r>
-              <a:rPr lang="fr-FR" sz="2400" dirty="0"/>
-              <a:t>) qui ne viennent pas avec </a:t>
-            </a:r>
-            <a:r>
-              <a:rPr lang="fr-FR" sz="2400" dirty="0" err="1"/>
-              <a:t>Tomcat</a:t>
-            </a:r>
-            <a:r>
-              <a:rPr lang="fr-FR" sz="2400" dirty="0"/>
-              <a:t>?</a:t>
-            </a:r>
+            <a:endParaRPr lang="fr-FR" sz="2400" dirty="0"/>
           </a:p>
         </p:txBody>
       </p:sp>
@@ -13421,7 +14222,493 @@
 </p:sld>
 </file>
 
-<file path=ppt/slides/slide4.xml><?xml version="1.0" encoding="utf-8"?>
+<file path=ppt/slides/slide5.xml><?xml version="1.0" encoding="utf-8"?>
+<p:sld xmlns:a="http://schemas.openxmlformats.org/drawingml/2006/main" xmlns:r="http://schemas.openxmlformats.org/officeDocument/2006/relationships" xmlns:p="http://schemas.openxmlformats.org/presentationml/2006/main">
+  <p:cSld>
+    <p:spTree>
+      <p:nvGrpSpPr>
+        <p:cNvPr id="1" name=""/>
+        <p:cNvGrpSpPr/>
+        <p:nvPr/>
+      </p:nvGrpSpPr>
+      <p:grpSpPr>
+        <a:xfrm>
+          <a:off x="0" y="0"/>
+          <a:ext cx="0" cy="0"/>
+          <a:chOff x="0" y="0"/>
+          <a:chExt cx="0" cy="0"/>
+        </a:xfrm>
+      </p:grpSpPr>
+      <p:sp>
+        <p:nvSpPr>
+          <p:cNvPr id="2" name="Title 1"/>
+          <p:cNvSpPr>
+            <a:spLocks noGrp="1"/>
+          </p:cNvSpPr>
+          <p:nvPr>
+            <p:ph type="title"/>
+          </p:nvPr>
+        </p:nvSpPr>
+        <p:spPr>
+          <a:xfrm>
+            <a:off x="2592925" y="624110"/>
+            <a:ext cx="8911687" cy="728172"/>
+          </a:xfrm>
+        </p:spPr>
+        <p:txBody>
+          <a:bodyPr/>
+          <a:lstStyle/>
+          <a:p>
+            <a:r>
+              <a:rPr lang="en-US" dirty="0" err="1" smtClean="0"/>
+              <a:t>Philosophie</a:t>
+            </a:r>
+            <a:endParaRPr lang="fr-FR" dirty="0"/>
+          </a:p>
+        </p:txBody>
+      </p:sp>
+      <p:sp>
+        <p:nvSpPr>
+          <p:cNvPr id="3" name="Content Placeholder 2"/>
+          <p:cNvSpPr>
+            <a:spLocks noGrp="1"/>
+          </p:cNvSpPr>
+          <p:nvPr>
+            <p:ph idx="1"/>
+          </p:nvPr>
+        </p:nvSpPr>
+        <p:spPr>
+          <a:xfrm>
+            <a:off x="2592924" y="1352282"/>
+            <a:ext cx="9229882" cy="4752304"/>
+          </a:xfrm>
+        </p:spPr>
+        <p:txBody>
+          <a:bodyPr>
+            <a:normAutofit/>
+          </a:bodyPr>
+          <a:lstStyle/>
+          <a:p>
+            <a:r>
+              <a:rPr lang="en-US" dirty="0" smtClean="0"/>
+              <a:t> </a:t>
+            </a:r>
+            <a:r>
+              <a:rPr lang="fr-FR" dirty="0"/>
+              <a:t>être  petite, être  </a:t>
+            </a:r>
+            <a:r>
+              <a:rPr lang="fr-FR" dirty="0" err="1"/>
+              <a:t>Tomcat</a:t>
+            </a:r>
+            <a:r>
+              <a:rPr lang="fr-FR" dirty="0"/>
+              <a:t>, être certifié</a:t>
+            </a:r>
+          </a:p>
+          <a:p>
+            <a:r>
+              <a:rPr lang="en-US" dirty="0" smtClean="0"/>
+              <a:t> </a:t>
+            </a:r>
+            <a:r>
+              <a:rPr lang="fr-FR" dirty="0"/>
+              <a:t>Intégrer </a:t>
+            </a:r>
+            <a:r>
+              <a:rPr lang="fr-FR" dirty="0" err="1"/>
+              <a:t>OpenEJB</a:t>
+            </a:r>
+            <a:r>
+              <a:rPr lang="fr-FR" dirty="0"/>
+              <a:t> dans </a:t>
+            </a:r>
+            <a:r>
+              <a:rPr lang="fr-FR" dirty="0" err="1"/>
+              <a:t>Tomcat</a:t>
+            </a:r>
+            <a:r>
+              <a:rPr lang="fr-FR" dirty="0"/>
+              <a:t>, pas l'inverse</a:t>
+            </a:r>
+            <a:endParaRPr lang="en-US" dirty="0"/>
+          </a:p>
+          <a:p>
+            <a:r>
+              <a:rPr lang="en-US" dirty="0" err="1"/>
+              <a:t>Obtenez</a:t>
+            </a:r>
+            <a:r>
+              <a:rPr lang="en-US" dirty="0"/>
+              <a:t> </a:t>
+            </a:r>
+            <a:r>
+              <a:rPr lang="en-US" dirty="0" smtClean="0"/>
+              <a:t>plus</a:t>
+            </a:r>
+          </a:p>
+          <a:p>
+            <a:r>
+              <a:rPr lang="fr-FR" dirty="0" smtClean="0"/>
+              <a:t>Puissance des fonctionnalités </a:t>
+            </a:r>
+            <a:r>
+              <a:rPr lang="fr-FR" dirty="0"/>
+              <a:t>de </a:t>
+            </a:r>
+            <a:r>
+              <a:rPr lang="fr-FR" dirty="0" err="1"/>
+              <a:t>Tomcat</a:t>
+            </a:r>
+            <a:r>
+              <a:rPr lang="fr-FR" dirty="0"/>
+              <a:t> existants (JNDI, sécurité)</a:t>
+            </a:r>
+            <a:endParaRPr lang="en-US" dirty="0" smtClean="0"/>
+          </a:p>
+          <a:p>
+            <a:r>
+              <a:rPr lang="en-US" dirty="0" err="1"/>
+              <a:t>Poids</a:t>
+            </a:r>
+            <a:r>
+              <a:rPr lang="en-US" dirty="0"/>
+              <a:t> </a:t>
+            </a:r>
+            <a:r>
+              <a:rPr lang="en-US" dirty="0" err="1"/>
+              <a:t>léger</a:t>
+            </a:r>
+            <a:endParaRPr lang="en-US" dirty="0" smtClean="0"/>
+          </a:p>
+          <a:p>
+            <a:pPr lvl="1"/>
+            <a:r>
+              <a:rPr lang="en-US" dirty="0" smtClean="0"/>
+              <a:t> </a:t>
+            </a:r>
+            <a:r>
+              <a:rPr lang="en-US" dirty="0" err="1" smtClean="0"/>
+              <a:t>juste</a:t>
+            </a:r>
+            <a:r>
+              <a:rPr lang="en-US" dirty="0" smtClean="0"/>
+              <a:t> 24MB</a:t>
+            </a:r>
+            <a:endParaRPr lang="en-US" dirty="0"/>
+          </a:p>
+          <a:p>
+            <a:pPr lvl="1"/>
+            <a:r>
+              <a:rPr lang="en-US" dirty="0"/>
+              <a:t> pas de </a:t>
+            </a:r>
+            <a:r>
+              <a:rPr lang="en-US" dirty="0" err="1"/>
+              <a:t>mémoire</a:t>
+            </a:r>
+            <a:r>
+              <a:rPr lang="en-US" dirty="0"/>
+              <a:t> </a:t>
+            </a:r>
+            <a:r>
+              <a:rPr lang="en-US" dirty="0" err="1"/>
+              <a:t>supplémentaire</a:t>
+            </a:r>
+            <a:endParaRPr lang="en-US" dirty="0"/>
+          </a:p>
+          <a:p>
+            <a:r>
+              <a:rPr lang="fr-FR" dirty="0"/>
+              <a:t>Pas besoin d'apprendre nouveau contexte de </a:t>
+            </a:r>
+            <a:r>
+              <a:rPr lang="fr-FR" dirty="0" smtClean="0"/>
+              <a:t>serveur</a:t>
+            </a:r>
+          </a:p>
+          <a:p>
+            <a:r>
+              <a:rPr lang="fr-FR" dirty="0"/>
+              <a:t>Utiliser des outils IDE existants</a:t>
+            </a:r>
+          </a:p>
+        </p:txBody>
+      </p:sp>
+    </p:spTree>
+    <p:extLst>
+      <p:ext uri="{BB962C8B-B14F-4D97-AF65-F5344CB8AC3E}">
+        <p14:creationId xmlns:p14="http://schemas.microsoft.com/office/powerpoint/2010/main" val="3913101407"/>
+      </p:ext>
+    </p:extLst>
+  </p:cSld>
+  <p:clrMapOvr>
+    <a:masterClrMapping/>
+  </p:clrMapOvr>
+  <p:timing>
+    <p:tnLst>
+      <p:par>
+        <p:cTn id="1" dur="indefinite" restart="never" nodeType="tmRoot"/>
+      </p:par>
+    </p:tnLst>
+  </p:timing>
+</p:sld>
+</file>
+
+<file path=ppt/slides/slide6.xml><?xml version="1.0" encoding="utf-8"?>
+<p:sld xmlns:a="http://schemas.openxmlformats.org/drawingml/2006/main" xmlns:r="http://schemas.openxmlformats.org/officeDocument/2006/relationships" xmlns:p="http://schemas.openxmlformats.org/presentationml/2006/main">
+  <p:cSld>
+    <p:spTree>
+      <p:nvGrpSpPr>
+        <p:cNvPr id="1" name=""/>
+        <p:cNvGrpSpPr/>
+        <p:nvPr/>
+      </p:nvGrpSpPr>
+      <p:grpSpPr>
+        <a:xfrm>
+          <a:off x="0" y="0"/>
+          <a:ext cx="0" cy="0"/>
+          <a:chOff x="0" y="0"/>
+          <a:chExt cx="0" cy="0"/>
+        </a:xfrm>
+      </p:grpSpPr>
+      <p:sp>
+        <p:nvSpPr>
+          <p:cNvPr id="2" name="Title 1"/>
+          <p:cNvSpPr>
+            <a:spLocks noGrp="1"/>
+          </p:cNvSpPr>
+          <p:nvPr>
+            <p:ph type="title"/>
+          </p:nvPr>
+        </p:nvSpPr>
+        <p:spPr>
+          <a:xfrm>
+            <a:off x="2592925" y="624110"/>
+            <a:ext cx="8911687" cy="818324"/>
+          </a:xfrm>
+        </p:spPr>
+        <p:txBody>
+          <a:bodyPr>
+            <a:normAutofit fontScale="90000"/>
+          </a:bodyPr>
+          <a:lstStyle/>
+          <a:p>
+            <a:r>
+              <a:rPr lang="en-US" dirty="0"/>
+              <a:t>La version de </a:t>
+            </a:r>
+            <a:r>
+              <a:rPr lang="en-US" dirty="0" err="1"/>
+              <a:t>Profil</a:t>
+            </a:r>
+            <a:r>
+              <a:rPr lang="en-US" dirty="0"/>
+              <a:t> Web de </a:t>
+            </a:r>
+            <a:r>
+              <a:rPr lang="en-US" dirty="0" err="1"/>
+              <a:t>Tomee</a:t>
+            </a:r>
+            <a:r>
+              <a:rPr lang="en-US" dirty="0"/>
+              <a:t> </a:t>
+            </a:r>
+            <a:r>
+              <a:rPr lang="en-US" dirty="0" err="1"/>
+              <a:t>contient</a:t>
+            </a:r>
+            <a:r>
+              <a:rPr lang="en-US" dirty="0"/>
+              <a:t/>
+            </a:r>
+            <a:br>
+              <a:rPr lang="en-US" dirty="0"/>
+            </a:br>
+            <a:endParaRPr lang="fr-FR" dirty="0"/>
+          </a:p>
+        </p:txBody>
+      </p:sp>
+      <p:sp>
+        <p:nvSpPr>
+          <p:cNvPr id="3" name="Content Placeholder 2"/>
+          <p:cNvSpPr>
+            <a:spLocks noGrp="1"/>
+          </p:cNvSpPr>
+          <p:nvPr>
+            <p:ph idx="1"/>
+          </p:nvPr>
+        </p:nvSpPr>
+        <p:spPr>
+          <a:xfrm>
+            <a:off x="2592925" y="1592687"/>
+            <a:ext cx="8915400" cy="3777622"/>
+          </a:xfrm>
+        </p:spPr>
+        <p:txBody>
+          <a:bodyPr>
+            <a:noAutofit/>
+          </a:bodyPr>
+          <a:lstStyle/>
+          <a:p>
+            <a:r>
+              <a:rPr lang="en-US" sz="2400" b="1" dirty="0" smtClean="0"/>
+              <a:t>CDI</a:t>
+            </a:r>
+            <a:r>
+              <a:rPr lang="en-US" sz="2400" dirty="0"/>
+              <a:t> - </a:t>
+            </a:r>
+            <a:r>
+              <a:rPr lang="en-US" sz="2400" dirty="0" err="1"/>
+              <a:t>OpenWebBeans</a:t>
+            </a:r>
+            <a:r>
+              <a:rPr lang="en-US" sz="2400" dirty="0"/>
+              <a:t> Apache</a:t>
+            </a:r>
+          </a:p>
+          <a:p>
+            <a:r>
+              <a:rPr lang="en-US" sz="2400" b="1" dirty="0"/>
+              <a:t>EJB</a:t>
+            </a:r>
+            <a:r>
+              <a:rPr lang="en-US" sz="2400" dirty="0"/>
+              <a:t> - Apache </a:t>
+            </a:r>
+            <a:r>
+              <a:rPr lang="en-US" sz="2400" dirty="0" err="1"/>
+              <a:t>OpenEJB</a:t>
+            </a:r>
+            <a:endParaRPr lang="en-US" sz="2400" dirty="0"/>
+          </a:p>
+          <a:p>
+            <a:r>
+              <a:rPr lang="en-US" sz="2400" b="1" dirty="0"/>
+              <a:t>JPA</a:t>
+            </a:r>
+            <a:r>
+              <a:rPr lang="en-US" sz="2400" dirty="0"/>
+              <a:t> - Apache </a:t>
+            </a:r>
+            <a:r>
+              <a:rPr lang="en-US" sz="2400" dirty="0" err="1"/>
+              <a:t>OpenJPA</a:t>
+            </a:r>
+            <a:endParaRPr lang="en-US" sz="2400" dirty="0"/>
+          </a:p>
+          <a:p>
+            <a:r>
+              <a:rPr lang="en-US" sz="2400" b="1" dirty="0"/>
+              <a:t>JSF</a:t>
+            </a:r>
+            <a:r>
+              <a:rPr lang="en-US" sz="2400" dirty="0"/>
+              <a:t> - Apache </a:t>
+            </a:r>
+            <a:r>
+              <a:rPr lang="en-US" sz="2400" dirty="0" err="1"/>
+              <a:t>MyFaces</a:t>
+            </a:r>
+            <a:endParaRPr lang="en-US" sz="2400" dirty="0"/>
+          </a:p>
+          <a:p>
+            <a:r>
+              <a:rPr lang="en-US" sz="2400" b="1" dirty="0"/>
+              <a:t>JSP</a:t>
+            </a:r>
+            <a:r>
+              <a:rPr lang="en-US" sz="2400" dirty="0"/>
+              <a:t> - Apache Tomcat</a:t>
+            </a:r>
+          </a:p>
+          <a:p>
+            <a:r>
+              <a:rPr lang="en-US" sz="2400" b="1" dirty="0"/>
+              <a:t>JSTL</a:t>
+            </a:r>
+            <a:r>
+              <a:rPr lang="en-US" sz="2400" dirty="0"/>
+              <a:t> - Apache Tomcat</a:t>
+            </a:r>
+          </a:p>
+          <a:p>
+            <a:r>
+              <a:rPr lang="en-US" sz="2400" b="1" dirty="0"/>
+              <a:t>JTA</a:t>
+            </a:r>
+            <a:r>
+              <a:rPr lang="en-US" sz="2400" dirty="0"/>
+              <a:t> - Apache Geronimo Transaction</a:t>
+            </a:r>
+          </a:p>
+          <a:p>
+            <a:r>
+              <a:rPr lang="en-US" sz="2400" b="1" dirty="0"/>
+              <a:t>Servlet</a:t>
+            </a:r>
+            <a:r>
+              <a:rPr lang="en-US" sz="2400" dirty="0"/>
+              <a:t> - Apache Tomcat</a:t>
+            </a:r>
+          </a:p>
+          <a:p>
+            <a:r>
+              <a:rPr lang="en-US" sz="2400" b="1" dirty="0" err="1"/>
+              <a:t>Javamail</a:t>
+            </a:r>
+            <a:r>
+              <a:rPr lang="en-US" sz="2400" dirty="0"/>
+              <a:t> - Apache Geronimo </a:t>
+            </a:r>
+            <a:r>
+              <a:rPr lang="en-US" sz="2400" dirty="0" err="1"/>
+              <a:t>JavaMail</a:t>
+            </a:r>
+            <a:endParaRPr lang="en-US" sz="2400" dirty="0"/>
+          </a:p>
+          <a:p>
+            <a:r>
+              <a:rPr lang="en-US" sz="2400" b="1" dirty="0"/>
+              <a:t>Bean Validation</a:t>
+            </a:r>
+            <a:r>
+              <a:rPr lang="en-US" sz="2400" dirty="0"/>
+              <a:t> - Apache </a:t>
+            </a:r>
+            <a:r>
+              <a:rPr lang="en-US" sz="2400" dirty="0" err="1"/>
+              <a:t>Bval</a:t>
+            </a:r>
+            <a:endParaRPr lang="en-US" sz="2400" dirty="0"/>
+          </a:p>
+          <a:p>
+            <a:endParaRPr lang="fr-FR" sz="1600" dirty="0"/>
+          </a:p>
+        </p:txBody>
+      </p:sp>
+    </p:spTree>
+    <p:extLst>
+      <p:ext uri="{BB962C8B-B14F-4D97-AF65-F5344CB8AC3E}">
+        <p14:creationId xmlns:p14="http://schemas.microsoft.com/office/powerpoint/2010/main" val="1618786461"/>
+      </p:ext>
+    </p:extLst>
+  </p:cSld>
+  <p:clrMapOvr>
+    <a:masterClrMapping/>
+  </p:clrMapOvr>
+  <p:timing>
+    <p:tnLst>
+      <p:par>
+        <p:cTn id="1" dur="indefinite" restart="never" nodeType="tmRoot"/>
+      </p:par>
+    </p:tnLst>
+  </p:timing>
+</p:sld>
+</file>
+
+<file path=ppt/slides/slide7.xml><?xml version="1.0" encoding="utf-8"?>
 <p:sld xmlns:a="http://schemas.openxmlformats.org/drawingml/2006/main" xmlns:r="http://schemas.openxmlformats.org/officeDocument/2006/relationships" xmlns:p="http://schemas.openxmlformats.org/presentationml/2006/main">
   <p:cSld>
     <p:spTree>
@@ -13487,564 +14774,7 @@
 </p:sld>
 </file>
 
-<file path=ppt/slides/slide5.xml><?xml version="1.0" encoding="utf-8"?>
-<p:sld xmlns:a="http://schemas.openxmlformats.org/drawingml/2006/main" xmlns:r="http://schemas.openxmlformats.org/officeDocument/2006/relationships" xmlns:p="http://schemas.openxmlformats.org/presentationml/2006/main">
-  <p:cSld>
-    <p:spTree>
-      <p:nvGrpSpPr>
-        <p:cNvPr id="1" name=""/>
-        <p:cNvGrpSpPr/>
-        <p:nvPr/>
-      </p:nvGrpSpPr>
-      <p:grpSpPr>
-        <a:xfrm>
-          <a:off x="0" y="0"/>
-          <a:ext cx="0" cy="0"/>
-          <a:chOff x="0" y="0"/>
-          <a:chExt cx="0" cy="0"/>
-        </a:xfrm>
-      </p:grpSpPr>
-      <p:sp>
-        <p:nvSpPr>
-          <p:cNvPr id="2" name="Title 1"/>
-          <p:cNvSpPr>
-            <a:spLocks noGrp="1"/>
-          </p:cNvSpPr>
-          <p:nvPr>
-            <p:ph type="title"/>
-          </p:nvPr>
-        </p:nvSpPr>
-        <p:spPr/>
-        <p:txBody>
-          <a:bodyPr/>
-          <a:lstStyle/>
-          <a:p>
-            <a:r>
-              <a:rPr lang="fr-FR" dirty="0"/>
-              <a:t>Plan de la présentation </a:t>
-            </a:r>
-          </a:p>
-        </p:txBody>
-      </p:sp>
-      <p:sp>
-        <p:nvSpPr>
-          <p:cNvPr id="3" name="Content Placeholder 2"/>
-          <p:cNvSpPr>
-            <a:spLocks noGrp="1"/>
-          </p:cNvSpPr>
-          <p:nvPr>
-            <p:ph idx="1"/>
-          </p:nvPr>
-        </p:nvSpPr>
-        <p:spPr/>
-        <p:txBody>
-          <a:bodyPr>
-            <a:normAutofit/>
-          </a:bodyPr>
-          <a:lstStyle/>
-          <a:p>
-            <a:r>
-              <a:rPr lang="fr-FR" dirty="0" smtClean="0"/>
-              <a:t>C'est </a:t>
-            </a:r>
-            <a:r>
-              <a:rPr lang="fr-FR" dirty="0"/>
-              <a:t>quoi </a:t>
-            </a:r>
-            <a:r>
-              <a:rPr lang="fr-FR" dirty="0" err="1" smtClean="0"/>
-              <a:t>TomEE</a:t>
-            </a:r>
-            <a:r>
-              <a:rPr lang="fr-FR" dirty="0" smtClean="0"/>
-              <a:t>, a </a:t>
-            </a:r>
-            <a:r>
-              <a:rPr lang="fr-FR" dirty="0"/>
-              <a:t>propos de </a:t>
-            </a:r>
-            <a:r>
-              <a:rPr lang="fr-FR" dirty="0" err="1"/>
-              <a:t>TomEE</a:t>
-            </a:r>
-            <a:r>
-              <a:rPr lang="fr-FR" dirty="0"/>
-              <a:t> ( Historique, Installation )</a:t>
-            </a:r>
-          </a:p>
-          <a:p>
-            <a:r>
-              <a:rPr lang="fr-FR" dirty="0" smtClean="0"/>
-              <a:t>API servie par </a:t>
-            </a:r>
-            <a:r>
-              <a:rPr lang="fr-FR" dirty="0" err="1" smtClean="0"/>
-              <a:t>TomEE</a:t>
-            </a:r>
-            <a:r>
-              <a:rPr lang="fr-FR" dirty="0" smtClean="0"/>
-              <a:t> </a:t>
-            </a:r>
-            <a:endParaRPr lang="fr-FR" dirty="0"/>
-          </a:p>
-          <a:p>
-            <a:r>
-              <a:rPr lang="fr-FR" dirty="0" smtClean="0"/>
-              <a:t>les </a:t>
-            </a:r>
-            <a:r>
-              <a:rPr lang="fr-FR" dirty="0"/>
-              <a:t>avantage d'utilisation </a:t>
-            </a:r>
-            <a:r>
-              <a:rPr lang="fr-FR" dirty="0" err="1" smtClean="0"/>
-              <a:t>TomEE</a:t>
-            </a:r>
-            <a:endParaRPr lang="fr-FR" dirty="0"/>
-          </a:p>
-          <a:p>
-            <a:r>
-              <a:rPr lang="fr-FR" dirty="0" smtClean="0"/>
-              <a:t>Simple </a:t>
-            </a:r>
-            <a:r>
-              <a:rPr lang="fr-FR" dirty="0"/>
-              <a:t>Code CRUD on utilisant </a:t>
-            </a:r>
-            <a:r>
-              <a:rPr lang="fr-FR" dirty="0" err="1" smtClean="0"/>
-              <a:t>TomEE</a:t>
-            </a:r>
-            <a:r>
-              <a:rPr lang="fr-FR" dirty="0"/>
-              <a:t> (</a:t>
-            </a:r>
-            <a:r>
-              <a:rPr lang="fr-FR" dirty="0" err="1"/>
-              <a:t>Video</a:t>
-            </a:r>
-            <a:r>
-              <a:rPr lang="fr-FR" dirty="0"/>
-              <a:t> 2min)</a:t>
-            </a:r>
-          </a:p>
-          <a:p>
-            <a:r>
-              <a:rPr lang="fr-FR" dirty="0" smtClean="0"/>
-              <a:t>Login </a:t>
-            </a:r>
-            <a:r>
-              <a:rPr lang="fr-FR" dirty="0"/>
-              <a:t>et l'authentification en utilisant les fonctions définie dans </a:t>
-            </a:r>
-            <a:r>
-              <a:rPr lang="fr-FR" dirty="0" err="1"/>
-              <a:t>TomEE</a:t>
-            </a:r>
-            <a:endParaRPr lang="fr-FR" dirty="0"/>
-          </a:p>
-          <a:p>
-            <a:r>
-              <a:rPr lang="fr-FR" dirty="0" smtClean="0"/>
-              <a:t>Comment </a:t>
-            </a:r>
-            <a:r>
-              <a:rPr lang="fr-FR" dirty="0"/>
-              <a:t>définir les rôles pour chacun </a:t>
-            </a:r>
-            <a:r>
-              <a:rPr lang="fr-FR" dirty="0" err="1"/>
-              <a:t>Admin</a:t>
-            </a:r>
-            <a:r>
-              <a:rPr lang="fr-FR" dirty="0"/>
-              <a:t>, User,... </a:t>
-            </a:r>
-            <a:r>
-              <a:rPr lang="fr-FR" dirty="0" err="1"/>
-              <a:t>etc</a:t>
-            </a:r>
-            <a:r>
-              <a:rPr lang="fr-FR" dirty="0"/>
-              <a:t>, et comment défie/utiliser "</a:t>
-            </a:r>
-            <a:r>
-              <a:rPr lang="fr-FR" dirty="0" err="1"/>
-              <a:t>privilige</a:t>
-            </a:r>
-            <a:r>
-              <a:rPr lang="fr-FR" dirty="0"/>
-              <a:t> </a:t>
-            </a:r>
-            <a:r>
-              <a:rPr lang="fr-FR" dirty="0" err="1"/>
-              <a:t>escalation</a:t>
-            </a:r>
-            <a:r>
-              <a:rPr lang="fr-FR" dirty="0"/>
-              <a:t>". </a:t>
-            </a:r>
-          </a:p>
-          <a:p>
-            <a:r>
-              <a:rPr lang="fr-FR" dirty="0" smtClean="0"/>
-              <a:t>ouverture </a:t>
-            </a:r>
-            <a:r>
-              <a:rPr lang="fr-FR" dirty="0"/>
-              <a:t>a propos de </a:t>
-            </a:r>
-            <a:r>
-              <a:rPr lang="fr-FR" dirty="0" err="1"/>
-              <a:t>TomEE</a:t>
-            </a:r>
-            <a:r>
-              <a:rPr lang="fr-FR" dirty="0"/>
-              <a:t>+</a:t>
-            </a:r>
-          </a:p>
-        </p:txBody>
-      </p:sp>
-    </p:spTree>
-    <p:extLst>
-      <p:ext uri="{BB962C8B-B14F-4D97-AF65-F5344CB8AC3E}">
-        <p14:creationId xmlns:p14="http://schemas.microsoft.com/office/powerpoint/2010/main" val="2737571868"/>
-      </p:ext>
-    </p:extLst>
-  </p:cSld>
-  <p:clrMapOvr>
-    <a:masterClrMapping/>
-  </p:clrMapOvr>
-  <p:timing>
-    <p:tnLst>
-      <p:par>
-        <p:cTn id="1" dur="indefinite" restart="never" nodeType="tmRoot"/>
-      </p:par>
-    </p:tnLst>
-  </p:timing>
-</p:sld>
-</file>
-
-<file path=ppt/slides/slide6.xml><?xml version="1.0" encoding="utf-8"?>
-<p:sld xmlns:a="http://schemas.openxmlformats.org/drawingml/2006/main" xmlns:r="http://schemas.openxmlformats.org/officeDocument/2006/relationships" xmlns:p="http://schemas.openxmlformats.org/presentationml/2006/main">
-  <p:cSld>
-    <p:spTree>
-      <p:nvGrpSpPr>
-        <p:cNvPr id="1" name=""/>
-        <p:cNvGrpSpPr/>
-        <p:nvPr/>
-      </p:nvGrpSpPr>
-      <p:grpSpPr>
-        <a:xfrm>
-          <a:off x="0" y="0"/>
-          <a:ext cx="0" cy="0"/>
-          <a:chOff x="0" y="0"/>
-          <a:chExt cx="0" cy="0"/>
-        </a:xfrm>
-      </p:grpSpPr>
-      <p:sp>
-        <p:nvSpPr>
-          <p:cNvPr id="2" name="Title 1"/>
-          <p:cNvSpPr>
-            <a:spLocks noGrp="1"/>
-          </p:cNvSpPr>
-          <p:nvPr>
-            <p:ph type="title"/>
-          </p:nvPr>
-        </p:nvSpPr>
-        <p:spPr/>
-        <p:txBody>
-          <a:bodyPr/>
-          <a:lstStyle/>
-          <a:p>
-            <a:r>
-              <a:rPr lang="fr-FR" dirty="0">
-                <a:latin typeface="Comic Sans MS" pitchFamily="66" charset="0"/>
-              </a:rPr>
-              <a:t>Apache </a:t>
-            </a:r>
-            <a:r>
-              <a:rPr lang="fr-FR" dirty="0" err="1">
-                <a:latin typeface="Comic Sans MS" pitchFamily="66" charset="0"/>
-              </a:rPr>
-              <a:t>TomEE</a:t>
-            </a:r>
-            <a:r>
-              <a:rPr lang="fr-FR" dirty="0">
-                <a:latin typeface="Comic Sans MS" pitchFamily="66" charset="0"/>
-              </a:rPr>
-              <a:t> c’est quoi?</a:t>
-            </a:r>
-            <a:endParaRPr lang="fr-FR" dirty="0"/>
-          </a:p>
-        </p:txBody>
-      </p:sp>
-      <p:sp>
-        <p:nvSpPr>
-          <p:cNvPr id="6" name="Rectangle 5"/>
-          <p:cNvSpPr/>
-          <p:nvPr/>
-        </p:nvSpPr>
-        <p:spPr>
-          <a:xfrm>
-            <a:off x="2592925" y="1586964"/>
-            <a:ext cx="6096000" cy="759182"/>
-          </a:xfrm>
-          <a:prstGeom prst="rect">
-            <a:avLst/>
-          </a:prstGeom>
-        </p:spPr>
-        <p:txBody>
-          <a:bodyPr>
-            <a:spAutoFit/>
-          </a:bodyPr>
-          <a:lstStyle/>
-          <a:p>
-            <a:pPr lvl="1">
-              <a:spcBef>
-                <a:spcPts val="400"/>
-              </a:spcBef>
-              <a:buClr>
-                <a:srgbClr val="0066A1"/>
-              </a:buClr>
-              <a:buFont typeface="Arial" charset="0"/>
-              <a:buChar char="–"/>
-            </a:pPr>
-            <a:r>
-              <a:rPr lang="en-GB" sz="2000" dirty="0">
-                <a:solidFill>
-                  <a:srgbClr val="000000"/>
-                </a:solidFill>
-                <a:latin typeface="Verdana" pitchFamily="32" charset="0"/>
-                <a:cs typeface="Arial" charset="0"/>
-              </a:rPr>
-              <a:t>Java EE 6 Web Profile Certified stack</a:t>
-            </a:r>
-          </a:p>
-          <a:p>
-            <a:pPr lvl="1">
-              <a:spcBef>
-                <a:spcPts val="400"/>
-              </a:spcBef>
-              <a:buClr>
-                <a:srgbClr val="0066A1"/>
-              </a:buClr>
-              <a:buFont typeface="Arial" charset="0"/>
-              <a:buChar char="–"/>
-            </a:pPr>
-            <a:r>
-              <a:rPr lang="en-GB" sz="2000" dirty="0">
-                <a:solidFill>
-                  <a:srgbClr val="000000"/>
-                </a:solidFill>
-                <a:latin typeface="Verdana" pitchFamily="32" charset="0"/>
-                <a:cs typeface="Arial" charset="0"/>
-              </a:rPr>
-              <a:t>Tomcat + Java EE = </a:t>
-            </a:r>
-            <a:r>
-              <a:rPr lang="en-GB" sz="2000" dirty="0" err="1">
-                <a:solidFill>
-                  <a:srgbClr val="000000"/>
-                </a:solidFill>
-                <a:latin typeface="Verdana" pitchFamily="32" charset="0"/>
-                <a:cs typeface="Arial" charset="0"/>
-              </a:rPr>
-              <a:t>TomEE</a:t>
-            </a:r>
-            <a:endParaRPr lang="en-GB" sz="2000" dirty="0">
-              <a:solidFill>
-                <a:srgbClr val="000000"/>
-              </a:solidFill>
-              <a:latin typeface="Verdana" pitchFamily="32" charset="0"/>
-              <a:cs typeface="Arial" charset="0"/>
-            </a:endParaRPr>
-          </a:p>
-        </p:txBody>
-      </p:sp>
-      <p:sp>
-        <p:nvSpPr>
-          <p:cNvPr id="8" name="Rectangle 7"/>
-          <p:cNvSpPr/>
-          <p:nvPr/>
-        </p:nvSpPr>
-        <p:spPr>
-          <a:xfrm>
-            <a:off x="2777254" y="2606792"/>
-            <a:ext cx="6096000" cy="3416320"/>
-          </a:xfrm>
-          <a:prstGeom prst="rect">
-            <a:avLst/>
-          </a:prstGeom>
-        </p:spPr>
-        <p:txBody>
-          <a:bodyPr>
-            <a:spAutoFit/>
-          </a:bodyPr>
-          <a:lstStyle/>
-          <a:p>
-            <a:r>
-              <a:rPr lang="fr-FR" dirty="0" err="1" smtClean="0"/>
-              <a:t>Tomcat</a:t>
-            </a:r>
-            <a:r>
-              <a:rPr lang="fr-FR" dirty="0" smtClean="0"/>
-              <a:t> ??</a:t>
-            </a:r>
-            <a:br>
-              <a:rPr lang="fr-FR" dirty="0" smtClean="0"/>
-            </a:br>
-            <a:r>
-              <a:rPr lang="fr-FR" dirty="0"/>
-              <a:t/>
-            </a:r>
-            <a:br>
-              <a:rPr lang="fr-FR" dirty="0"/>
-            </a:br>
-            <a:r>
-              <a:rPr lang="fr-FR" dirty="0"/>
-              <a:t>Apache </a:t>
-            </a:r>
-            <a:r>
-              <a:rPr lang="fr-FR" dirty="0" err="1"/>
-              <a:t>Tomcat</a:t>
-            </a:r>
-            <a:r>
-              <a:rPr lang="fr-FR" dirty="0"/>
-              <a:t> est une implémentation des technologies Java Servlet et </a:t>
-            </a:r>
-            <a:r>
-              <a:rPr lang="fr-FR" dirty="0" err="1"/>
-              <a:t>JavaServer</a:t>
-            </a:r>
-            <a:r>
-              <a:rPr lang="fr-FR" dirty="0"/>
-              <a:t> Pages logiciels open source</a:t>
-            </a:r>
-            <a:r>
-              <a:rPr lang="fr-FR" dirty="0" smtClean="0"/>
-              <a:t>.</a:t>
-            </a:r>
-            <a:br>
-              <a:rPr lang="fr-FR" dirty="0" smtClean="0"/>
-            </a:br>
-            <a:r>
-              <a:rPr lang="fr-FR" dirty="0" smtClean="0"/>
-              <a:t/>
-            </a:r>
-            <a:br>
-              <a:rPr lang="fr-FR" dirty="0" smtClean="0"/>
-            </a:br>
-            <a:r>
-              <a:rPr lang="fr-FR" dirty="0"/>
-              <a:t>Java EE Web </a:t>
-            </a:r>
-            <a:r>
-              <a:rPr lang="fr-FR" dirty="0" err="1" smtClean="0"/>
-              <a:t>Proﬁle</a:t>
-            </a:r>
-            <a:r>
-              <a:rPr lang="fr-FR" dirty="0" smtClean="0"/>
-              <a:t> </a:t>
-            </a:r>
-            <a:r>
-              <a:rPr lang="fr-FR" dirty="0"/>
-              <a:t>(“Web </a:t>
-            </a:r>
-            <a:r>
-              <a:rPr lang="fr-FR" dirty="0" err="1"/>
-              <a:t>Proﬁle</a:t>
-            </a:r>
-            <a:r>
-              <a:rPr lang="fr-FR" dirty="0"/>
-              <a:t>”)</a:t>
-            </a:r>
-            <a:r>
-              <a:rPr lang="fr-FR" dirty="0" smtClean="0"/>
-              <a:t> ?? </a:t>
-            </a:r>
-          </a:p>
-          <a:p>
-            <a:endParaRPr lang="fr-FR" dirty="0" smtClean="0"/>
-          </a:p>
-          <a:p>
-            <a:r>
-              <a:rPr lang="fr-FR" dirty="0" smtClean="0"/>
-              <a:t>Est un </a:t>
-            </a:r>
-            <a:r>
-              <a:rPr lang="fr-FR" dirty="0" err="1"/>
-              <a:t>proﬁle</a:t>
-            </a:r>
-            <a:r>
-              <a:rPr lang="fr-FR" dirty="0"/>
-              <a:t> </a:t>
-            </a:r>
-            <a:r>
-              <a:rPr lang="fr-FR" dirty="0" smtClean="0"/>
-              <a:t>de </a:t>
-            </a:r>
-            <a:r>
-              <a:rPr lang="fr-FR" dirty="0"/>
-              <a:t>Java Platform, Enterprise Edition </a:t>
-            </a:r>
-            <a:r>
-              <a:rPr lang="fr-FR" dirty="0" err="1"/>
-              <a:t>speciﬁcally</a:t>
-            </a:r>
-            <a:r>
-              <a:rPr lang="fr-FR" dirty="0"/>
-              <a:t> </a:t>
-            </a:r>
-            <a:r>
-              <a:rPr lang="fr-FR" dirty="0" smtClean="0"/>
-              <a:t>spécifié aux  </a:t>
-            </a:r>
-            <a:r>
-              <a:rPr lang="fr-FR" dirty="0"/>
-              <a:t>web applications. Java™ Platform, Enterprise Edition 6 (Java EE 6) Web </a:t>
-            </a:r>
-            <a:r>
-              <a:rPr lang="fr-FR" dirty="0" err="1"/>
-              <a:t>Proﬁle</a:t>
-            </a:r>
-            <a:r>
-              <a:rPr lang="fr-FR" dirty="0"/>
-              <a:t> </a:t>
-            </a:r>
-            <a:r>
-              <a:rPr lang="fr-FR" dirty="0" err="1" smtClean="0"/>
-              <a:t>Speciﬁcation</a:t>
-            </a:r>
-            <a:r>
-              <a:rPr lang="fr-FR" dirty="0" smtClean="0"/>
-              <a:t>. </a:t>
-            </a:r>
-            <a:endParaRPr lang="fr-FR" dirty="0"/>
-          </a:p>
-        </p:txBody>
-      </p:sp>
-    </p:spTree>
-    <p:extLst>
-      <p:ext uri="{BB962C8B-B14F-4D97-AF65-F5344CB8AC3E}">
-        <p14:creationId xmlns:p14="http://schemas.microsoft.com/office/powerpoint/2010/main" val="1586936446"/>
-      </p:ext>
-    </p:extLst>
-  </p:cSld>
-  <p:clrMapOvr>
-    <a:masterClrMapping/>
-  </p:clrMapOvr>
-  <p:timing>
-    <p:tnLst>
-      <p:par>
-        <p:cTn id="1" dur="indefinite" restart="never" nodeType="tmRoot"/>
-      </p:par>
-    </p:tnLst>
-  </p:timing>
-</p:sld>
-</file>
-
-<file path=ppt/slides/slide7.xml><?xml version="1.0" encoding="utf-8"?>
+<file path=ppt/slides/slide8.xml><?xml version="1.0" encoding="utf-8"?>
 <p:sld xmlns:a="http://schemas.openxmlformats.org/drawingml/2006/main" xmlns:r="http://schemas.openxmlformats.org/officeDocument/2006/relationships" xmlns:p="http://schemas.openxmlformats.org/presentationml/2006/main">
   <p:cSld>
     <p:spTree>
@@ -14091,13 +14821,13 @@
               <a:rPr lang="fr-FR" dirty="0"/>
             </a:br>
             <a:r>
-              <a:rPr lang="fr-FR" sz="7200" dirty="0">
+              <a:rPr lang="fr-FR" sz="7200" dirty="0" smtClean="0">
                 <a:solidFill>
                   <a:srgbClr val="A53010"/>
                 </a:solidFill>
                 <a:latin typeface="Comic Sans MS" pitchFamily="66" charset="0"/>
               </a:rPr>
-              <a:t>Histoire</a:t>
+              <a:t>Releases</a:t>
             </a:r>
             <a:endParaRPr lang="fr-FR" sz="7200" dirty="0">
               <a:solidFill>
@@ -14128,7 +14858,7 @@
 </p:sld>
 </file>
 
-<file path=ppt/slides/slide8.xml><?xml version="1.0" encoding="utf-8"?>
+<file path=ppt/slides/slide9.xml><?xml version="1.0" encoding="utf-8"?>
 <p:sld xmlns:a="http://schemas.openxmlformats.org/drawingml/2006/main" xmlns:r="http://schemas.openxmlformats.org/officeDocument/2006/relationships" xmlns:p="http://schemas.openxmlformats.org/presentationml/2006/main">
   <p:cSld>
     <p:spTree>
@@ -15209,1338 +15939,6 @@
 </p:sld>
 </file>
 
-<file path=ppt/slides/slide9.xml><?xml version="1.0" encoding="utf-8"?>
-<p:sld xmlns:a="http://schemas.openxmlformats.org/drawingml/2006/main" xmlns:r="http://schemas.openxmlformats.org/officeDocument/2006/relationships" xmlns:p="http://schemas.openxmlformats.org/presentationml/2006/main">
-  <p:cSld>
-    <p:spTree>
-      <p:nvGrpSpPr>
-        <p:cNvPr id="1" name=""/>
-        <p:cNvGrpSpPr/>
-        <p:nvPr/>
-      </p:nvGrpSpPr>
-      <p:grpSpPr>
-        <a:xfrm>
-          <a:off x="0" y="0"/>
-          <a:ext cx="0" cy="0"/>
-          <a:chOff x="0" y="0"/>
-          <a:chExt cx="0" cy="0"/>
-        </a:xfrm>
-      </p:grpSpPr>
-      <p:sp>
-        <p:nvSpPr>
-          <p:cNvPr id="2" name="Title 1"/>
-          <p:cNvSpPr>
-            <a:spLocks noGrp="1"/>
-          </p:cNvSpPr>
-          <p:nvPr>
-            <p:ph type="title"/>
-          </p:nvPr>
-        </p:nvSpPr>
-        <p:spPr/>
-        <p:txBody>
-          <a:bodyPr/>
-          <a:lstStyle/>
-          <a:p>
-            <a:endParaRPr lang="fr-FR"/>
-          </a:p>
-        </p:txBody>
-      </p:sp>
-      <p:sp>
-        <p:nvSpPr>
-          <p:cNvPr id="3" name="Content Placeholder 2"/>
-          <p:cNvSpPr>
-            <a:spLocks noGrp="1"/>
-          </p:cNvSpPr>
-          <p:nvPr>
-            <p:ph idx="1"/>
-          </p:nvPr>
-        </p:nvSpPr>
-        <p:spPr/>
-        <p:txBody>
-          <a:bodyPr/>
-          <a:lstStyle/>
-          <a:p>
-            <a:endParaRPr lang="fr-FR" dirty="0"/>
-          </a:p>
-        </p:txBody>
-      </p:sp>
-      <p:grpSp>
-        <p:nvGrpSpPr>
-          <p:cNvPr id="4" name="Group 3"/>
-          <p:cNvGrpSpPr/>
-          <p:nvPr/>
-        </p:nvGrpSpPr>
-        <p:grpSpPr>
-          <a:xfrm>
-            <a:off x="1953635" y="513741"/>
-            <a:ext cx="1119458" cy="1599224"/>
-            <a:chOff x="0" y="4887"/>
-            <a:chExt cx="1119458" cy="1599224"/>
-          </a:xfrm>
-        </p:grpSpPr>
-        <p:sp>
-          <p:nvSpPr>
-            <p:cNvPr id="5" name="Chevron 4"/>
-            <p:cNvSpPr/>
-            <p:nvPr/>
-          </p:nvSpPr>
-          <p:spPr>
-            <a:xfrm rot="5400000">
-              <a:off x="-239883" y="244770"/>
-              <a:ext cx="1599224" cy="1119457"/>
-            </a:xfrm>
-            <a:prstGeom prst="chevron">
-              <a:avLst/>
-            </a:prstGeom>
-          </p:spPr>
-          <p:style>
-            <a:lnRef idx="1">
-              <a:schemeClr val="accent1">
-                <a:hueOff val="0"/>
-                <a:satOff val="0"/>
-                <a:lumOff val="0"/>
-                <a:alphaOff val="0"/>
-              </a:schemeClr>
-            </a:lnRef>
-            <a:fillRef idx="3">
-              <a:schemeClr val="accent1">
-                <a:hueOff val="0"/>
-                <a:satOff val="0"/>
-                <a:lumOff val="0"/>
-                <a:alphaOff val="0"/>
-              </a:schemeClr>
-            </a:fillRef>
-            <a:effectRef idx="2">
-              <a:schemeClr val="accent1">
-                <a:hueOff val="0"/>
-                <a:satOff val="0"/>
-                <a:lumOff val="0"/>
-                <a:alphaOff val="0"/>
-              </a:schemeClr>
-            </a:effectRef>
-            <a:fontRef idx="minor">
-              <a:schemeClr val="lt1"/>
-            </a:fontRef>
-          </p:style>
-        </p:sp>
-        <p:sp>
-          <p:nvSpPr>
-            <p:cNvPr id="6" name="Chevron 4"/>
-            <p:cNvSpPr/>
-            <p:nvPr/>
-          </p:nvSpPr>
-          <p:spPr>
-            <a:xfrm>
-              <a:off x="1" y="564616"/>
-              <a:ext cx="1119457" cy="479767"/>
-            </a:xfrm>
-            <a:prstGeom prst="rect">
-              <a:avLst/>
-            </a:prstGeom>
-          </p:spPr>
-          <p:style>
-            <a:lnRef idx="0">
-              <a:scrgbClr r="0" g="0" b="0"/>
-            </a:lnRef>
-            <a:fillRef idx="0">
-              <a:scrgbClr r="0" g="0" b="0"/>
-            </a:fillRef>
-            <a:effectRef idx="0">
-              <a:scrgbClr r="0" g="0" b="0"/>
-            </a:effectRef>
-            <a:fontRef idx="minor">
-              <a:schemeClr val="lt1"/>
-            </a:fontRef>
-          </p:style>
-          <p:txBody>
-            <a:bodyPr spcFirstLastPara="0" vert="horz" wrap="square" lIns="10795" tIns="10795" rIns="10795" bIns="10795" numCol="1" spcCol="1270" anchor="ctr" anchorCtr="0">
-              <a:noAutofit/>
-            </a:bodyPr>
-            <a:lstStyle/>
-            <a:p>
-              <a:pPr lvl="0" algn="ctr" defTabSz="755650">
-                <a:lnSpc>
-                  <a:spcPct val="90000"/>
-                </a:lnSpc>
-                <a:spcBef>
-                  <a:spcPct val="0"/>
-                </a:spcBef>
-                <a:spcAft>
-                  <a:spcPct val="35000"/>
-                </a:spcAft>
-              </a:pPr>
-              <a:endParaRPr lang="fr-FR" sz="1700" kern="1200" dirty="0"/>
-            </a:p>
-          </p:txBody>
-        </p:sp>
-      </p:grpSp>
-      <p:grpSp>
-        <p:nvGrpSpPr>
-          <p:cNvPr id="7" name="Group 6"/>
-          <p:cNvGrpSpPr/>
-          <p:nvPr/>
-        </p:nvGrpSpPr>
-        <p:grpSpPr>
-          <a:xfrm>
-            <a:off x="3073092" y="513741"/>
-            <a:ext cx="8529614" cy="1039495"/>
-            <a:chOff x="1119457" y="4887"/>
-            <a:chExt cx="8529614" cy="1039495"/>
-          </a:xfrm>
-        </p:grpSpPr>
-        <p:sp>
-          <p:nvSpPr>
-            <p:cNvPr id="8" name="Round Same Side Corner Rectangle 7"/>
-            <p:cNvSpPr/>
-            <p:nvPr/>
-          </p:nvSpPr>
-          <p:spPr>
-            <a:xfrm rot="5400000">
-              <a:off x="4864516" y="-3740172"/>
-              <a:ext cx="1039495" cy="8529614"/>
-            </a:xfrm>
-            <a:prstGeom prst="round2SameRect">
-              <a:avLst/>
-            </a:prstGeom>
-          </p:spPr>
-          <p:style>
-            <a:lnRef idx="1">
-              <a:schemeClr val="accent1">
-                <a:hueOff val="0"/>
-                <a:satOff val="0"/>
-                <a:lumOff val="0"/>
-                <a:alphaOff val="0"/>
-              </a:schemeClr>
-            </a:lnRef>
-            <a:fillRef idx="1">
-              <a:schemeClr val="lt1">
-                <a:alpha val="90000"/>
-                <a:hueOff val="0"/>
-                <a:satOff val="0"/>
-                <a:lumOff val="0"/>
-                <a:alphaOff val="0"/>
-              </a:schemeClr>
-            </a:fillRef>
-            <a:effectRef idx="0">
-              <a:schemeClr val="lt1">
-                <a:alpha val="90000"/>
-                <a:hueOff val="0"/>
-                <a:satOff val="0"/>
-                <a:lumOff val="0"/>
-                <a:alphaOff val="0"/>
-              </a:schemeClr>
-            </a:effectRef>
-            <a:fontRef idx="minor">
-              <a:schemeClr val="dk1">
-                <a:hueOff val="0"/>
-                <a:satOff val="0"/>
-                <a:lumOff val="0"/>
-                <a:alphaOff val="0"/>
-              </a:schemeClr>
-            </a:fontRef>
-          </p:style>
-        </p:sp>
-        <p:sp>
-          <p:nvSpPr>
-            <p:cNvPr id="9" name="Round Same Side Corner Rectangle 6"/>
-            <p:cNvSpPr/>
-            <p:nvPr/>
-          </p:nvSpPr>
-          <p:spPr>
-            <a:xfrm>
-              <a:off x="1119457" y="55631"/>
-              <a:ext cx="8478870" cy="938007"/>
-            </a:xfrm>
-            <a:prstGeom prst="rect">
-              <a:avLst/>
-            </a:prstGeom>
-          </p:spPr>
-          <p:style>
-            <a:lnRef idx="0">
-              <a:scrgbClr r="0" g="0" b="0"/>
-            </a:lnRef>
-            <a:fillRef idx="0">
-              <a:scrgbClr r="0" g="0" b="0"/>
-            </a:fillRef>
-            <a:effectRef idx="0">
-              <a:scrgbClr r="0" g="0" b="0"/>
-            </a:effectRef>
-            <a:fontRef idx="minor">
-              <a:schemeClr val="dk1">
-                <a:hueOff val="0"/>
-                <a:satOff val="0"/>
-                <a:lumOff val="0"/>
-                <a:alphaOff val="0"/>
-              </a:schemeClr>
-            </a:fontRef>
-          </p:style>
-          <p:txBody>
-            <a:bodyPr spcFirstLastPara="0" vert="horz" wrap="square" lIns="220472" tIns="19685" rIns="19685" bIns="19685" numCol="1" spcCol="1270" anchor="ctr" anchorCtr="0">
-              <a:noAutofit/>
-            </a:bodyPr>
-            <a:lstStyle/>
-            <a:p>
-              <a:pPr marL="285750" lvl="1" indent="-285750" algn="l" defTabSz="1377950">
-                <a:lnSpc>
-                  <a:spcPct val="90000"/>
-                </a:lnSpc>
-                <a:spcBef>
-                  <a:spcPct val="0"/>
-                </a:spcBef>
-                <a:spcAft>
-                  <a:spcPct val="15000"/>
-                </a:spcAft>
-                <a:buChar char="••"/>
-              </a:pPr>
-              <a:r>
-                <a:rPr lang="fr-FR" sz="3100" kern="1200" dirty="0" err="1" smtClean="0"/>
-                <a:t>JavaOne</a:t>
-              </a:r>
-              <a:r>
-                <a:rPr lang="fr-FR" sz="3100" kern="1200" dirty="0" smtClean="0"/>
-                <a:t> </a:t>
-              </a:r>
-              <a:r>
-                <a:rPr lang="fr-FR" sz="3100" kern="1200" dirty="0" smtClean="0"/>
-                <a:t>2013</a:t>
-              </a:r>
-              <a:endParaRPr lang="fr-FR" sz="3100" kern="1200" dirty="0"/>
-            </a:p>
-            <a:p>
-              <a:pPr marL="285750" lvl="1" indent="-285750" defTabSz="1377950">
-                <a:lnSpc>
-                  <a:spcPct val="90000"/>
-                </a:lnSpc>
-                <a:spcBef>
-                  <a:spcPct val="0"/>
-                </a:spcBef>
-                <a:spcAft>
-                  <a:spcPct val="15000"/>
-                </a:spcAft>
-                <a:buChar char="••"/>
-              </a:pPr>
-              <a:r>
-                <a:rPr lang="fr-FR" sz="3100" dirty="0" err="1"/>
-                <a:t>Tomitrib</a:t>
-              </a:r>
-              <a:r>
-                <a:rPr lang="fr-FR" sz="3100" dirty="0"/>
-                <a:t> lancé</a:t>
-              </a:r>
-              <a:endParaRPr lang="fr-FR" sz="3100" kern="1200" dirty="0"/>
-            </a:p>
-          </p:txBody>
-        </p:sp>
-      </p:grpSp>
-      <p:grpSp>
-        <p:nvGrpSpPr>
-          <p:cNvPr id="10" name="Group 9"/>
-          <p:cNvGrpSpPr/>
-          <p:nvPr/>
-        </p:nvGrpSpPr>
-        <p:grpSpPr>
-          <a:xfrm>
-            <a:off x="1953635" y="1969630"/>
-            <a:ext cx="1119458" cy="1599224"/>
-            <a:chOff x="0" y="1460776"/>
-            <a:chExt cx="1119458" cy="1599224"/>
-          </a:xfrm>
-        </p:grpSpPr>
-        <p:sp>
-          <p:nvSpPr>
-            <p:cNvPr id="11" name="Chevron 10"/>
-            <p:cNvSpPr/>
-            <p:nvPr/>
-          </p:nvSpPr>
-          <p:spPr>
-            <a:xfrm rot="5400000">
-              <a:off x="-239883" y="1700659"/>
-              <a:ext cx="1599224" cy="1119457"/>
-            </a:xfrm>
-            <a:prstGeom prst="chevron">
-              <a:avLst/>
-            </a:prstGeom>
-          </p:spPr>
-          <p:style>
-            <a:lnRef idx="1">
-              <a:schemeClr val="accent1">
-                <a:hueOff val="0"/>
-                <a:satOff val="0"/>
-                <a:lumOff val="0"/>
-                <a:alphaOff val="0"/>
-              </a:schemeClr>
-            </a:lnRef>
-            <a:fillRef idx="3">
-              <a:schemeClr val="accent1">
-                <a:hueOff val="0"/>
-                <a:satOff val="0"/>
-                <a:lumOff val="0"/>
-                <a:alphaOff val="0"/>
-              </a:schemeClr>
-            </a:fillRef>
-            <a:effectRef idx="2">
-              <a:schemeClr val="accent1">
-                <a:hueOff val="0"/>
-                <a:satOff val="0"/>
-                <a:lumOff val="0"/>
-                <a:alphaOff val="0"/>
-              </a:schemeClr>
-            </a:effectRef>
-            <a:fontRef idx="minor">
-              <a:schemeClr val="lt1"/>
-            </a:fontRef>
-          </p:style>
-        </p:sp>
-        <p:sp>
-          <p:nvSpPr>
-            <p:cNvPr id="12" name="Chevron 8"/>
-            <p:cNvSpPr/>
-            <p:nvPr/>
-          </p:nvSpPr>
-          <p:spPr>
-            <a:xfrm>
-              <a:off x="1" y="2020505"/>
-              <a:ext cx="1119457" cy="479767"/>
-            </a:xfrm>
-            <a:prstGeom prst="rect">
-              <a:avLst/>
-            </a:prstGeom>
-          </p:spPr>
-          <p:style>
-            <a:lnRef idx="0">
-              <a:scrgbClr r="0" g="0" b="0"/>
-            </a:lnRef>
-            <a:fillRef idx="0">
-              <a:scrgbClr r="0" g="0" b="0"/>
-            </a:fillRef>
-            <a:effectRef idx="0">
-              <a:scrgbClr r="0" g="0" b="0"/>
-            </a:effectRef>
-            <a:fontRef idx="minor">
-              <a:schemeClr val="lt1"/>
-            </a:fontRef>
-          </p:style>
-          <p:txBody>
-            <a:bodyPr spcFirstLastPara="0" vert="horz" wrap="square" lIns="10795" tIns="10795" rIns="10795" bIns="10795" numCol="1" spcCol="1270" anchor="ctr" anchorCtr="0">
-              <a:noAutofit/>
-            </a:bodyPr>
-            <a:lstStyle/>
-            <a:p>
-              <a:pPr lvl="0" algn="ctr" defTabSz="755650">
-                <a:lnSpc>
-                  <a:spcPct val="90000"/>
-                </a:lnSpc>
-                <a:spcBef>
-                  <a:spcPct val="0"/>
-                </a:spcBef>
-                <a:spcAft>
-                  <a:spcPct val="35000"/>
-                </a:spcAft>
-              </a:pPr>
-              <a:r>
-                <a:rPr lang="fr-FR" sz="1700" kern="1200" dirty="0" smtClean="0"/>
-                <a:t>1.6.0</a:t>
-              </a:r>
-              <a:endParaRPr lang="fr-FR" sz="1700" kern="1200" dirty="0"/>
-            </a:p>
-          </p:txBody>
-        </p:sp>
-      </p:grpSp>
-      <p:grpSp>
-        <p:nvGrpSpPr>
-          <p:cNvPr id="13" name="Group 12"/>
-          <p:cNvGrpSpPr/>
-          <p:nvPr/>
-        </p:nvGrpSpPr>
-        <p:grpSpPr>
-          <a:xfrm>
-            <a:off x="3073092" y="1969630"/>
-            <a:ext cx="8529614" cy="1039495"/>
-            <a:chOff x="1119457" y="1460776"/>
-            <a:chExt cx="8529614" cy="1039495"/>
-          </a:xfrm>
-        </p:grpSpPr>
-        <p:sp>
-          <p:nvSpPr>
-            <p:cNvPr id="14" name="Round Same Side Corner Rectangle 13"/>
-            <p:cNvSpPr/>
-            <p:nvPr/>
-          </p:nvSpPr>
-          <p:spPr>
-            <a:xfrm rot="5400000">
-              <a:off x="4864516" y="-2284283"/>
-              <a:ext cx="1039495" cy="8529614"/>
-            </a:xfrm>
-            <a:prstGeom prst="round2SameRect">
-              <a:avLst/>
-            </a:prstGeom>
-          </p:spPr>
-          <p:style>
-            <a:lnRef idx="1">
-              <a:schemeClr val="accent1">
-                <a:hueOff val="0"/>
-                <a:satOff val="0"/>
-                <a:lumOff val="0"/>
-                <a:alphaOff val="0"/>
-              </a:schemeClr>
-            </a:lnRef>
-            <a:fillRef idx="1">
-              <a:schemeClr val="lt1">
-                <a:alpha val="90000"/>
-                <a:hueOff val="0"/>
-                <a:satOff val="0"/>
-                <a:lumOff val="0"/>
-                <a:alphaOff val="0"/>
-              </a:schemeClr>
-            </a:fillRef>
-            <a:effectRef idx="0">
-              <a:schemeClr val="lt1">
-                <a:alpha val="90000"/>
-                <a:hueOff val="0"/>
-                <a:satOff val="0"/>
-                <a:lumOff val="0"/>
-                <a:alphaOff val="0"/>
-              </a:schemeClr>
-            </a:effectRef>
-            <a:fontRef idx="minor">
-              <a:schemeClr val="dk1">
-                <a:hueOff val="0"/>
-                <a:satOff val="0"/>
-                <a:lumOff val="0"/>
-                <a:alphaOff val="0"/>
-              </a:schemeClr>
-            </a:fontRef>
-          </p:style>
-        </p:sp>
-        <p:sp>
-          <p:nvSpPr>
-            <p:cNvPr id="15" name="Round Same Side Corner Rectangle 10"/>
-            <p:cNvSpPr/>
-            <p:nvPr/>
-          </p:nvSpPr>
-          <p:spPr>
-            <a:xfrm>
-              <a:off x="1119457" y="1511520"/>
-              <a:ext cx="8478870" cy="938007"/>
-            </a:xfrm>
-            <a:prstGeom prst="rect">
-              <a:avLst/>
-            </a:prstGeom>
-          </p:spPr>
-          <p:style>
-            <a:lnRef idx="0">
-              <a:scrgbClr r="0" g="0" b="0"/>
-            </a:lnRef>
-            <a:fillRef idx="0">
-              <a:scrgbClr r="0" g="0" b="0"/>
-            </a:fillRef>
-            <a:effectRef idx="0">
-              <a:scrgbClr r="0" g="0" b="0"/>
-            </a:effectRef>
-            <a:fontRef idx="minor">
-              <a:schemeClr val="dk1">
-                <a:hueOff val="0"/>
-                <a:satOff val="0"/>
-                <a:lumOff val="0"/>
-                <a:alphaOff val="0"/>
-              </a:schemeClr>
-            </a:fontRef>
-          </p:style>
-          <p:txBody>
-            <a:bodyPr spcFirstLastPara="0" vert="horz" wrap="square" lIns="220472" tIns="19685" rIns="19685" bIns="19685" numCol="1" spcCol="1270" anchor="ctr" anchorCtr="0">
-              <a:noAutofit/>
-            </a:bodyPr>
-            <a:lstStyle/>
-            <a:p>
-              <a:pPr marL="285750" lvl="1" indent="-285750" algn="l" defTabSz="1377950">
-                <a:lnSpc>
-                  <a:spcPct val="90000"/>
-                </a:lnSpc>
-                <a:spcBef>
-                  <a:spcPct val="0"/>
-                </a:spcBef>
-                <a:spcAft>
-                  <a:spcPct val="15000"/>
-                </a:spcAft>
-                <a:buChar char="••"/>
-              </a:pPr>
-              <a:r>
-                <a:rPr lang="fr-FR" sz="3100" kern="1200" dirty="0" err="1" smtClean="0"/>
-                <a:t>November</a:t>
-              </a:r>
-              <a:r>
-                <a:rPr lang="fr-FR" sz="3100" kern="1200" dirty="0" smtClean="0"/>
-                <a:t> 2013</a:t>
-              </a:r>
-              <a:endParaRPr lang="fr-FR" sz="3100" kern="1200" dirty="0"/>
-            </a:p>
-            <a:p>
-              <a:pPr marL="285750" lvl="1" indent="-285750" defTabSz="1377950">
-                <a:lnSpc>
-                  <a:spcPct val="90000"/>
-                </a:lnSpc>
-                <a:spcBef>
-                  <a:spcPct val="0"/>
-                </a:spcBef>
-                <a:spcAft>
-                  <a:spcPct val="15000"/>
-                </a:spcAft>
-                <a:buChar char="••"/>
-              </a:pPr>
-              <a:r>
-                <a:rPr lang="fr-FR" sz="3100" dirty="0" smtClean="0"/>
-                <a:t>Beaucoup </a:t>
-              </a:r>
-              <a:r>
-                <a:rPr lang="fr-FR" sz="3100" dirty="0"/>
-                <a:t>de nouvelles fonctionnalités</a:t>
-              </a:r>
-              <a:endParaRPr lang="fr-FR" sz="3100" kern="1200" dirty="0"/>
-            </a:p>
-          </p:txBody>
-        </p:sp>
-      </p:grpSp>
-      <p:grpSp>
-        <p:nvGrpSpPr>
-          <p:cNvPr id="16" name="Group 15"/>
-          <p:cNvGrpSpPr/>
-          <p:nvPr/>
-        </p:nvGrpSpPr>
-        <p:grpSpPr>
-          <a:xfrm>
-            <a:off x="1953635" y="3425518"/>
-            <a:ext cx="1119458" cy="1599224"/>
-            <a:chOff x="0" y="2916664"/>
-            <a:chExt cx="1119458" cy="1599224"/>
-          </a:xfrm>
-        </p:grpSpPr>
-        <p:sp>
-          <p:nvSpPr>
-            <p:cNvPr id="17" name="Chevron 16"/>
-            <p:cNvSpPr/>
-            <p:nvPr/>
-          </p:nvSpPr>
-          <p:spPr>
-            <a:xfrm rot="5400000">
-              <a:off x="-239883" y="3156547"/>
-              <a:ext cx="1599224" cy="1119457"/>
-            </a:xfrm>
-            <a:prstGeom prst="chevron">
-              <a:avLst/>
-            </a:prstGeom>
-          </p:spPr>
-          <p:style>
-            <a:lnRef idx="1">
-              <a:schemeClr val="accent1">
-                <a:hueOff val="0"/>
-                <a:satOff val="0"/>
-                <a:lumOff val="0"/>
-                <a:alphaOff val="0"/>
-              </a:schemeClr>
-            </a:lnRef>
-            <a:fillRef idx="3">
-              <a:schemeClr val="accent1">
-                <a:hueOff val="0"/>
-                <a:satOff val="0"/>
-                <a:lumOff val="0"/>
-                <a:alphaOff val="0"/>
-              </a:schemeClr>
-            </a:fillRef>
-            <a:effectRef idx="2">
-              <a:schemeClr val="accent1">
-                <a:hueOff val="0"/>
-                <a:satOff val="0"/>
-                <a:lumOff val="0"/>
-                <a:alphaOff val="0"/>
-              </a:schemeClr>
-            </a:effectRef>
-            <a:fontRef idx="minor">
-              <a:schemeClr val="lt1"/>
-            </a:fontRef>
-          </p:style>
-        </p:sp>
-        <p:sp>
-          <p:nvSpPr>
-            <p:cNvPr id="18" name="Chevron 12"/>
-            <p:cNvSpPr/>
-            <p:nvPr/>
-          </p:nvSpPr>
-          <p:spPr>
-            <a:xfrm>
-              <a:off x="1" y="3476393"/>
-              <a:ext cx="1119457" cy="479767"/>
-            </a:xfrm>
-            <a:prstGeom prst="rect">
-              <a:avLst/>
-            </a:prstGeom>
-          </p:spPr>
-          <p:style>
-            <a:lnRef idx="0">
-              <a:scrgbClr r="0" g="0" b="0"/>
-            </a:lnRef>
-            <a:fillRef idx="0">
-              <a:scrgbClr r="0" g="0" b="0"/>
-            </a:fillRef>
-            <a:effectRef idx="0">
-              <a:scrgbClr r="0" g="0" b="0"/>
-            </a:effectRef>
-            <a:fontRef idx="minor">
-              <a:schemeClr val="lt1"/>
-            </a:fontRef>
-          </p:style>
-          <p:txBody>
-            <a:bodyPr spcFirstLastPara="0" vert="horz" wrap="square" lIns="10795" tIns="10795" rIns="10795" bIns="10795" numCol="1" spcCol="1270" anchor="ctr" anchorCtr="0">
-              <a:noAutofit/>
-            </a:bodyPr>
-            <a:lstStyle/>
-            <a:p>
-              <a:pPr lvl="0" algn="ctr" defTabSz="755650">
-                <a:lnSpc>
-                  <a:spcPct val="90000"/>
-                </a:lnSpc>
-                <a:spcBef>
-                  <a:spcPct val="0"/>
-                </a:spcBef>
-                <a:spcAft>
-                  <a:spcPct val="35000"/>
-                </a:spcAft>
-              </a:pPr>
-              <a:endParaRPr lang="fr-FR" sz="1700" kern="1200" dirty="0"/>
-            </a:p>
-          </p:txBody>
-        </p:sp>
-      </p:grpSp>
-      <p:grpSp>
-        <p:nvGrpSpPr>
-          <p:cNvPr id="19" name="Group 18"/>
-          <p:cNvGrpSpPr/>
-          <p:nvPr/>
-        </p:nvGrpSpPr>
-        <p:grpSpPr>
-          <a:xfrm>
-            <a:off x="3073092" y="3425518"/>
-            <a:ext cx="8529614" cy="1039495"/>
-            <a:chOff x="1119457" y="2916664"/>
-            <a:chExt cx="8529614" cy="1039495"/>
-          </a:xfrm>
-        </p:grpSpPr>
-        <p:sp>
-          <p:nvSpPr>
-            <p:cNvPr id="20" name="Round Same Side Corner Rectangle 19"/>
-            <p:cNvSpPr/>
-            <p:nvPr/>
-          </p:nvSpPr>
-          <p:spPr>
-            <a:xfrm rot="5400000">
-              <a:off x="4864516" y="-828395"/>
-              <a:ext cx="1039495" cy="8529614"/>
-            </a:xfrm>
-            <a:prstGeom prst="round2SameRect">
-              <a:avLst/>
-            </a:prstGeom>
-          </p:spPr>
-          <p:style>
-            <a:lnRef idx="1">
-              <a:schemeClr val="accent1">
-                <a:hueOff val="0"/>
-                <a:satOff val="0"/>
-                <a:lumOff val="0"/>
-                <a:alphaOff val="0"/>
-              </a:schemeClr>
-            </a:lnRef>
-            <a:fillRef idx="1">
-              <a:schemeClr val="lt1">
-                <a:alpha val="90000"/>
-                <a:hueOff val="0"/>
-                <a:satOff val="0"/>
-                <a:lumOff val="0"/>
-                <a:alphaOff val="0"/>
-              </a:schemeClr>
-            </a:fillRef>
-            <a:effectRef idx="0">
-              <a:schemeClr val="lt1">
-                <a:alpha val="90000"/>
-                <a:hueOff val="0"/>
-                <a:satOff val="0"/>
-                <a:lumOff val="0"/>
-                <a:alphaOff val="0"/>
-              </a:schemeClr>
-            </a:effectRef>
-            <a:fontRef idx="minor">
-              <a:schemeClr val="dk1">
-                <a:hueOff val="0"/>
-                <a:satOff val="0"/>
-                <a:lumOff val="0"/>
-                <a:alphaOff val="0"/>
-              </a:schemeClr>
-            </a:fontRef>
-          </p:style>
-        </p:sp>
-        <p:sp>
-          <p:nvSpPr>
-            <p:cNvPr id="21" name="Round Same Side Corner Rectangle 14"/>
-            <p:cNvSpPr/>
-            <p:nvPr/>
-          </p:nvSpPr>
-          <p:spPr>
-            <a:xfrm>
-              <a:off x="1119457" y="2967408"/>
-              <a:ext cx="8478870" cy="938007"/>
-            </a:xfrm>
-            <a:prstGeom prst="rect">
-              <a:avLst/>
-            </a:prstGeom>
-          </p:spPr>
-          <p:style>
-            <a:lnRef idx="0">
-              <a:scrgbClr r="0" g="0" b="0"/>
-            </a:lnRef>
-            <a:fillRef idx="0">
-              <a:scrgbClr r="0" g="0" b="0"/>
-            </a:fillRef>
-            <a:effectRef idx="0">
-              <a:scrgbClr r="0" g="0" b="0"/>
-            </a:effectRef>
-            <a:fontRef idx="minor">
-              <a:schemeClr val="dk1">
-                <a:hueOff val="0"/>
-                <a:satOff val="0"/>
-                <a:lumOff val="0"/>
-                <a:alphaOff val="0"/>
-              </a:schemeClr>
-            </a:fontRef>
-          </p:style>
-          <p:txBody>
-            <a:bodyPr spcFirstLastPara="0" vert="horz" wrap="square" lIns="220472" tIns="19685" rIns="19685" bIns="19685" numCol="1" spcCol="1270" anchor="ctr" anchorCtr="0">
-              <a:noAutofit/>
-            </a:bodyPr>
-            <a:lstStyle/>
-            <a:p>
-              <a:pPr marL="285750" lvl="1" indent="-285750" defTabSz="1377950">
-                <a:lnSpc>
-                  <a:spcPct val="90000"/>
-                </a:lnSpc>
-                <a:spcBef>
-                  <a:spcPct val="0"/>
-                </a:spcBef>
-                <a:spcAft>
-                  <a:spcPct val="15000"/>
-                </a:spcAft>
-                <a:buChar char="••"/>
-              </a:pPr>
-              <a:r>
-                <a:rPr lang="fr-FR" sz="3100" dirty="0"/>
-                <a:t>Q2 2014</a:t>
-              </a:r>
-            </a:p>
-            <a:p>
-              <a:pPr marL="285750" lvl="1" indent="-285750" defTabSz="1377950">
-                <a:lnSpc>
-                  <a:spcPct val="90000"/>
-                </a:lnSpc>
-                <a:spcBef>
-                  <a:spcPct val="0"/>
-                </a:spcBef>
-                <a:spcAft>
-                  <a:spcPct val="15000"/>
-                </a:spcAft>
-                <a:buChar char="••"/>
-              </a:pPr>
-              <a:r>
-                <a:rPr lang="fr-FR" sz="3100" dirty="0"/>
-                <a:t>Java EE 7 </a:t>
-              </a:r>
-              <a:endParaRPr lang="fr-FR" sz="3100" dirty="0"/>
-            </a:p>
-          </p:txBody>
-        </p:sp>
-      </p:grpSp>
-      <p:grpSp>
-        <p:nvGrpSpPr>
-          <p:cNvPr id="22" name="Group 21"/>
-          <p:cNvGrpSpPr/>
-          <p:nvPr/>
-        </p:nvGrpSpPr>
-        <p:grpSpPr>
-          <a:xfrm>
-            <a:off x="1953635" y="4881406"/>
-            <a:ext cx="1119458" cy="1599224"/>
-            <a:chOff x="0" y="4372552"/>
-            <a:chExt cx="1119458" cy="1599224"/>
-          </a:xfrm>
-        </p:grpSpPr>
-        <p:sp>
-          <p:nvSpPr>
-            <p:cNvPr id="23" name="Chevron 22"/>
-            <p:cNvSpPr/>
-            <p:nvPr/>
-          </p:nvSpPr>
-          <p:spPr>
-            <a:xfrm rot="5400000">
-              <a:off x="-239883" y="4612435"/>
-              <a:ext cx="1599224" cy="1119457"/>
-            </a:xfrm>
-            <a:prstGeom prst="chevron">
-              <a:avLst/>
-            </a:prstGeom>
-          </p:spPr>
-          <p:style>
-            <a:lnRef idx="1">
-              <a:schemeClr val="accent1">
-                <a:hueOff val="0"/>
-                <a:satOff val="0"/>
-                <a:lumOff val="0"/>
-                <a:alphaOff val="0"/>
-              </a:schemeClr>
-            </a:lnRef>
-            <a:fillRef idx="3">
-              <a:schemeClr val="accent1">
-                <a:hueOff val="0"/>
-                <a:satOff val="0"/>
-                <a:lumOff val="0"/>
-                <a:alphaOff val="0"/>
-              </a:schemeClr>
-            </a:fillRef>
-            <a:effectRef idx="2">
-              <a:schemeClr val="accent1">
-                <a:hueOff val="0"/>
-                <a:satOff val="0"/>
-                <a:lumOff val="0"/>
-                <a:alphaOff val="0"/>
-              </a:schemeClr>
-            </a:effectRef>
-            <a:fontRef idx="minor">
-              <a:schemeClr val="lt1"/>
-            </a:fontRef>
-          </p:style>
-        </p:sp>
-        <p:sp>
-          <p:nvSpPr>
-            <p:cNvPr id="24" name="Chevron 16"/>
-            <p:cNvSpPr/>
-            <p:nvPr/>
-          </p:nvSpPr>
-          <p:spPr>
-            <a:xfrm>
-              <a:off x="1" y="4932281"/>
-              <a:ext cx="1119457" cy="479767"/>
-            </a:xfrm>
-            <a:prstGeom prst="rect">
-              <a:avLst/>
-            </a:prstGeom>
-          </p:spPr>
-          <p:style>
-            <a:lnRef idx="0">
-              <a:scrgbClr r="0" g="0" b="0"/>
-            </a:lnRef>
-            <a:fillRef idx="0">
-              <a:scrgbClr r="0" g="0" b="0"/>
-            </a:fillRef>
-            <a:effectRef idx="0">
-              <a:scrgbClr r="0" g="0" b="0"/>
-            </a:effectRef>
-            <a:fontRef idx="minor">
-              <a:schemeClr val="lt1"/>
-            </a:fontRef>
-          </p:style>
-          <p:txBody>
-            <a:bodyPr spcFirstLastPara="0" vert="horz" wrap="square" lIns="10795" tIns="10795" rIns="10795" bIns="10795" numCol="1" spcCol="1270" anchor="ctr" anchorCtr="0">
-              <a:noAutofit/>
-            </a:bodyPr>
-            <a:lstStyle/>
-            <a:p>
-              <a:pPr lvl="0" algn="ctr" defTabSz="755650">
-                <a:lnSpc>
-                  <a:spcPct val="90000"/>
-                </a:lnSpc>
-                <a:spcBef>
-                  <a:spcPct val="0"/>
-                </a:spcBef>
-                <a:spcAft>
-                  <a:spcPct val="35000"/>
-                </a:spcAft>
-              </a:pPr>
-              <a:endParaRPr lang="fr-FR" sz="1700" kern="1200" dirty="0"/>
-            </a:p>
-          </p:txBody>
-        </p:sp>
-      </p:grpSp>
-      <p:grpSp>
-        <p:nvGrpSpPr>
-          <p:cNvPr id="25" name="Group 24"/>
-          <p:cNvGrpSpPr/>
-          <p:nvPr/>
-        </p:nvGrpSpPr>
-        <p:grpSpPr>
-          <a:xfrm>
-            <a:off x="3073092" y="4881405"/>
-            <a:ext cx="8529614" cy="1039495"/>
-            <a:chOff x="1119457" y="4372551"/>
-            <a:chExt cx="8529614" cy="1039495"/>
-          </a:xfrm>
-        </p:grpSpPr>
-        <p:sp>
-          <p:nvSpPr>
-            <p:cNvPr id="26" name="Round Same Side Corner Rectangle 25"/>
-            <p:cNvSpPr/>
-            <p:nvPr/>
-          </p:nvSpPr>
-          <p:spPr>
-            <a:xfrm rot="5400000">
-              <a:off x="4864516" y="627492"/>
-              <a:ext cx="1039495" cy="8529614"/>
-            </a:xfrm>
-            <a:prstGeom prst="round2SameRect">
-              <a:avLst/>
-            </a:prstGeom>
-          </p:spPr>
-          <p:style>
-            <a:lnRef idx="1">
-              <a:schemeClr val="accent1">
-                <a:hueOff val="0"/>
-                <a:satOff val="0"/>
-                <a:lumOff val="0"/>
-                <a:alphaOff val="0"/>
-              </a:schemeClr>
-            </a:lnRef>
-            <a:fillRef idx="1">
-              <a:schemeClr val="lt1">
-                <a:alpha val="90000"/>
-                <a:hueOff val="0"/>
-                <a:satOff val="0"/>
-                <a:lumOff val="0"/>
-                <a:alphaOff val="0"/>
-              </a:schemeClr>
-            </a:fillRef>
-            <a:effectRef idx="0">
-              <a:schemeClr val="lt1">
-                <a:alpha val="90000"/>
-                <a:hueOff val="0"/>
-                <a:satOff val="0"/>
-                <a:lumOff val="0"/>
-                <a:alphaOff val="0"/>
-              </a:schemeClr>
-            </a:effectRef>
-            <a:fontRef idx="minor">
-              <a:schemeClr val="dk1">
-                <a:hueOff val="0"/>
-                <a:satOff val="0"/>
-                <a:lumOff val="0"/>
-                <a:alphaOff val="0"/>
-              </a:schemeClr>
-            </a:fontRef>
-          </p:style>
-        </p:sp>
-        <p:sp>
-          <p:nvSpPr>
-            <p:cNvPr id="27" name="Round Same Side Corner Rectangle 18"/>
-            <p:cNvSpPr/>
-            <p:nvPr/>
-          </p:nvSpPr>
-          <p:spPr>
-            <a:xfrm>
-              <a:off x="1119457" y="4423295"/>
-              <a:ext cx="8478870" cy="938007"/>
-            </a:xfrm>
-            <a:prstGeom prst="rect">
-              <a:avLst/>
-            </a:prstGeom>
-          </p:spPr>
-          <p:style>
-            <a:lnRef idx="0">
-              <a:scrgbClr r="0" g="0" b="0"/>
-            </a:lnRef>
-            <a:fillRef idx="0">
-              <a:scrgbClr r="0" g="0" b="0"/>
-            </a:fillRef>
-            <a:effectRef idx="0">
-              <a:scrgbClr r="0" g="0" b="0"/>
-            </a:effectRef>
-            <a:fontRef idx="minor">
-              <a:schemeClr val="dk1">
-                <a:hueOff val="0"/>
-                <a:satOff val="0"/>
-                <a:lumOff val="0"/>
-                <a:alphaOff val="0"/>
-              </a:schemeClr>
-            </a:fontRef>
-          </p:style>
-          <p:txBody>
-            <a:bodyPr spcFirstLastPara="0" vert="horz" wrap="square" lIns="220472" tIns="19685" rIns="19685" bIns="19685" numCol="1" spcCol="1270" anchor="ctr" anchorCtr="0">
-              <a:noAutofit/>
-            </a:bodyPr>
-            <a:lstStyle/>
-            <a:p>
-              <a:pPr marL="285750" lvl="1" indent="-285750" algn="l" defTabSz="1377950">
-                <a:lnSpc>
-                  <a:spcPct val="90000"/>
-                </a:lnSpc>
-                <a:spcBef>
-                  <a:spcPct val="0"/>
-                </a:spcBef>
-                <a:spcAft>
-                  <a:spcPct val="15000"/>
-                </a:spcAft>
-                <a:buChar char="••"/>
-              </a:pPr>
-              <a:r>
-                <a:rPr lang="fr-FR" sz="3100" dirty="0" err="1" smtClean="0"/>
-                <a:t>Dec</a:t>
-              </a:r>
-              <a:r>
-                <a:rPr lang="fr-FR" sz="3100" dirty="0" smtClean="0"/>
-                <a:t> 2015</a:t>
-              </a:r>
-              <a:endParaRPr lang="fr-FR" sz="3100" kern="1200" dirty="0"/>
-            </a:p>
-            <a:p>
-              <a:pPr marL="285750" lvl="1" indent="-285750" defTabSz="1377950">
-                <a:lnSpc>
-                  <a:spcPct val="90000"/>
-                </a:lnSpc>
-                <a:spcBef>
-                  <a:spcPct val="0"/>
-                </a:spcBef>
-                <a:spcAft>
-                  <a:spcPct val="15000"/>
-                </a:spcAft>
-                <a:buChar char="••"/>
-              </a:pPr>
-              <a:r>
-                <a:rPr lang="fr-FR" sz="3100" dirty="0"/>
-                <a:t>Apache </a:t>
-              </a:r>
-              <a:r>
-                <a:rPr lang="fr-FR" sz="3200" b="1" dirty="0" err="1">
-                  <a:solidFill>
-                    <a:srgbClr val="FF0000"/>
-                  </a:solidFill>
-                </a:rPr>
-                <a:t>TomEE</a:t>
-              </a:r>
-              <a:r>
-                <a:rPr lang="fr-FR" sz="3200" b="1" dirty="0">
-                  <a:solidFill>
-                    <a:srgbClr val="FF0000"/>
-                  </a:solidFill>
-                </a:rPr>
-                <a:t> </a:t>
-              </a:r>
-              <a:r>
-                <a:rPr lang="fr-FR" sz="3200" b="1" dirty="0" smtClean="0">
-                  <a:solidFill>
-                    <a:srgbClr val="FF0000"/>
-                  </a:solidFill>
-                </a:rPr>
-                <a:t>1.7.3 </a:t>
-              </a:r>
-              <a:r>
-                <a:rPr lang="fr-FR" sz="3100" dirty="0"/>
-                <a:t>disponible!</a:t>
-              </a:r>
-              <a:endParaRPr lang="fr-FR" sz="3100" kern="1200" dirty="0"/>
-            </a:p>
-          </p:txBody>
-        </p:sp>
-      </p:grpSp>
-      <p:sp>
-        <p:nvSpPr>
-          <p:cNvPr id="28" name="Rectangle 1"/>
-          <p:cNvSpPr>
-            <a:spLocks noChangeArrowheads="1"/>
-          </p:cNvSpPr>
-          <p:nvPr/>
-        </p:nvSpPr>
-        <p:spPr bwMode="auto">
-          <a:xfrm>
-            <a:off x="0" y="0"/>
-            <a:ext cx="12192000" cy="457200"/>
-          </a:xfrm>
-          <a:prstGeom prst="rect">
-            <a:avLst/>
-          </a:prstGeom>
-          <a:solidFill>
-            <a:srgbClr val="FFFFFF"/>
-          </a:solidFill>
-          <a:ln>
-            <a:noFill/>
-          </a:ln>
-          <a:effectLst/>
-          <a:extLst>
-            <a:ext uri="{91240B29-F687-4F45-9708-019B960494DF}">
-              <a14:hiddenLine xmlns:a14="http://schemas.microsoft.com/office/drawing/2010/main" w="9525">
-                <a:solidFill>
-                  <a:schemeClr val="tx1"/>
-                </a:solidFill>
-                <a:miter lim="800000"/>
-                <a:headEnd/>
-                <a:tailEnd/>
-              </a14:hiddenLine>
-            </a:ext>
-            <a:ext uri="{AF507438-7753-43E0-B8FC-AC1667EBCBE1}">
-              <a14:hiddenEffects xmlns:a14="http://schemas.microsoft.com/office/drawing/2010/main">
-                <a:effectLst>
-                  <a:outerShdw dist="35921" dir="2700000" algn="ctr" rotWithShape="0">
-                    <a:schemeClr val="bg2"/>
-                  </a:outerShdw>
-                </a:effectLst>
-              </a14:hiddenEffects>
-            </a:ext>
-          </a:extLst>
-        </p:spPr>
-        <p:txBody>
-          <a:bodyPr vert="horz" wrap="none" lIns="0" tIns="0" rIns="0" bIns="0" numCol="1" anchor="ctr" anchorCtr="0" compatLnSpc="1">
-            <a:prstTxWarp prst="textNoShape">
-              <a:avLst/>
-            </a:prstTxWarp>
-            <a:spAutoFit/>
-          </a:bodyPr>
-          <a:lstStyle/>
-          <a:p>
-            <a:pPr marL="0" marR="0" lvl="0" indent="0" algn="l" defTabSz="914400" rtl="0" eaLnBrk="0" fontAlgn="base" latinLnBrk="0" hangingPunct="0">
-              <a:lnSpc>
-                <a:spcPct val="100000"/>
-              </a:lnSpc>
-              <a:spcBef>
-                <a:spcPct val="0"/>
-              </a:spcBef>
-              <a:spcAft>
-                <a:spcPct val="0"/>
-              </a:spcAft>
-              <a:buClrTx/>
-              <a:buSzTx/>
-              <a:buFontTx/>
-              <a:buNone/>
-              <a:tabLst/>
-            </a:pPr>
-            <a:r>
-              <a:rPr kumimoji="0" lang="en-US" sz="1300" b="0" i="0" u="none" strike="noStrike" cap="none" normalizeH="0" baseline="0" smtClean="0">
-                <a:ln>
-                  <a:noFill/>
-                </a:ln>
-                <a:solidFill>
-                  <a:srgbClr val="BFBFBF"/>
-                </a:solidFill>
-                <a:effectLst/>
-                <a:latin typeface="inherit"/>
-              </a:rPr>
-              <a:t>December 2015</a:t>
-            </a:r>
-            <a:endParaRPr kumimoji="0" lang="en-US" sz="2200" b="1" i="0" u="none" strike="noStrike" cap="none" normalizeH="0" baseline="0" smtClean="0">
-              <a:ln>
-                <a:noFill/>
-              </a:ln>
-              <a:solidFill>
-                <a:srgbClr val="404040"/>
-              </a:solidFill>
-              <a:effectLst/>
-              <a:latin typeface="Helvetica Neue"/>
-            </a:endParaRPr>
-          </a:p>
-          <a:p>
-            <a:pPr marL="0" marR="0" lvl="0" indent="0" algn="l" defTabSz="914400" rtl="0" eaLnBrk="0" fontAlgn="base" latinLnBrk="0" hangingPunct="0">
-              <a:lnSpc>
-                <a:spcPct val="100000"/>
-              </a:lnSpc>
-              <a:spcBef>
-                <a:spcPct val="0"/>
-              </a:spcBef>
-              <a:spcAft>
-                <a:spcPct val="0"/>
-              </a:spcAft>
-              <a:buClrTx/>
-              <a:buSzTx/>
-              <a:buFontTx/>
-              <a:buNone/>
-              <a:tabLst/>
-            </a:pPr>
-            <a:endParaRPr kumimoji="0" lang="en-US" sz="1800" b="0" i="0" u="none" strike="noStrike" cap="none" normalizeH="0" baseline="0" smtClean="0">
-              <a:ln>
-                <a:noFill/>
-              </a:ln>
-              <a:solidFill>
-                <a:schemeClr val="tx1"/>
-              </a:solidFill>
-              <a:effectLst/>
-              <a:latin typeface="Arial" panose="020B0604020202020204" pitchFamily="34" charset="0"/>
-            </a:endParaRPr>
-          </a:p>
-        </p:txBody>
-      </p:sp>
-      <p:sp>
-        <p:nvSpPr>
-          <p:cNvPr id="29" name="Chevron 8"/>
-          <p:cNvSpPr/>
-          <p:nvPr/>
-        </p:nvSpPr>
-        <p:spPr>
-          <a:xfrm>
-            <a:off x="1977311" y="5441133"/>
-            <a:ext cx="1119457" cy="479767"/>
-          </a:xfrm>
-          <a:prstGeom prst="rect">
-            <a:avLst/>
-          </a:prstGeom>
-        </p:spPr>
-        <p:style>
-          <a:lnRef idx="0">
-            <a:scrgbClr r="0" g="0" b="0"/>
-          </a:lnRef>
-          <a:fillRef idx="0">
-            <a:scrgbClr r="0" g="0" b="0"/>
-          </a:fillRef>
-          <a:effectRef idx="0">
-            <a:scrgbClr r="0" g="0" b="0"/>
-          </a:effectRef>
-          <a:fontRef idx="minor">
-            <a:schemeClr val="lt1"/>
-          </a:fontRef>
-        </p:style>
-        <p:txBody>
-          <a:bodyPr spcFirstLastPara="0" vert="horz" wrap="square" lIns="10795" tIns="10795" rIns="10795" bIns="10795" numCol="1" spcCol="1270" anchor="ctr" anchorCtr="0">
-            <a:noAutofit/>
-          </a:bodyPr>
-          <a:lstStyle/>
-          <a:p>
-            <a:pPr lvl="0" algn="ctr" defTabSz="755650">
-              <a:lnSpc>
-                <a:spcPct val="90000"/>
-              </a:lnSpc>
-              <a:spcBef>
-                <a:spcPct val="0"/>
-              </a:spcBef>
-              <a:spcAft>
-                <a:spcPct val="35000"/>
-              </a:spcAft>
-            </a:pPr>
-            <a:r>
-              <a:rPr lang="fr-FR" sz="1700" kern="1200" dirty="0" smtClean="0"/>
-              <a:t>1.7.0</a:t>
-            </a:r>
-            <a:endParaRPr lang="fr-FR" sz="1700" kern="1200" dirty="0"/>
-          </a:p>
-        </p:txBody>
-      </p:sp>
-    </p:spTree>
-    <p:extLst>
-      <p:ext uri="{BB962C8B-B14F-4D97-AF65-F5344CB8AC3E}">
-        <p14:creationId xmlns:p14="http://schemas.microsoft.com/office/powerpoint/2010/main" val="4015656143"/>
-      </p:ext>
-    </p:extLst>
-  </p:cSld>
-  <p:clrMapOvr>
-    <a:masterClrMapping/>
-  </p:clrMapOvr>
-  <p:timing>
-    <p:tnLst>
-      <p:par>
-        <p:cTn id="1" dur="indefinite" restart="never" nodeType="tmRoot"/>
-      </p:par>
-    </p:tnLst>
-  </p:timing>
-</p:sld>
-</file>
-
 <file path=ppt/theme/theme1.xml><?xml version="1.0" encoding="utf-8"?>
 <a:theme xmlns:a="http://schemas.openxmlformats.org/drawingml/2006/main" name="Wisp">
   <a:themeElements>
